--- a/Design Doc/Design document.pptx
+++ b/Design Doc/Design document.pptx
@@ -8,12 +8,16 @@
     <p:sldId id="256" r:id="rId2"/>
     <p:sldId id="257" r:id="rId3"/>
     <p:sldId id="258" r:id="rId4"/>
-    <p:sldId id="259" r:id="rId5"/>
-    <p:sldId id="260" r:id="rId6"/>
-    <p:sldId id="261" r:id="rId7"/>
-    <p:sldId id="262" r:id="rId8"/>
-    <p:sldId id="263" r:id="rId9"/>
-    <p:sldId id="264" r:id="rId10"/>
+    <p:sldId id="265" r:id="rId5"/>
+    <p:sldId id="259" r:id="rId6"/>
+    <p:sldId id="266" r:id="rId7"/>
+    <p:sldId id="268" r:id="rId8"/>
+    <p:sldId id="260" r:id="rId9"/>
+    <p:sldId id="267" r:id="rId10"/>
+    <p:sldId id="261" r:id="rId11"/>
+    <p:sldId id="262" r:id="rId12"/>
+    <p:sldId id="263" r:id="rId13"/>
+    <p:sldId id="264" r:id="rId14"/>
   </p:sldIdLst>
   <p:sldSz cx="12192000" cy="6858000"/>
   <p:notesSz cx="6858000" cy="9144000"/>
@@ -112,6 +116,11 @@
       </a:defRPr>
     </a:lvl9pPr>
   </p:defaultTextStyle>
+  <p:extLst>
+    <p:ext uri="{EFAFB233-063F-42B5-8137-9DF3F51BA10A}">
+      <p15:sldGuideLst xmlns:p15="http://schemas.microsoft.com/office/powerpoint/2012/main"/>
+    </p:ext>
+  </p:extLst>
 </p:presentation>
 </file>
 
@@ -3365,7 +3374,7 @@
         <p:spPr>
           <a:xfrm>
             <a:off x="1762539" y="-589333"/>
-            <a:ext cx="9064487" cy="8067658"/>
+            <a:ext cx="9064487" cy="7997959"/>
           </a:xfrm>
           <a:prstGeom prst="rect">
             <a:avLst/>
@@ -3402,15 +3411,12 @@
                 <a:spcPts val="800"/>
               </a:spcAft>
             </a:pPr>
-            <a:r>
-              <a:rPr lang="en-IN" sz="1800" b="1" dirty="0">
-                <a:effectLst/>
-                <a:latin typeface="Times New Roman" panose="02020603050405020304" pitchFamily="18" charset="0"/>
-                <a:ea typeface="Calibri" panose="020F0502020204030204" pitchFamily="34" charset="0"/>
-                <a:cs typeface="Times New Roman" panose="02020603050405020304" pitchFamily="18" charset="0"/>
-              </a:rPr>
-              <a:t>Design Document  </a:t>
-            </a:r>
+            <a:endParaRPr lang="en-IN" sz="1800" b="1" dirty="0">
+              <a:effectLst/>
+              <a:latin typeface="Times New Roman" panose="02020603050405020304" pitchFamily="18" charset="0"/>
+              <a:ea typeface="Calibri" panose="020F0502020204030204" pitchFamily="34" charset="0"/>
+              <a:cs typeface="Times New Roman" panose="02020603050405020304" pitchFamily="18" charset="0"/>
+            </a:endParaRPr>
           </a:p>
           <a:p>
             <a:pPr marR="127635" algn="ctr">
@@ -3428,19 +3434,37 @@
                 <a:ea typeface="Calibri" panose="020F0502020204030204" pitchFamily="34" charset="0"/>
                 <a:cs typeface="Times New Roman" panose="02020603050405020304" pitchFamily="18" charset="0"/>
               </a:rPr>
-              <a:t>for</a:t>
+              <a:t>Design Document  </a:t>
+            </a:r>
+          </a:p>
+          <a:p>
+            <a:pPr marR="127635" algn="ctr">
+              <a:lnSpc>
+                <a:spcPts val="3070"/>
+              </a:lnSpc>
+              <a:spcAft>
+                <a:spcPts val="800"/>
+              </a:spcAft>
+            </a:pPr>
+            <a:r>
+              <a:rPr lang="en-IN" sz="1800" b="1" dirty="0">
+                <a:effectLst/>
+                <a:latin typeface="Times New Roman" panose="02020603050405020304" pitchFamily="18" charset="0"/>
+                <a:ea typeface="Calibri" panose="020F0502020204030204" pitchFamily="34" charset="0"/>
+                <a:cs typeface="Times New Roman" panose="02020603050405020304" pitchFamily="18" charset="0"/>
+              </a:rPr>
+              <a:t>For</a:t>
             </a:r>
             <a:endParaRPr lang="en-IN" sz="900" dirty="0">
-              <a:effectLst/>
               <a:latin typeface="Calibri" panose="020F0502020204030204" pitchFamily="34" charset="0"/>
               <a:ea typeface="Calibri" panose="020F0502020204030204" pitchFamily="34" charset="0"/>
               <a:cs typeface="Times New Roman" panose="02020603050405020304" pitchFamily="18" charset="0"/>
             </a:endParaRPr>
           </a:p>
           <a:p>
-            <a:pPr marL="521970" algn="ctr">
+            <a:pPr marR="127635" algn="ctr">
               <a:lnSpc>
-                <a:spcPct val="107000"/>
+                <a:spcPts val="3070"/>
               </a:lnSpc>
               <a:spcAft>
                 <a:spcPts val="800"/>
@@ -3624,108 +3648,22 @@
               </a:rPr>
               <a:t> </a:t>
             </a:r>
-            <a:endParaRPr lang="en-IN" sz="900" dirty="0">
-              <a:effectLst/>
-              <a:latin typeface="Calibri" panose="020F0502020204030204" pitchFamily="34" charset="0"/>
-              <a:ea typeface="Calibri" panose="020F0502020204030204" pitchFamily="34" charset="0"/>
-              <a:cs typeface="Times New Roman" panose="02020603050405020304" pitchFamily="18" charset="0"/>
-            </a:endParaRPr>
-          </a:p>
-          <a:p>
-            <a:pPr>
-              <a:lnSpc>
-                <a:spcPts val="1000"/>
-              </a:lnSpc>
-              <a:spcAft>
-                <a:spcPts val="800"/>
-              </a:spcAft>
-            </a:pPr>
-            <a:r>
-              <a:rPr lang="en-IN" sz="800" dirty="0">
-                <a:effectLst/>
-                <a:latin typeface="Times New Roman" panose="02020603050405020304" pitchFamily="18" charset="0"/>
+            <a:r>
+              <a:rPr lang="en-IN" sz="900" dirty="0">
+                <a:latin typeface="Calibri" panose="020F0502020204030204" pitchFamily="34" charset="0"/>
                 <a:ea typeface="Calibri" panose="020F0502020204030204" pitchFamily="34" charset="0"/>
                 <a:cs typeface="Times New Roman" panose="02020603050405020304" pitchFamily="18" charset="0"/>
               </a:rPr>
-              <a:t> </a:t>
-            </a:r>
-            <a:endParaRPr lang="en-IN" sz="900" dirty="0">
-              <a:effectLst/>
-              <a:latin typeface="Calibri" panose="020F0502020204030204" pitchFamily="34" charset="0"/>
-              <a:ea typeface="Calibri" panose="020F0502020204030204" pitchFamily="34" charset="0"/>
-              <a:cs typeface="Times New Roman" panose="02020603050405020304" pitchFamily="18" charset="0"/>
-            </a:endParaRPr>
-          </a:p>
-          <a:p>
-            <a:pPr>
-              <a:lnSpc>
-                <a:spcPts val="1000"/>
-              </a:lnSpc>
-              <a:spcAft>
-                <a:spcPts val="800"/>
-              </a:spcAft>
-            </a:pPr>
-            <a:r>
-              <a:rPr lang="en-IN" sz="800" dirty="0">
+              <a:t> </a:t>
+            </a:r>
+            <a:r>
+              <a:rPr lang="en-IN" sz="1050" dirty="0">
                 <a:effectLst/>
-                <a:latin typeface="Times New Roman" panose="02020603050405020304" pitchFamily="18" charset="0"/>
+                <a:latin typeface="Arial" panose="020B0604020202020204" pitchFamily="34" charset="0"/>
                 <a:ea typeface="Calibri" panose="020F0502020204030204" pitchFamily="34" charset="0"/>
                 <a:cs typeface="Times New Roman" panose="02020603050405020304" pitchFamily="18" charset="0"/>
               </a:rPr>
-              <a:t> </a:t>
-            </a:r>
-            <a:endParaRPr lang="en-IN" sz="900" dirty="0">
-              <a:effectLst/>
-              <a:latin typeface="Calibri" panose="020F0502020204030204" pitchFamily="34" charset="0"/>
-              <a:ea typeface="Calibri" panose="020F0502020204030204" pitchFamily="34" charset="0"/>
-              <a:cs typeface="Times New Roman" panose="02020603050405020304" pitchFamily="18" charset="0"/>
-            </a:endParaRPr>
-          </a:p>
-          <a:p>
-            <a:pPr>
-              <a:lnSpc>
-                <a:spcPts val="1000"/>
-              </a:lnSpc>
-              <a:spcAft>
-                <a:spcPts val="800"/>
-              </a:spcAft>
-            </a:pPr>
-            <a:r>
-              <a:rPr lang="en-IN" sz="800" dirty="0">
-                <a:effectLst/>
-                <a:latin typeface="Times New Roman" panose="02020603050405020304" pitchFamily="18" charset="0"/>
-                <a:ea typeface="Calibri" panose="020F0502020204030204" pitchFamily="34" charset="0"/>
-                <a:cs typeface="Times New Roman" panose="02020603050405020304" pitchFamily="18" charset="0"/>
-              </a:rPr>
-              <a:t> </a:t>
-            </a:r>
-            <a:endParaRPr lang="en-IN" sz="900" dirty="0">
-              <a:effectLst/>
-              <a:latin typeface="Calibri" panose="020F0502020204030204" pitchFamily="34" charset="0"/>
-              <a:ea typeface="Calibri" panose="020F0502020204030204" pitchFamily="34" charset="0"/>
-              <a:cs typeface="Times New Roman" panose="02020603050405020304" pitchFamily="18" charset="0"/>
-            </a:endParaRPr>
-          </a:p>
-          <a:p>
-            <a:pPr>
-              <a:lnSpc>
-                <a:spcPts val="1000"/>
-              </a:lnSpc>
-              <a:spcBef>
-                <a:spcPts val="50"/>
-              </a:spcBef>
-              <a:spcAft>
-                <a:spcPts val="800"/>
-              </a:spcAft>
-            </a:pPr>
-            <a:r>
-              <a:rPr lang="en-IN" sz="800" dirty="0">
-                <a:effectLst/>
-                <a:latin typeface="Times New Roman" panose="02020603050405020304" pitchFamily="18" charset="0"/>
-                <a:ea typeface="Calibri" panose="020F0502020204030204" pitchFamily="34" charset="0"/>
-                <a:cs typeface="Times New Roman" panose="02020603050405020304" pitchFamily="18" charset="0"/>
-              </a:rPr>
-              <a:t> </a:t>
+              <a:t>Prepared by</a:t>
             </a:r>
             <a:endParaRPr lang="en-IN" sz="900" dirty="0">
               <a:effectLst/>
@@ -3750,7 +3688,7 @@
                 <a:ea typeface="Calibri" panose="020F0502020204030204" pitchFamily="34" charset="0"/>
                 <a:cs typeface="Times New Roman" panose="02020603050405020304" pitchFamily="18" charset="0"/>
               </a:rPr>
-              <a:t>Prepared by</a:t>
+              <a:t> </a:t>
             </a:r>
             <a:endParaRPr lang="en-IN" sz="900" dirty="0">
               <a:effectLst/>
@@ -3769,13 +3707,22 @@
               </a:spcAft>
             </a:pPr>
             <a:r>
+              <a:rPr lang="en-IN" sz="1050" dirty="0" err="1">
+                <a:effectLst/>
+                <a:latin typeface="Arial" panose="020B0604020202020204" pitchFamily="34" charset="0"/>
+                <a:ea typeface="Calibri" panose="020F0502020204030204" pitchFamily="34" charset="0"/>
+                <a:cs typeface="Times New Roman" panose="02020603050405020304" pitchFamily="18" charset="0"/>
+              </a:rPr>
+              <a:t>Debopriyo</a:t>
+            </a:r>
+            <a:r>
               <a:rPr lang="en-IN" sz="1050" dirty="0">
                 <a:effectLst/>
                 <a:latin typeface="Arial" panose="020B0604020202020204" pitchFamily="34" charset="0"/>
                 <a:ea typeface="Calibri" panose="020F0502020204030204" pitchFamily="34" charset="0"/>
                 <a:cs typeface="Times New Roman" panose="02020603050405020304" pitchFamily="18" charset="0"/>
               </a:rPr>
-              <a:t> </a:t>
+              <a:t> Ghosh            Roll- 33</a:t>
             </a:r>
             <a:endParaRPr lang="en-IN" sz="900" dirty="0">
               <a:effectLst/>
@@ -3794,22 +3741,13 @@
               </a:spcAft>
             </a:pPr>
             <a:r>
-              <a:rPr lang="en-IN" sz="1050" dirty="0" err="1">
-                <a:effectLst/>
-                <a:latin typeface="Arial" panose="020B0604020202020204" pitchFamily="34" charset="0"/>
-                <a:ea typeface="Calibri" panose="020F0502020204030204" pitchFamily="34" charset="0"/>
-                <a:cs typeface="Times New Roman" panose="02020603050405020304" pitchFamily="18" charset="0"/>
-              </a:rPr>
-              <a:t>Debopriyo</a:t>
-            </a:r>
-            <a:r>
               <a:rPr lang="en-IN" sz="1050" dirty="0">
                 <a:effectLst/>
                 <a:latin typeface="Arial" panose="020B0604020202020204" pitchFamily="34" charset="0"/>
                 <a:ea typeface="Calibri" panose="020F0502020204030204" pitchFamily="34" charset="0"/>
                 <a:cs typeface="Times New Roman" panose="02020603050405020304" pitchFamily="18" charset="0"/>
               </a:rPr>
-              <a:t> Ghosh            Roll- 33</a:t>
+              <a:t> </a:t>
             </a:r>
             <a:endParaRPr lang="en-IN" sz="900" dirty="0">
               <a:effectLst/>
@@ -3828,13 +3766,22 @@
               </a:spcAft>
             </a:pPr>
             <a:r>
+              <a:rPr lang="en-IN" sz="1050" dirty="0" err="1">
+                <a:effectLst/>
+                <a:latin typeface="Arial" panose="020B0604020202020204" pitchFamily="34" charset="0"/>
+                <a:ea typeface="Calibri" panose="020F0502020204030204" pitchFamily="34" charset="0"/>
+                <a:cs typeface="Times New Roman" panose="02020603050405020304" pitchFamily="18" charset="0"/>
+              </a:rPr>
+              <a:t>Saikat</a:t>
+            </a:r>
+            <a:r>
               <a:rPr lang="en-IN" sz="1050" dirty="0">
                 <a:effectLst/>
                 <a:latin typeface="Arial" panose="020B0604020202020204" pitchFamily="34" charset="0"/>
                 <a:ea typeface="Calibri" panose="020F0502020204030204" pitchFamily="34" charset="0"/>
                 <a:cs typeface="Times New Roman" panose="02020603050405020304" pitchFamily="18" charset="0"/>
               </a:rPr>
-              <a:t> </a:t>
+              <a:t> Jana                     Roll-50</a:t>
             </a:r>
             <a:endParaRPr lang="en-IN" sz="900" dirty="0">
               <a:effectLst/>
@@ -3853,22 +3800,13 @@
               </a:spcAft>
             </a:pPr>
             <a:r>
-              <a:rPr lang="en-IN" sz="1050" dirty="0" err="1">
-                <a:effectLst/>
-                <a:latin typeface="Arial" panose="020B0604020202020204" pitchFamily="34" charset="0"/>
-                <a:ea typeface="Calibri" panose="020F0502020204030204" pitchFamily="34" charset="0"/>
-                <a:cs typeface="Times New Roman" panose="02020603050405020304" pitchFamily="18" charset="0"/>
-              </a:rPr>
-              <a:t>Saikat</a:t>
-            </a:r>
-            <a:r>
               <a:rPr lang="en-IN" sz="1050" dirty="0">
                 <a:effectLst/>
                 <a:latin typeface="Arial" panose="020B0604020202020204" pitchFamily="34" charset="0"/>
                 <a:ea typeface="Calibri" panose="020F0502020204030204" pitchFamily="34" charset="0"/>
                 <a:cs typeface="Times New Roman" panose="02020603050405020304" pitchFamily="18" charset="0"/>
               </a:rPr>
-              <a:t> Jana                     Roll-50</a:t>
+              <a:t> </a:t>
             </a:r>
             <a:endParaRPr lang="en-IN" sz="900" dirty="0">
               <a:effectLst/>
@@ -3893,7 +3831,7 @@
                 <a:ea typeface="Calibri" panose="020F0502020204030204" pitchFamily="34" charset="0"/>
                 <a:cs typeface="Times New Roman" panose="02020603050405020304" pitchFamily="18" charset="0"/>
               </a:rPr>
-              <a:t> </a:t>
+              <a:t>Mousumi Mondal            Roll-40</a:t>
             </a:r>
             <a:endParaRPr lang="en-IN" sz="900" dirty="0">
               <a:effectLst/>
@@ -3918,10 +3856,9 @@
                 <a:ea typeface="Calibri" panose="020F0502020204030204" pitchFamily="34" charset="0"/>
                 <a:cs typeface="Times New Roman" panose="02020603050405020304" pitchFamily="18" charset="0"/>
               </a:rPr>
-              <a:t>Mousumi Mondal            Roll-40</a:t>
+              <a:t> </a:t>
             </a:r>
             <a:endParaRPr lang="en-IN" sz="900" dirty="0">
-              <a:effectLst/>
               <a:latin typeface="Calibri" panose="020F0502020204030204" pitchFamily="34" charset="0"/>
               <a:ea typeface="Calibri" panose="020F0502020204030204" pitchFamily="34" charset="0"/>
               <a:cs typeface="Times New Roman" panose="02020603050405020304" pitchFamily="18" charset="0"/>
@@ -3937,20 +3874,23 @@
               </a:spcAft>
             </a:pPr>
             <a:r>
+              <a:rPr lang="en-IN" sz="1050" dirty="0" err="1">
+                <a:effectLst/>
+                <a:latin typeface="Arial" panose="020B0604020202020204" pitchFamily="34" charset="0"/>
+                <a:ea typeface="Calibri" panose="020F0502020204030204" pitchFamily="34" charset="0"/>
+                <a:cs typeface="Times New Roman" panose="02020603050405020304" pitchFamily="18" charset="0"/>
+              </a:rPr>
+              <a:t>Saradindu</a:t>
+            </a:r>
+            <a:r>
               <a:rPr lang="en-IN" sz="1050" dirty="0">
                 <a:effectLst/>
                 <a:latin typeface="Arial" panose="020B0604020202020204" pitchFamily="34" charset="0"/>
                 <a:ea typeface="Calibri" panose="020F0502020204030204" pitchFamily="34" charset="0"/>
                 <a:cs typeface="Times New Roman" panose="02020603050405020304" pitchFamily="18" charset="0"/>
               </a:rPr>
-              <a:t> </a:t>
-            </a:r>
-            <a:endParaRPr lang="en-IN" sz="900" dirty="0">
-              <a:effectLst/>
-              <a:latin typeface="Calibri" panose="020F0502020204030204" pitchFamily="34" charset="0"/>
-              <a:ea typeface="Calibri" panose="020F0502020204030204" pitchFamily="34" charset="0"/>
-              <a:cs typeface="Times New Roman" panose="02020603050405020304" pitchFamily="18" charset="0"/>
-            </a:endParaRPr>
+              <a:t> Rana              Roll-28</a:t>
+            </a:r>
           </a:p>
           <a:p>
             <a:pPr marL="64135">
@@ -3961,6 +3901,21 @@
                 <a:spcPts val="800"/>
               </a:spcAft>
             </a:pPr>
+            <a:endParaRPr lang="en-IN" sz="1050" dirty="0">
+              <a:latin typeface="Arial" panose="020B0604020202020204" pitchFamily="34" charset="0"/>
+              <a:ea typeface="Calibri" panose="020F0502020204030204" pitchFamily="34" charset="0"/>
+              <a:cs typeface="Times New Roman" panose="02020603050405020304" pitchFamily="18" charset="0"/>
+            </a:endParaRPr>
+          </a:p>
+          <a:p>
+            <a:pPr marL="64135">
+              <a:lnSpc>
+                <a:spcPct val="107000"/>
+              </a:lnSpc>
+              <a:spcAft>
+                <a:spcPts val="800"/>
+              </a:spcAft>
+            </a:pPr>
             <a:r>
               <a:rPr lang="en-IN" sz="1050" dirty="0" err="1">
                 <a:effectLst/>
@@ -3968,7 +3923,7 @@
                 <a:ea typeface="Calibri" panose="020F0502020204030204" pitchFamily="34" charset="0"/>
                 <a:cs typeface="Times New Roman" panose="02020603050405020304" pitchFamily="18" charset="0"/>
               </a:rPr>
-              <a:t>Saradindu</a:t>
+              <a:t>Srila</a:t>
             </a:r>
             <a:r>
               <a:rPr lang="en-IN" sz="1050" dirty="0">
@@ -3977,8 +3932,51 @@
                 <a:ea typeface="Calibri" panose="020F0502020204030204" pitchFamily="34" charset="0"/>
                 <a:cs typeface="Times New Roman" panose="02020603050405020304" pitchFamily="18" charset="0"/>
               </a:rPr>
-              <a:t> Rana              Roll-28</a:t>
-            </a:r>
+              <a:t> </a:t>
+            </a:r>
+            <a:r>
+              <a:rPr lang="en-IN" sz="1050" dirty="0" err="1">
+                <a:effectLst/>
+                <a:latin typeface="Arial" panose="020B0604020202020204" pitchFamily="34" charset="0"/>
+                <a:ea typeface="Calibri" panose="020F0502020204030204" pitchFamily="34" charset="0"/>
+                <a:cs typeface="Times New Roman" panose="02020603050405020304" pitchFamily="18" charset="0"/>
+              </a:rPr>
+              <a:t>Parui</a:t>
+            </a:r>
+            <a:r>
+              <a:rPr lang="en-IN" sz="1050" dirty="0">
+                <a:effectLst/>
+                <a:latin typeface="Arial" panose="020B0604020202020204" pitchFamily="34" charset="0"/>
+                <a:ea typeface="Calibri" panose="020F0502020204030204" pitchFamily="34" charset="0"/>
+                <a:cs typeface="Times New Roman" panose="02020603050405020304" pitchFamily="18" charset="0"/>
+              </a:rPr>
+              <a:t> 	                 Roll-38</a:t>
+            </a:r>
+          </a:p>
+          <a:p>
+            <a:pPr marL="64135">
+              <a:lnSpc>
+                <a:spcPct val="107000"/>
+              </a:lnSpc>
+              <a:spcAft>
+                <a:spcPts val="800"/>
+              </a:spcAft>
+            </a:pPr>
+            <a:endParaRPr lang="en-IN" sz="1050" dirty="0">
+              <a:latin typeface="Arial" panose="020B0604020202020204" pitchFamily="34" charset="0"/>
+              <a:ea typeface="Calibri" panose="020F0502020204030204" pitchFamily="34" charset="0"/>
+              <a:cs typeface="Times New Roman" panose="02020603050405020304" pitchFamily="18" charset="0"/>
+            </a:endParaRPr>
+          </a:p>
+          <a:p>
+            <a:pPr marL="64135">
+              <a:lnSpc>
+                <a:spcPct val="107000"/>
+              </a:lnSpc>
+              <a:spcAft>
+                <a:spcPts val="800"/>
+              </a:spcAft>
+            </a:pPr>
             <a:endParaRPr lang="en-IN" sz="900" dirty="0">
               <a:effectLst/>
               <a:latin typeface="Calibri" panose="020F0502020204030204" pitchFamily="34" charset="0"/>
@@ -4075,50 +4073,14 @@
               </a:rPr>
               <a:t> </a:t>
             </a:r>
-            <a:endParaRPr lang="en-IN" sz="900" dirty="0">
-              <a:effectLst/>
-              <a:latin typeface="Calibri" panose="020F0502020204030204" pitchFamily="34" charset="0"/>
-              <a:ea typeface="Calibri" panose="020F0502020204030204" pitchFamily="34" charset="0"/>
-              <a:cs typeface="Times New Roman" panose="02020603050405020304" pitchFamily="18" charset="0"/>
-            </a:endParaRPr>
-          </a:p>
-          <a:p>
-            <a:pPr>
-              <a:lnSpc>
-                <a:spcPts val="1300"/>
-              </a:lnSpc>
-              <a:spcBef>
-                <a:spcPts val="5"/>
-              </a:spcBef>
-              <a:spcAft>
-                <a:spcPts val="800"/>
-              </a:spcAft>
-            </a:pPr>
-            <a:r>
-              <a:rPr lang="en-IN" sz="1050" dirty="0">
-                <a:effectLst/>
-                <a:latin typeface="Arial" panose="020B0604020202020204" pitchFamily="34" charset="0"/>
+            <a:r>
+              <a:rPr lang="en-IN" sz="900" dirty="0">
+                <a:latin typeface="Calibri" panose="020F0502020204030204" pitchFamily="34" charset="0"/>
                 <a:ea typeface="Calibri" panose="020F0502020204030204" pitchFamily="34" charset="0"/>
                 <a:cs typeface="Times New Roman" panose="02020603050405020304" pitchFamily="18" charset="0"/>
               </a:rPr>
-              <a:t> </a:t>
-            </a:r>
-            <a:endParaRPr lang="en-IN" sz="900" dirty="0">
-              <a:effectLst/>
-              <a:latin typeface="Calibri" panose="020F0502020204030204" pitchFamily="34" charset="0"/>
-              <a:ea typeface="Calibri" panose="020F0502020204030204" pitchFamily="34" charset="0"/>
-              <a:cs typeface="Times New Roman" panose="02020603050405020304" pitchFamily="18" charset="0"/>
-            </a:endParaRPr>
-          </a:p>
-          <a:p>
-            <a:pPr marR="67945" algn="r">
-              <a:lnSpc>
-                <a:spcPct val="107000"/>
-              </a:lnSpc>
-              <a:spcAft>
-                <a:spcPts val="800"/>
-              </a:spcAft>
-            </a:pPr>
+              <a:t>								</a:t>
+            </a:r>
             <a:r>
               <a:rPr lang="en-IN" sz="1000" dirty="0">
                 <a:effectLst/>
@@ -4160,7 +4122,7 @@
 </p:sld>
 </file>
 
-<file path=ppt/slides/slide2.xml><?xml version="1.0" encoding="utf-8"?>
+<file path=ppt/slides/slide10.xml><?xml version="1.0" encoding="utf-8"?>
 <p:sld xmlns:a="http://schemas.openxmlformats.org/drawingml/2006/main" xmlns:r="http://schemas.openxmlformats.org/officeDocument/2006/relationships" xmlns:p="http://schemas.openxmlformats.org/presentationml/2006/main">
   <p:cSld>
     <p:spTree>
@@ -4182,1352 +4144,6 @@
           <p:cNvPr id="3" name="TextBox 2">
             <a:extLst>
               <a:ext uri="{FF2B5EF4-FFF2-40B4-BE49-F238E27FC236}">
-                <a16:creationId xmlns:a16="http://schemas.microsoft.com/office/drawing/2014/main" id="{8EEA7724-9708-41D2-8CB3-6519B0AF9C64}"/>
-              </a:ext>
-            </a:extLst>
-          </p:cNvPr>
-          <p:cNvSpPr txBox="1"/>
-          <p:nvPr/>
-        </p:nvSpPr>
-        <p:spPr>
-          <a:xfrm>
-            <a:off x="3048000" y="467591"/>
-            <a:ext cx="6096000" cy="5929444"/>
-          </a:xfrm>
-          <a:prstGeom prst="rect">
-            <a:avLst/>
-          </a:prstGeom>
-          <a:noFill/>
-        </p:spPr>
-        <p:txBody>
-          <a:bodyPr wrap="square">
-            <a:spAutoFit/>
-          </a:bodyPr>
-          <a:lstStyle/>
-          <a:p>
-            <a:pPr marR="67310" algn="ctr">
-              <a:lnSpc>
-                <a:spcPts val="2900"/>
-              </a:lnSpc>
-              <a:spcAft>
-                <a:spcPts val="800"/>
-              </a:spcAft>
-            </a:pPr>
-            <a:r>
-              <a:rPr lang="en-IN" sz="3600" u="sng" dirty="0">
-                <a:effectLst/>
-                <a:latin typeface="Arial" panose="020B0604020202020204" pitchFamily="34" charset="0"/>
-                <a:ea typeface="Calibri" panose="020F0502020204030204" pitchFamily="34" charset="0"/>
-                <a:cs typeface="Times New Roman" panose="02020603050405020304" pitchFamily="18" charset="0"/>
-              </a:rPr>
-              <a:t>Contents</a:t>
-            </a:r>
-            <a:endParaRPr lang="en-IN" sz="1400" u="sng" dirty="0">
-              <a:effectLst/>
-              <a:latin typeface="Calibri" panose="020F0502020204030204" pitchFamily="34" charset="0"/>
-              <a:ea typeface="Calibri" panose="020F0502020204030204" pitchFamily="34" charset="0"/>
-              <a:cs typeface="Times New Roman" panose="02020603050405020304" pitchFamily="18" charset="0"/>
-            </a:endParaRPr>
-          </a:p>
-          <a:p>
-            <a:pPr algn="ctr">
-              <a:lnSpc>
-                <a:spcPts val="650"/>
-              </a:lnSpc>
-              <a:spcBef>
-                <a:spcPts val="5"/>
-              </a:spcBef>
-              <a:spcAft>
-                <a:spcPts val="800"/>
-              </a:spcAft>
-            </a:pPr>
-            <a:r>
-              <a:rPr lang="en-IN" sz="800" dirty="0">
-                <a:effectLst/>
-                <a:latin typeface="Arial" panose="020B0604020202020204" pitchFamily="34" charset="0"/>
-                <a:ea typeface="Calibri" panose="020F0502020204030204" pitchFamily="34" charset="0"/>
-                <a:cs typeface="Times New Roman" panose="02020603050405020304" pitchFamily="18" charset="0"/>
-              </a:rPr>
-              <a:t> </a:t>
-            </a:r>
-            <a:endParaRPr lang="en-IN" sz="1400" dirty="0">
-              <a:effectLst/>
-              <a:latin typeface="Calibri" panose="020F0502020204030204" pitchFamily="34" charset="0"/>
-              <a:ea typeface="Calibri" panose="020F0502020204030204" pitchFamily="34" charset="0"/>
-              <a:cs typeface="Times New Roman" panose="02020603050405020304" pitchFamily="18" charset="0"/>
-            </a:endParaRPr>
-          </a:p>
-          <a:p>
-            <a:pPr algn="ctr">
-              <a:lnSpc>
-                <a:spcPts val="1000"/>
-              </a:lnSpc>
-              <a:spcAft>
-                <a:spcPts val="800"/>
-              </a:spcAft>
-            </a:pPr>
-            <a:r>
-              <a:rPr lang="en-IN" sz="1100" dirty="0">
-                <a:effectLst/>
-                <a:latin typeface="Arial" panose="020B0604020202020204" pitchFamily="34" charset="0"/>
-                <a:ea typeface="Calibri" panose="020F0502020204030204" pitchFamily="34" charset="0"/>
-                <a:cs typeface="Times New Roman" panose="02020603050405020304" pitchFamily="18" charset="0"/>
-              </a:rPr>
-              <a:t> </a:t>
-            </a:r>
-            <a:endParaRPr lang="en-IN" sz="1400" dirty="0">
-              <a:effectLst/>
-              <a:latin typeface="Calibri" panose="020F0502020204030204" pitchFamily="34" charset="0"/>
-              <a:ea typeface="Calibri" panose="020F0502020204030204" pitchFamily="34" charset="0"/>
-              <a:cs typeface="Times New Roman" panose="02020603050405020304" pitchFamily="18" charset="0"/>
-            </a:endParaRPr>
-          </a:p>
-          <a:p>
-            <a:pPr algn="ctr">
-              <a:lnSpc>
-                <a:spcPts val="1000"/>
-              </a:lnSpc>
-              <a:spcAft>
-                <a:spcPts val="800"/>
-              </a:spcAft>
-            </a:pPr>
-            <a:r>
-              <a:rPr lang="en-IN" sz="1100" dirty="0">
-                <a:effectLst/>
-                <a:latin typeface="Arial" panose="020B0604020202020204" pitchFamily="34" charset="0"/>
-                <a:ea typeface="Calibri" panose="020F0502020204030204" pitchFamily="34" charset="0"/>
-                <a:cs typeface="Times New Roman" panose="02020603050405020304" pitchFamily="18" charset="0"/>
-              </a:rPr>
-              <a:t> </a:t>
-            </a:r>
-            <a:endParaRPr lang="en-IN" sz="1400" dirty="0">
-              <a:effectLst/>
-              <a:latin typeface="Calibri" panose="020F0502020204030204" pitchFamily="34" charset="0"/>
-              <a:ea typeface="Calibri" panose="020F0502020204030204" pitchFamily="34" charset="0"/>
-              <a:cs typeface="Times New Roman" panose="02020603050405020304" pitchFamily="18" charset="0"/>
-            </a:endParaRPr>
-          </a:p>
-          <a:p>
-            <a:pPr indent="457200">
-              <a:lnSpc>
-                <a:spcPct val="107000"/>
-              </a:lnSpc>
-              <a:spcBef>
-                <a:spcPts val="120"/>
-              </a:spcBef>
-              <a:spcAft>
-                <a:spcPts val="800"/>
-              </a:spcAft>
-            </a:pPr>
-            <a:r>
-              <a:rPr lang="en-IN" sz="1100" dirty="0">
-                <a:effectLst/>
-                <a:latin typeface="Arial" panose="020B0604020202020204" pitchFamily="34" charset="0"/>
-                <a:ea typeface="Calibri" panose="020F0502020204030204" pitchFamily="34" charset="0"/>
-                <a:cs typeface="Times New Roman" panose="02020603050405020304" pitchFamily="18" charset="0"/>
-              </a:rPr>
-              <a:t> </a:t>
-            </a:r>
-            <a:endParaRPr lang="en-IN" sz="1400" dirty="0">
-              <a:effectLst/>
-              <a:latin typeface="Calibri" panose="020F0502020204030204" pitchFamily="34" charset="0"/>
-              <a:ea typeface="Calibri" panose="020F0502020204030204" pitchFamily="34" charset="0"/>
-              <a:cs typeface="Times New Roman" panose="02020603050405020304" pitchFamily="18" charset="0"/>
-            </a:endParaRPr>
-          </a:p>
-          <a:p>
-            <a:pPr indent="457200">
-              <a:lnSpc>
-                <a:spcPct val="107000"/>
-              </a:lnSpc>
-              <a:spcBef>
-                <a:spcPts val="120"/>
-              </a:spcBef>
-              <a:spcAft>
-                <a:spcPts val="800"/>
-              </a:spcAft>
-            </a:pPr>
-            <a:r>
-              <a:rPr lang="en-IN" sz="1800" b="1" dirty="0">
-                <a:effectLst/>
-                <a:latin typeface="Arial" panose="020B0604020202020204" pitchFamily="34" charset="0"/>
-                <a:ea typeface="Calibri" panose="020F0502020204030204" pitchFamily="34" charset="0"/>
-                <a:cs typeface="Times New Roman" panose="02020603050405020304" pitchFamily="18" charset="0"/>
-              </a:rPr>
-              <a:t>1.   </a:t>
-            </a:r>
-            <a:r>
-              <a:rPr lang="en-IN" sz="1800" b="1" spc="255" dirty="0">
-                <a:effectLst/>
-                <a:latin typeface="Arial" panose="020B0604020202020204" pitchFamily="34" charset="0"/>
-                <a:ea typeface="Calibri" panose="020F0502020204030204" pitchFamily="34" charset="0"/>
-                <a:cs typeface="Times New Roman" panose="02020603050405020304" pitchFamily="18" charset="0"/>
-              </a:rPr>
-              <a:t> </a:t>
-            </a:r>
-            <a:r>
-              <a:rPr lang="en-IN" sz="1800" b="1" dirty="0">
-                <a:effectLst/>
-                <a:latin typeface="Arial" panose="020B0604020202020204" pitchFamily="34" charset="0"/>
-                <a:ea typeface="Calibri" panose="020F0502020204030204" pitchFamily="34" charset="0"/>
-                <a:cs typeface="Times New Roman" panose="02020603050405020304" pitchFamily="18" charset="0"/>
-              </a:rPr>
-              <a:t>ER Diagram                                                                              </a:t>
-            </a:r>
-            <a:r>
-              <a:rPr lang="en-IN" sz="1800" b="1" spc="5" dirty="0">
-                <a:effectLst/>
-                <a:latin typeface="Arial" panose="020B0604020202020204" pitchFamily="34" charset="0"/>
-                <a:ea typeface="Calibri" panose="020F0502020204030204" pitchFamily="34" charset="0"/>
-                <a:cs typeface="Times New Roman" panose="02020603050405020304" pitchFamily="18" charset="0"/>
-              </a:rPr>
-              <a:t> </a:t>
-            </a:r>
-            <a:endParaRPr lang="en-IN" sz="1400" dirty="0">
-              <a:effectLst/>
-              <a:latin typeface="Calibri" panose="020F0502020204030204" pitchFamily="34" charset="0"/>
-              <a:ea typeface="Calibri" panose="020F0502020204030204" pitchFamily="34" charset="0"/>
-              <a:cs typeface="Times New Roman" panose="02020603050405020304" pitchFamily="18" charset="0"/>
-            </a:endParaRPr>
-          </a:p>
-          <a:p>
-            <a:pPr indent="457200">
-              <a:lnSpc>
-                <a:spcPct val="107000"/>
-              </a:lnSpc>
-              <a:spcBef>
-                <a:spcPts val="120"/>
-              </a:spcBef>
-              <a:spcAft>
-                <a:spcPts val="800"/>
-              </a:spcAft>
-            </a:pPr>
-            <a:r>
-              <a:rPr lang="en-IN" sz="1800" dirty="0">
-                <a:effectLst/>
-                <a:latin typeface="Arial" panose="020B0604020202020204" pitchFamily="34" charset="0"/>
-                <a:ea typeface="Calibri" panose="020F0502020204030204" pitchFamily="34" charset="0"/>
-                <a:cs typeface="Times New Roman" panose="02020603050405020304" pitchFamily="18" charset="0"/>
-              </a:rPr>
-              <a:t> </a:t>
-            </a:r>
-            <a:endParaRPr lang="en-IN" sz="1400" dirty="0">
-              <a:effectLst/>
-              <a:latin typeface="Calibri" panose="020F0502020204030204" pitchFamily="34" charset="0"/>
-              <a:ea typeface="Calibri" panose="020F0502020204030204" pitchFamily="34" charset="0"/>
-              <a:cs typeface="Times New Roman" panose="02020603050405020304" pitchFamily="18" charset="0"/>
-            </a:endParaRPr>
-          </a:p>
-          <a:p>
-            <a:pPr indent="457200">
-              <a:lnSpc>
-                <a:spcPct val="107000"/>
-              </a:lnSpc>
-              <a:spcBef>
-                <a:spcPts val="120"/>
-              </a:spcBef>
-              <a:spcAft>
-                <a:spcPts val="800"/>
-              </a:spcAft>
-            </a:pPr>
-            <a:r>
-              <a:rPr lang="en-IN" sz="1800" b="1" dirty="0">
-                <a:effectLst/>
-                <a:latin typeface="Arial" panose="020B0604020202020204" pitchFamily="34" charset="0"/>
-                <a:ea typeface="Calibri" panose="020F0502020204030204" pitchFamily="34" charset="0"/>
-                <a:cs typeface="Times New Roman" panose="02020603050405020304" pitchFamily="18" charset="0"/>
-              </a:rPr>
-              <a:t>2.   </a:t>
-            </a:r>
-            <a:r>
-              <a:rPr lang="en-IN" sz="1800" b="1" spc="255" dirty="0">
-                <a:effectLst/>
-                <a:latin typeface="Arial" panose="020B0604020202020204" pitchFamily="34" charset="0"/>
-                <a:ea typeface="Calibri" panose="020F0502020204030204" pitchFamily="34" charset="0"/>
-                <a:cs typeface="Times New Roman" panose="02020603050405020304" pitchFamily="18" charset="0"/>
-              </a:rPr>
-              <a:t> </a:t>
-            </a:r>
-            <a:r>
-              <a:rPr lang="en-IN" sz="1800" b="1" dirty="0">
-                <a:effectLst/>
-                <a:latin typeface="Arial" panose="020B0604020202020204" pitchFamily="34" charset="0"/>
-                <a:ea typeface="Calibri" panose="020F0502020204030204" pitchFamily="34" charset="0"/>
-                <a:cs typeface="Times New Roman" panose="02020603050405020304" pitchFamily="18" charset="0"/>
-              </a:rPr>
-              <a:t>Relational Schema</a:t>
-            </a:r>
-            <a:endParaRPr lang="en-IN" sz="1400" dirty="0">
-              <a:effectLst/>
-              <a:latin typeface="Calibri" panose="020F0502020204030204" pitchFamily="34" charset="0"/>
-              <a:ea typeface="Calibri" panose="020F0502020204030204" pitchFamily="34" charset="0"/>
-              <a:cs typeface="Times New Roman" panose="02020603050405020304" pitchFamily="18" charset="0"/>
-            </a:endParaRPr>
-          </a:p>
-          <a:p>
-            <a:pPr indent="457200">
-              <a:lnSpc>
-                <a:spcPct val="107000"/>
-              </a:lnSpc>
-              <a:spcBef>
-                <a:spcPts val="120"/>
-              </a:spcBef>
-              <a:spcAft>
-                <a:spcPts val="800"/>
-              </a:spcAft>
-            </a:pPr>
-            <a:r>
-              <a:rPr lang="en-IN" sz="1800" b="1" dirty="0">
-                <a:effectLst/>
-                <a:latin typeface="Arial" panose="020B0604020202020204" pitchFamily="34" charset="0"/>
-                <a:ea typeface="Calibri" panose="020F0502020204030204" pitchFamily="34" charset="0"/>
-                <a:cs typeface="Times New Roman" panose="02020603050405020304" pitchFamily="18" charset="0"/>
-              </a:rPr>
-              <a:t> </a:t>
-            </a:r>
-            <a:endParaRPr lang="en-IN" sz="1400" dirty="0">
-              <a:effectLst/>
-              <a:latin typeface="Calibri" panose="020F0502020204030204" pitchFamily="34" charset="0"/>
-              <a:ea typeface="Calibri" panose="020F0502020204030204" pitchFamily="34" charset="0"/>
-              <a:cs typeface="Times New Roman" panose="02020603050405020304" pitchFamily="18" charset="0"/>
-            </a:endParaRPr>
-          </a:p>
-          <a:p>
-            <a:pPr indent="457200">
-              <a:lnSpc>
-                <a:spcPct val="107000"/>
-              </a:lnSpc>
-              <a:spcBef>
-                <a:spcPts val="120"/>
-              </a:spcBef>
-              <a:spcAft>
-                <a:spcPts val="800"/>
-              </a:spcAft>
-            </a:pPr>
-            <a:r>
-              <a:rPr lang="en-IN" sz="1800" b="1" dirty="0">
-                <a:effectLst/>
-                <a:latin typeface="Arial" panose="020B0604020202020204" pitchFamily="34" charset="0"/>
-                <a:ea typeface="Calibri" panose="020F0502020204030204" pitchFamily="34" charset="0"/>
-                <a:cs typeface="Times New Roman" panose="02020603050405020304" pitchFamily="18" charset="0"/>
-              </a:rPr>
-              <a:t>3.     Data Dictionary     </a:t>
-            </a:r>
-            <a:endParaRPr lang="en-IN" sz="1400" dirty="0">
-              <a:effectLst/>
-              <a:latin typeface="Calibri" panose="020F0502020204030204" pitchFamily="34" charset="0"/>
-              <a:ea typeface="Calibri" panose="020F0502020204030204" pitchFamily="34" charset="0"/>
-              <a:cs typeface="Times New Roman" panose="02020603050405020304" pitchFamily="18" charset="0"/>
-            </a:endParaRPr>
-          </a:p>
-          <a:p>
-            <a:pPr indent="457200">
-              <a:lnSpc>
-                <a:spcPct val="107000"/>
-              </a:lnSpc>
-              <a:spcBef>
-                <a:spcPts val="120"/>
-              </a:spcBef>
-              <a:spcAft>
-                <a:spcPts val="800"/>
-              </a:spcAft>
-            </a:pPr>
-            <a:r>
-              <a:rPr lang="en-IN" sz="1800" b="1" dirty="0">
-                <a:effectLst/>
-                <a:latin typeface="Arial" panose="020B0604020202020204" pitchFamily="34" charset="0"/>
-                <a:ea typeface="Calibri" panose="020F0502020204030204" pitchFamily="34" charset="0"/>
-                <a:cs typeface="Times New Roman" panose="02020603050405020304" pitchFamily="18" charset="0"/>
-              </a:rPr>
-              <a:t> </a:t>
-            </a:r>
-            <a:endParaRPr lang="en-IN" sz="1400" dirty="0">
-              <a:effectLst/>
-              <a:latin typeface="Calibri" panose="020F0502020204030204" pitchFamily="34" charset="0"/>
-              <a:ea typeface="Calibri" panose="020F0502020204030204" pitchFamily="34" charset="0"/>
-              <a:cs typeface="Times New Roman" panose="02020603050405020304" pitchFamily="18" charset="0"/>
-            </a:endParaRPr>
-          </a:p>
-          <a:p>
-            <a:pPr indent="457200">
-              <a:lnSpc>
-                <a:spcPct val="107000"/>
-              </a:lnSpc>
-              <a:spcBef>
-                <a:spcPts val="120"/>
-              </a:spcBef>
-              <a:spcAft>
-                <a:spcPts val="800"/>
-              </a:spcAft>
-            </a:pPr>
-            <a:r>
-              <a:rPr lang="en-IN" sz="1800" b="1" dirty="0">
-                <a:effectLst/>
-                <a:latin typeface="Arial" panose="020B0604020202020204" pitchFamily="34" charset="0"/>
-                <a:ea typeface="Calibri" panose="020F0502020204030204" pitchFamily="34" charset="0"/>
-                <a:cs typeface="Times New Roman" panose="02020603050405020304" pitchFamily="18" charset="0"/>
-              </a:rPr>
-              <a:t>4.     Context Diagram</a:t>
-            </a:r>
-            <a:endParaRPr lang="en-IN" sz="1400" dirty="0">
-              <a:effectLst/>
-              <a:latin typeface="Calibri" panose="020F0502020204030204" pitchFamily="34" charset="0"/>
-              <a:ea typeface="Calibri" panose="020F0502020204030204" pitchFamily="34" charset="0"/>
-              <a:cs typeface="Times New Roman" panose="02020603050405020304" pitchFamily="18" charset="0"/>
-            </a:endParaRPr>
-          </a:p>
-          <a:p>
-            <a:pPr indent="457200">
-              <a:lnSpc>
-                <a:spcPct val="107000"/>
-              </a:lnSpc>
-              <a:spcBef>
-                <a:spcPts val="120"/>
-              </a:spcBef>
-              <a:spcAft>
-                <a:spcPts val="800"/>
-              </a:spcAft>
-            </a:pPr>
-            <a:r>
-              <a:rPr lang="en-IN" sz="1800" b="1" dirty="0">
-                <a:effectLst/>
-                <a:latin typeface="Arial" panose="020B0604020202020204" pitchFamily="34" charset="0"/>
-                <a:ea typeface="Calibri" panose="020F0502020204030204" pitchFamily="34" charset="0"/>
-                <a:cs typeface="Times New Roman" panose="02020603050405020304" pitchFamily="18" charset="0"/>
-              </a:rPr>
-              <a:t> </a:t>
-            </a:r>
-            <a:endParaRPr lang="en-IN" sz="1400" dirty="0">
-              <a:effectLst/>
-              <a:latin typeface="Calibri" panose="020F0502020204030204" pitchFamily="34" charset="0"/>
-              <a:ea typeface="Calibri" panose="020F0502020204030204" pitchFamily="34" charset="0"/>
-              <a:cs typeface="Times New Roman" panose="02020603050405020304" pitchFamily="18" charset="0"/>
-            </a:endParaRPr>
-          </a:p>
-          <a:p>
-            <a:pPr indent="457200">
-              <a:lnSpc>
-                <a:spcPct val="107000"/>
-              </a:lnSpc>
-              <a:spcBef>
-                <a:spcPts val="120"/>
-              </a:spcBef>
-              <a:spcAft>
-                <a:spcPts val="800"/>
-              </a:spcAft>
-            </a:pPr>
-            <a:r>
-              <a:rPr lang="en-IN" sz="1800" b="1" dirty="0">
-                <a:effectLst/>
-                <a:latin typeface="Arial" panose="020B0604020202020204" pitchFamily="34" charset="0"/>
-                <a:ea typeface="Calibri" panose="020F0502020204030204" pitchFamily="34" charset="0"/>
-                <a:cs typeface="Times New Roman" panose="02020603050405020304" pitchFamily="18" charset="0"/>
-              </a:rPr>
-              <a:t>5.      DFD</a:t>
-            </a:r>
-            <a:endParaRPr lang="en-IN" sz="1400" dirty="0">
-              <a:effectLst/>
-              <a:latin typeface="Calibri" panose="020F0502020204030204" pitchFamily="34" charset="0"/>
-              <a:ea typeface="Calibri" panose="020F0502020204030204" pitchFamily="34" charset="0"/>
-              <a:cs typeface="Times New Roman" panose="02020603050405020304" pitchFamily="18" charset="0"/>
-            </a:endParaRPr>
-          </a:p>
-          <a:p>
-            <a:pPr indent="457200">
-              <a:lnSpc>
-                <a:spcPct val="107000"/>
-              </a:lnSpc>
-              <a:spcBef>
-                <a:spcPts val="120"/>
-              </a:spcBef>
-              <a:spcAft>
-                <a:spcPts val="800"/>
-              </a:spcAft>
-            </a:pPr>
-            <a:r>
-              <a:rPr lang="en-IN" sz="1800" b="1" dirty="0">
-                <a:effectLst/>
-                <a:latin typeface="Arial" panose="020B0604020202020204" pitchFamily="34" charset="0"/>
-                <a:ea typeface="Calibri" panose="020F0502020204030204" pitchFamily="34" charset="0"/>
-                <a:cs typeface="Times New Roman" panose="02020603050405020304" pitchFamily="18" charset="0"/>
-              </a:rPr>
-              <a:t> </a:t>
-            </a:r>
-            <a:endParaRPr lang="en-IN" sz="1400" dirty="0">
-              <a:effectLst/>
-              <a:latin typeface="Calibri" panose="020F0502020204030204" pitchFamily="34" charset="0"/>
-              <a:ea typeface="Calibri" panose="020F0502020204030204" pitchFamily="34" charset="0"/>
-              <a:cs typeface="Times New Roman" panose="02020603050405020304" pitchFamily="18" charset="0"/>
-            </a:endParaRPr>
-          </a:p>
-          <a:p>
-            <a:pPr indent="457200">
-              <a:lnSpc>
-                <a:spcPct val="107000"/>
-              </a:lnSpc>
-              <a:spcBef>
-                <a:spcPts val="120"/>
-              </a:spcBef>
-              <a:spcAft>
-                <a:spcPts val="800"/>
-              </a:spcAft>
-            </a:pPr>
-            <a:r>
-              <a:rPr lang="en-IN" sz="1800" b="1" dirty="0">
-                <a:effectLst/>
-                <a:latin typeface="Arial" panose="020B0604020202020204" pitchFamily="34" charset="0"/>
-                <a:ea typeface="Calibri" panose="020F0502020204030204" pitchFamily="34" charset="0"/>
-                <a:cs typeface="Times New Roman" panose="02020603050405020304" pitchFamily="18" charset="0"/>
-              </a:rPr>
-              <a:t>6.      UI Description                                                      </a:t>
-            </a:r>
-            <a:r>
-              <a:rPr lang="en-IN" sz="1800" b="1" spc="375" dirty="0">
-                <a:effectLst/>
-                <a:latin typeface="Arial" panose="020B0604020202020204" pitchFamily="34" charset="0"/>
-                <a:ea typeface="Calibri" panose="020F0502020204030204" pitchFamily="34" charset="0"/>
-                <a:cs typeface="Times New Roman" panose="02020603050405020304" pitchFamily="18" charset="0"/>
-              </a:rPr>
-              <a:t> </a:t>
-            </a:r>
-            <a:endParaRPr lang="en-IN" sz="1400" dirty="0">
-              <a:effectLst/>
-              <a:latin typeface="Calibri" panose="020F0502020204030204" pitchFamily="34" charset="0"/>
-              <a:ea typeface="Calibri" panose="020F0502020204030204" pitchFamily="34" charset="0"/>
-              <a:cs typeface="Times New Roman" panose="02020603050405020304" pitchFamily="18" charset="0"/>
-            </a:endParaRPr>
-          </a:p>
-        </p:txBody>
-      </p:sp>
-    </p:spTree>
-    <p:extLst>
-      <p:ext uri="{BB962C8B-B14F-4D97-AF65-F5344CB8AC3E}">
-        <p14:creationId xmlns:p14="http://schemas.microsoft.com/office/powerpoint/2010/main" val="2383992190"/>
-      </p:ext>
-    </p:extLst>
-  </p:cSld>
-  <p:clrMapOvr>
-    <a:masterClrMapping/>
-  </p:clrMapOvr>
-</p:sld>
-</file>
-
-<file path=ppt/slides/slide3.xml><?xml version="1.0" encoding="utf-8"?>
-<p:sld xmlns:a="http://schemas.openxmlformats.org/drawingml/2006/main" xmlns:r="http://schemas.openxmlformats.org/officeDocument/2006/relationships" xmlns:p="http://schemas.openxmlformats.org/presentationml/2006/main">
-  <p:cSld>
-    <p:spTree>
-      <p:nvGrpSpPr>
-        <p:cNvPr id="1" name=""/>
-        <p:cNvGrpSpPr/>
-        <p:nvPr/>
-      </p:nvGrpSpPr>
-      <p:grpSpPr>
-        <a:xfrm>
-          <a:off x="0" y="0"/>
-          <a:ext cx="0" cy="0"/>
-          <a:chOff x="0" y="0"/>
-          <a:chExt cx="0" cy="0"/>
-        </a:xfrm>
-      </p:grpSpPr>
-      <p:sp>
-        <p:nvSpPr>
-          <p:cNvPr id="3" name="TextBox 2">
-            <a:extLst>
-              <a:ext uri="{FF2B5EF4-FFF2-40B4-BE49-F238E27FC236}">
-                <a16:creationId xmlns:a16="http://schemas.microsoft.com/office/drawing/2014/main" id="{1030FED7-00AC-44B9-8608-44FE8957715C}"/>
-              </a:ext>
-            </a:extLst>
-          </p:cNvPr>
-          <p:cNvSpPr txBox="1"/>
-          <p:nvPr/>
-        </p:nvSpPr>
-        <p:spPr>
-          <a:xfrm>
-            <a:off x="397565" y="1242964"/>
-            <a:ext cx="11330609" cy="2600520"/>
-          </a:xfrm>
-          <a:prstGeom prst="rect">
-            <a:avLst/>
-          </a:prstGeom>
-          <a:noFill/>
-        </p:spPr>
-        <p:txBody>
-          <a:bodyPr wrap="square">
-            <a:spAutoFit/>
-          </a:bodyPr>
-          <a:lstStyle/>
-          <a:p>
-            <a:pPr>
-              <a:lnSpc>
-                <a:spcPct val="107000"/>
-              </a:lnSpc>
-              <a:spcAft>
-                <a:spcPts val="800"/>
-              </a:spcAft>
-            </a:pPr>
-            <a:r>
-              <a:rPr lang="en-IN" sz="2800" b="1" dirty="0">
-                <a:latin typeface="Calibri" panose="020F0502020204030204" pitchFamily="34" charset="0"/>
-                <a:ea typeface="Calibri" panose="020F0502020204030204" pitchFamily="34" charset="0"/>
-                <a:cs typeface="Times New Roman" panose="02020603050405020304" pitchFamily="18" charset="0"/>
-              </a:rPr>
-              <a:t>			</a:t>
-            </a:r>
-            <a:r>
-              <a:rPr lang="en-IN" sz="2800" b="1" u="sng" dirty="0">
-                <a:effectLst/>
-                <a:latin typeface="Calibri" panose="020F0502020204030204" pitchFamily="34" charset="0"/>
-                <a:ea typeface="Calibri" panose="020F0502020204030204" pitchFamily="34" charset="0"/>
-                <a:cs typeface="Times New Roman" panose="02020603050405020304" pitchFamily="18" charset="0"/>
-              </a:rPr>
-              <a:t>Entity-Relationship Diagram</a:t>
-            </a:r>
-            <a:endParaRPr lang="en-IN" sz="1800" dirty="0">
-              <a:effectLst/>
-              <a:latin typeface="Calibri" panose="020F0502020204030204" pitchFamily="34" charset="0"/>
-              <a:ea typeface="Calibri" panose="020F0502020204030204" pitchFamily="34" charset="0"/>
-              <a:cs typeface="Times New Roman" panose="02020603050405020304" pitchFamily="18" charset="0"/>
-            </a:endParaRPr>
-          </a:p>
-          <a:p>
-            <a:pPr>
-              <a:lnSpc>
-                <a:spcPct val="107000"/>
-              </a:lnSpc>
-              <a:spcAft>
-                <a:spcPts val="800"/>
-              </a:spcAft>
-            </a:pPr>
-            <a:r>
-              <a:rPr lang="en-IN" sz="1800" dirty="0">
-                <a:solidFill>
-                  <a:srgbClr val="202122"/>
-                </a:solidFill>
-                <a:effectLst/>
-                <a:latin typeface="Calibri" panose="020F0502020204030204" pitchFamily="34" charset="0"/>
-                <a:ea typeface="Times New Roman" panose="02020603050405020304" pitchFamily="18" charset="0"/>
-                <a:cs typeface="Calibri" panose="020F0502020204030204" pitchFamily="34" charset="0"/>
-              </a:rPr>
-              <a:t>An </a:t>
-            </a:r>
-            <a:r>
-              <a:rPr lang="en-IN" sz="1800" b="1" dirty="0">
-                <a:solidFill>
-                  <a:srgbClr val="202122"/>
-                </a:solidFill>
-                <a:effectLst/>
-                <a:latin typeface="Calibri" panose="020F0502020204030204" pitchFamily="34" charset="0"/>
-                <a:ea typeface="Times New Roman" panose="02020603050405020304" pitchFamily="18" charset="0"/>
-                <a:cs typeface="Calibri" panose="020F0502020204030204" pitchFamily="34" charset="0"/>
-              </a:rPr>
-              <a:t>entity–relationship model</a:t>
-            </a:r>
-            <a:r>
-              <a:rPr lang="en-IN" sz="1800" dirty="0">
-                <a:solidFill>
-                  <a:srgbClr val="202122"/>
-                </a:solidFill>
-                <a:effectLst/>
-                <a:latin typeface="Calibri" panose="020F0502020204030204" pitchFamily="34" charset="0"/>
-                <a:ea typeface="Times New Roman" panose="02020603050405020304" pitchFamily="18" charset="0"/>
-                <a:cs typeface="Calibri" panose="020F0502020204030204" pitchFamily="34" charset="0"/>
-              </a:rPr>
-              <a:t> (or </a:t>
-            </a:r>
-            <a:r>
-              <a:rPr lang="en-IN" sz="1800" b="1" dirty="0">
-                <a:solidFill>
-                  <a:srgbClr val="202122"/>
-                </a:solidFill>
-                <a:effectLst/>
-                <a:latin typeface="Calibri" panose="020F0502020204030204" pitchFamily="34" charset="0"/>
-                <a:ea typeface="Times New Roman" panose="02020603050405020304" pitchFamily="18" charset="0"/>
-                <a:cs typeface="Calibri" panose="020F0502020204030204" pitchFamily="34" charset="0"/>
-              </a:rPr>
-              <a:t>ER model</a:t>
-            </a:r>
-            <a:r>
-              <a:rPr lang="en-IN" sz="1800" dirty="0">
-                <a:solidFill>
-                  <a:srgbClr val="202122"/>
-                </a:solidFill>
-                <a:effectLst/>
-                <a:latin typeface="Calibri" panose="020F0502020204030204" pitchFamily="34" charset="0"/>
-                <a:ea typeface="Times New Roman" panose="02020603050405020304" pitchFamily="18" charset="0"/>
-                <a:cs typeface="Calibri" panose="020F0502020204030204" pitchFamily="34" charset="0"/>
-              </a:rPr>
-              <a:t>) describes interrelated things of interest in a specific domain of knowledge. A basic ER model is composed of entity types (which classify the things of interest) and specifies relationships that can exist between </a:t>
-            </a:r>
-            <a:r>
-              <a:rPr lang="en-IN" sz="1800" u="sng" dirty="0">
-                <a:solidFill>
-                  <a:srgbClr val="3366BB"/>
-                </a:solidFill>
-                <a:effectLst/>
-                <a:latin typeface="Calibri" panose="020F0502020204030204" pitchFamily="34" charset="0"/>
-                <a:ea typeface="Times New Roman" panose="02020603050405020304" pitchFamily="18" charset="0"/>
-                <a:cs typeface="Calibri" panose="020F0502020204030204" pitchFamily="34" charset="0"/>
-                <a:hlinkClick r:id="rId2" tooltip="wikt:entity"/>
-              </a:rPr>
-              <a:t>entities</a:t>
-            </a:r>
-            <a:r>
-              <a:rPr lang="en-IN" sz="1800" dirty="0">
-                <a:solidFill>
-                  <a:srgbClr val="202122"/>
-                </a:solidFill>
-                <a:effectLst/>
-                <a:latin typeface="Calibri" panose="020F0502020204030204" pitchFamily="34" charset="0"/>
-                <a:ea typeface="Times New Roman" panose="02020603050405020304" pitchFamily="18" charset="0"/>
-                <a:cs typeface="Calibri" panose="020F0502020204030204" pitchFamily="34" charset="0"/>
-              </a:rPr>
-              <a:t> (instances of those entity types).</a:t>
-            </a:r>
-            <a:endParaRPr lang="en-IN" sz="1800" dirty="0">
-              <a:effectLst/>
-              <a:latin typeface="Calibri" panose="020F0502020204030204" pitchFamily="34" charset="0"/>
-              <a:ea typeface="Calibri" panose="020F0502020204030204" pitchFamily="34" charset="0"/>
-              <a:cs typeface="Times New Roman" panose="02020603050405020304" pitchFamily="18" charset="0"/>
-            </a:endParaRPr>
-          </a:p>
-          <a:p>
-            <a:pPr>
-              <a:lnSpc>
-                <a:spcPct val="107000"/>
-              </a:lnSpc>
-              <a:spcBef>
-                <a:spcPts val="600"/>
-              </a:spcBef>
-              <a:spcAft>
-                <a:spcPts val="600"/>
-              </a:spcAft>
-            </a:pPr>
-            <a:r>
-              <a:rPr lang="en-IN" sz="1800" dirty="0">
-                <a:solidFill>
-                  <a:srgbClr val="202122"/>
-                </a:solidFill>
-                <a:effectLst/>
-                <a:latin typeface="Calibri" panose="020F0502020204030204" pitchFamily="34" charset="0"/>
-                <a:ea typeface="Times New Roman" panose="02020603050405020304" pitchFamily="18" charset="0"/>
-                <a:cs typeface="Calibri" panose="020F0502020204030204" pitchFamily="34" charset="0"/>
-              </a:rPr>
-              <a:t>In </a:t>
-            </a:r>
-            <a:r>
-              <a:rPr lang="en-IN" sz="1800" u="sng" dirty="0">
-                <a:solidFill>
-                  <a:srgbClr val="0645AD"/>
-                </a:solidFill>
-                <a:effectLst/>
-                <a:latin typeface="Calibri" panose="020F0502020204030204" pitchFamily="34" charset="0"/>
-                <a:ea typeface="Times New Roman" panose="02020603050405020304" pitchFamily="18" charset="0"/>
-                <a:cs typeface="Calibri" panose="020F0502020204030204" pitchFamily="34" charset="0"/>
-                <a:hlinkClick r:id="rId3" tooltip="Software engineering"/>
-              </a:rPr>
-              <a:t>software engineering</a:t>
-            </a:r>
-            <a:r>
-              <a:rPr lang="en-IN" sz="1800" dirty="0">
-                <a:solidFill>
-                  <a:srgbClr val="202122"/>
-                </a:solidFill>
-                <a:effectLst/>
-                <a:latin typeface="Calibri" panose="020F0502020204030204" pitchFamily="34" charset="0"/>
-                <a:ea typeface="Times New Roman" panose="02020603050405020304" pitchFamily="18" charset="0"/>
-                <a:cs typeface="Calibri" panose="020F0502020204030204" pitchFamily="34" charset="0"/>
-              </a:rPr>
-              <a:t>, an ER model is commonly formed to represent things a business needs to remember in order to perform </a:t>
-            </a:r>
-            <a:r>
-              <a:rPr lang="en-IN" sz="1800" u="sng" dirty="0">
-                <a:solidFill>
-                  <a:srgbClr val="0645AD"/>
-                </a:solidFill>
-                <a:effectLst/>
-                <a:latin typeface="Calibri" panose="020F0502020204030204" pitchFamily="34" charset="0"/>
-                <a:ea typeface="Times New Roman" panose="02020603050405020304" pitchFamily="18" charset="0"/>
-                <a:cs typeface="Calibri" panose="020F0502020204030204" pitchFamily="34" charset="0"/>
-                <a:hlinkClick r:id="rId4" tooltip="Business process"/>
-              </a:rPr>
-              <a:t>business processes</a:t>
-            </a:r>
-            <a:r>
-              <a:rPr lang="en-IN" sz="1800" dirty="0">
-                <a:solidFill>
-                  <a:srgbClr val="202122"/>
-                </a:solidFill>
-                <a:effectLst/>
-                <a:latin typeface="Calibri" panose="020F0502020204030204" pitchFamily="34" charset="0"/>
-                <a:ea typeface="Times New Roman" panose="02020603050405020304" pitchFamily="18" charset="0"/>
-                <a:cs typeface="Calibri" panose="020F0502020204030204" pitchFamily="34" charset="0"/>
-              </a:rPr>
-              <a:t>. Consequently, the ER model becomes an abstract </a:t>
-            </a:r>
-            <a:r>
-              <a:rPr lang="en-IN" sz="1800" u="sng" dirty="0">
-                <a:solidFill>
-                  <a:srgbClr val="0645AD"/>
-                </a:solidFill>
-                <a:effectLst/>
-                <a:latin typeface="Calibri" panose="020F0502020204030204" pitchFamily="34" charset="0"/>
-                <a:ea typeface="Times New Roman" panose="02020603050405020304" pitchFamily="18" charset="0"/>
-                <a:cs typeface="Calibri" panose="020F0502020204030204" pitchFamily="34" charset="0"/>
-                <a:hlinkClick r:id="rId5" tooltip="Data modeling"/>
-              </a:rPr>
-              <a:t>data model</a:t>
-            </a:r>
-            <a:r>
-              <a:rPr lang="en-IN" sz="1800" dirty="0">
-                <a:solidFill>
-                  <a:srgbClr val="202122"/>
-                </a:solidFill>
-                <a:effectLst/>
-                <a:latin typeface="Calibri" panose="020F0502020204030204" pitchFamily="34" charset="0"/>
-                <a:ea typeface="Times New Roman" panose="02020603050405020304" pitchFamily="18" charset="0"/>
-                <a:cs typeface="Calibri" panose="020F0502020204030204" pitchFamily="34" charset="0"/>
-              </a:rPr>
-              <a:t>, that defines a data or information structure which can be implemented in a </a:t>
-            </a:r>
-            <a:r>
-              <a:rPr lang="en-IN" sz="1800" u="sng" dirty="0">
-                <a:solidFill>
-                  <a:srgbClr val="0645AD"/>
-                </a:solidFill>
-                <a:effectLst/>
-                <a:latin typeface="Calibri" panose="020F0502020204030204" pitchFamily="34" charset="0"/>
-                <a:ea typeface="Times New Roman" panose="02020603050405020304" pitchFamily="18" charset="0"/>
-                <a:cs typeface="Calibri" panose="020F0502020204030204" pitchFamily="34" charset="0"/>
-                <a:hlinkClick r:id="rId6" tooltip="Database"/>
-              </a:rPr>
-              <a:t>database</a:t>
-            </a:r>
-            <a:r>
-              <a:rPr lang="en-IN" sz="1800" dirty="0">
-                <a:solidFill>
-                  <a:srgbClr val="202122"/>
-                </a:solidFill>
-                <a:effectLst/>
-                <a:latin typeface="Calibri" panose="020F0502020204030204" pitchFamily="34" charset="0"/>
-                <a:ea typeface="Times New Roman" panose="02020603050405020304" pitchFamily="18" charset="0"/>
-                <a:cs typeface="Calibri" panose="020F0502020204030204" pitchFamily="34" charset="0"/>
-              </a:rPr>
-              <a:t>, typically a </a:t>
-            </a:r>
-            <a:r>
-              <a:rPr lang="en-IN" sz="1800" u="sng" dirty="0">
-                <a:solidFill>
-                  <a:srgbClr val="0645AD"/>
-                </a:solidFill>
-                <a:effectLst/>
-                <a:latin typeface="Calibri" panose="020F0502020204030204" pitchFamily="34" charset="0"/>
-                <a:ea typeface="Times New Roman" panose="02020603050405020304" pitchFamily="18" charset="0"/>
-                <a:cs typeface="Calibri" panose="020F0502020204030204" pitchFamily="34" charset="0"/>
-                <a:hlinkClick r:id="rId7" tooltip="Relational database"/>
-              </a:rPr>
-              <a:t>relational database</a:t>
-            </a:r>
-            <a:r>
-              <a:rPr lang="en-IN" sz="1800" dirty="0">
-                <a:solidFill>
-                  <a:srgbClr val="202122"/>
-                </a:solidFill>
-                <a:effectLst/>
-                <a:latin typeface="Calibri" panose="020F0502020204030204" pitchFamily="34" charset="0"/>
-                <a:ea typeface="Times New Roman" panose="02020603050405020304" pitchFamily="18" charset="0"/>
-                <a:cs typeface="Calibri" panose="020F0502020204030204" pitchFamily="34" charset="0"/>
-              </a:rPr>
-              <a:t>.</a:t>
-            </a:r>
-            <a:endParaRPr lang="en-IN" sz="1800" dirty="0">
-              <a:effectLst/>
-              <a:latin typeface="Calibri" panose="020F0502020204030204" pitchFamily="34" charset="0"/>
-              <a:ea typeface="Calibri" panose="020F0502020204030204" pitchFamily="34" charset="0"/>
-              <a:cs typeface="Times New Roman" panose="02020603050405020304" pitchFamily="18" charset="0"/>
-            </a:endParaRPr>
-          </a:p>
-        </p:txBody>
-      </p:sp>
-    </p:spTree>
-    <p:extLst>
-      <p:ext uri="{BB962C8B-B14F-4D97-AF65-F5344CB8AC3E}">
-        <p14:creationId xmlns:p14="http://schemas.microsoft.com/office/powerpoint/2010/main" val="1469025098"/>
-      </p:ext>
-    </p:extLst>
-  </p:cSld>
-  <p:clrMapOvr>
-    <a:masterClrMapping/>
-  </p:clrMapOvr>
-</p:sld>
-</file>
-
-<file path=ppt/slides/slide4.xml><?xml version="1.0" encoding="utf-8"?>
-<p:sld xmlns:a="http://schemas.openxmlformats.org/drawingml/2006/main" xmlns:r="http://schemas.openxmlformats.org/officeDocument/2006/relationships" xmlns:p="http://schemas.openxmlformats.org/presentationml/2006/main">
-  <p:cSld>
-    <p:spTree>
-      <p:nvGrpSpPr>
-        <p:cNvPr id="1" name=""/>
-        <p:cNvGrpSpPr/>
-        <p:nvPr/>
-      </p:nvGrpSpPr>
-      <p:grpSpPr>
-        <a:xfrm>
-          <a:off x="0" y="0"/>
-          <a:ext cx="0" cy="0"/>
-          <a:chOff x="0" y="0"/>
-          <a:chExt cx="0" cy="0"/>
-        </a:xfrm>
-      </p:grpSpPr>
-      <p:sp>
-        <p:nvSpPr>
-          <p:cNvPr id="3" name="TextBox 2">
-            <a:extLst>
-              <a:ext uri="{FF2B5EF4-FFF2-40B4-BE49-F238E27FC236}">
-                <a16:creationId xmlns:a16="http://schemas.microsoft.com/office/drawing/2014/main" id="{A683113B-378D-4042-BEC9-060A9FEFA607}"/>
-              </a:ext>
-            </a:extLst>
-          </p:cNvPr>
-          <p:cNvSpPr txBox="1"/>
-          <p:nvPr/>
-        </p:nvSpPr>
-        <p:spPr>
-          <a:xfrm>
-            <a:off x="265043" y="1398423"/>
-            <a:ext cx="11635409" cy="2882328"/>
-          </a:xfrm>
-          <a:prstGeom prst="rect">
-            <a:avLst/>
-          </a:prstGeom>
-          <a:noFill/>
-        </p:spPr>
-        <p:txBody>
-          <a:bodyPr wrap="square">
-            <a:spAutoFit/>
-          </a:bodyPr>
-          <a:lstStyle/>
-          <a:p>
-            <a:pPr marL="1757045" indent="528955">
-              <a:lnSpc>
-                <a:spcPct val="107000"/>
-              </a:lnSpc>
-              <a:spcAft>
-                <a:spcPts val="800"/>
-              </a:spcAft>
-            </a:pPr>
-            <a:r>
-              <a:rPr lang="en-IN" sz="2800" b="1" dirty="0">
-                <a:effectLst/>
-                <a:latin typeface="Calibri" panose="020F0502020204030204" pitchFamily="34" charset="0"/>
-                <a:ea typeface="Calibri" panose="020F0502020204030204" pitchFamily="34" charset="0"/>
-                <a:cs typeface="Times New Roman" panose="02020603050405020304" pitchFamily="18" charset="0"/>
-              </a:rPr>
-              <a:t>		</a:t>
-            </a:r>
-            <a:r>
-              <a:rPr lang="en-IN" sz="2800" b="1" u="sng" dirty="0">
-                <a:effectLst/>
-                <a:latin typeface="Calibri" panose="020F0502020204030204" pitchFamily="34" charset="0"/>
-                <a:ea typeface="Calibri" panose="020F0502020204030204" pitchFamily="34" charset="0"/>
-                <a:cs typeface="Times New Roman" panose="02020603050405020304" pitchFamily="18" charset="0"/>
-              </a:rPr>
-              <a:t>Relational Schema</a:t>
-            </a:r>
-            <a:endParaRPr lang="en-IN" sz="1800" dirty="0">
-              <a:effectLst/>
-              <a:latin typeface="Calibri" panose="020F0502020204030204" pitchFamily="34" charset="0"/>
-              <a:ea typeface="Calibri" panose="020F0502020204030204" pitchFamily="34" charset="0"/>
-              <a:cs typeface="Times New Roman" panose="02020603050405020304" pitchFamily="18" charset="0"/>
-            </a:endParaRPr>
-          </a:p>
-          <a:p>
-            <a:pPr>
-              <a:lnSpc>
-                <a:spcPct val="107000"/>
-              </a:lnSpc>
-              <a:spcAft>
-                <a:spcPts val="800"/>
-              </a:spcAft>
-            </a:pPr>
-            <a:r>
-              <a:rPr lang="en-IN" sz="1800" spc="10" dirty="0">
-                <a:solidFill>
-                  <a:srgbClr val="40424E"/>
-                </a:solidFill>
-                <a:effectLst/>
-                <a:latin typeface="Calibri" panose="020F0502020204030204" pitchFamily="34" charset="0"/>
-                <a:ea typeface="Calibri" panose="020F0502020204030204" pitchFamily="34" charset="0"/>
-                <a:cs typeface="Calibri" panose="020F0502020204030204" pitchFamily="34" charset="0"/>
-              </a:rPr>
-              <a:t>Relation schema defines the design and structure of the relation like it consists of the relation name, set of attributes/field names/column names. every attribute would have an associated domain</a:t>
-            </a:r>
-            <a:r>
-              <a:rPr lang="en-IN" sz="2400" spc="10" dirty="0">
-                <a:solidFill>
-                  <a:srgbClr val="40424E"/>
-                </a:solidFill>
-                <a:effectLst/>
-                <a:latin typeface="Calibri" panose="020F0502020204030204" pitchFamily="34" charset="0"/>
-                <a:ea typeface="Calibri" panose="020F0502020204030204" pitchFamily="34" charset="0"/>
-                <a:cs typeface="Calibri" panose="020F0502020204030204" pitchFamily="34" charset="0"/>
-              </a:rPr>
-              <a:t>.</a:t>
-            </a:r>
-            <a:endParaRPr lang="en-IN" sz="1800" dirty="0">
-              <a:effectLst/>
-              <a:latin typeface="Calibri" panose="020F0502020204030204" pitchFamily="34" charset="0"/>
-              <a:ea typeface="Calibri" panose="020F0502020204030204" pitchFamily="34" charset="0"/>
-              <a:cs typeface="Times New Roman" panose="02020603050405020304" pitchFamily="18" charset="0"/>
-            </a:endParaRPr>
-          </a:p>
-          <a:p>
-            <a:pPr>
-              <a:lnSpc>
-                <a:spcPct val="107000"/>
-              </a:lnSpc>
-              <a:spcAft>
-                <a:spcPts val="800"/>
-              </a:spcAft>
-            </a:pPr>
-            <a:r>
-              <a:rPr lang="en-IN" sz="1800" dirty="0">
-                <a:solidFill>
-                  <a:srgbClr val="202124"/>
-                </a:solidFill>
-                <a:effectLst/>
-                <a:latin typeface="Calibri" panose="020F0502020204030204" pitchFamily="34" charset="0"/>
-                <a:ea typeface="Calibri" panose="020F0502020204030204" pitchFamily="34" charset="0"/>
-                <a:cs typeface="Calibri" panose="020F0502020204030204" pitchFamily="34" charset="0"/>
-              </a:rPr>
-              <a:t>A </a:t>
-            </a:r>
-            <a:r>
-              <a:rPr lang="en-IN" sz="1800" b="1" dirty="0">
-                <a:effectLst/>
-                <a:latin typeface="Calibri" panose="020F0502020204030204" pitchFamily="34" charset="0"/>
-                <a:ea typeface="Calibri" panose="020F0502020204030204" pitchFamily="34" charset="0"/>
-                <a:cs typeface="Times New Roman" panose="02020603050405020304" pitchFamily="18" charset="0"/>
-              </a:rPr>
-              <a:t>relational schema</a:t>
-            </a:r>
-            <a:r>
-              <a:rPr lang="en-IN" sz="1800" dirty="0">
-                <a:effectLst/>
-                <a:latin typeface="Calibri" panose="020F0502020204030204" pitchFamily="34" charset="0"/>
-                <a:ea typeface="Calibri" panose="020F0502020204030204" pitchFamily="34" charset="0"/>
-                <a:cs typeface="Times New Roman" panose="02020603050405020304" pitchFamily="18" charset="0"/>
-              </a:rPr>
-              <a:t> is a set of </a:t>
-            </a:r>
-            <a:r>
-              <a:rPr lang="en-IN" sz="1800" b="1" dirty="0">
-                <a:effectLst/>
-                <a:latin typeface="Calibri" panose="020F0502020204030204" pitchFamily="34" charset="0"/>
-                <a:ea typeface="Calibri" panose="020F0502020204030204" pitchFamily="34" charset="0"/>
-                <a:cs typeface="Times New Roman" panose="02020603050405020304" pitchFamily="18" charset="0"/>
-              </a:rPr>
-              <a:t>relational</a:t>
-            </a:r>
-            <a:r>
-              <a:rPr lang="en-IN" sz="1800" dirty="0">
-                <a:effectLst/>
-                <a:latin typeface="Calibri" panose="020F0502020204030204" pitchFamily="34" charset="0"/>
-                <a:ea typeface="Calibri" panose="020F0502020204030204" pitchFamily="34" charset="0"/>
-                <a:cs typeface="Times New Roman" panose="02020603050405020304" pitchFamily="18" charset="0"/>
-              </a:rPr>
-              <a:t> tables and associated items that are related to one another. All of the base tables, views, indexes, domains, user roles, stored modules, and other items that a user creates to </a:t>
-            </a:r>
-            <a:r>
-              <a:rPr lang="en-IN" sz="1800" dirty="0" err="1">
-                <a:effectLst/>
-                <a:latin typeface="Calibri" panose="020F0502020204030204" pitchFamily="34" charset="0"/>
-                <a:ea typeface="Calibri" panose="020F0502020204030204" pitchFamily="34" charset="0"/>
-                <a:cs typeface="Times New Roman" panose="02020603050405020304" pitchFamily="18" charset="0"/>
-              </a:rPr>
-              <a:t>fulfill</a:t>
-            </a:r>
-            <a:r>
-              <a:rPr lang="en-IN" sz="1800" dirty="0">
-                <a:effectLst/>
-                <a:latin typeface="Calibri" panose="020F0502020204030204" pitchFamily="34" charset="0"/>
-                <a:ea typeface="Calibri" panose="020F0502020204030204" pitchFamily="34" charset="0"/>
-                <a:cs typeface="Times New Roman" panose="02020603050405020304" pitchFamily="18" charset="0"/>
-              </a:rPr>
-              <a:t> the data needs of a particular enterprise or set of applications belong to one </a:t>
-            </a:r>
-            <a:r>
-              <a:rPr lang="en-IN" sz="1800" b="1" dirty="0">
-                <a:effectLst/>
-                <a:latin typeface="Calibri" panose="020F0502020204030204" pitchFamily="34" charset="0"/>
-                <a:ea typeface="Calibri" panose="020F0502020204030204" pitchFamily="34" charset="0"/>
-                <a:cs typeface="Times New Roman" panose="02020603050405020304" pitchFamily="18" charset="0"/>
-              </a:rPr>
-              <a:t>schema</a:t>
-            </a:r>
-            <a:r>
-              <a:rPr lang="en-IN" sz="1800" dirty="0">
-                <a:effectLst/>
-                <a:latin typeface="Calibri" panose="020F0502020204030204" pitchFamily="34" charset="0"/>
-                <a:ea typeface="Calibri" panose="020F0502020204030204" pitchFamily="34" charset="0"/>
-                <a:cs typeface="Times New Roman" panose="02020603050405020304" pitchFamily="18" charset="0"/>
-              </a:rPr>
-              <a:t>.</a:t>
-            </a:r>
-          </a:p>
-          <a:p>
-            <a:pPr>
-              <a:lnSpc>
-                <a:spcPct val="107000"/>
-              </a:lnSpc>
-              <a:spcAft>
-                <a:spcPts val="800"/>
-              </a:spcAft>
-            </a:pPr>
-            <a:r>
-              <a:rPr lang="en-IN" sz="2800" b="1" u="none" strike="noStrike" dirty="0">
-                <a:effectLst/>
-                <a:latin typeface="Calibri" panose="020F0502020204030204" pitchFamily="34" charset="0"/>
-                <a:ea typeface="Calibri" panose="020F0502020204030204" pitchFamily="34" charset="0"/>
-                <a:cs typeface="Times New Roman" panose="02020603050405020304" pitchFamily="18" charset="0"/>
-              </a:rPr>
-              <a:t> </a:t>
-            </a:r>
-            <a:endParaRPr lang="en-IN" sz="1800" dirty="0">
-              <a:effectLst/>
-              <a:latin typeface="Calibri" panose="020F0502020204030204" pitchFamily="34" charset="0"/>
-              <a:ea typeface="Calibri" panose="020F0502020204030204" pitchFamily="34" charset="0"/>
-              <a:cs typeface="Times New Roman" panose="02020603050405020304" pitchFamily="18" charset="0"/>
-            </a:endParaRPr>
-          </a:p>
-        </p:txBody>
-      </p:sp>
-    </p:spTree>
-    <p:extLst>
-      <p:ext uri="{BB962C8B-B14F-4D97-AF65-F5344CB8AC3E}">
-        <p14:creationId xmlns:p14="http://schemas.microsoft.com/office/powerpoint/2010/main" val="2261672324"/>
-      </p:ext>
-    </p:extLst>
-  </p:cSld>
-  <p:clrMapOvr>
-    <a:masterClrMapping/>
-  </p:clrMapOvr>
-</p:sld>
-</file>
-
-<file path=ppt/slides/slide5.xml><?xml version="1.0" encoding="utf-8"?>
-<p:sld xmlns:a="http://schemas.openxmlformats.org/drawingml/2006/main" xmlns:r="http://schemas.openxmlformats.org/officeDocument/2006/relationships" xmlns:p="http://schemas.openxmlformats.org/presentationml/2006/main">
-  <p:cSld>
-    <p:spTree>
-      <p:nvGrpSpPr>
-        <p:cNvPr id="1" name=""/>
-        <p:cNvGrpSpPr/>
-        <p:nvPr/>
-      </p:nvGrpSpPr>
-      <p:grpSpPr>
-        <a:xfrm>
-          <a:off x="0" y="0"/>
-          <a:ext cx="0" cy="0"/>
-          <a:chOff x="0" y="0"/>
-          <a:chExt cx="0" cy="0"/>
-        </a:xfrm>
-      </p:grpSpPr>
-      <p:sp>
-        <p:nvSpPr>
-          <p:cNvPr id="3" name="TextBox 2">
-            <a:extLst>
-              <a:ext uri="{FF2B5EF4-FFF2-40B4-BE49-F238E27FC236}">
-                <a16:creationId xmlns:a16="http://schemas.microsoft.com/office/drawing/2014/main" id="{02435639-3E99-4FA2-88C2-6BABEC521EAC}"/>
-              </a:ext>
-            </a:extLst>
-          </p:cNvPr>
-          <p:cNvSpPr txBox="1"/>
-          <p:nvPr/>
-        </p:nvSpPr>
-        <p:spPr>
-          <a:xfrm>
-            <a:off x="344557" y="2221821"/>
-            <a:ext cx="11529391" cy="1531894"/>
-          </a:xfrm>
-          <a:prstGeom prst="rect">
-            <a:avLst/>
-          </a:prstGeom>
-          <a:noFill/>
-        </p:spPr>
-        <p:txBody>
-          <a:bodyPr wrap="square">
-            <a:spAutoFit/>
-          </a:bodyPr>
-          <a:lstStyle/>
-          <a:p>
-            <a:pPr>
-              <a:lnSpc>
-                <a:spcPct val="107000"/>
-              </a:lnSpc>
-              <a:spcAft>
-                <a:spcPts val="800"/>
-              </a:spcAft>
-              <a:tabLst>
-                <a:tab pos="2495550" algn="l"/>
-              </a:tabLst>
-            </a:pPr>
-            <a:r>
-              <a:rPr lang="en-IN" sz="2800" dirty="0">
-                <a:effectLst/>
-                <a:latin typeface="Calibri" panose="020F0502020204030204" pitchFamily="34" charset="0"/>
-                <a:ea typeface="Calibri" panose="020F0502020204030204" pitchFamily="34" charset="0"/>
-                <a:cs typeface="Times New Roman" panose="02020603050405020304" pitchFamily="18" charset="0"/>
-              </a:rPr>
-              <a:t>			</a:t>
-            </a:r>
-            <a:r>
-              <a:rPr lang="en-IN" sz="2800" b="1" u="sng" dirty="0">
-                <a:effectLst/>
-                <a:latin typeface="Calibri" panose="020F0502020204030204" pitchFamily="34" charset="0"/>
-                <a:ea typeface="Calibri" panose="020F0502020204030204" pitchFamily="34" charset="0"/>
-                <a:cs typeface="Times New Roman" panose="02020603050405020304" pitchFamily="18" charset="0"/>
-              </a:rPr>
-              <a:t>Data Dictionary</a:t>
-            </a:r>
-            <a:endParaRPr lang="en-IN" sz="1800" dirty="0">
-              <a:effectLst/>
-              <a:latin typeface="Calibri" panose="020F0502020204030204" pitchFamily="34" charset="0"/>
-              <a:ea typeface="Calibri" panose="020F0502020204030204" pitchFamily="34" charset="0"/>
-              <a:cs typeface="Times New Roman" panose="02020603050405020304" pitchFamily="18" charset="0"/>
-            </a:endParaRPr>
-          </a:p>
-          <a:p>
-            <a:pPr>
-              <a:lnSpc>
-                <a:spcPct val="107000"/>
-              </a:lnSpc>
-              <a:spcAft>
-                <a:spcPts val="800"/>
-              </a:spcAft>
-              <a:tabLst>
-                <a:tab pos="2495550" algn="l"/>
-              </a:tabLst>
-            </a:pPr>
-            <a:r>
-              <a:rPr lang="en-IN" sz="1800" dirty="0">
-                <a:solidFill>
-                  <a:srgbClr val="202124"/>
-                </a:solidFill>
-                <a:effectLst/>
-                <a:latin typeface="Calibri" panose="020F0502020204030204" pitchFamily="34" charset="0"/>
-                <a:ea typeface="Calibri" panose="020F0502020204030204" pitchFamily="34" charset="0"/>
-                <a:cs typeface="Calibri" panose="020F0502020204030204" pitchFamily="34" charset="0"/>
-              </a:rPr>
-              <a:t>A </a:t>
-            </a:r>
-            <a:r>
-              <a:rPr lang="en-IN" sz="1800" b="1" dirty="0">
-                <a:effectLst/>
-                <a:latin typeface="Calibri" panose="020F0502020204030204" pitchFamily="34" charset="0"/>
-                <a:ea typeface="Calibri" panose="020F0502020204030204" pitchFamily="34" charset="0"/>
-                <a:cs typeface="Times New Roman" panose="02020603050405020304" pitchFamily="18" charset="0"/>
-              </a:rPr>
-              <a:t>data dictionary</a:t>
-            </a:r>
-            <a:r>
-              <a:rPr lang="en-IN" sz="1800" dirty="0">
-                <a:effectLst/>
-                <a:latin typeface="Calibri" panose="020F0502020204030204" pitchFamily="34" charset="0"/>
-                <a:ea typeface="Calibri" panose="020F0502020204030204" pitchFamily="34" charset="0"/>
-                <a:cs typeface="Times New Roman" panose="02020603050405020304" pitchFamily="18" charset="0"/>
-              </a:rPr>
-              <a:t> contains metadata </a:t>
-            </a:r>
-            <a:r>
-              <a:rPr lang="en-IN" sz="1800" dirty="0" err="1">
-                <a:effectLst/>
-                <a:latin typeface="Calibri" panose="020F0502020204030204" pitchFamily="34" charset="0"/>
-                <a:ea typeface="Calibri" panose="020F0502020204030204" pitchFamily="34" charset="0"/>
-                <a:cs typeface="Times New Roman" panose="02020603050405020304" pitchFamily="18" charset="0"/>
-              </a:rPr>
-              <a:t>i.e</a:t>
-            </a:r>
-            <a:r>
-              <a:rPr lang="en-IN" sz="1800" dirty="0">
-                <a:effectLst/>
-                <a:latin typeface="Calibri" panose="020F0502020204030204" pitchFamily="34" charset="0"/>
-                <a:ea typeface="Calibri" panose="020F0502020204030204" pitchFamily="34" charset="0"/>
-                <a:cs typeface="Times New Roman" panose="02020603050405020304" pitchFamily="18" charset="0"/>
-              </a:rPr>
-              <a:t> </a:t>
-            </a:r>
-            <a:r>
-              <a:rPr lang="en-IN" sz="1800" b="1" dirty="0">
-                <a:effectLst/>
-                <a:latin typeface="Calibri" panose="020F0502020204030204" pitchFamily="34" charset="0"/>
-                <a:ea typeface="Calibri" panose="020F0502020204030204" pitchFamily="34" charset="0"/>
-                <a:cs typeface="Times New Roman" panose="02020603050405020304" pitchFamily="18" charset="0"/>
-              </a:rPr>
-              <a:t>data</a:t>
-            </a:r>
-            <a:r>
-              <a:rPr lang="en-IN" sz="1800" dirty="0">
-                <a:effectLst/>
-                <a:latin typeface="Calibri" panose="020F0502020204030204" pitchFamily="34" charset="0"/>
-                <a:ea typeface="Calibri" panose="020F0502020204030204" pitchFamily="34" charset="0"/>
-                <a:cs typeface="Times New Roman" panose="02020603050405020304" pitchFamily="18" charset="0"/>
-              </a:rPr>
-              <a:t> about the database. The </a:t>
-            </a:r>
-            <a:r>
-              <a:rPr lang="en-IN" sz="1800" b="1" dirty="0">
-                <a:effectLst/>
-                <a:latin typeface="Calibri" panose="020F0502020204030204" pitchFamily="34" charset="0"/>
-                <a:ea typeface="Calibri" panose="020F0502020204030204" pitchFamily="34" charset="0"/>
-                <a:cs typeface="Times New Roman" panose="02020603050405020304" pitchFamily="18" charset="0"/>
-              </a:rPr>
-              <a:t>data dictionary</a:t>
-            </a:r>
-            <a:r>
-              <a:rPr lang="en-IN" sz="1800" dirty="0">
-                <a:effectLst/>
-                <a:latin typeface="Calibri" panose="020F0502020204030204" pitchFamily="34" charset="0"/>
-                <a:ea typeface="Calibri" panose="020F0502020204030204" pitchFamily="34" charset="0"/>
-                <a:cs typeface="Times New Roman" panose="02020603050405020304" pitchFamily="18" charset="0"/>
-              </a:rPr>
-              <a:t> is very important as it contains information such as what is in the database, who is allowed to access it, where is the database physically stored etc. . Physical information about the tables such as where they are stored and how.</a:t>
-            </a:r>
-          </a:p>
-        </p:txBody>
-      </p:sp>
-    </p:spTree>
-    <p:extLst>
-      <p:ext uri="{BB962C8B-B14F-4D97-AF65-F5344CB8AC3E}">
-        <p14:creationId xmlns:p14="http://schemas.microsoft.com/office/powerpoint/2010/main" val="2040711380"/>
-      </p:ext>
-    </p:extLst>
-  </p:cSld>
-  <p:clrMapOvr>
-    <a:masterClrMapping/>
-  </p:clrMapOvr>
-</p:sld>
-</file>
-
-<file path=ppt/slides/slide6.xml><?xml version="1.0" encoding="utf-8"?>
-<p:sld xmlns:a="http://schemas.openxmlformats.org/drawingml/2006/main" xmlns:r="http://schemas.openxmlformats.org/officeDocument/2006/relationships" xmlns:p="http://schemas.openxmlformats.org/presentationml/2006/main">
-  <p:cSld>
-    <p:spTree>
-      <p:nvGrpSpPr>
-        <p:cNvPr id="1" name=""/>
-        <p:cNvGrpSpPr/>
-        <p:nvPr/>
-      </p:nvGrpSpPr>
-      <p:grpSpPr>
-        <a:xfrm>
-          <a:off x="0" y="0"/>
-          <a:ext cx="0" cy="0"/>
-          <a:chOff x="0" y="0"/>
-          <a:chExt cx="0" cy="0"/>
-        </a:xfrm>
-      </p:grpSpPr>
-      <p:sp>
-        <p:nvSpPr>
-          <p:cNvPr id="3" name="TextBox 2">
-            <a:extLst>
-              <a:ext uri="{FF2B5EF4-FFF2-40B4-BE49-F238E27FC236}">
                 <a16:creationId xmlns:a16="http://schemas.microsoft.com/office/drawing/2014/main" id="{C2C6F1E9-2586-4FB8-9369-3EE668B7F888}"/>
               </a:ext>
             </a:extLst>
@@ -5669,7 +4285,7 @@
 </p:sld>
 </file>
 
-<file path=ppt/slides/slide7.xml><?xml version="1.0" encoding="utf-8"?>
+<file path=ppt/slides/slide11.xml><?xml version="1.0" encoding="utf-8"?>
 <p:sld xmlns:a="http://schemas.openxmlformats.org/drawingml/2006/main" xmlns:r="http://schemas.openxmlformats.org/officeDocument/2006/relationships" xmlns:p="http://schemas.openxmlformats.org/presentationml/2006/main">
   <p:cSld>
     <p:spTree>
@@ -5763,7 +4379,7 @@
 </p:sld>
 </file>
 
-<file path=ppt/slides/slide8.xml><?xml version="1.0" encoding="utf-8"?>
+<file path=ppt/slides/slide12.xml><?xml version="1.0" encoding="utf-8"?>
 <p:sld xmlns:a="http://schemas.openxmlformats.org/drawingml/2006/main" xmlns:r="http://schemas.openxmlformats.org/officeDocument/2006/relationships" xmlns:p="http://schemas.openxmlformats.org/presentationml/2006/main">
   <p:cSld>
     <p:spTree>
@@ -6063,7 +4679,7 @@
 </p:sld>
 </file>
 
-<file path=ppt/slides/slide9.xml><?xml version="1.0" encoding="utf-8"?>
+<file path=ppt/slides/slide13.xml><?xml version="1.0" encoding="utf-8"?>
 <p:sld xmlns:a="http://schemas.openxmlformats.org/drawingml/2006/main" xmlns:r="http://schemas.openxmlformats.org/officeDocument/2006/relationships" xmlns:p="http://schemas.openxmlformats.org/presentationml/2006/main">
   <p:cSld>
     <p:spTree>
@@ -15239,6 +13855,1598 @@
     <p:extLst>
       <p:ext uri="{BB962C8B-B14F-4D97-AF65-F5344CB8AC3E}">
         <p14:creationId xmlns:p14="http://schemas.microsoft.com/office/powerpoint/2010/main" val="3059782450"/>
+      </p:ext>
+    </p:extLst>
+  </p:cSld>
+  <p:clrMapOvr>
+    <a:masterClrMapping/>
+  </p:clrMapOvr>
+</p:sld>
+</file>
+
+<file path=ppt/slides/slide2.xml><?xml version="1.0" encoding="utf-8"?>
+<p:sld xmlns:a="http://schemas.openxmlformats.org/drawingml/2006/main" xmlns:r="http://schemas.openxmlformats.org/officeDocument/2006/relationships" xmlns:p="http://schemas.openxmlformats.org/presentationml/2006/main">
+  <p:cSld>
+    <p:spTree>
+      <p:nvGrpSpPr>
+        <p:cNvPr id="1" name=""/>
+        <p:cNvGrpSpPr/>
+        <p:nvPr/>
+      </p:nvGrpSpPr>
+      <p:grpSpPr>
+        <a:xfrm>
+          <a:off x="0" y="0"/>
+          <a:ext cx="0" cy="0"/>
+          <a:chOff x="0" y="0"/>
+          <a:chExt cx="0" cy="0"/>
+        </a:xfrm>
+      </p:grpSpPr>
+      <p:sp>
+        <p:nvSpPr>
+          <p:cNvPr id="3" name="TextBox 2">
+            <a:extLst>
+              <a:ext uri="{FF2B5EF4-FFF2-40B4-BE49-F238E27FC236}">
+                <a16:creationId xmlns:a16="http://schemas.microsoft.com/office/drawing/2014/main" id="{8EEA7724-9708-41D2-8CB3-6519B0AF9C64}"/>
+              </a:ext>
+            </a:extLst>
+          </p:cNvPr>
+          <p:cNvSpPr txBox="1"/>
+          <p:nvPr/>
+        </p:nvSpPr>
+        <p:spPr>
+          <a:xfrm>
+            <a:off x="3048000" y="467591"/>
+            <a:ext cx="6096000" cy="5929444"/>
+          </a:xfrm>
+          <a:prstGeom prst="rect">
+            <a:avLst/>
+          </a:prstGeom>
+          <a:noFill/>
+        </p:spPr>
+        <p:txBody>
+          <a:bodyPr wrap="square">
+            <a:spAutoFit/>
+          </a:bodyPr>
+          <a:lstStyle/>
+          <a:p>
+            <a:pPr marR="67310" algn="ctr">
+              <a:lnSpc>
+                <a:spcPts val="2900"/>
+              </a:lnSpc>
+              <a:spcAft>
+                <a:spcPts val="800"/>
+              </a:spcAft>
+            </a:pPr>
+            <a:r>
+              <a:rPr lang="en-IN" sz="3600" u="sng" dirty="0">
+                <a:effectLst/>
+                <a:latin typeface="Arial" panose="020B0604020202020204" pitchFamily="34" charset="0"/>
+                <a:ea typeface="Calibri" panose="020F0502020204030204" pitchFamily="34" charset="0"/>
+                <a:cs typeface="Times New Roman" panose="02020603050405020304" pitchFamily="18" charset="0"/>
+              </a:rPr>
+              <a:t>Contents</a:t>
+            </a:r>
+            <a:endParaRPr lang="en-IN" sz="1400" u="sng" dirty="0">
+              <a:effectLst/>
+              <a:latin typeface="Calibri" panose="020F0502020204030204" pitchFamily="34" charset="0"/>
+              <a:ea typeface="Calibri" panose="020F0502020204030204" pitchFamily="34" charset="0"/>
+              <a:cs typeface="Times New Roman" panose="02020603050405020304" pitchFamily="18" charset="0"/>
+            </a:endParaRPr>
+          </a:p>
+          <a:p>
+            <a:pPr algn="ctr">
+              <a:lnSpc>
+                <a:spcPts val="650"/>
+              </a:lnSpc>
+              <a:spcBef>
+                <a:spcPts val="5"/>
+              </a:spcBef>
+              <a:spcAft>
+                <a:spcPts val="800"/>
+              </a:spcAft>
+            </a:pPr>
+            <a:r>
+              <a:rPr lang="en-IN" sz="800" dirty="0">
+                <a:effectLst/>
+                <a:latin typeface="Arial" panose="020B0604020202020204" pitchFamily="34" charset="0"/>
+                <a:ea typeface="Calibri" panose="020F0502020204030204" pitchFamily="34" charset="0"/>
+                <a:cs typeface="Times New Roman" panose="02020603050405020304" pitchFamily="18" charset="0"/>
+              </a:rPr>
+              <a:t> </a:t>
+            </a:r>
+            <a:endParaRPr lang="en-IN" sz="1400" dirty="0">
+              <a:effectLst/>
+              <a:latin typeface="Calibri" panose="020F0502020204030204" pitchFamily="34" charset="0"/>
+              <a:ea typeface="Calibri" panose="020F0502020204030204" pitchFamily="34" charset="0"/>
+              <a:cs typeface="Times New Roman" panose="02020603050405020304" pitchFamily="18" charset="0"/>
+            </a:endParaRPr>
+          </a:p>
+          <a:p>
+            <a:pPr algn="ctr">
+              <a:lnSpc>
+                <a:spcPts val="1000"/>
+              </a:lnSpc>
+              <a:spcAft>
+                <a:spcPts val="800"/>
+              </a:spcAft>
+            </a:pPr>
+            <a:r>
+              <a:rPr lang="en-IN" sz="1100" dirty="0">
+                <a:effectLst/>
+                <a:latin typeface="Arial" panose="020B0604020202020204" pitchFamily="34" charset="0"/>
+                <a:ea typeface="Calibri" panose="020F0502020204030204" pitchFamily="34" charset="0"/>
+                <a:cs typeface="Times New Roman" panose="02020603050405020304" pitchFamily="18" charset="0"/>
+              </a:rPr>
+              <a:t> </a:t>
+            </a:r>
+            <a:endParaRPr lang="en-IN" sz="1400" dirty="0">
+              <a:effectLst/>
+              <a:latin typeface="Calibri" panose="020F0502020204030204" pitchFamily="34" charset="0"/>
+              <a:ea typeface="Calibri" panose="020F0502020204030204" pitchFamily="34" charset="0"/>
+              <a:cs typeface="Times New Roman" panose="02020603050405020304" pitchFamily="18" charset="0"/>
+            </a:endParaRPr>
+          </a:p>
+          <a:p>
+            <a:pPr algn="ctr">
+              <a:lnSpc>
+                <a:spcPts val="1000"/>
+              </a:lnSpc>
+              <a:spcAft>
+                <a:spcPts val="800"/>
+              </a:spcAft>
+            </a:pPr>
+            <a:r>
+              <a:rPr lang="en-IN" sz="1100" dirty="0">
+                <a:effectLst/>
+                <a:latin typeface="Arial" panose="020B0604020202020204" pitchFamily="34" charset="0"/>
+                <a:ea typeface="Calibri" panose="020F0502020204030204" pitchFamily="34" charset="0"/>
+                <a:cs typeface="Times New Roman" panose="02020603050405020304" pitchFamily="18" charset="0"/>
+              </a:rPr>
+              <a:t> </a:t>
+            </a:r>
+            <a:endParaRPr lang="en-IN" sz="1400" dirty="0">
+              <a:effectLst/>
+              <a:latin typeface="Calibri" panose="020F0502020204030204" pitchFamily="34" charset="0"/>
+              <a:ea typeface="Calibri" panose="020F0502020204030204" pitchFamily="34" charset="0"/>
+              <a:cs typeface="Times New Roman" panose="02020603050405020304" pitchFamily="18" charset="0"/>
+            </a:endParaRPr>
+          </a:p>
+          <a:p>
+            <a:pPr indent="457200">
+              <a:lnSpc>
+                <a:spcPct val="107000"/>
+              </a:lnSpc>
+              <a:spcBef>
+                <a:spcPts val="120"/>
+              </a:spcBef>
+              <a:spcAft>
+                <a:spcPts val="800"/>
+              </a:spcAft>
+            </a:pPr>
+            <a:r>
+              <a:rPr lang="en-IN" sz="1100" dirty="0">
+                <a:effectLst/>
+                <a:latin typeface="Arial" panose="020B0604020202020204" pitchFamily="34" charset="0"/>
+                <a:ea typeface="Calibri" panose="020F0502020204030204" pitchFamily="34" charset="0"/>
+                <a:cs typeface="Times New Roman" panose="02020603050405020304" pitchFamily="18" charset="0"/>
+              </a:rPr>
+              <a:t> </a:t>
+            </a:r>
+            <a:endParaRPr lang="en-IN" sz="1400" dirty="0">
+              <a:effectLst/>
+              <a:latin typeface="Calibri" panose="020F0502020204030204" pitchFamily="34" charset="0"/>
+              <a:ea typeface="Calibri" panose="020F0502020204030204" pitchFamily="34" charset="0"/>
+              <a:cs typeface="Times New Roman" panose="02020603050405020304" pitchFamily="18" charset="0"/>
+            </a:endParaRPr>
+          </a:p>
+          <a:p>
+            <a:pPr indent="457200">
+              <a:lnSpc>
+                <a:spcPct val="107000"/>
+              </a:lnSpc>
+              <a:spcBef>
+                <a:spcPts val="120"/>
+              </a:spcBef>
+              <a:spcAft>
+                <a:spcPts val="800"/>
+              </a:spcAft>
+            </a:pPr>
+            <a:r>
+              <a:rPr lang="en-IN" sz="1800" b="1" dirty="0">
+                <a:effectLst/>
+                <a:latin typeface="Arial" panose="020B0604020202020204" pitchFamily="34" charset="0"/>
+                <a:ea typeface="Calibri" panose="020F0502020204030204" pitchFamily="34" charset="0"/>
+                <a:cs typeface="Times New Roman" panose="02020603050405020304" pitchFamily="18" charset="0"/>
+              </a:rPr>
+              <a:t>1.   </a:t>
+            </a:r>
+            <a:r>
+              <a:rPr lang="en-IN" sz="1800" b="1" spc="255" dirty="0">
+                <a:effectLst/>
+                <a:latin typeface="Arial" panose="020B0604020202020204" pitchFamily="34" charset="0"/>
+                <a:ea typeface="Calibri" panose="020F0502020204030204" pitchFamily="34" charset="0"/>
+                <a:cs typeface="Times New Roman" panose="02020603050405020304" pitchFamily="18" charset="0"/>
+              </a:rPr>
+              <a:t> </a:t>
+            </a:r>
+            <a:r>
+              <a:rPr lang="en-IN" sz="1800" b="1" dirty="0">
+                <a:effectLst/>
+                <a:latin typeface="Arial" panose="020B0604020202020204" pitchFamily="34" charset="0"/>
+                <a:ea typeface="Calibri" panose="020F0502020204030204" pitchFamily="34" charset="0"/>
+                <a:cs typeface="Times New Roman" panose="02020603050405020304" pitchFamily="18" charset="0"/>
+              </a:rPr>
+              <a:t>ER Diagram                                                                              </a:t>
+            </a:r>
+            <a:r>
+              <a:rPr lang="en-IN" sz="1800" b="1" spc="5" dirty="0">
+                <a:effectLst/>
+                <a:latin typeface="Arial" panose="020B0604020202020204" pitchFamily="34" charset="0"/>
+                <a:ea typeface="Calibri" panose="020F0502020204030204" pitchFamily="34" charset="0"/>
+                <a:cs typeface="Times New Roman" panose="02020603050405020304" pitchFamily="18" charset="0"/>
+              </a:rPr>
+              <a:t> </a:t>
+            </a:r>
+            <a:endParaRPr lang="en-IN" sz="1400" dirty="0">
+              <a:effectLst/>
+              <a:latin typeface="Calibri" panose="020F0502020204030204" pitchFamily="34" charset="0"/>
+              <a:ea typeface="Calibri" panose="020F0502020204030204" pitchFamily="34" charset="0"/>
+              <a:cs typeface="Times New Roman" panose="02020603050405020304" pitchFamily="18" charset="0"/>
+            </a:endParaRPr>
+          </a:p>
+          <a:p>
+            <a:pPr indent="457200">
+              <a:lnSpc>
+                <a:spcPct val="107000"/>
+              </a:lnSpc>
+              <a:spcBef>
+                <a:spcPts val="120"/>
+              </a:spcBef>
+              <a:spcAft>
+                <a:spcPts val="800"/>
+              </a:spcAft>
+            </a:pPr>
+            <a:r>
+              <a:rPr lang="en-IN" sz="1800" dirty="0">
+                <a:effectLst/>
+                <a:latin typeface="Arial" panose="020B0604020202020204" pitchFamily="34" charset="0"/>
+                <a:ea typeface="Calibri" panose="020F0502020204030204" pitchFamily="34" charset="0"/>
+                <a:cs typeface="Times New Roman" panose="02020603050405020304" pitchFamily="18" charset="0"/>
+              </a:rPr>
+              <a:t> </a:t>
+            </a:r>
+            <a:endParaRPr lang="en-IN" sz="1400" dirty="0">
+              <a:effectLst/>
+              <a:latin typeface="Calibri" panose="020F0502020204030204" pitchFamily="34" charset="0"/>
+              <a:ea typeface="Calibri" panose="020F0502020204030204" pitchFamily="34" charset="0"/>
+              <a:cs typeface="Times New Roman" panose="02020603050405020304" pitchFamily="18" charset="0"/>
+            </a:endParaRPr>
+          </a:p>
+          <a:p>
+            <a:pPr indent="457200">
+              <a:lnSpc>
+                <a:spcPct val="107000"/>
+              </a:lnSpc>
+              <a:spcBef>
+                <a:spcPts val="120"/>
+              </a:spcBef>
+              <a:spcAft>
+                <a:spcPts val="800"/>
+              </a:spcAft>
+            </a:pPr>
+            <a:r>
+              <a:rPr lang="en-IN" sz="1800" b="1" dirty="0">
+                <a:effectLst/>
+                <a:latin typeface="Arial" panose="020B0604020202020204" pitchFamily="34" charset="0"/>
+                <a:ea typeface="Calibri" panose="020F0502020204030204" pitchFamily="34" charset="0"/>
+                <a:cs typeface="Times New Roman" panose="02020603050405020304" pitchFamily="18" charset="0"/>
+              </a:rPr>
+              <a:t>2.   </a:t>
+            </a:r>
+            <a:r>
+              <a:rPr lang="en-IN" sz="1800" b="1" spc="255" dirty="0">
+                <a:effectLst/>
+                <a:latin typeface="Arial" panose="020B0604020202020204" pitchFamily="34" charset="0"/>
+                <a:ea typeface="Calibri" panose="020F0502020204030204" pitchFamily="34" charset="0"/>
+                <a:cs typeface="Times New Roman" panose="02020603050405020304" pitchFamily="18" charset="0"/>
+              </a:rPr>
+              <a:t> </a:t>
+            </a:r>
+            <a:r>
+              <a:rPr lang="en-IN" sz="1800" b="1" dirty="0">
+                <a:effectLst/>
+                <a:latin typeface="Arial" panose="020B0604020202020204" pitchFamily="34" charset="0"/>
+                <a:ea typeface="Calibri" panose="020F0502020204030204" pitchFamily="34" charset="0"/>
+                <a:cs typeface="Times New Roman" panose="02020603050405020304" pitchFamily="18" charset="0"/>
+              </a:rPr>
+              <a:t>Relational Schema</a:t>
+            </a:r>
+            <a:endParaRPr lang="en-IN" sz="1400" dirty="0">
+              <a:effectLst/>
+              <a:latin typeface="Calibri" panose="020F0502020204030204" pitchFamily="34" charset="0"/>
+              <a:ea typeface="Calibri" panose="020F0502020204030204" pitchFamily="34" charset="0"/>
+              <a:cs typeface="Times New Roman" panose="02020603050405020304" pitchFamily="18" charset="0"/>
+            </a:endParaRPr>
+          </a:p>
+          <a:p>
+            <a:pPr indent="457200">
+              <a:lnSpc>
+                <a:spcPct val="107000"/>
+              </a:lnSpc>
+              <a:spcBef>
+                <a:spcPts val="120"/>
+              </a:spcBef>
+              <a:spcAft>
+                <a:spcPts val="800"/>
+              </a:spcAft>
+            </a:pPr>
+            <a:r>
+              <a:rPr lang="en-IN" sz="1800" b="1" dirty="0">
+                <a:effectLst/>
+                <a:latin typeface="Arial" panose="020B0604020202020204" pitchFamily="34" charset="0"/>
+                <a:ea typeface="Calibri" panose="020F0502020204030204" pitchFamily="34" charset="0"/>
+                <a:cs typeface="Times New Roman" panose="02020603050405020304" pitchFamily="18" charset="0"/>
+              </a:rPr>
+              <a:t> </a:t>
+            </a:r>
+            <a:endParaRPr lang="en-IN" sz="1400" dirty="0">
+              <a:effectLst/>
+              <a:latin typeface="Calibri" panose="020F0502020204030204" pitchFamily="34" charset="0"/>
+              <a:ea typeface="Calibri" panose="020F0502020204030204" pitchFamily="34" charset="0"/>
+              <a:cs typeface="Times New Roman" panose="02020603050405020304" pitchFamily="18" charset="0"/>
+            </a:endParaRPr>
+          </a:p>
+          <a:p>
+            <a:pPr indent="457200">
+              <a:lnSpc>
+                <a:spcPct val="107000"/>
+              </a:lnSpc>
+              <a:spcBef>
+                <a:spcPts val="120"/>
+              </a:spcBef>
+              <a:spcAft>
+                <a:spcPts val="800"/>
+              </a:spcAft>
+            </a:pPr>
+            <a:r>
+              <a:rPr lang="en-IN" sz="1800" b="1" dirty="0">
+                <a:effectLst/>
+                <a:latin typeface="Arial" panose="020B0604020202020204" pitchFamily="34" charset="0"/>
+                <a:ea typeface="Calibri" panose="020F0502020204030204" pitchFamily="34" charset="0"/>
+                <a:cs typeface="Times New Roman" panose="02020603050405020304" pitchFamily="18" charset="0"/>
+              </a:rPr>
+              <a:t>3.     Data Dictionary     </a:t>
+            </a:r>
+            <a:endParaRPr lang="en-IN" sz="1400" dirty="0">
+              <a:effectLst/>
+              <a:latin typeface="Calibri" panose="020F0502020204030204" pitchFamily="34" charset="0"/>
+              <a:ea typeface="Calibri" panose="020F0502020204030204" pitchFamily="34" charset="0"/>
+              <a:cs typeface="Times New Roman" panose="02020603050405020304" pitchFamily="18" charset="0"/>
+            </a:endParaRPr>
+          </a:p>
+          <a:p>
+            <a:pPr indent="457200">
+              <a:lnSpc>
+                <a:spcPct val="107000"/>
+              </a:lnSpc>
+              <a:spcBef>
+                <a:spcPts val="120"/>
+              </a:spcBef>
+              <a:spcAft>
+                <a:spcPts val="800"/>
+              </a:spcAft>
+            </a:pPr>
+            <a:r>
+              <a:rPr lang="en-IN" sz="1800" b="1" dirty="0">
+                <a:effectLst/>
+                <a:latin typeface="Arial" panose="020B0604020202020204" pitchFamily="34" charset="0"/>
+                <a:ea typeface="Calibri" panose="020F0502020204030204" pitchFamily="34" charset="0"/>
+                <a:cs typeface="Times New Roman" panose="02020603050405020304" pitchFamily="18" charset="0"/>
+              </a:rPr>
+              <a:t> </a:t>
+            </a:r>
+            <a:endParaRPr lang="en-IN" sz="1400" dirty="0">
+              <a:effectLst/>
+              <a:latin typeface="Calibri" panose="020F0502020204030204" pitchFamily="34" charset="0"/>
+              <a:ea typeface="Calibri" panose="020F0502020204030204" pitchFamily="34" charset="0"/>
+              <a:cs typeface="Times New Roman" panose="02020603050405020304" pitchFamily="18" charset="0"/>
+            </a:endParaRPr>
+          </a:p>
+          <a:p>
+            <a:pPr indent="457200">
+              <a:lnSpc>
+                <a:spcPct val="107000"/>
+              </a:lnSpc>
+              <a:spcBef>
+                <a:spcPts val="120"/>
+              </a:spcBef>
+              <a:spcAft>
+                <a:spcPts val="800"/>
+              </a:spcAft>
+            </a:pPr>
+            <a:r>
+              <a:rPr lang="en-IN" sz="1800" b="1" dirty="0">
+                <a:effectLst/>
+                <a:latin typeface="Arial" panose="020B0604020202020204" pitchFamily="34" charset="0"/>
+                <a:ea typeface="Calibri" panose="020F0502020204030204" pitchFamily="34" charset="0"/>
+                <a:cs typeface="Times New Roman" panose="02020603050405020304" pitchFamily="18" charset="0"/>
+              </a:rPr>
+              <a:t>4.     Context Diagram</a:t>
+            </a:r>
+            <a:endParaRPr lang="en-IN" sz="1400" dirty="0">
+              <a:effectLst/>
+              <a:latin typeface="Calibri" panose="020F0502020204030204" pitchFamily="34" charset="0"/>
+              <a:ea typeface="Calibri" panose="020F0502020204030204" pitchFamily="34" charset="0"/>
+              <a:cs typeface="Times New Roman" panose="02020603050405020304" pitchFamily="18" charset="0"/>
+            </a:endParaRPr>
+          </a:p>
+          <a:p>
+            <a:pPr indent="457200">
+              <a:lnSpc>
+                <a:spcPct val="107000"/>
+              </a:lnSpc>
+              <a:spcBef>
+                <a:spcPts val="120"/>
+              </a:spcBef>
+              <a:spcAft>
+                <a:spcPts val="800"/>
+              </a:spcAft>
+            </a:pPr>
+            <a:r>
+              <a:rPr lang="en-IN" sz="1800" b="1" dirty="0">
+                <a:effectLst/>
+                <a:latin typeface="Arial" panose="020B0604020202020204" pitchFamily="34" charset="0"/>
+                <a:ea typeface="Calibri" panose="020F0502020204030204" pitchFamily="34" charset="0"/>
+                <a:cs typeface="Times New Roman" panose="02020603050405020304" pitchFamily="18" charset="0"/>
+              </a:rPr>
+              <a:t> </a:t>
+            </a:r>
+            <a:endParaRPr lang="en-IN" sz="1400" dirty="0">
+              <a:effectLst/>
+              <a:latin typeface="Calibri" panose="020F0502020204030204" pitchFamily="34" charset="0"/>
+              <a:ea typeface="Calibri" panose="020F0502020204030204" pitchFamily="34" charset="0"/>
+              <a:cs typeface="Times New Roman" panose="02020603050405020304" pitchFamily="18" charset="0"/>
+            </a:endParaRPr>
+          </a:p>
+          <a:p>
+            <a:pPr indent="457200">
+              <a:lnSpc>
+                <a:spcPct val="107000"/>
+              </a:lnSpc>
+              <a:spcBef>
+                <a:spcPts val="120"/>
+              </a:spcBef>
+              <a:spcAft>
+                <a:spcPts val="800"/>
+              </a:spcAft>
+            </a:pPr>
+            <a:r>
+              <a:rPr lang="en-IN" sz="1800" b="1" dirty="0">
+                <a:effectLst/>
+                <a:latin typeface="Arial" panose="020B0604020202020204" pitchFamily="34" charset="0"/>
+                <a:ea typeface="Calibri" panose="020F0502020204030204" pitchFamily="34" charset="0"/>
+                <a:cs typeface="Times New Roman" panose="02020603050405020304" pitchFamily="18" charset="0"/>
+              </a:rPr>
+              <a:t>5.      DFD</a:t>
+            </a:r>
+            <a:endParaRPr lang="en-IN" sz="1400" dirty="0">
+              <a:effectLst/>
+              <a:latin typeface="Calibri" panose="020F0502020204030204" pitchFamily="34" charset="0"/>
+              <a:ea typeface="Calibri" panose="020F0502020204030204" pitchFamily="34" charset="0"/>
+              <a:cs typeface="Times New Roman" panose="02020603050405020304" pitchFamily="18" charset="0"/>
+            </a:endParaRPr>
+          </a:p>
+          <a:p>
+            <a:pPr indent="457200">
+              <a:lnSpc>
+                <a:spcPct val="107000"/>
+              </a:lnSpc>
+              <a:spcBef>
+                <a:spcPts val="120"/>
+              </a:spcBef>
+              <a:spcAft>
+                <a:spcPts val="800"/>
+              </a:spcAft>
+            </a:pPr>
+            <a:r>
+              <a:rPr lang="en-IN" sz="1800" b="1" dirty="0">
+                <a:effectLst/>
+                <a:latin typeface="Arial" panose="020B0604020202020204" pitchFamily="34" charset="0"/>
+                <a:ea typeface="Calibri" panose="020F0502020204030204" pitchFamily="34" charset="0"/>
+                <a:cs typeface="Times New Roman" panose="02020603050405020304" pitchFamily="18" charset="0"/>
+              </a:rPr>
+              <a:t> </a:t>
+            </a:r>
+            <a:endParaRPr lang="en-IN" sz="1400" dirty="0">
+              <a:effectLst/>
+              <a:latin typeface="Calibri" panose="020F0502020204030204" pitchFamily="34" charset="0"/>
+              <a:ea typeface="Calibri" panose="020F0502020204030204" pitchFamily="34" charset="0"/>
+              <a:cs typeface="Times New Roman" panose="02020603050405020304" pitchFamily="18" charset="0"/>
+            </a:endParaRPr>
+          </a:p>
+          <a:p>
+            <a:pPr indent="457200">
+              <a:lnSpc>
+                <a:spcPct val="107000"/>
+              </a:lnSpc>
+              <a:spcBef>
+                <a:spcPts val="120"/>
+              </a:spcBef>
+              <a:spcAft>
+                <a:spcPts val="800"/>
+              </a:spcAft>
+            </a:pPr>
+            <a:r>
+              <a:rPr lang="en-IN" sz="1800" b="1" dirty="0">
+                <a:effectLst/>
+                <a:latin typeface="Arial" panose="020B0604020202020204" pitchFamily="34" charset="0"/>
+                <a:ea typeface="Calibri" panose="020F0502020204030204" pitchFamily="34" charset="0"/>
+                <a:cs typeface="Times New Roman" panose="02020603050405020304" pitchFamily="18" charset="0"/>
+              </a:rPr>
+              <a:t>6.      UI Description                                                      </a:t>
+            </a:r>
+            <a:r>
+              <a:rPr lang="en-IN" sz="1800" b="1" spc="375" dirty="0">
+                <a:effectLst/>
+                <a:latin typeface="Arial" panose="020B0604020202020204" pitchFamily="34" charset="0"/>
+                <a:ea typeface="Calibri" panose="020F0502020204030204" pitchFamily="34" charset="0"/>
+                <a:cs typeface="Times New Roman" panose="02020603050405020304" pitchFamily="18" charset="0"/>
+              </a:rPr>
+              <a:t> </a:t>
+            </a:r>
+            <a:endParaRPr lang="en-IN" sz="1400" dirty="0">
+              <a:effectLst/>
+              <a:latin typeface="Calibri" panose="020F0502020204030204" pitchFamily="34" charset="0"/>
+              <a:ea typeface="Calibri" panose="020F0502020204030204" pitchFamily="34" charset="0"/>
+              <a:cs typeface="Times New Roman" panose="02020603050405020304" pitchFamily="18" charset="0"/>
+            </a:endParaRPr>
+          </a:p>
+        </p:txBody>
+      </p:sp>
+    </p:spTree>
+    <p:extLst>
+      <p:ext uri="{BB962C8B-B14F-4D97-AF65-F5344CB8AC3E}">
+        <p14:creationId xmlns:p14="http://schemas.microsoft.com/office/powerpoint/2010/main" val="2383992190"/>
+      </p:ext>
+    </p:extLst>
+  </p:cSld>
+  <p:clrMapOvr>
+    <a:masterClrMapping/>
+  </p:clrMapOvr>
+</p:sld>
+</file>
+
+<file path=ppt/slides/slide3.xml><?xml version="1.0" encoding="utf-8"?>
+<p:sld xmlns:a="http://schemas.openxmlformats.org/drawingml/2006/main" xmlns:r="http://schemas.openxmlformats.org/officeDocument/2006/relationships" xmlns:p="http://schemas.openxmlformats.org/presentationml/2006/main">
+  <p:cSld>
+    <p:spTree>
+      <p:nvGrpSpPr>
+        <p:cNvPr id="1" name=""/>
+        <p:cNvGrpSpPr/>
+        <p:nvPr/>
+      </p:nvGrpSpPr>
+      <p:grpSpPr>
+        <a:xfrm>
+          <a:off x="0" y="0"/>
+          <a:ext cx="0" cy="0"/>
+          <a:chOff x="0" y="0"/>
+          <a:chExt cx="0" cy="0"/>
+        </a:xfrm>
+      </p:grpSpPr>
+      <p:sp>
+        <p:nvSpPr>
+          <p:cNvPr id="3" name="TextBox 2">
+            <a:extLst>
+              <a:ext uri="{FF2B5EF4-FFF2-40B4-BE49-F238E27FC236}">
+                <a16:creationId xmlns:a16="http://schemas.microsoft.com/office/drawing/2014/main" id="{1030FED7-00AC-44B9-8608-44FE8957715C}"/>
+              </a:ext>
+            </a:extLst>
+          </p:cNvPr>
+          <p:cNvSpPr txBox="1"/>
+          <p:nvPr/>
+        </p:nvSpPr>
+        <p:spPr>
+          <a:xfrm>
+            <a:off x="397565" y="1242964"/>
+            <a:ext cx="11330609" cy="2600520"/>
+          </a:xfrm>
+          <a:prstGeom prst="rect">
+            <a:avLst/>
+          </a:prstGeom>
+          <a:noFill/>
+        </p:spPr>
+        <p:txBody>
+          <a:bodyPr wrap="square">
+            <a:spAutoFit/>
+          </a:bodyPr>
+          <a:lstStyle/>
+          <a:p>
+            <a:pPr>
+              <a:lnSpc>
+                <a:spcPct val="107000"/>
+              </a:lnSpc>
+              <a:spcAft>
+                <a:spcPts val="800"/>
+              </a:spcAft>
+            </a:pPr>
+            <a:r>
+              <a:rPr lang="en-IN" sz="2800" b="1" dirty="0">
+                <a:latin typeface="Calibri" panose="020F0502020204030204" pitchFamily="34" charset="0"/>
+                <a:ea typeface="Calibri" panose="020F0502020204030204" pitchFamily="34" charset="0"/>
+                <a:cs typeface="Times New Roman" panose="02020603050405020304" pitchFamily="18" charset="0"/>
+              </a:rPr>
+              <a:t>			</a:t>
+            </a:r>
+            <a:r>
+              <a:rPr lang="en-IN" sz="2800" b="1" u="sng" dirty="0">
+                <a:effectLst/>
+                <a:latin typeface="Calibri" panose="020F0502020204030204" pitchFamily="34" charset="0"/>
+                <a:ea typeface="Calibri" panose="020F0502020204030204" pitchFamily="34" charset="0"/>
+                <a:cs typeface="Times New Roman" panose="02020603050405020304" pitchFamily="18" charset="0"/>
+              </a:rPr>
+              <a:t>Entity-Relationship Diagram</a:t>
+            </a:r>
+            <a:endParaRPr lang="en-IN" sz="1800" dirty="0">
+              <a:effectLst/>
+              <a:latin typeface="Calibri" panose="020F0502020204030204" pitchFamily="34" charset="0"/>
+              <a:ea typeface="Calibri" panose="020F0502020204030204" pitchFamily="34" charset="0"/>
+              <a:cs typeface="Times New Roman" panose="02020603050405020304" pitchFamily="18" charset="0"/>
+            </a:endParaRPr>
+          </a:p>
+          <a:p>
+            <a:pPr>
+              <a:lnSpc>
+                <a:spcPct val="107000"/>
+              </a:lnSpc>
+              <a:spcAft>
+                <a:spcPts val="800"/>
+              </a:spcAft>
+            </a:pPr>
+            <a:r>
+              <a:rPr lang="en-IN" sz="1800" dirty="0">
+                <a:solidFill>
+                  <a:srgbClr val="202122"/>
+                </a:solidFill>
+                <a:effectLst/>
+                <a:latin typeface="Calibri" panose="020F0502020204030204" pitchFamily="34" charset="0"/>
+                <a:ea typeface="Times New Roman" panose="02020603050405020304" pitchFamily="18" charset="0"/>
+                <a:cs typeface="Calibri" panose="020F0502020204030204" pitchFamily="34" charset="0"/>
+              </a:rPr>
+              <a:t>An </a:t>
+            </a:r>
+            <a:r>
+              <a:rPr lang="en-IN" sz="1800" b="1" dirty="0">
+                <a:solidFill>
+                  <a:srgbClr val="202122"/>
+                </a:solidFill>
+                <a:effectLst/>
+                <a:latin typeface="Calibri" panose="020F0502020204030204" pitchFamily="34" charset="0"/>
+                <a:ea typeface="Times New Roman" panose="02020603050405020304" pitchFamily="18" charset="0"/>
+                <a:cs typeface="Calibri" panose="020F0502020204030204" pitchFamily="34" charset="0"/>
+              </a:rPr>
+              <a:t>entity–relationship model</a:t>
+            </a:r>
+            <a:r>
+              <a:rPr lang="en-IN" sz="1800" dirty="0">
+                <a:solidFill>
+                  <a:srgbClr val="202122"/>
+                </a:solidFill>
+                <a:effectLst/>
+                <a:latin typeface="Calibri" panose="020F0502020204030204" pitchFamily="34" charset="0"/>
+                <a:ea typeface="Times New Roman" panose="02020603050405020304" pitchFamily="18" charset="0"/>
+                <a:cs typeface="Calibri" panose="020F0502020204030204" pitchFamily="34" charset="0"/>
+              </a:rPr>
+              <a:t> (or </a:t>
+            </a:r>
+            <a:r>
+              <a:rPr lang="en-IN" sz="1800" b="1" dirty="0">
+                <a:solidFill>
+                  <a:srgbClr val="202122"/>
+                </a:solidFill>
+                <a:effectLst/>
+                <a:latin typeface="Calibri" panose="020F0502020204030204" pitchFamily="34" charset="0"/>
+                <a:ea typeface="Times New Roman" panose="02020603050405020304" pitchFamily="18" charset="0"/>
+                <a:cs typeface="Calibri" panose="020F0502020204030204" pitchFamily="34" charset="0"/>
+              </a:rPr>
+              <a:t>ER model</a:t>
+            </a:r>
+            <a:r>
+              <a:rPr lang="en-IN" sz="1800" dirty="0">
+                <a:solidFill>
+                  <a:srgbClr val="202122"/>
+                </a:solidFill>
+                <a:effectLst/>
+                <a:latin typeface="Calibri" panose="020F0502020204030204" pitchFamily="34" charset="0"/>
+                <a:ea typeface="Times New Roman" panose="02020603050405020304" pitchFamily="18" charset="0"/>
+                <a:cs typeface="Calibri" panose="020F0502020204030204" pitchFamily="34" charset="0"/>
+              </a:rPr>
+              <a:t>) describes interrelated things of interest in a specific domain of knowledge. A basic ER model is composed of entity types (which classify the things of interest) and specifies relationships that can exist between </a:t>
+            </a:r>
+            <a:r>
+              <a:rPr lang="en-IN" sz="1800" u="sng" dirty="0">
+                <a:solidFill>
+                  <a:srgbClr val="3366BB"/>
+                </a:solidFill>
+                <a:effectLst/>
+                <a:latin typeface="Calibri" panose="020F0502020204030204" pitchFamily="34" charset="0"/>
+                <a:ea typeface="Times New Roman" panose="02020603050405020304" pitchFamily="18" charset="0"/>
+                <a:cs typeface="Calibri" panose="020F0502020204030204" pitchFamily="34" charset="0"/>
+                <a:hlinkClick r:id="rId2" tooltip="wikt:entity"/>
+              </a:rPr>
+              <a:t>entities</a:t>
+            </a:r>
+            <a:r>
+              <a:rPr lang="en-IN" sz="1800" dirty="0">
+                <a:solidFill>
+                  <a:srgbClr val="202122"/>
+                </a:solidFill>
+                <a:effectLst/>
+                <a:latin typeface="Calibri" panose="020F0502020204030204" pitchFamily="34" charset="0"/>
+                <a:ea typeface="Times New Roman" panose="02020603050405020304" pitchFamily="18" charset="0"/>
+                <a:cs typeface="Calibri" panose="020F0502020204030204" pitchFamily="34" charset="0"/>
+              </a:rPr>
+              <a:t> (instances of those entity types).</a:t>
+            </a:r>
+            <a:endParaRPr lang="en-IN" sz="1800" dirty="0">
+              <a:effectLst/>
+              <a:latin typeface="Calibri" panose="020F0502020204030204" pitchFamily="34" charset="0"/>
+              <a:ea typeface="Calibri" panose="020F0502020204030204" pitchFamily="34" charset="0"/>
+              <a:cs typeface="Times New Roman" panose="02020603050405020304" pitchFamily="18" charset="0"/>
+            </a:endParaRPr>
+          </a:p>
+          <a:p>
+            <a:pPr>
+              <a:lnSpc>
+                <a:spcPct val="107000"/>
+              </a:lnSpc>
+              <a:spcBef>
+                <a:spcPts val="600"/>
+              </a:spcBef>
+              <a:spcAft>
+                <a:spcPts val="600"/>
+              </a:spcAft>
+            </a:pPr>
+            <a:r>
+              <a:rPr lang="en-IN" sz="1800" dirty="0">
+                <a:solidFill>
+                  <a:srgbClr val="202122"/>
+                </a:solidFill>
+                <a:effectLst/>
+                <a:latin typeface="Calibri" panose="020F0502020204030204" pitchFamily="34" charset="0"/>
+                <a:ea typeface="Times New Roman" panose="02020603050405020304" pitchFamily="18" charset="0"/>
+                <a:cs typeface="Calibri" panose="020F0502020204030204" pitchFamily="34" charset="0"/>
+              </a:rPr>
+              <a:t>In </a:t>
+            </a:r>
+            <a:r>
+              <a:rPr lang="en-IN" sz="1800" u="sng" dirty="0">
+                <a:solidFill>
+                  <a:srgbClr val="0645AD"/>
+                </a:solidFill>
+                <a:effectLst/>
+                <a:latin typeface="Calibri" panose="020F0502020204030204" pitchFamily="34" charset="0"/>
+                <a:ea typeface="Times New Roman" panose="02020603050405020304" pitchFamily="18" charset="0"/>
+                <a:cs typeface="Calibri" panose="020F0502020204030204" pitchFamily="34" charset="0"/>
+                <a:hlinkClick r:id="rId3" tooltip="Software engineering"/>
+              </a:rPr>
+              <a:t>software engineering</a:t>
+            </a:r>
+            <a:r>
+              <a:rPr lang="en-IN" sz="1800" dirty="0">
+                <a:solidFill>
+                  <a:srgbClr val="202122"/>
+                </a:solidFill>
+                <a:effectLst/>
+                <a:latin typeface="Calibri" panose="020F0502020204030204" pitchFamily="34" charset="0"/>
+                <a:ea typeface="Times New Roman" panose="02020603050405020304" pitchFamily="18" charset="0"/>
+                <a:cs typeface="Calibri" panose="020F0502020204030204" pitchFamily="34" charset="0"/>
+              </a:rPr>
+              <a:t>, an ER model is commonly formed to represent things a business needs to remember in order to perform </a:t>
+            </a:r>
+            <a:r>
+              <a:rPr lang="en-IN" sz="1800" u="sng" dirty="0">
+                <a:solidFill>
+                  <a:srgbClr val="0645AD"/>
+                </a:solidFill>
+                <a:effectLst/>
+                <a:latin typeface="Calibri" panose="020F0502020204030204" pitchFamily="34" charset="0"/>
+                <a:ea typeface="Times New Roman" panose="02020603050405020304" pitchFamily="18" charset="0"/>
+                <a:cs typeface="Calibri" panose="020F0502020204030204" pitchFamily="34" charset="0"/>
+                <a:hlinkClick r:id="rId4" tooltip="Business process"/>
+              </a:rPr>
+              <a:t>business processes</a:t>
+            </a:r>
+            <a:r>
+              <a:rPr lang="en-IN" sz="1800" dirty="0">
+                <a:solidFill>
+                  <a:srgbClr val="202122"/>
+                </a:solidFill>
+                <a:effectLst/>
+                <a:latin typeface="Calibri" panose="020F0502020204030204" pitchFamily="34" charset="0"/>
+                <a:ea typeface="Times New Roman" panose="02020603050405020304" pitchFamily="18" charset="0"/>
+                <a:cs typeface="Calibri" panose="020F0502020204030204" pitchFamily="34" charset="0"/>
+              </a:rPr>
+              <a:t>. Consequently, the ER model becomes an abstract </a:t>
+            </a:r>
+            <a:r>
+              <a:rPr lang="en-IN" sz="1800" u="sng" dirty="0">
+                <a:solidFill>
+                  <a:srgbClr val="0645AD"/>
+                </a:solidFill>
+                <a:effectLst/>
+                <a:latin typeface="Calibri" panose="020F0502020204030204" pitchFamily="34" charset="0"/>
+                <a:ea typeface="Times New Roman" panose="02020603050405020304" pitchFamily="18" charset="0"/>
+                <a:cs typeface="Calibri" panose="020F0502020204030204" pitchFamily="34" charset="0"/>
+                <a:hlinkClick r:id="rId5" tooltip="Data modeling"/>
+              </a:rPr>
+              <a:t>data model</a:t>
+            </a:r>
+            <a:r>
+              <a:rPr lang="en-IN" sz="1800" dirty="0">
+                <a:solidFill>
+                  <a:srgbClr val="202122"/>
+                </a:solidFill>
+                <a:effectLst/>
+                <a:latin typeface="Calibri" panose="020F0502020204030204" pitchFamily="34" charset="0"/>
+                <a:ea typeface="Times New Roman" panose="02020603050405020304" pitchFamily="18" charset="0"/>
+                <a:cs typeface="Calibri" panose="020F0502020204030204" pitchFamily="34" charset="0"/>
+              </a:rPr>
+              <a:t>, that defines a data or information structure which can be implemented in a </a:t>
+            </a:r>
+            <a:r>
+              <a:rPr lang="en-IN" sz="1800" u="sng" dirty="0">
+                <a:solidFill>
+                  <a:srgbClr val="0645AD"/>
+                </a:solidFill>
+                <a:effectLst/>
+                <a:latin typeface="Calibri" panose="020F0502020204030204" pitchFamily="34" charset="0"/>
+                <a:ea typeface="Times New Roman" panose="02020603050405020304" pitchFamily="18" charset="0"/>
+                <a:cs typeface="Calibri" panose="020F0502020204030204" pitchFamily="34" charset="0"/>
+                <a:hlinkClick r:id="rId6" tooltip="Database"/>
+              </a:rPr>
+              <a:t>database</a:t>
+            </a:r>
+            <a:r>
+              <a:rPr lang="en-IN" sz="1800" dirty="0">
+                <a:solidFill>
+                  <a:srgbClr val="202122"/>
+                </a:solidFill>
+                <a:effectLst/>
+                <a:latin typeface="Calibri" panose="020F0502020204030204" pitchFamily="34" charset="0"/>
+                <a:ea typeface="Times New Roman" panose="02020603050405020304" pitchFamily="18" charset="0"/>
+                <a:cs typeface="Calibri" panose="020F0502020204030204" pitchFamily="34" charset="0"/>
+              </a:rPr>
+              <a:t>, typically a </a:t>
+            </a:r>
+            <a:r>
+              <a:rPr lang="en-IN" sz="1800" u="sng" dirty="0">
+                <a:solidFill>
+                  <a:srgbClr val="0645AD"/>
+                </a:solidFill>
+                <a:effectLst/>
+                <a:latin typeface="Calibri" panose="020F0502020204030204" pitchFamily="34" charset="0"/>
+                <a:ea typeface="Times New Roman" panose="02020603050405020304" pitchFamily="18" charset="0"/>
+                <a:cs typeface="Calibri" panose="020F0502020204030204" pitchFamily="34" charset="0"/>
+                <a:hlinkClick r:id="rId7" tooltip="Relational database"/>
+              </a:rPr>
+              <a:t>relational database</a:t>
+            </a:r>
+            <a:r>
+              <a:rPr lang="en-IN" sz="1800" dirty="0">
+                <a:solidFill>
+                  <a:srgbClr val="202122"/>
+                </a:solidFill>
+                <a:effectLst/>
+                <a:latin typeface="Calibri" panose="020F0502020204030204" pitchFamily="34" charset="0"/>
+                <a:ea typeface="Times New Roman" panose="02020603050405020304" pitchFamily="18" charset="0"/>
+                <a:cs typeface="Calibri" panose="020F0502020204030204" pitchFamily="34" charset="0"/>
+              </a:rPr>
+              <a:t>.</a:t>
+            </a:r>
+            <a:endParaRPr lang="en-IN" sz="1800" dirty="0">
+              <a:effectLst/>
+              <a:latin typeface="Calibri" panose="020F0502020204030204" pitchFamily="34" charset="0"/>
+              <a:ea typeface="Calibri" panose="020F0502020204030204" pitchFamily="34" charset="0"/>
+              <a:cs typeface="Times New Roman" panose="02020603050405020304" pitchFamily="18" charset="0"/>
+            </a:endParaRPr>
+          </a:p>
+        </p:txBody>
+      </p:sp>
+    </p:spTree>
+    <p:extLst>
+      <p:ext uri="{BB962C8B-B14F-4D97-AF65-F5344CB8AC3E}">
+        <p14:creationId xmlns:p14="http://schemas.microsoft.com/office/powerpoint/2010/main" val="1469025098"/>
+      </p:ext>
+    </p:extLst>
+  </p:cSld>
+  <p:clrMapOvr>
+    <a:masterClrMapping/>
+  </p:clrMapOvr>
+</p:sld>
+</file>
+
+<file path=ppt/slides/slide4.xml><?xml version="1.0" encoding="utf-8"?>
+<p:sld xmlns:a="http://schemas.openxmlformats.org/drawingml/2006/main" xmlns:r="http://schemas.openxmlformats.org/officeDocument/2006/relationships" xmlns:p="http://schemas.openxmlformats.org/presentationml/2006/main">
+  <p:cSld>
+    <p:spTree>
+      <p:nvGrpSpPr>
+        <p:cNvPr id="1" name=""/>
+        <p:cNvGrpSpPr/>
+        <p:nvPr/>
+      </p:nvGrpSpPr>
+      <p:grpSpPr>
+        <a:xfrm>
+          <a:off x="0" y="0"/>
+          <a:ext cx="0" cy="0"/>
+          <a:chOff x="0" y="0"/>
+          <a:chExt cx="0" cy="0"/>
+        </a:xfrm>
+      </p:grpSpPr>
+    </p:spTree>
+    <p:extLst>
+      <p:ext uri="{BB962C8B-B14F-4D97-AF65-F5344CB8AC3E}">
+        <p14:creationId xmlns:p14="http://schemas.microsoft.com/office/powerpoint/2010/main" val="1870848346"/>
+      </p:ext>
+    </p:extLst>
+  </p:cSld>
+  <p:clrMapOvr>
+    <a:masterClrMapping/>
+  </p:clrMapOvr>
+</p:sld>
+</file>
+
+<file path=ppt/slides/slide5.xml><?xml version="1.0" encoding="utf-8"?>
+<p:sld xmlns:a="http://schemas.openxmlformats.org/drawingml/2006/main" xmlns:r="http://schemas.openxmlformats.org/officeDocument/2006/relationships" xmlns:p="http://schemas.openxmlformats.org/presentationml/2006/main">
+  <p:cSld>
+    <p:spTree>
+      <p:nvGrpSpPr>
+        <p:cNvPr id="1" name=""/>
+        <p:cNvGrpSpPr/>
+        <p:nvPr/>
+      </p:nvGrpSpPr>
+      <p:grpSpPr>
+        <a:xfrm>
+          <a:off x="0" y="0"/>
+          <a:ext cx="0" cy="0"/>
+          <a:chOff x="0" y="0"/>
+          <a:chExt cx="0" cy="0"/>
+        </a:xfrm>
+      </p:grpSpPr>
+      <p:sp>
+        <p:nvSpPr>
+          <p:cNvPr id="3" name="TextBox 2">
+            <a:extLst>
+              <a:ext uri="{FF2B5EF4-FFF2-40B4-BE49-F238E27FC236}">
+                <a16:creationId xmlns:a16="http://schemas.microsoft.com/office/drawing/2014/main" id="{A683113B-378D-4042-BEC9-060A9FEFA607}"/>
+              </a:ext>
+            </a:extLst>
+          </p:cNvPr>
+          <p:cNvSpPr txBox="1"/>
+          <p:nvPr/>
+        </p:nvSpPr>
+        <p:spPr>
+          <a:xfrm>
+            <a:off x="265043" y="1398423"/>
+            <a:ext cx="11635409" cy="2882328"/>
+          </a:xfrm>
+          <a:prstGeom prst="rect">
+            <a:avLst/>
+          </a:prstGeom>
+          <a:noFill/>
+        </p:spPr>
+        <p:txBody>
+          <a:bodyPr wrap="square">
+            <a:spAutoFit/>
+          </a:bodyPr>
+          <a:lstStyle/>
+          <a:p>
+            <a:pPr marL="1757045" indent="528955">
+              <a:lnSpc>
+                <a:spcPct val="107000"/>
+              </a:lnSpc>
+              <a:spcAft>
+                <a:spcPts val="800"/>
+              </a:spcAft>
+            </a:pPr>
+            <a:r>
+              <a:rPr lang="en-IN" sz="2800" b="1" dirty="0">
+                <a:effectLst/>
+                <a:latin typeface="Calibri" panose="020F0502020204030204" pitchFamily="34" charset="0"/>
+                <a:ea typeface="Calibri" panose="020F0502020204030204" pitchFamily="34" charset="0"/>
+                <a:cs typeface="Times New Roman" panose="02020603050405020304" pitchFamily="18" charset="0"/>
+              </a:rPr>
+              <a:t>		</a:t>
+            </a:r>
+            <a:r>
+              <a:rPr lang="en-IN" sz="2800" b="1" u="sng" dirty="0">
+                <a:effectLst/>
+                <a:latin typeface="Calibri" panose="020F0502020204030204" pitchFamily="34" charset="0"/>
+                <a:ea typeface="Calibri" panose="020F0502020204030204" pitchFamily="34" charset="0"/>
+                <a:cs typeface="Times New Roman" panose="02020603050405020304" pitchFamily="18" charset="0"/>
+              </a:rPr>
+              <a:t>Relational Schema</a:t>
+            </a:r>
+            <a:endParaRPr lang="en-IN" sz="1800" dirty="0">
+              <a:effectLst/>
+              <a:latin typeface="Calibri" panose="020F0502020204030204" pitchFamily="34" charset="0"/>
+              <a:ea typeface="Calibri" panose="020F0502020204030204" pitchFamily="34" charset="0"/>
+              <a:cs typeface="Times New Roman" panose="02020603050405020304" pitchFamily="18" charset="0"/>
+            </a:endParaRPr>
+          </a:p>
+          <a:p>
+            <a:pPr>
+              <a:lnSpc>
+                <a:spcPct val="107000"/>
+              </a:lnSpc>
+              <a:spcAft>
+                <a:spcPts val="800"/>
+              </a:spcAft>
+            </a:pPr>
+            <a:r>
+              <a:rPr lang="en-IN" sz="1800" spc="10" dirty="0">
+                <a:solidFill>
+                  <a:srgbClr val="40424E"/>
+                </a:solidFill>
+                <a:effectLst/>
+                <a:latin typeface="Calibri" panose="020F0502020204030204" pitchFamily="34" charset="0"/>
+                <a:ea typeface="Calibri" panose="020F0502020204030204" pitchFamily="34" charset="0"/>
+                <a:cs typeface="Calibri" panose="020F0502020204030204" pitchFamily="34" charset="0"/>
+              </a:rPr>
+              <a:t>Relation schema defines the design and structure of the relation like it consists of the relation name, set of attributes/field names/column names. every attribute would have an associated domain</a:t>
+            </a:r>
+            <a:r>
+              <a:rPr lang="en-IN" sz="2400" spc="10" dirty="0">
+                <a:solidFill>
+                  <a:srgbClr val="40424E"/>
+                </a:solidFill>
+                <a:effectLst/>
+                <a:latin typeface="Calibri" panose="020F0502020204030204" pitchFamily="34" charset="0"/>
+                <a:ea typeface="Calibri" panose="020F0502020204030204" pitchFamily="34" charset="0"/>
+                <a:cs typeface="Calibri" panose="020F0502020204030204" pitchFamily="34" charset="0"/>
+              </a:rPr>
+              <a:t>.</a:t>
+            </a:r>
+            <a:endParaRPr lang="en-IN" sz="1800" dirty="0">
+              <a:effectLst/>
+              <a:latin typeface="Calibri" panose="020F0502020204030204" pitchFamily="34" charset="0"/>
+              <a:ea typeface="Calibri" panose="020F0502020204030204" pitchFamily="34" charset="0"/>
+              <a:cs typeface="Times New Roman" panose="02020603050405020304" pitchFamily="18" charset="0"/>
+            </a:endParaRPr>
+          </a:p>
+          <a:p>
+            <a:pPr>
+              <a:lnSpc>
+                <a:spcPct val="107000"/>
+              </a:lnSpc>
+              <a:spcAft>
+                <a:spcPts val="800"/>
+              </a:spcAft>
+            </a:pPr>
+            <a:r>
+              <a:rPr lang="en-IN" sz="1800" dirty="0">
+                <a:solidFill>
+                  <a:srgbClr val="202124"/>
+                </a:solidFill>
+                <a:effectLst/>
+                <a:latin typeface="Calibri" panose="020F0502020204030204" pitchFamily="34" charset="0"/>
+                <a:ea typeface="Calibri" panose="020F0502020204030204" pitchFamily="34" charset="0"/>
+                <a:cs typeface="Calibri" panose="020F0502020204030204" pitchFamily="34" charset="0"/>
+              </a:rPr>
+              <a:t>A </a:t>
+            </a:r>
+            <a:r>
+              <a:rPr lang="en-IN" sz="1800" b="1" dirty="0">
+                <a:effectLst/>
+                <a:latin typeface="Calibri" panose="020F0502020204030204" pitchFamily="34" charset="0"/>
+                <a:ea typeface="Calibri" panose="020F0502020204030204" pitchFamily="34" charset="0"/>
+                <a:cs typeface="Times New Roman" panose="02020603050405020304" pitchFamily="18" charset="0"/>
+              </a:rPr>
+              <a:t>relational schema</a:t>
+            </a:r>
+            <a:r>
+              <a:rPr lang="en-IN" sz="1800" dirty="0">
+                <a:effectLst/>
+                <a:latin typeface="Calibri" panose="020F0502020204030204" pitchFamily="34" charset="0"/>
+                <a:ea typeface="Calibri" panose="020F0502020204030204" pitchFamily="34" charset="0"/>
+                <a:cs typeface="Times New Roman" panose="02020603050405020304" pitchFamily="18" charset="0"/>
+              </a:rPr>
+              <a:t> is a set of </a:t>
+            </a:r>
+            <a:r>
+              <a:rPr lang="en-IN" sz="1800" b="1" dirty="0">
+                <a:effectLst/>
+                <a:latin typeface="Calibri" panose="020F0502020204030204" pitchFamily="34" charset="0"/>
+                <a:ea typeface="Calibri" panose="020F0502020204030204" pitchFamily="34" charset="0"/>
+                <a:cs typeface="Times New Roman" panose="02020603050405020304" pitchFamily="18" charset="0"/>
+              </a:rPr>
+              <a:t>relational</a:t>
+            </a:r>
+            <a:r>
+              <a:rPr lang="en-IN" sz="1800" dirty="0">
+                <a:effectLst/>
+                <a:latin typeface="Calibri" panose="020F0502020204030204" pitchFamily="34" charset="0"/>
+                <a:ea typeface="Calibri" panose="020F0502020204030204" pitchFamily="34" charset="0"/>
+                <a:cs typeface="Times New Roman" panose="02020603050405020304" pitchFamily="18" charset="0"/>
+              </a:rPr>
+              <a:t> tables and associated items that are related to one another. All of the base tables, views, indexes, domains, user roles, stored modules, and other items that a user creates to </a:t>
+            </a:r>
+            <a:r>
+              <a:rPr lang="en-IN" sz="1800" dirty="0" err="1">
+                <a:effectLst/>
+                <a:latin typeface="Calibri" panose="020F0502020204030204" pitchFamily="34" charset="0"/>
+                <a:ea typeface="Calibri" panose="020F0502020204030204" pitchFamily="34" charset="0"/>
+                <a:cs typeface="Times New Roman" panose="02020603050405020304" pitchFamily="18" charset="0"/>
+              </a:rPr>
+              <a:t>fulfill</a:t>
+            </a:r>
+            <a:r>
+              <a:rPr lang="en-IN" sz="1800" dirty="0">
+                <a:effectLst/>
+                <a:latin typeface="Calibri" panose="020F0502020204030204" pitchFamily="34" charset="0"/>
+                <a:ea typeface="Calibri" panose="020F0502020204030204" pitchFamily="34" charset="0"/>
+                <a:cs typeface="Times New Roman" panose="02020603050405020304" pitchFamily="18" charset="0"/>
+              </a:rPr>
+              <a:t> the data needs of a particular enterprise or set of applications belong to one </a:t>
+            </a:r>
+            <a:r>
+              <a:rPr lang="en-IN" sz="1800" b="1" dirty="0">
+                <a:effectLst/>
+                <a:latin typeface="Calibri" panose="020F0502020204030204" pitchFamily="34" charset="0"/>
+                <a:ea typeface="Calibri" panose="020F0502020204030204" pitchFamily="34" charset="0"/>
+                <a:cs typeface="Times New Roman" panose="02020603050405020304" pitchFamily="18" charset="0"/>
+              </a:rPr>
+              <a:t>schema</a:t>
+            </a:r>
+            <a:r>
+              <a:rPr lang="en-IN" sz="1800" dirty="0">
+                <a:effectLst/>
+                <a:latin typeface="Calibri" panose="020F0502020204030204" pitchFamily="34" charset="0"/>
+                <a:ea typeface="Calibri" panose="020F0502020204030204" pitchFamily="34" charset="0"/>
+                <a:cs typeface="Times New Roman" panose="02020603050405020304" pitchFamily="18" charset="0"/>
+              </a:rPr>
+              <a:t>.</a:t>
+            </a:r>
+          </a:p>
+          <a:p>
+            <a:pPr>
+              <a:lnSpc>
+                <a:spcPct val="107000"/>
+              </a:lnSpc>
+              <a:spcAft>
+                <a:spcPts val="800"/>
+              </a:spcAft>
+            </a:pPr>
+            <a:r>
+              <a:rPr lang="en-IN" sz="2800" b="1" u="none" strike="noStrike" dirty="0">
+                <a:effectLst/>
+                <a:latin typeface="Calibri" panose="020F0502020204030204" pitchFamily="34" charset="0"/>
+                <a:ea typeface="Calibri" panose="020F0502020204030204" pitchFamily="34" charset="0"/>
+                <a:cs typeface="Times New Roman" panose="02020603050405020304" pitchFamily="18" charset="0"/>
+              </a:rPr>
+              <a:t> </a:t>
+            </a:r>
+            <a:endParaRPr lang="en-IN" sz="1800" dirty="0">
+              <a:effectLst/>
+              <a:latin typeface="Calibri" panose="020F0502020204030204" pitchFamily="34" charset="0"/>
+              <a:ea typeface="Calibri" panose="020F0502020204030204" pitchFamily="34" charset="0"/>
+              <a:cs typeface="Times New Roman" panose="02020603050405020304" pitchFamily="18" charset="0"/>
+            </a:endParaRPr>
+          </a:p>
+        </p:txBody>
+      </p:sp>
+    </p:spTree>
+    <p:extLst>
+      <p:ext uri="{BB962C8B-B14F-4D97-AF65-F5344CB8AC3E}">
+        <p14:creationId xmlns:p14="http://schemas.microsoft.com/office/powerpoint/2010/main" val="2261672324"/>
+      </p:ext>
+    </p:extLst>
+  </p:cSld>
+  <p:clrMapOvr>
+    <a:masterClrMapping/>
+  </p:clrMapOvr>
+</p:sld>
+</file>
+
+<file path=ppt/slides/slide6.xml><?xml version="1.0" encoding="utf-8"?>
+<p:sld xmlns:a="http://schemas.openxmlformats.org/drawingml/2006/main" xmlns:r="http://schemas.openxmlformats.org/officeDocument/2006/relationships" xmlns:p="http://schemas.openxmlformats.org/presentationml/2006/main">
+  <p:cSld>
+    <p:spTree>
+      <p:nvGrpSpPr>
+        <p:cNvPr id="1" name=""/>
+        <p:cNvGrpSpPr/>
+        <p:nvPr/>
+      </p:nvGrpSpPr>
+      <p:grpSpPr>
+        <a:xfrm>
+          <a:off x="0" y="0"/>
+          <a:ext cx="0" cy="0"/>
+          <a:chOff x="0" y="0"/>
+          <a:chExt cx="0" cy="0"/>
+        </a:xfrm>
+      </p:grpSpPr>
+      <p:graphicFrame>
+        <p:nvGraphicFramePr>
+          <p:cNvPr id="139" name="Object 138">
+            <a:extLst>
+              <a:ext uri="{FF2B5EF4-FFF2-40B4-BE49-F238E27FC236}">
+                <a16:creationId xmlns:a16="http://schemas.microsoft.com/office/drawing/2014/main" id="{B04FEC25-9FC4-4A8B-88A9-63C2D7E84CC0}"/>
+              </a:ext>
+            </a:extLst>
+          </p:cNvPr>
+          <p:cNvGraphicFramePr>
+            <a:graphicFrameLocks noChangeAspect="1"/>
+          </p:cNvGraphicFramePr>
+          <p:nvPr>
+            <p:extLst>
+              <p:ext uri="{D42A27DB-BD31-4B8C-83A1-F6EECF244321}">
+                <p14:modId xmlns:p14="http://schemas.microsoft.com/office/powerpoint/2010/main" val="288409478"/>
+              </p:ext>
+            </p:extLst>
+          </p:nvPr>
+        </p:nvGraphicFramePr>
+        <p:xfrm>
+          <a:off x="3897313" y="719138"/>
+          <a:ext cx="4397375" cy="5418137"/>
+        </p:xfrm>
+        <a:graphic>
+          <a:graphicData uri="http://schemas.openxmlformats.org/presentationml/2006/ole">
+            <mc:AlternateContent xmlns:mc="http://schemas.openxmlformats.org/markup-compatibility/2006">
+              <mc:Choice xmlns:v="urn:schemas-microsoft-com:vml" Requires="v">
+                <p:oleObj name="Document" r:id="rId2" imgW="7768802" imgH="9572064" progId="Word.Document.12">
+                  <p:embed/>
+                </p:oleObj>
+              </mc:Choice>
+              <mc:Fallback>
+                <p:oleObj name="Document" r:id="rId2" imgW="7768802" imgH="9572064" progId="Word.Document.12">
+                  <p:embed/>
+                  <p:pic>
+                    <p:nvPicPr>
+                      <p:cNvPr id="0" name=""/>
+                      <p:cNvPicPr/>
+                      <p:nvPr/>
+                    </p:nvPicPr>
+                    <p:blipFill>
+                      <a:blip r:embed="rId3"/>
+                      <a:stretch>
+                        <a:fillRect/>
+                      </a:stretch>
+                    </p:blipFill>
+                    <p:spPr>
+                      <a:xfrm>
+                        <a:off x="3897313" y="719138"/>
+                        <a:ext cx="4397375" cy="5418137"/>
+                      </a:xfrm>
+                      <a:prstGeom prst="rect">
+                        <a:avLst/>
+                      </a:prstGeom>
+                    </p:spPr>
+                  </p:pic>
+                </p:oleObj>
+              </mc:Fallback>
+            </mc:AlternateContent>
+          </a:graphicData>
+        </a:graphic>
+      </p:graphicFrame>
+    </p:spTree>
+    <p:extLst>
+      <p:ext uri="{BB962C8B-B14F-4D97-AF65-F5344CB8AC3E}">
+        <p14:creationId xmlns:p14="http://schemas.microsoft.com/office/powerpoint/2010/main" val="1924819777"/>
+      </p:ext>
+    </p:extLst>
+  </p:cSld>
+  <p:clrMapOvr>
+    <a:masterClrMapping/>
+  </p:clrMapOvr>
+</p:sld>
+</file>
+
+<file path=ppt/slides/slide7.xml><?xml version="1.0" encoding="utf-8"?>
+<p:sld xmlns:a="http://schemas.openxmlformats.org/drawingml/2006/main" xmlns:r="http://schemas.openxmlformats.org/officeDocument/2006/relationships" xmlns:p="http://schemas.openxmlformats.org/presentationml/2006/main">
+  <p:cSld>
+    <p:spTree>
+      <p:nvGrpSpPr>
+        <p:cNvPr id="1" name=""/>
+        <p:cNvGrpSpPr/>
+        <p:nvPr/>
+      </p:nvGrpSpPr>
+      <p:grpSpPr>
+        <a:xfrm>
+          <a:off x="0" y="0"/>
+          <a:ext cx="0" cy="0"/>
+          <a:chOff x="0" y="0"/>
+          <a:chExt cx="0" cy="0"/>
+        </a:xfrm>
+      </p:grpSpPr>
+      <p:graphicFrame>
+        <p:nvGraphicFramePr>
+          <p:cNvPr id="33" name="Object 32">
+            <a:extLst>
+              <a:ext uri="{FF2B5EF4-FFF2-40B4-BE49-F238E27FC236}">
+                <a16:creationId xmlns:a16="http://schemas.microsoft.com/office/drawing/2014/main" id="{AC6AFAC8-2ED8-429A-AC36-7EBF9EF877DF}"/>
+              </a:ext>
+            </a:extLst>
+          </p:cNvPr>
+          <p:cNvGraphicFramePr>
+            <a:graphicFrameLocks noChangeAspect="1"/>
+          </p:cNvGraphicFramePr>
+          <p:nvPr>
+            <p:extLst>
+              <p:ext uri="{D42A27DB-BD31-4B8C-83A1-F6EECF244321}">
+                <p14:modId xmlns:p14="http://schemas.microsoft.com/office/powerpoint/2010/main" val="1186824212"/>
+              </p:ext>
+            </p:extLst>
+          </p:nvPr>
+        </p:nvGraphicFramePr>
+        <p:xfrm>
+          <a:off x="4156075" y="719138"/>
+          <a:ext cx="3878263" cy="5418137"/>
+        </p:xfrm>
+        <a:graphic>
+          <a:graphicData uri="http://schemas.openxmlformats.org/presentationml/2006/ole">
+            <mc:AlternateContent xmlns:mc="http://schemas.openxmlformats.org/markup-compatibility/2006">
+              <mc:Choice xmlns:v="urn:schemas-microsoft-com:vml" Requires="v">
+                <p:oleObj name="Document" r:id="rId2" imgW="7768802" imgH="10853699" progId="Word.Document.12">
+                  <p:embed/>
+                </p:oleObj>
+              </mc:Choice>
+              <mc:Fallback>
+                <p:oleObj name="Document" r:id="rId2" imgW="7768802" imgH="10853699" progId="Word.Document.12">
+                  <p:embed/>
+                  <p:pic>
+                    <p:nvPicPr>
+                      <p:cNvPr id="0" name=""/>
+                      <p:cNvPicPr/>
+                      <p:nvPr/>
+                    </p:nvPicPr>
+                    <p:blipFill>
+                      <a:blip r:embed="rId3"/>
+                      <a:stretch>
+                        <a:fillRect/>
+                      </a:stretch>
+                    </p:blipFill>
+                    <p:spPr>
+                      <a:xfrm>
+                        <a:off x="4156075" y="719138"/>
+                        <a:ext cx="3878263" cy="5418137"/>
+                      </a:xfrm>
+                      <a:prstGeom prst="rect">
+                        <a:avLst/>
+                      </a:prstGeom>
+                    </p:spPr>
+                  </p:pic>
+                </p:oleObj>
+              </mc:Fallback>
+            </mc:AlternateContent>
+          </a:graphicData>
+        </a:graphic>
+      </p:graphicFrame>
+    </p:spTree>
+    <p:extLst>
+      <p:ext uri="{BB962C8B-B14F-4D97-AF65-F5344CB8AC3E}">
+        <p14:creationId xmlns:p14="http://schemas.microsoft.com/office/powerpoint/2010/main" val="2821114119"/>
+      </p:ext>
+    </p:extLst>
+  </p:cSld>
+  <p:clrMapOvr>
+    <a:masterClrMapping/>
+  </p:clrMapOvr>
+</p:sld>
+</file>
+
+<file path=ppt/slides/slide8.xml><?xml version="1.0" encoding="utf-8"?>
+<p:sld xmlns:a="http://schemas.openxmlformats.org/drawingml/2006/main" xmlns:r="http://schemas.openxmlformats.org/officeDocument/2006/relationships" xmlns:p="http://schemas.openxmlformats.org/presentationml/2006/main">
+  <p:cSld>
+    <p:spTree>
+      <p:nvGrpSpPr>
+        <p:cNvPr id="1" name=""/>
+        <p:cNvGrpSpPr/>
+        <p:nvPr/>
+      </p:nvGrpSpPr>
+      <p:grpSpPr>
+        <a:xfrm>
+          <a:off x="0" y="0"/>
+          <a:ext cx="0" cy="0"/>
+          <a:chOff x="0" y="0"/>
+          <a:chExt cx="0" cy="0"/>
+        </a:xfrm>
+      </p:grpSpPr>
+      <p:sp>
+        <p:nvSpPr>
+          <p:cNvPr id="3" name="TextBox 2">
+            <a:extLst>
+              <a:ext uri="{FF2B5EF4-FFF2-40B4-BE49-F238E27FC236}">
+                <a16:creationId xmlns:a16="http://schemas.microsoft.com/office/drawing/2014/main" id="{02435639-3E99-4FA2-88C2-6BABEC521EAC}"/>
+              </a:ext>
+            </a:extLst>
+          </p:cNvPr>
+          <p:cNvSpPr txBox="1"/>
+          <p:nvPr/>
+        </p:nvSpPr>
+        <p:spPr>
+          <a:xfrm>
+            <a:off x="344557" y="2221821"/>
+            <a:ext cx="11529391" cy="1531894"/>
+          </a:xfrm>
+          <a:prstGeom prst="rect">
+            <a:avLst/>
+          </a:prstGeom>
+          <a:noFill/>
+        </p:spPr>
+        <p:txBody>
+          <a:bodyPr wrap="square">
+            <a:spAutoFit/>
+          </a:bodyPr>
+          <a:lstStyle/>
+          <a:p>
+            <a:pPr>
+              <a:lnSpc>
+                <a:spcPct val="107000"/>
+              </a:lnSpc>
+              <a:spcAft>
+                <a:spcPts val="800"/>
+              </a:spcAft>
+              <a:tabLst>
+                <a:tab pos="2495550" algn="l"/>
+              </a:tabLst>
+            </a:pPr>
+            <a:r>
+              <a:rPr lang="en-IN" sz="2800" dirty="0">
+                <a:effectLst/>
+                <a:latin typeface="Calibri" panose="020F0502020204030204" pitchFamily="34" charset="0"/>
+                <a:ea typeface="Calibri" panose="020F0502020204030204" pitchFamily="34" charset="0"/>
+                <a:cs typeface="Times New Roman" panose="02020603050405020304" pitchFamily="18" charset="0"/>
+              </a:rPr>
+              <a:t>			</a:t>
+            </a:r>
+            <a:r>
+              <a:rPr lang="en-IN" sz="2800" b="1" u="sng" dirty="0">
+                <a:effectLst/>
+                <a:latin typeface="Calibri" panose="020F0502020204030204" pitchFamily="34" charset="0"/>
+                <a:ea typeface="Calibri" panose="020F0502020204030204" pitchFamily="34" charset="0"/>
+                <a:cs typeface="Times New Roman" panose="02020603050405020304" pitchFamily="18" charset="0"/>
+              </a:rPr>
+              <a:t>Data Dictionary</a:t>
+            </a:r>
+            <a:endParaRPr lang="en-IN" sz="1800" dirty="0">
+              <a:effectLst/>
+              <a:latin typeface="Calibri" panose="020F0502020204030204" pitchFamily="34" charset="0"/>
+              <a:ea typeface="Calibri" panose="020F0502020204030204" pitchFamily="34" charset="0"/>
+              <a:cs typeface="Times New Roman" panose="02020603050405020304" pitchFamily="18" charset="0"/>
+            </a:endParaRPr>
+          </a:p>
+          <a:p>
+            <a:pPr>
+              <a:lnSpc>
+                <a:spcPct val="107000"/>
+              </a:lnSpc>
+              <a:spcAft>
+                <a:spcPts val="800"/>
+              </a:spcAft>
+              <a:tabLst>
+                <a:tab pos="2495550" algn="l"/>
+              </a:tabLst>
+            </a:pPr>
+            <a:r>
+              <a:rPr lang="en-IN" sz="1800" dirty="0">
+                <a:solidFill>
+                  <a:srgbClr val="202124"/>
+                </a:solidFill>
+                <a:effectLst/>
+                <a:latin typeface="Calibri" panose="020F0502020204030204" pitchFamily="34" charset="0"/>
+                <a:ea typeface="Calibri" panose="020F0502020204030204" pitchFamily="34" charset="0"/>
+                <a:cs typeface="Calibri" panose="020F0502020204030204" pitchFamily="34" charset="0"/>
+              </a:rPr>
+              <a:t>A </a:t>
+            </a:r>
+            <a:r>
+              <a:rPr lang="en-IN" sz="1800" b="1" dirty="0">
+                <a:effectLst/>
+                <a:latin typeface="Calibri" panose="020F0502020204030204" pitchFamily="34" charset="0"/>
+                <a:ea typeface="Calibri" panose="020F0502020204030204" pitchFamily="34" charset="0"/>
+                <a:cs typeface="Times New Roman" panose="02020603050405020304" pitchFamily="18" charset="0"/>
+              </a:rPr>
+              <a:t>data dictionary</a:t>
+            </a:r>
+            <a:r>
+              <a:rPr lang="en-IN" sz="1800" dirty="0">
+                <a:effectLst/>
+                <a:latin typeface="Calibri" panose="020F0502020204030204" pitchFamily="34" charset="0"/>
+                <a:ea typeface="Calibri" panose="020F0502020204030204" pitchFamily="34" charset="0"/>
+                <a:cs typeface="Times New Roman" panose="02020603050405020304" pitchFamily="18" charset="0"/>
+              </a:rPr>
+              <a:t> contains metadata </a:t>
+            </a:r>
+            <a:r>
+              <a:rPr lang="en-IN" sz="1800" dirty="0" err="1">
+                <a:effectLst/>
+                <a:latin typeface="Calibri" panose="020F0502020204030204" pitchFamily="34" charset="0"/>
+                <a:ea typeface="Calibri" panose="020F0502020204030204" pitchFamily="34" charset="0"/>
+                <a:cs typeface="Times New Roman" panose="02020603050405020304" pitchFamily="18" charset="0"/>
+              </a:rPr>
+              <a:t>i.e</a:t>
+            </a:r>
+            <a:r>
+              <a:rPr lang="en-IN" sz="1800" dirty="0">
+                <a:effectLst/>
+                <a:latin typeface="Calibri" panose="020F0502020204030204" pitchFamily="34" charset="0"/>
+                <a:ea typeface="Calibri" panose="020F0502020204030204" pitchFamily="34" charset="0"/>
+                <a:cs typeface="Times New Roman" panose="02020603050405020304" pitchFamily="18" charset="0"/>
+              </a:rPr>
+              <a:t> </a:t>
+            </a:r>
+            <a:r>
+              <a:rPr lang="en-IN" sz="1800" b="1" dirty="0">
+                <a:effectLst/>
+                <a:latin typeface="Calibri" panose="020F0502020204030204" pitchFamily="34" charset="0"/>
+                <a:ea typeface="Calibri" panose="020F0502020204030204" pitchFamily="34" charset="0"/>
+                <a:cs typeface="Times New Roman" panose="02020603050405020304" pitchFamily="18" charset="0"/>
+              </a:rPr>
+              <a:t>data</a:t>
+            </a:r>
+            <a:r>
+              <a:rPr lang="en-IN" sz="1800" dirty="0">
+                <a:effectLst/>
+                <a:latin typeface="Calibri" panose="020F0502020204030204" pitchFamily="34" charset="0"/>
+                <a:ea typeface="Calibri" panose="020F0502020204030204" pitchFamily="34" charset="0"/>
+                <a:cs typeface="Times New Roman" panose="02020603050405020304" pitchFamily="18" charset="0"/>
+              </a:rPr>
+              <a:t> about the database. The </a:t>
+            </a:r>
+            <a:r>
+              <a:rPr lang="en-IN" sz="1800" b="1" dirty="0">
+                <a:effectLst/>
+                <a:latin typeface="Calibri" panose="020F0502020204030204" pitchFamily="34" charset="0"/>
+                <a:ea typeface="Calibri" panose="020F0502020204030204" pitchFamily="34" charset="0"/>
+                <a:cs typeface="Times New Roman" panose="02020603050405020304" pitchFamily="18" charset="0"/>
+              </a:rPr>
+              <a:t>data dictionary</a:t>
+            </a:r>
+            <a:r>
+              <a:rPr lang="en-IN" sz="1800" dirty="0">
+                <a:effectLst/>
+                <a:latin typeface="Calibri" panose="020F0502020204030204" pitchFamily="34" charset="0"/>
+                <a:ea typeface="Calibri" panose="020F0502020204030204" pitchFamily="34" charset="0"/>
+                <a:cs typeface="Times New Roman" panose="02020603050405020304" pitchFamily="18" charset="0"/>
+              </a:rPr>
+              <a:t> is very important as it contains information such as what is in the database, who is allowed to access it, where is the database physically stored etc. . Physical information about the tables such as where they are stored and how.</a:t>
+            </a:r>
+          </a:p>
+        </p:txBody>
+      </p:sp>
+    </p:spTree>
+    <p:extLst>
+      <p:ext uri="{BB962C8B-B14F-4D97-AF65-F5344CB8AC3E}">
+        <p14:creationId xmlns:p14="http://schemas.microsoft.com/office/powerpoint/2010/main" val="2040711380"/>
+      </p:ext>
+    </p:extLst>
+  </p:cSld>
+  <p:clrMapOvr>
+    <a:masterClrMapping/>
+  </p:clrMapOvr>
+</p:sld>
+</file>
+
+<file path=ppt/slides/slide9.xml><?xml version="1.0" encoding="utf-8"?>
+<p:sld xmlns:a="http://schemas.openxmlformats.org/drawingml/2006/main" xmlns:r="http://schemas.openxmlformats.org/officeDocument/2006/relationships" xmlns:p="http://schemas.openxmlformats.org/presentationml/2006/main">
+  <p:cSld>
+    <p:spTree>
+      <p:nvGrpSpPr>
+        <p:cNvPr id="1" name=""/>
+        <p:cNvGrpSpPr/>
+        <p:nvPr/>
+      </p:nvGrpSpPr>
+      <p:grpSpPr>
+        <a:xfrm>
+          <a:off x="0" y="0"/>
+          <a:ext cx="0" cy="0"/>
+          <a:chOff x="0" y="0"/>
+          <a:chExt cx="0" cy="0"/>
+        </a:xfrm>
+      </p:grpSpPr>
+    </p:spTree>
+    <p:extLst>
+      <p:ext uri="{BB962C8B-B14F-4D97-AF65-F5344CB8AC3E}">
+        <p14:creationId xmlns:p14="http://schemas.microsoft.com/office/powerpoint/2010/main" val="3559950959"/>
       </p:ext>
     </p:extLst>
   </p:cSld>

--- a/Design Doc/Design document.pptx
+++ b/Design Doc/Design document.pptx
@@ -1,6 +1,6 @@
 
 <file path=ppt/presentation.xml><?xml version="1.0" encoding="utf-8"?>
-<p:presentation xmlns:a="http://schemas.openxmlformats.org/drawingml/2006/main" xmlns:r="http://schemas.openxmlformats.org/officeDocument/2006/relationships" xmlns:p="http://schemas.openxmlformats.org/presentationml/2006/main" saveSubsetFonts="1" bookmarkIdSeed="3">
+<p:presentation xmlns:a="http://schemas.openxmlformats.org/drawingml/2006/main" xmlns:r="http://schemas.openxmlformats.org/officeDocument/2006/relationships" xmlns:p="http://schemas.openxmlformats.org/presentationml/2006/main" saveSubsetFonts="1" bookmarkIdSeed="4">
   <p:sldMasterIdLst>
     <p:sldMasterId id="2147483648" r:id="rId1"/>
   </p:sldMasterIdLst>
@@ -14,10 +14,14 @@
     <p:sldId id="268" r:id="rId8"/>
     <p:sldId id="260" r:id="rId9"/>
     <p:sldId id="267" r:id="rId10"/>
-    <p:sldId id="261" r:id="rId11"/>
-    <p:sldId id="262" r:id="rId12"/>
-    <p:sldId id="263" r:id="rId13"/>
-    <p:sldId id="264" r:id="rId14"/>
+    <p:sldId id="269" r:id="rId11"/>
+    <p:sldId id="270" r:id="rId12"/>
+    <p:sldId id="271" r:id="rId13"/>
+    <p:sldId id="272" r:id="rId14"/>
+    <p:sldId id="261" r:id="rId15"/>
+    <p:sldId id="262" r:id="rId16"/>
+    <p:sldId id="263" r:id="rId17"/>
+    <p:sldId id="264" r:id="rId18"/>
   </p:sldIdLst>
   <p:sldSz cx="12192000" cy="6858000"/>
   <p:notesSz cx="6858000" cy="9144000"/>
@@ -273,7 +277,7 @@
           <a:p>
             <a:fld id="{AC7FBBC8-96AF-4240-B62C-4642065D2973}" type="datetimeFigureOut">
               <a:rPr lang="en-IN" smtClean="0"/>
-              <a:t>05-03-2021</a:t>
+              <a:t>06-03-2021</a:t>
             </a:fld>
             <a:endParaRPr lang="en-IN"/>
           </a:p>
@@ -473,7 +477,7 @@
           <a:p>
             <a:fld id="{AC7FBBC8-96AF-4240-B62C-4642065D2973}" type="datetimeFigureOut">
               <a:rPr lang="en-IN" smtClean="0"/>
-              <a:t>05-03-2021</a:t>
+              <a:t>06-03-2021</a:t>
             </a:fld>
             <a:endParaRPr lang="en-IN"/>
           </a:p>
@@ -683,7 +687,7 @@
           <a:p>
             <a:fld id="{AC7FBBC8-96AF-4240-B62C-4642065D2973}" type="datetimeFigureOut">
               <a:rPr lang="en-IN" smtClean="0"/>
-              <a:t>05-03-2021</a:t>
+              <a:t>06-03-2021</a:t>
             </a:fld>
             <a:endParaRPr lang="en-IN"/>
           </a:p>
@@ -883,7 +887,7 @@
           <a:p>
             <a:fld id="{AC7FBBC8-96AF-4240-B62C-4642065D2973}" type="datetimeFigureOut">
               <a:rPr lang="en-IN" smtClean="0"/>
-              <a:t>05-03-2021</a:t>
+              <a:t>06-03-2021</a:t>
             </a:fld>
             <a:endParaRPr lang="en-IN"/>
           </a:p>
@@ -1159,7 +1163,7 @@
           <a:p>
             <a:fld id="{AC7FBBC8-96AF-4240-B62C-4642065D2973}" type="datetimeFigureOut">
               <a:rPr lang="en-IN" smtClean="0"/>
-              <a:t>05-03-2021</a:t>
+              <a:t>06-03-2021</a:t>
             </a:fld>
             <a:endParaRPr lang="en-IN"/>
           </a:p>
@@ -1427,7 +1431,7 @@
           <a:p>
             <a:fld id="{AC7FBBC8-96AF-4240-B62C-4642065D2973}" type="datetimeFigureOut">
               <a:rPr lang="en-IN" smtClean="0"/>
-              <a:t>05-03-2021</a:t>
+              <a:t>06-03-2021</a:t>
             </a:fld>
             <a:endParaRPr lang="en-IN"/>
           </a:p>
@@ -1842,7 +1846,7 @@
           <a:p>
             <a:fld id="{AC7FBBC8-96AF-4240-B62C-4642065D2973}" type="datetimeFigureOut">
               <a:rPr lang="en-IN" smtClean="0"/>
-              <a:t>05-03-2021</a:t>
+              <a:t>06-03-2021</a:t>
             </a:fld>
             <a:endParaRPr lang="en-IN"/>
           </a:p>
@@ -1984,7 +1988,7 @@
           <a:p>
             <a:fld id="{AC7FBBC8-96AF-4240-B62C-4642065D2973}" type="datetimeFigureOut">
               <a:rPr lang="en-IN" smtClean="0"/>
-              <a:t>05-03-2021</a:t>
+              <a:t>06-03-2021</a:t>
             </a:fld>
             <a:endParaRPr lang="en-IN"/>
           </a:p>
@@ -2097,7 +2101,7 @@
           <a:p>
             <a:fld id="{AC7FBBC8-96AF-4240-B62C-4642065D2973}" type="datetimeFigureOut">
               <a:rPr lang="en-IN" smtClean="0"/>
-              <a:t>05-03-2021</a:t>
+              <a:t>06-03-2021</a:t>
             </a:fld>
             <a:endParaRPr lang="en-IN"/>
           </a:p>
@@ -2410,7 +2414,7 @@
           <a:p>
             <a:fld id="{AC7FBBC8-96AF-4240-B62C-4642065D2973}" type="datetimeFigureOut">
               <a:rPr lang="en-IN" smtClean="0"/>
-              <a:t>05-03-2021</a:t>
+              <a:t>06-03-2021</a:t>
             </a:fld>
             <a:endParaRPr lang="en-IN"/>
           </a:p>
@@ -2699,7 +2703,7 @@
           <a:p>
             <a:fld id="{AC7FBBC8-96AF-4240-B62C-4642065D2973}" type="datetimeFigureOut">
               <a:rPr lang="en-IN" smtClean="0"/>
-              <a:t>05-03-2021</a:t>
+              <a:t>06-03-2021</a:t>
             </a:fld>
             <a:endParaRPr lang="en-IN"/>
           </a:p>
@@ -2942,7 +2946,7 @@
           <a:p>
             <a:fld id="{AC7FBBC8-96AF-4240-B62C-4642065D2973}" type="datetimeFigureOut">
               <a:rPr lang="en-IN" smtClean="0"/>
-              <a:t>05-03-2021</a:t>
+              <a:t>06-03-2021</a:t>
             </a:fld>
             <a:endParaRPr lang="en-IN"/>
           </a:p>
@@ -4141,6 +4145,7731 @@
       </p:grpSpPr>
       <p:sp>
         <p:nvSpPr>
+          <p:cNvPr id="3" name="Rectangle 1">
+            <a:extLst>
+              <a:ext uri="{FF2B5EF4-FFF2-40B4-BE49-F238E27FC236}">
+                <a16:creationId xmlns:a16="http://schemas.microsoft.com/office/drawing/2014/main" id="{64098320-340B-4D1D-AABB-D6F36605D894}"/>
+              </a:ext>
+            </a:extLst>
+          </p:cNvPr>
+          <p:cNvSpPr>
+            <a:spLocks noChangeArrowheads="1"/>
+          </p:cNvSpPr>
+          <p:nvPr/>
+        </p:nvSpPr>
+        <p:spPr bwMode="auto">
+          <a:xfrm>
+            <a:off x="3238500" y="425450"/>
+            <a:ext cx="12192000" cy="457200"/>
+          </a:xfrm>
+          <a:prstGeom prst="rect">
+            <a:avLst/>
+          </a:prstGeom>
+          <a:noFill/>
+          <a:ln>
+            <a:noFill/>
+          </a:ln>
+          <a:effectLst/>
+          <a:extLst>
+            <a:ext uri="{909E8E84-426E-40DD-AFC4-6F175D3DCCD1}">
+              <a14:hiddenFill xmlns:a14="http://schemas.microsoft.com/office/drawing/2010/main">
+                <a:solidFill>
+                  <a:schemeClr val="accent1"/>
+                </a:solidFill>
+              </a14:hiddenFill>
+            </a:ext>
+            <a:ext uri="{91240B29-F687-4F45-9708-019B960494DF}">
+              <a14:hiddenLine xmlns:a14="http://schemas.microsoft.com/office/drawing/2010/main" w="9525">
+                <a:solidFill>
+                  <a:schemeClr val="tx1"/>
+                </a:solidFill>
+                <a:miter lim="800000"/>
+                <a:headEnd/>
+                <a:tailEnd/>
+              </a14:hiddenLine>
+            </a:ext>
+            <a:ext uri="{AF507438-7753-43E0-B8FC-AC1667EBCBE1}">
+              <a14:hiddenEffects xmlns:a14="http://schemas.microsoft.com/office/drawing/2010/main">
+                <a:effectLst>
+                  <a:outerShdw dist="35921" dir="2700000" algn="ctr" rotWithShape="0">
+                    <a:schemeClr val="bg2"/>
+                  </a:outerShdw>
+                </a:effectLst>
+              </a14:hiddenEffects>
+            </a:ext>
+          </a:extLst>
+        </p:spPr>
+        <p:txBody>
+          <a:bodyPr vert="horz" wrap="none" lIns="91440" tIns="45720" rIns="91440" bIns="45720" numCol="1" anchor="ctr" anchorCtr="0" compatLnSpc="1">
+            <a:prstTxWarp prst="textNoShape">
+              <a:avLst/>
+            </a:prstTxWarp>
+            <a:spAutoFit/>
+          </a:bodyPr>
+          <a:lstStyle/>
+          <a:p>
+            <a:endParaRPr lang="en-IN"/>
+          </a:p>
+        </p:txBody>
+      </p:sp>
+      <p:graphicFrame>
+        <p:nvGraphicFramePr>
+          <p:cNvPr id="5" name="Table 4">
+            <a:extLst>
+              <a:ext uri="{FF2B5EF4-FFF2-40B4-BE49-F238E27FC236}">
+                <a16:creationId xmlns:a16="http://schemas.microsoft.com/office/drawing/2014/main" id="{0E14E1D0-6A17-49EA-9773-D2817D3E4D34}"/>
+              </a:ext>
+            </a:extLst>
+          </p:cNvPr>
+          <p:cNvGraphicFramePr>
+            <a:graphicFrameLocks noGrp="1"/>
+          </p:cNvGraphicFramePr>
+          <p:nvPr>
+            <p:extLst>
+              <p:ext uri="{D42A27DB-BD31-4B8C-83A1-F6EECF244321}">
+                <p14:modId xmlns:p14="http://schemas.microsoft.com/office/powerpoint/2010/main" val="3237081158"/>
+              </p:ext>
+            </p:extLst>
+          </p:nvPr>
+        </p:nvGraphicFramePr>
+        <p:xfrm>
+          <a:off x="952500" y="1625600"/>
+          <a:ext cx="10033001" cy="4702656"/>
+        </p:xfrm>
+        <a:graphic>
+          <a:graphicData uri="http://schemas.openxmlformats.org/drawingml/2006/table">
+            <a:tbl>
+              <a:tblPr firstRow="1" firstCol="1" bandRow="1">
+                <a:tableStyleId>{5C22544A-7EE6-4342-B048-85BDC9FD1C3A}</a:tableStyleId>
+              </a:tblPr>
+              <a:tblGrid>
+                <a:gridCol w="1536139">
+                  <a:extLst>
+                    <a:ext uri="{9D8B030D-6E8A-4147-A177-3AD203B41FA5}">
+                      <a16:colId xmlns:a16="http://schemas.microsoft.com/office/drawing/2014/main" val="3528713131"/>
+                    </a:ext>
+                  </a:extLst>
+                </a:gridCol>
+                <a:gridCol w="1442784">
+                  <a:extLst>
+                    <a:ext uri="{9D8B030D-6E8A-4147-A177-3AD203B41FA5}">
+                      <a16:colId xmlns:a16="http://schemas.microsoft.com/office/drawing/2014/main" val="51946061"/>
+                    </a:ext>
+                  </a:extLst>
+                </a:gridCol>
+                <a:gridCol w="1262435">
+                  <a:extLst>
+                    <a:ext uri="{9D8B030D-6E8A-4147-A177-3AD203B41FA5}">
+                      <a16:colId xmlns:a16="http://schemas.microsoft.com/office/drawing/2014/main" val="3936942426"/>
+                    </a:ext>
+                  </a:extLst>
+                </a:gridCol>
+                <a:gridCol w="1260314">
+                  <a:extLst>
+                    <a:ext uri="{9D8B030D-6E8A-4147-A177-3AD203B41FA5}">
+                      <a16:colId xmlns:a16="http://schemas.microsoft.com/office/drawing/2014/main" val="1071780500"/>
+                    </a:ext>
+                  </a:extLst>
+                </a:gridCol>
+                <a:gridCol w="1170493">
+                  <a:extLst>
+                    <a:ext uri="{9D8B030D-6E8A-4147-A177-3AD203B41FA5}">
+                      <a16:colId xmlns:a16="http://schemas.microsoft.com/office/drawing/2014/main" val="809273520"/>
+                    </a:ext>
+                  </a:extLst>
+                </a:gridCol>
+                <a:gridCol w="989439">
+                  <a:extLst>
+                    <a:ext uri="{9D8B030D-6E8A-4147-A177-3AD203B41FA5}">
+                      <a16:colId xmlns:a16="http://schemas.microsoft.com/office/drawing/2014/main" val="818528043"/>
+                    </a:ext>
+                  </a:extLst>
+                </a:gridCol>
+                <a:gridCol w="2371397">
+                  <a:extLst>
+                    <a:ext uri="{9D8B030D-6E8A-4147-A177-3AD203B41FA5}">
+                      <a16:colId xmlns:a16="http://schemas.microsoft.com/office/drawing/2014/main" val="2370229565"/>
+                    </a:ext>
+                  </a:extLst>
+                </a:gridCol>
+              </a:tblGrid>
+              <a:tr h="846978">
+                <a:tc>
+                  <a:txBody>
+                    <a:bodyPr/>
+                    <a:lstStyle/>
+                    <a:p>
+                      <a:pPr marL="12700" algn="ctr"/>
+                      <a:r>
+                        <a:rPr lang="en-IN" sz="1100">
+                          <a:effectLst/>
+                        </a:rPr>
+                        <a:t> </a:t>
+                      </a:r>
+                      <a:endParaRPr lang="en-IN" sz="1000">
+                        <a:effectLst/>
+                      </a:endParaRPr>
+                    </a:p>
+                    <a:p>
+                      <a:pPr marL="12700" algn="ctr"/>
+                      <a:r>
+                        <a:rPr lang="en-IN" sz="1100">
+                          <a:effectLst/>
+                        </a:rPr>
+                        <a:t> </a:t>
+                      </a:r>
+                      <a:endParaRPr lang="en-IN" sz="1000">
+                        <a:effectLst/>
+                      </a:endParaRPr>
+                    </a:p>
+                    <a:p>
+                      <a:pPr marL="12700" algn="ctr"/>
+                      <a:r>
+                        <a:rPr lang="en-IN" sz="1100">
+                          <a:effectLst/>
+                        </a:rPr>
+                        <a:t> </a:t>
+                      </a:r>
+                      <a:endParaRPr lang="en-IN" sz="1000">
+                        <a:effectLst/>
+                      </a:endParaRPr>
+                    </a:p>
+                    <a:p>
+                      <a:pPr marL="12700" algn="ctr"/>
+                      <a:r>
+                        <a:rPr lang="en-IN" sz="1100">
+                          <a:effectLst/>
+                        </a:rPr>
+                        <a:t> </a:t>
+                      </a:r>
+                      <a:endParaRPr lang="en-IN" sz="1000">
+                        <a:effectLst/>
+                      </a:endParaRPr>
+                    </a:p>
+                    <a:p>
+                      <a:pPr marL="12700" algn="ctr"/>
+                      <a:r>
+                        <a:rPr lang="en-IN" sz="1100">
+                          <a:effectLst/>
+                        </a:rPr>
+                        <a:t>Table</a:t>
+                      </a:r>
+                      <a:endParaRPr lang="en-IN" sz="1000">
+                        <a:effectLst/>
+                        <a:latin typeface="Times New Roman" panose="02020603050405020304" pitchFamily="18" charset="0"/>
+                        <a:ea typeface="Times New Roman" panose="02020603050405020304" pitchFamily="18" charset="0"/>
+                      </a:endParaRPr>
+                    </a:p>
+                  </a:txBody>
+                  <a:tcPr marL="0" marR="0" marT="0" marB="0"/>
+                </a:tc>
+                <a:tc>
+                  <a:txBody>
+                    <a:bodyPr/>
+                    <a:lstStyle/>
+                    <a:p>
+                      <a:pPr marL="12700" algn="ctr"/>
+                      <a:r>
+                        <a:rPr lang="en-IN" sz="1100">
+                          <a:effectLst/>
+                        </a:rPr>
+                        <a:t>Column</a:t>
+                      </a:r>
+                      <a:endParaRPr lang="en-IN" sz="1000">
+                        <a:effectLst/>
+                        <a:latin typeface="Times New Roman" panose="02020603050405020304" pitchFamily="18" charset="0"/>
+                        <a:ea typeface="Times New Roman" panose="02020603050405020304" pitchFamily="18" charset="0"/>
+                      </a:endParaRPr>
+                    </a:p>
+                  </a:txBody>
+                  <a:tcPr marL="0" marR="0" marT="0" marB="0" anchor="b"/>
+                </a:tc>
+                <a:tc>
+                  <a:txBody>
+                    <a:bodyPr/>
+                    <a:lstStyle/>
+                    <a:p>
+                      <a:pPr algn="ctr"/>
+                      <a:r>
+                        <a:rPr lang="en-IN" sz="1100">
+                          <a:effectLst/>
+                        </a:rPr>
+                        <a:t>Data Type</a:t>
+                      </a:r>
+                      <a:endParaRPr lang="en-IN" sz="1000">
+                        <a:effectLst/>
+                        <a:latin typeface="Times New Roman" panose="02020603050405020304" pitchFamily="18" charset="0"/>
+                        <a:ea typeface="Times New Roman" panose="02020603050405020304" pitchFamily="18" charset="0"/>
+                      </a:endParaRPr>
+                    </a:p>
+                  </a:txBody>
+                  <a:tcPr marL="0" marR="0" marT="0" marB="0" anchor="b"/>
+                </a:tc>
+                <a:tc>
+                  <a:txBody>
+                    <a:bodyPr/>
+                    <a:lstStyle/>
+                    <a:p>
+                      <a:pPr algn="ctr"/>
+                      <a:r>
+                        <a:rPr lang="en-IN" sz="1100">
+                          <a:effectLst/>
+                        </a:rPr>
+                        <a:t> </a:t>
+                      </a:r>
+                      <a:endParaRPr lang="en-IN" sz="1000">
+                        <a:effectLst/>
+                      </a:endParaRPr>
+                    </a:p>
+                    <a:p>
+                      <a:pPr algn="ctr"/>
+                      <a:r>
+                        <a:rPr lang="en-IN" sz="1100">
+                          <a:effectLst/>
+                        </a:rPr>
+                        <a:t> </a:t>
+                      </a:r>
+                      <a:endParaRPr lang="en-IN" sz="1000">
+                        <a:effectLst/>
+                      </a:endParaRPr>
+                    </a:p>
+                    <a:p>
+                      <a:pPr algn="ctr"/>
+                      <a:r>
+                        <a:rPr lang="en-IN" sz="1100">
+                          <a:effectLst/>
+                        </a:rPr>
+                        <a:t> </a:t>
+                      </a:r>
+                      <a:endParaRPr lang="en-IN" sz="1000">
+                        <a:effectLst/>
+                      </a:endParaRPr>
+                    </a:p>
+                    <a:p>
+                      <a:pPr algn="ctr"/>
+                      <a:r>
+                        <a:rPr lang="en-IN" sz="1100">
+                          <a:effectLst/>
+                        </a:rPr>
+                        <a:t> </a:t>
+                      </a:r>
+                      <a:endParaRPr lang="en-IN" sz="1000">
+                        <a:effectLst/>
+                      </a:endParaRPr>
+                    </a:p>
+                    <a:p>
+                      <a:pPr algn="ctr"/>
+                      <a:r>
+                        <a:rPr lang="en-IN" sz="1100">
+                          <a:effectLst/>
+                        </a:rPr>
+                        <a:t>Primary key</a:t>
+                      </a:r>
+                      <a:endParaRPr lang="en-IN" sz="1000">
+                        <a:effectLst/>
+                        <a:latin typeface="Times New Roman" panose="02020603050405020304" pitchFamily="18" charset="0"/>
+                        <a:ea typeface="Times New Roman" panose="02020603050405020304" pitchFamily="18" charset="0"/>
+                      </a:endParaRPr>
+                    </a:p>
+                  </a:txBody>
+                  <a:tcPr marL="0" marR="0" marT="0" marB="0"/>
+                </a:tc>
+                <a:tc>
+                  <a:txBody>
+                    <a:bodyPr/>
+                    <a:lstStyle/>
+                    <a:p>
+                      <a:pPr algn="ctr"/>
+                      <a:r>
+                        <a:rPr lang="en-IN" sz="1100">
+                          <a:effectLst/>
+                        </a:rPr>
+                        <a:t>Nullable</a:t>
+                      </a:r>
+                      <a:endParaRPr lang="en-IN" sz="1000">
+                        <a:effectLst/>
+                        <a:latin typeface="Times New Roman" panose="02020603050405020304" pitchFamily="18" charset="0"/>
+                        <a:ea typeface="Times New Roman" panose="02020603050405020304" pitchFamily="18" charset="0"/>
+                      </a:endParaRPr>
+                    </a:p>
+                  </a:txBody>
+                  <a:tcPr marL="0" marR="0" marT="0" marB="0" anchor="b"/>
+                </a:tc>
+                <a:tc>
+                  <a:txBody>
+                    <a:bodyPr/>
+                    <a:lstStyle/>
+                    <a:p>
+                      <a:pPr algn="ctr"/>
+                      <a:r>
+                        <a:rPr lang="en-IN" sz="1100">
+                          <a:effectLst/>
+                        </a:rPr>
+                        <a:t>Default</a:t>
+                      </a:r>
+                      <a:endParaRPr lang="en-IN" sz="1000">
+                        <a:effectLst/>
+                        <a:latin typeface="Times New Roman" panose="02020603050405020304" pitchFamily="18" charset="0"/>
+                        <a:ea typeface="Times New Roman" panose="02020603050405020304" pitchFamily="18" charset="0"/>
+                      </a:endParaRPr>
+                    </a:p>
+                  </a:txBody>
+                  <a:tcPr marL="0" marR="0" marT="0" marB="0" anchor="b"/>
+                </a:tc>
+                <a:tc>
+                  <a:txBody>
+                    <a:bodyPr/>
+                    <a:lstStyle/>
+                    <a:p>
+                      <a:pPr algn="ctr"/>
+                      <a:r>
+                        <a:rPr lang="en-IN" sz="1100">
+                          <a:effectLst/>
+                        </a:rPr>
+                        <a:t>Comments</a:t>
+                      </a:r>
+                      <a:endParaRPr lang="en-IN" sz="1000">
+                        <a:effectLst/>
+                        <a:latin typeface="Times New Roman" panose="02020603050405020304" pitchFamily="18" charset="0"/>
+                        <a:ea typeface="Times New Roman" panose="02020603050405020304" pitchFamily="18" charset="0"/>
+                      </a:endParaRPr>
+                    </a:p>
+                  </a:txBody>
+                  <a:tcPr marL="0" marR="0" marT="0" marB="0" anchor="b"/>
+                </a:tc>
+                <a:extLst>
+                  <a:ext uri="{0D108BD9-81ED-4DB2-BD59-A6C34878D82A}">
+                    <a16:rowId xmlns:a16="http://schemas.microsoft.com/office/drawing/2014/main" val="324257192"/>
+                  </a:ext>
+                </a:extLst>
+              </a:tr>
+              <a:tr h="642613">
+                <a:tc>
+                  <a:txBody>
+                    <a:bodyPr/>
+                    <a:lstStyle/>
+                    <a:p>
+                      <a:pPr marL="38100" algn="l">
+                        <a:lnSpc>
+                          <a:spcPts val="990"/>
+                        </a:lnSpc>
+                      </a:pPr>
+                      <a:r>
+                        <a:rPr lang="en-IN" sz="1000">
+                          <a:effectLst/>
+                        </a:rPr>
+                        <a:t> </a:t>
+                      </a:r>
+                    </a:p>
+                    <a:p>
+                      <a:pPr marL="38100" algn="l">
+                        <a:lnSpc>
+                          <a:spcPts val="990"/>
+                        </a:lnSpc>
+                      </a:pPr>
+                      <a:r>
+                        <a:rPr lang="en-IN" sz="1000">
+                          <a:effectLst/>
+                        </a:rPr>
+                        <a:t> </a:t>
+                      </a:r>
+                    </a:p>
+                    <a:p>
+                      <a:pPr marL="38100" algn="l">
+                        <a:lnSpc>
+                          <a:spcPts val="990"/>
+                        </a:lnSpc>
+                      </a:pPr>
+                      <a:r>
+                        <a:rPr lang="en-IN" sz="1000">
+                          <a:effectLst/>
+                        </a:rPr>
+                        <a:t> </a:t>
+                      </a:r>
+                    </a:p>
+                    <a:p>
+                      <a:pPr marL="38100" algn="l">
+                        <a:lnSpc>
+                          <a:spcPts val="990"/>
+                        </a:lnSpc>
+                      </a:pPr>
+                      <a:r>
+                        <a:rPr lang="en-IN" sz="1000">
+                          <a:effectLst/>
+                        </a:rPr>
+                        <a:t> </a:t>
+                      </a:r>
+                    </a:p>
+                    <a:p>
+                      <a:pPr marL="38100" algn="l">
+                        <a:lnSpc>
+                          <a:spcPts val="990"/>
+                        </a:lnSpc>
+                      </a:pPr>
+                      <a:r>
+                        <a:rPr lang="en-IN" sz="1000">
+                          <a:effectLst/>
+                        </a:rPr>
+                        <a:t>customer</a:t>
+                      </a:r>
+                      <a:endParaRPr lang="en-IN" sz="1000">
+                        <a:effectLst/>
+                        <a:latin typeface="Times New Roman" panose="02020603050405020304" pitchFamily="18" charset="0"/>
+                        <a:ea typeface="Times New Roman" panose="02020603050405020304" pitchFamily="18" charset="0"/>
+                      </a:endParaRPr>
+                    </a:p>
+                  </a:txBody>
+                  <a:tcPr marL="0" marR="0" marT="0" marB="0"/>
+                </a:tc>
+                <a:tc>
+                  <a:txBody>
+                    <a:bodyPr/>
+                    <a:lstStyle/>
+                    <a:p>
+                      <a:pPr marL="38100" algn="l">
+                        <a:lnSpc>
+                          <a:spcPts val="990"/>
+                        </a:lnSpc>
+                      </a:pPr>
+                      <a:r>
+                        <a:rPr lang="en-IN" sz="1000">
+                          <a:effectLst/>
+                        </a:rPr>
+                        <a:t>c_name</a:t>
+                      </a:r>
+                      <a:endParaRPr lang="en-IN" sz="1000">
+                        <a:effectLst/>
+                        <a:latin typeface="Times New Roman" panose="02020603050405020304" pitchFamily="18" charset="0"/>
+                        <a:ea typeface="Times New Roman" panose="02020603050405020304" pitchFamily="18" charset="0"/>
+                      </a:endParaRPr>
+                    </a:p>
+                  </a:txBody>
+                  <a:tcPr marL="0" marR="0" marT="0" marB="0" anchor="b"/>
+                </a:tc>
+                <a:tc>
+                  <a:txBody>
+                    <a:bodyPr/>
+                    <a:lstStyle/>
+                    <a:p>
+                      <a:pPr algn="l">
+                        <a:lnSpc>
+                          <a:spcPts val="990"/>
+                        </a:lnSpc>
+                      </a:pPr>
+                      <a:r>
+                        <a:rPr lang="en-IN" sz="1000">
+                          <a:effectLst/>
+                        </a:rPr>
+                        <a:t>  text</a:t>
+                      </a:r>
+                      <a:endParaRPr lang="en-IN" sz="1000">
+                        <a:effectLst/>
+                        <a:latin typeface="Times New Roman" panose="02020603050405020304" pitchFamily="18" charset="0"/>
+                        <a:ea typeface="Times New Roman" panose="02020603050405020304" pitchFamily="18" charset="0"/>
+                      </a:endParaRPr>
+                    </a:p>
+                  </a:txBody>
+                  <a:tcPr marL="0" marR="0" marT="0" marB="0" anchor="b"/>
+                </a:tc>
+                <a:tc>
+                  <a:txBody>
+                    <a:bodyPr/>
+                    <a:lstStyle/>
+                    <a:p>
+                      <a:pPr algn="l">
+                        <a:lnSpc>
+                          <a:spcPts val="990"/>
+                        </a:lnSpc>
+                      </a:pPr>
+                      <a:r>
+                        <a:rPr lang="en-IN" sz="1000">
+                          <a:effectLst/>
+                        </a:rPr>
+                        <a:t> </a:t>
+                      </a:r>
+                      <a:endParaRPr lang="en-IN" sz="1000">
+                        <a:effectLst/>
+                        <a:latin typeface="Times New Roman" panose="02020603050405020304" pitchFamily="18" charset="0"/>
+                        <a:ea typeface="Times New Roman" panose="02020603050405020304" pitchFamily="18" charset="0"/>
+                      </a:endParaRPr>
+                    </a:p>
+                  </a:txBody>
+                  <a:tcPr marL="0" marR="0" marT="0" marB="0"/>
+                </a:tc>
+                <a:tc>
+                  <a:txBody>
+                    <a:bodyPr/>
+                    <a:lstStyle/>
+                    <a:p>
+                      <a:pPr algn="l">
+                        <a:lnSpc>
+                          <a:spcPts val="990"/>
+                        </a:lnSpc>
+                      </a:pPr>
+                      <a:r>
+                        <a:rPr lang="en-IN" sz="1000">
+                          <a:effectLst/>
+                        </a:rPr>
+                        <a:t>               No</a:t>
+                      </a:r>
+                      <a:endParaRPr lang="en-IN" sz="1000">
+                        <a:effectLst/>
+                        <a:latin typeface="Times New Roman" panose="02020603050405020304" pitchFamily="18" charset="0"/>
+                        <a:ea typeface="Times New Roman" panose="02020603050405020304" pitchFamily="18" charset="0"/>
+                      </a:endParaRPr>
+                    </a:p>
+                  </a:txBody>
+                  <a:tcPr marL="0" marR="0" marT="0" marB="0" anchor="b"/>
+                </a:tc>
+                <a:tc>
+                  <a:txBody>
+                    <a:bodyPr/>
+                    <a:lstStyle/>
+                    <a:p>
+                      <a:pPr algn="l"/>
+                      <a:r>
+                        <a:rPr lang="en-IN" sz="1000">
+                          <a:effectLst/>
+                        </a:rPr>
+                        <a:t> </a:t>
+                      </a:r>
+                      <a:endParaRPr lang="en-IN" sz="1000">
+                        <a:effectLst/>
+                        <a:latin typeface="Times New Roman" panose="02020603050405020304" pitchFamily="18" charset="0"/>
+                        <a:ea typeface="Times New Roman" panose="02020603050405020304" pitchFamily="18" charset="0"/>
+                      </a:endParaRPr>
+                    </a:p>
+                  </a:txBody>
+                  <a:tcPr marL="0" marR="0" marT="0" marB="0" anchor="b"/>
+                </a:tc>
+                <a:tc>
+                  <a:txBody>
+                    <a:bodyPr/>
+                    <a:lstStyle/>
+                    <a:p>
+                      <a:pPr algn="l"/>
+                      <a:r>
+                        <a:rPr lang="en-IN" sz="1000">
+                          <a:effectLst/>
+                        </a:rPr>
+                        <a:t> Customer’s full name</a:t>
+                      </a:r>
+                      <a:endParaRPr lang="en-IN" sz="1000">
+                        <a:effectLst/>
+                        <a:latin typeface="Times New Roman" panose="02020603050405020304" pitchFamily="18" charset="0"/>
+                        <a:ea typeface="Times New Roman" panose="02020603050405020304" pitchFamily="18" charset="0"/>
+                      </a:endParaRPr>
+                    </a:p>
+                  </a:txBody>
+                  <a:tcPr marL="0" marR="0" marT="0" marB="0" anchor="b"/>
+                </a:tc>
+                <a:extLst>
+                  <a:ext uri="{0D108BD9-81ED-4DB2-BD59-A6C34878D82A}">
+                    <a16:rowId xmlns:a16="http://schemas.microsoft.com/office/drawing/2014/main" val="1301283498"/>
+                  </a:ext>
+                </a:extLst>
+              </a:tr>
+              <a:tr h="642613">
+                <a:tc>
+                  <a:txBody>
+                    <a:bodyPr/>
+                    <a:lstStyle/>
+                    <a:p>
+                      <a:pPr marL="38100" algn="l">
+                        <a:lnSpc>
+                          <a:spcPts val="1025"/>
+                        </a:lnSpc>
+                      </a:pPr>
+                      <a:r>
+                        <a:rPr lang="en-IN" sz="1000">
+                          <a:effectLst/>
+                        </a:rPr>
+                        <a:t> </a:t>
+                      </a:r>
+                    </a:p>
+                    <a:p>
+                      <a:pPr marL="38100" algn="l">
+                        <a:lnSpc>
+                          <a:spcPts val="1025"/>
+                        </a:lnSpc>
+                      </a:pPr>
+                      <a:r>
+                        <a:rPr lang="en-IN" sz="1000">
+                          <a:effectLst/>
+                        </a:rPr>
+                        <a:t> </a:t>
+                      </a:r>
+                    </a:p>
+                    <a:p>
+                      <a:pPr marL="38100" algn="l">
+                        <a:lnSpc>
+                          <a:spcPts val="1025"/>
+                        </a:lnSpc>
+                      </a:pPr>
+                      <a:r>
+                        <a:rPr lang="en-IN" sz="1000">
+                          <a:effectLst/>
+                        </a:rPr>
+                        <a:t> </a:t>
+                      </a:r>
+                    </a:p>
+                    <a:p>
+                      <a:pPr marL="38100" algn="l">
+                        <a:lnSpc>
+                          <a:spcPts val="1025"/>
+                        </a:lnSpc>
+                      </a:pPr>
+                      <a:r>
+                        <a:rPr lang="en-IN" sz="1000">
+                          <a:effectLst/>
+                        </a:rPr>
+                        <a:t> </a:t>
+                      </a:r>
+                    </a:p>
+                    <a:p>
+                      <a:pPr marL="38100" algn="l">
+                        <a:lnSpc>
+                          <a:spcPts val="1025"/>
+                        </a:lnSpc>
+                      </a:pPr>
+                      <a:r>
+                        <a:rPr lang="en-IN" sz="1000">
+                          <a:effectLst/>
+                        </a:rPr>
+                        <a:t>customer</a:t>
+                      </a:r>
+                      <a:endParaRPr lang="en-IN" sz="1000">
+                        <a:effectLst/>
+                        <a:latin typeface="Times New Roman" panose="02020603050405020304" pitchFamily="18" charset="0"/>
+                        <a:ea typeface="Times New Roman" panose="02020603050405020304" pitchFamily="18" charset="0"/>
+                      </a:endParaRPr>
+                    </a:p>
+                  </a:txBody>
+                  <a:tcPr marL="0" marR="0" marT="0" marB="0"/>
+                </a:tc>
+                <a:tc>
+                  <a:txBody>
+                    <a:bodyPr/>
+                    <a:lstStyle/>
+                    <a:p>
+                      <a:pPr marL="38100" algn="l">
+                        <a:lnSpc>
+                          <a:spcPts val="1025"/>
+                        </a:lnSpc>
+                      </a:pPr>
+                      <a:r>
+                        <a:rPr lang="en-IN" sz="1000">
+                          <a:effectLst/>
+                        </a:rPr>
+                        <a:t>c_add</a:t>
+                      </a:r>
+                      <a:endParaRPr lang="en-IN" sz="1000">
+                        <a:effectLst/>
+                        <a:latin typeface="Times New Roman" panose="02020603050405020304" pitchFamily="18" charset="0"/>
+                        <a:ea typeface="Times New Roman" panose="02020603050405020304" pitchFamily="18" charset="0"/>
+                      </a:endParaRPr>
+                    </a:p>
+                  </a:txBody>
+                  <a:tcPr marL="0" marR="0" marT="0" marB="0" anchor="b"/>
+                </a:tc>
+                <a:tc>
+                  <a:txBody>
+                    <a:bodyPr/>
+                    <a:lstStyle/>
+                    <a:p>
+                      <a:pPr algn="l">
+                        <a:lnSpc>
+                          <a:spcPts val="1025"/>
+                        </a:lnSpc>
+                      </a:pPr>
+                      <a:r>
+                        <a:rPr lang="en-IN" sz="1000">
+                          <a:effectLst/>
+                        </a:rPr>
+                        <a:t>  text</a:t>
+                      </a:r>
+                      <a:endParaRPr lang="en-IN" sz="1000">
+                        <a:effectLst/>
+                        <a:latin typeface="Times New Roman" panose="02020603050405020304" pitchFamily="18" charset="0"/>
+                        <a:ea typeface="Times New Roman" panose="02020603050405020304" pitchFamily="18" charset="0"/>
+                      </a:endParaRPr>
+                    </a:p>
+                  </a:txBody>
+                  <a:tcPr marL="0" marR="0" marT="0" marB="0" anchor="b"/>
+                </a:tc>
+                <a:tc>
+                  <a:txBody>
+                    <a:bodyPr/>
+                    <a:lstStyle/>
+                    <a:p>
+                      <a:pPr algn="l">
+                        <a:lnSpc>
+                          <a:spcPts val="1025"/>
+                        </a:lnSpc>
+                      </a:pPr>
+                      <a:r>
+                        <a:rPr lang="en-IN" sz="1000">
+                          <a:effectLst/>
+                        </a:rPr>
+                        <a:t> </a:t>
+                      </a:r>
+                      <a:endParaRPr lang="en-IN" sz="1000">
+                        <a:effectLst/>
+                        <a:latin typeface="Times New Roman" panose="02020603050405020304" pitchFamily="18" charset="0"/>
+                        <a:ea typeface="Times New Roman" panose="02020603050405020304" pitchFamily="18" charset="0"/>
+                      </a:endParaRPr>
+                    </a:p>
+                  </a:txBody>
+                  <a:tcPr marL="0" marR="0" marT="0" marB="0"/>
+                </a:tc>
+                <a:tc>
+                  <a:txBody>
+                    <a:bodyPr/>
+                    <a:lstStyle/>
+                    <a:p>
+                      <a:pPr algn="l">
+                        <a:lnSpc>
+                          <a:spcPts val="1025"/>
+                        </a:lnSpc>
+                      </a:pPr>
+                      <a:r>
+                        <a:rPr lang="en-IN" sz="1000">
+                          <a:effectLst/>
+                        </a:rPr>
+                        <a:t>                No</a:t>
+                      </a:r>
+                      <a:endParaRPr lang="en-IN" sz="1000">
+                        <a:effectLst/>
+                        <a:latin typeface="Times New Roman" panose="02020603050405020304" pitchFamily="18" charset="0"/>
+                        <a:ea typeface="Times New Roman" panose="02020603050405020304" pitchFamily="18" charset="0"/>
+                      </a:endParaRPr>
+                    </a:p>
+                  </a:txBody>
+                  <a:tcPr marL="0" marR="0" marT="0" marB="0" anchor="b"/>
+                </a:tc>
+                <a:tc>
+                  <a:txBody>
+                    <a:bodyPr/>
+                    <a:lstStyle/>
+                    <a:p>
+                      <a:pPr algn="l"/>
+                      <a:r>
+                        <a:rPr lang="en-IN" sz="1000">
+                          <a:effectLst/>
+                        </a:rPr>
+                        <a:t> </a:t>
+                      </a:r>
+                      <a:endParaRPr lang="en-IN" sz="1000">
+                        <a:effectLst/>
+                        <a:latin typeface="Times New Roman" panose="02020603050405020304" pitchFamily="18" charset="0"/>
+                        <a:ea typeface="Times New Roman" panose="02020603050405020304" pitchFamily="18" charset="0"/>
+                      </a:endParaRPr>
+                    </a:p>
+                  </a:txBody>
+                  <a:tcPr marL="0" marR="0" marT="0" marB="0" anchor="b"/>
+                </a:tc>
+                <a:tc>
+                  <a:txBody>
+                    <a:bodyPr/>
+                    <a:lstStyle/>
+                    <a:p>
+                      <a:pPr algn="l"/>
+                      <a:r>
+                        <a:rPr lang="en-IN" sz="1000">
+                          <a:effectLst/>
+                        </a:rPr>
+                        <a:t> Customer’s address</a:t>
+                      </a:r>
+                      <a:endParaRPr lang="en-IN" sz="1000">
+                        <a:effectLst/>
+                        <a:latin typeface="Times New Roman" panose="02020603050405020304" pitchFamily="18" charset="0"/>
+                        <a:ea typeface="Times New Roman" panose="02020603050405020304" pitchFamily="18" charset="0"/>
+                      </a:endParaRPr>
+                    </a:p>
+                  </a:txBody>
+                  <a:tcPr marL="0" marR="0" marT="0" marB="0" anchor="b"/>
+                </a:tc>
+                <a:extLst>
+                  <a:ext uri="{0D108BD9-81ED-4DB2-BD59-A6C34878D82A}">
+                    <a16:rowId xmlns:a16="http://schemas.microsoft.com/office/drawing/2014/main" val="3567460147"/>
+                  </a:ext>
+                </a:extLst>
+              </a:tr>
+              <a:tr h="642613">
+                <a:tc>
+                  <a:txBody>
+                    <a:bodyPr/>
+                    <a:lstStyle/>
+                    <a:p>
+                      <a:pPr marL="38100" algn="l">
+                        <a:lnSpc>
+                          <a:spcPts val="1025"/>
+                        </a:lnSpc>
+                      </a:pPr>
+                      <a:r>
+                        <a:rPr lang="en-IN" sz="1000">
+                          <a:effectLst/>
+                        </a:rPr>
+                        <a:t> </a:t>
+                      </a:r>
+                    </a:p>
+                    <a:p>
+                      <a:pPr marL="38100" algn="l">
+                        <a:lnSpc>
+                          <a:spcPts val="1025"/>
+                        </a:lnSpc>
+                      </a:pPr>
+                      <a:r>
+                        <a:rPr lang="en-IN" sz="1000">
+                          <a:effectLst/>
+                        </a:rPr>
+                        <a:t> </a:t>
+                      </a:r>
+                    </a:p>
+                    <a:p>
+                      <a:pPr marL="38100" algn="l">
+                        <a:lnSpc>
+                          <a:spcPts val="1025"/>
+                        </a:lnSpc>
+                      </a:pPr>
+                      <a:r>
+                        <a:rPr lang="en-IN" sz="1000">
+                          <a:effectLst/>
+                        </a:rPr>
+                        <a:t> </a:t>
+                      </a:r>
+                    </a:p>
+                    <a:p>
+                      <a:pPr marL="38100" algn="l">
+                        <a:lnSpc>
+                          <a:spcPts val="1025"/>
+                        </a:lnSpc>
+                      </a:pPr>
+                      <a:r>
+                        <a:rPr lang="en-IN" sz="1000">
+                          <a:effectLst/>
+                        </a:rPr>
+                        <a:t> </a:t>
+                      </a:r>
+                    </a:p>
+                    <a:p>
+                      <a:pPr marL="38100" algn="l">
+                        <a:lnSpc>
+                          <a:spcPts val="1025"/>
+                        </a:lnSpc>
+                      </a:pPr>
+                      <a:r>
+                        <a:rPr lang="en-IN" sz="1000">
+                          <a:effectLst/>
+                        </a:rPr>
+                        <a:t>customer</a:t>
+                      </a:r>
+                      <a:endParaRPr lang="en-IN" sz="1000">
+                        <a:effectLst/>
+                        <a:latin typeface="Times New Roman" panose="02020603050405020304" pitchFamily="18" charset="0"/>
+                        <a:ea typeface="Times New Roman" panose="02020603050405020304" pitchFamily="18" charset="0"/>
+                      </a:endParaRPr>
+                    </a:p>
+                  </a:txBody>
+                  <a:tcPr marL="0" marR="0" marT="0" marB="0"/>
+                </a:tc>
+                <a:tc>
+                  <a:txBody>
+                    <a:bodyPr/>
+                    <a:lstStyle/>
+                    <a:p>
+                      <a:pPr marL="38100" algn="l">
+                        <a:lnSpc>
+                          <a:spcPts val="1025"/>
+                        </a:lnSpc>
+                      </a:pPr>
+                      <a:r>
+                        <a:rPr lang="en-IN" sz="1000">
+                          <a:effectLst/>
+                        </a:rPr>
+                        <a:t>c_city</a:t>
+                      </a:r>
+                      <a:endParaRPr lang="en-IN" sz="1000">
+                        <a:effectLst/>
+                        <a:latin typeface="Times New Roman" panose="02020603050405020304" pitchFamily="18" charset="0"/>
+                        <a:ea typeface="Times New Roman" panose="02020603050405020304" pitchFamily="18" charset="0"/>
+                      </a:endParaRPr>
+                    </a:p>
+                  </a:txBody>
+                  <a:tcPr marL="0" marR="0" marT="0" marB="0" anchor="b"/>
+                </a:tc>
+                <a:tc>
+                  <a:txBody>
+                    <a:bodyPr/>
+                    <a:lstStyle/>
+                    <a:p>
+                      <a:pPr algn="l">
+                        <a:lnSpc>
+                          <a:spcPts val="1025"/>
+                        </a:lnSpc>
+                      </a:pPr>
+                      <a:r>
+                        <a:rPr lang="en-IN" sz="1000">
+                          <a:effectLst/>
+                        </a:rPr>
+                        <a:t>  text</a:t>
+                      </a:r>
+                      <a:endParaRPr lang="en-IN" sz="1000">
+                        <a:effectLst/>
+                        <a:latin typeface="Times New Roman" panose="02020603050405020304" pitchFamily="18" charset="0"/>
+                        <a:ea typeface="Times New Roman" panose="02020603050405020304" pitchFamily="18" charset="0"/>
+                      </a:endParaRPr>
+                    </a:p>
+                  </a:txBody>
+                  <a:tcPr marL="0" marR="0" marT="0" marB="0" anchor="b"/>
+                </a:tc>
+                <a:tc>
+                  <a:txBody>
+                    <a:bodyPr/>
+                    <a:lstStyle/>
+                    <a:p>
+                      <a:pPr algn="l">
+                        <a:lnSpc>
+                          <a:spcPts val="1025"/>
+                        </a:lnSpc>
+                      </a:pPr>
+                      <a:r>
+                        <a:rPr lang="en-IN" sz="1000">
+                          <a:effectLst/>
+                        </a:rPr>
+                        <a:t> </a:t>
+                      </a:r>
+                      <a:endParaRPr lang="en-IN" sz="1000">
+                        <a:effectLst/>
+                        <a:latin typeface="Times New Roman" panose="02020603050405020304" pitchFamily="18" charset="0"/>
+                        <a:ea typeface="Times New Roman" panose="02020603050405020304" pitchFamily="18" charset="0"/>
+                      </a:endParaRPr>
+                    </a:p>
+                  </a:txBody>
+                  <a:tcPr marL="0" marR="0" marT="0" marB="0"/>
+                </a:tc>
+                <a:tc>
+                  <a:txBody>
+                    <a:bodyPr/>
+                    <a:lstStyle/>
+                    <a:p>
+                      <a:pPr algn="l">
+                        <a:lnSpc>
+                          <a:spcPts val="1025"/>
+                        </a:lnSpc>
+                      </a:pPr>
+                      <a:r>
+                        <a:rPr lang="en-IN" sz="1000">
+                          <a:effectLst/>
+                        </a:rPr>
+                        <a:t>                No</a:t>
+                      </a:r>
+                      <a:endParaRPr lang="en-IN" sz="1000">
+                        <a:effectLst/>
+                        <a:latin typeface="Times New Roman" panose="02020603050405020304" pitchFamily="18" charset="0"/>
+                        <a:ea typeface="Times New Roman" panose="02020603050405020304" pitchFamily="18" charset="0"/>
+                      </a:endParaRPr>
+                    </a:p>
+                  </a:txBody>
+                  <a:tcPr marL="0" marR="0" marT="0" marB="0" anchor="b"/>
+                </a:tc>
+                <a:tc>
+                  <a:txBody>
+                    <a:bodyPr/>
+                    <a:lstStyle/>
+                    <a:p>
+                      <a:pPr algn="l"/>
+                      <a:r>
+                        <a:rPr lang="en-IN" sz="1000">
+                          <a:effectLst/>
+                        </a:rPr>
+                        <a:t> </a:t>
+                      </a:r>
+                      <a:endParaRPr lang="en-IN" sz="1000">
+                        <a:effectLst/>
+                        <a:latin typeface="Times New Roman" panose="02020603050405020304" pitchFamily="18" charset="0"/>
+                        <a:ea typeface="Times New Roman" panose="02020603050405020304" pitchFamily="18" charset="0"/>
+                      </a:endParaRPr>
+                    </a:p>
+                  </a:txBody>
+                  <a:tcPr marL="0" marR="0" marT="0" marB="0" anchor="b"/>
+                </a:tc>
+                <a:tc>
+                  <a:txBody>
+                    <a:bodyPr/>
+                    <a:lstStyle/>
+                    <a:p>
+                      <a:pPr algn="l"/>
+                      <a:r>
+                        <a:rPr lang="en-IN" sz="1000">
+                          <a:effectLst/>
+                        </a:rPr>
+                        <a:t> Customer’s city</a:t>
+                      </a:r>
+                      <a:endParaRPr lang="en-IN" sz="1000">
+                        <a:effectLst/>
+                        <a:latin typeface="Times New Roman" panose="02020603050405020304" pitchFamily="18" charset="0"/>
+                        <a:ea typeface="Times New Roman" panose="02020603050405020304" pitchFamily="18" charset="0"/>
+                      </a:endParaRPr>
+                    </a:p>
+                  </a:txBody>
+                  <a:tcPr marL="0" marR="0" marT="0" marB="0" anchor="b"/>
+                </a:tc>
+                <a:extLst>
+                  <a:ext uri="{0D108BD9-81ED-4DB2-BD59-A6C34878D82A}">
+                    <a16:rowId xmlns:a16="http://schemas.microsoft.com/office/drawing/2014/main" val="1247448643"/>
+                  </a:ext>
+                </a:extLst>
+              </a:tr>
+              <a:tr h="642613">
+                <a:tc>
+                  <a:txBody>
+                    <a:bodyPr/>
+                    <a:lstStyle/>
+                    <a:p>
+                      <a:pPr marL="38100" algn="l">
+                        <a:lnSpc>
+                          <a:spcPts val="1025"/>
+                        </a:lnSpc>
+                      </a:pPr>
+                      <a:r>
+                        <a:rPr lang="en-IN" sz="1000">
+                          <a:effectLst/>
+                        </a:rPr>
+                        <a:t> </a:t>
+                      </a:r>
+                    </a:p>
+                    <a:p>
+                      <a:pPr marL="38100" algn="l">
+                        <a:lnSpc>
+                          <a:spcPts val="1025"/>
+                        </a:lnSpc>
+                      </a:pPr>
+                      <a:r>
+                        <a:rPr lang="en-IN" sz="1000">
+                          <a:effectLst/>
+                        </a:rPr>
+                        <a:t> </a:t>
+                      </a:r>
+                    </a:p>
+                    <a:p>
+                      <a:pPr marL="38100" algn="l">
+                        <a:lnSpc>
+                          <a:spcPts val="1025"/>
+                        </a:lnSpc>
+                      </a:pPr>
+                      <a:r>
+                        <a:rPr lang="en-IN" sz="1000">
+                          <a:effectLst/>
+                        </a:rPr>
+                        <a:t> </a:t>
+                      </a:r>
+                    </a:p>
+                    <a:p>
+                      <a:pPr marL="38100" algn="l">
+                        <a:lnSpc>
+                          <a:spcPts val="1025"/>
+                        </a:lnSpc>
+                      </a:pPr>
+                      <a:r>
+                        <a:rPr lang="en-IN" sz="1000">
+                          <a:effectLst/>
+                        </a:rPr>
+                        <a:t> </a:t>
+                      </a:r>
+                    </a:p>
+                    <a:p>
+                      <a:pPr marL="38100" algn="l">
+                        <a:lnSpc>
+                          <a:spcPts val="1025"/>
+                        </a:lnSpc>
+                      </a:pPr>
+                      <a:r>
+                        <a:rPr lang="en-IN" sz="1000">
+                          <a:effectLst/>
+                        </a:rPr>
+                        <a:t>customer</a:t>
+                      </a:r>
+                      <a:endParaRPr lang="en-IN" sz="1000">
+                        <a:effectLst/>
+                        <a:latin typeface="Times New Roman" panose="02020603050405020304" pitchFamily="18" charset="0"/>
+                        <a:ea typeface="Times New Roman" panose="02020603050405020304" pitchFamily="18" charset="0"/>
+                      </a:endParaRPr>
+                    </a:p>
+                  </a:txBody>
+                  <a:tcPr marL="0" marR="0" marT="0" marB="0"/>
+                </a:tc>
+                <a:tc>
+                  <a:txBody>
+                    <a:bodyPr/>
+                    <a:lstStyle/>
+                    <a:p>
+                      <a:pPr marL="38100" algn="l">
+                        <a:lnSpc>
+                          <a:spcPts val="1025"/>
+                        </a:lnSpc>
+                      </a:pPr>
+                      <a:r>
+                        <a:rPr lang="en-IN" sz="1000">
+                          <a:effectLst/>
+                        </a:rPr>
+                        <a:t>c_contact</a:t>
+                      </a:r>
+                      <a:endParaRPr lang="en-IN" sz="1000">
+                        <a:effectLst/>
+                        <a:latin typeface="Times New Roman" panose="02020603050405020304" pitchFamily="18" charset="0"/>
+                        <a:ea typeface="Times New Roman" panose="02020603050405020304" pitchFamily="18" charset="0"/>
+                      </a:endParaRPr>
+                    </a:p>
+                  </a:txBody>
+                  <a:tcPr marL="0" marR="0" marT="0" marB="0" anchor="b"/>
+                </a:tc>
+                <a:tc>
+                  <a:txBody>
+                    <a:bodyPr/>
+                    <a:lstStyle/>
+                    <a:p>
+                      <a:pPr algn="l">
+                        <a:lnSpc>
+                          <a:spcPts val="1025"/>
+                        </a:lnSpc>
+                      </a:pPr>
+                      <a:r>
+                        <a:rPr lang="en-IN" sz="1000">
+                          <a:effectLst/>
+                        </a:rPr>
+                        <a:t>  varchar(13)</a:t>
+                      </a:r>
+                      <a:endParaRPr lang="en-IN" sz="1000">
+                        <a:effectLst/>
+                        <a:latin typeface="Times New Roman" panose="02020603050405020304" pitchFamily="18" charset="0"/>
+                        <a:ea typeface="Times New Roman" panose="02020603050405020304" pitchFamily="18" charset="0"/>
+                      </a:endParaRPr>
+                    </a:p>
+                  </a:txBody>
+                  <a:tcPr marL="0" marR="0" marT="0" marB="0" anchor="b"/>
+                </a:tc>
+                <a:tc>
+                  <a:txBody>
+                    <a:bodyPr/>
+                    <a:lstStyle/>
+                    <a:p>
+                      <a:pPr algn="l">
+                        <a:lnSpc>
+                          <a:spcPts val="1025"/>
+                        </a:lnSpc>
+                      </a:pPr>
+                      <a:r>
+                        <a:rPr lang="en-IN" sz="1000">
+                          <a:effectLst/>
+                        </a:rPr>
+                        <a:t> </a:t>
+                      </a:r>
+                      <a:endParaRPr lang="en-IN" sz="1000">
+                        <a:effectLst/>
+                        <a:latin typeface="Times New Roman" panose="02020603050405020304" pitchFamily="18" charset="0"/>
+                        <a:ea typeface="Times New Roman" panose="02020603050405020304" pitchFamily="18" charset="0"/>
+                      </a:endParaRPr>
+                    </a:p>
+                  </a:txBody>
+                  <a:tcPr marL="0" marR="0" marT="0" marB="0"/>
+                </a:tc>
+                <a:tc>
+                  <a:txBody>
+                    <a:bodyPr/>
+                    <a:lstStyle/>
+                    <a:p>
+                      <a:pPr algn="l">
+                        <a:lnSpc>
+                          <a:spcPts val="1025"/>
+                        </a:lnSpc>
+                      </a:pPr>
+                      <a:r>
+                        <a:rPr lang="en-IN" sz="1000">
+                          <a:effectLst/>
+                        </a:rPr>
+                        <a:t>               No</a:t>
+                      </a:r>
+                      <a:endParaRPr lang="en-IN" sz="1000">
+                        <a:effectLst/>
+                        <a:latin typeface="Times New Roman" panose="02020603050405020304" pitchFamily="18" charset="0"/>
+                        <a:ea typeface="Times New Roman" panose="02020603050405020304" pitchFamily="18" charset="0"/>
+                      </a:endParaRPr>
+                    </a:p>
+                  </a:txBody>
+                  <a:tcPr marL="0" marR="0" marT="0" marB="0" anchor="b"/>
+                </a:tc>
+                <a:tc>
+                  <a:txBody>
+                    <a:bodyPr/>
+                    <a:lstStyle/>
+                    <a:p>
+                      <a:pPr algn="l"/>
+                      <a:r>
+                        <a:rPr lang="en-IN" sz="1000">
+                          <a:effectLst/>
+                        </a:rPr>
+                        <a:t> </a:t>
+                      </a:r>
+                      <a:endParaRPr lang="en-IN" sz="1000">
+                        <a:effectLst/>
+                        <a:latin typeface="Times New Roman" panose="02020603050405020304" pitchFamily="18" charset="0"/>
+                        <a:ea typeface="Times New Roman" panose="02020603050405020304" pitchFamily="18" charset="0"/>
+                      </a:endParaRPr>
+                    </a:p>
+                  </a:txBody>
+                  <a:tcPr marL="0" marR="0" marT="0" marB="0" anchor="b"/>
+                </a:tc>
+                <a:tc>
+                  <a:txBody>
+                    <a:bodyPr/>
+                    <a:lstStyle/>
+                    <a:p>
+                      <a:pPr algn="l"/>
+                      <a:r>
+                        <a:rPr lang="en-IN" sz="1000">
+                          <a:effectLst/>
+                        </a:rPr>
+                        <a:t> Customer’s contact number</a:t>
+                      </a:r>
+                      <a:endParaRPr lang="en-IN" sz="1000">
+                        <a:effectLst/>
+                        <a:latin typeface="Times New Roman" panose="02020603050405020304" pitchFamily="18" charset="0"/>
+                        <a:ea typeface="Times New Roman" panose="02020603050405020304" pitchFamily="18" charset="0"/>
+                      </a:endParaRPr>
+                    </a:p>
+                  </a:txBody>
+                  <a:tcPr marL="0" marR="0" marT="0" marB="0" anchor="b"/>
+                </a:tc>
+                <a:extLst>
+                  <a:ext uri="{0D108BD9-81ED-4DB2-BD59-A6C34878D82A}">
+                    <a16:rowId xmlns:a16="http://schemas.microsoft.com/office/drawing/2014/main" val="163802175"/>
+                  </a:ext>
+                </a:extLst>
+              </a:tr>
+              <a:tr h="642613">
+                <a:tc>
+                  <a:txBody>
+                    <a:bodyPr/>
+                    <a:lstStyle/>
+                    <a:p>
+                      <a:pPr marL="38100" algn="l">
+                        <a:lnSpc>
+                          <a:spcPts val="1025"/>
+                        </a:lnSpc>
+                      </a:pPr>
+                      <a:r>
+                        <a:rPr lang="en-IN" sz="1000">
+                          <a:effectLst/>
+                        </a:rPr>
+                        <a:t> </a:t>
+                      </a:r>
+                    </a:p>
+                    <a:p>
+                      <a:pPr marL="38100" algn="l">
+                        <a:lnSpc>
+                          <a:spcPts val="1025"/>
+                        </a:lnSpc>
+                      </a:pPr>
+                      <a:r>
+                        <a:rPr lang="en-IN" sz="1000">
+                          <a:effectLst/>
+                        </a:rPr>
+                        <a:t> </a:t>
+                      </a:r>
+                    </a:p>
+                    <a:p>
+                      <a:pPr marL="38100" algn="l">
+                        <a:lnSpc>
+                          <a:spcPts val="1025"/>
+                        </a:lnSpc>
+                      </a:pPr>
+                      <a:r>
+                        <a:rPr lang="en-IN" sz="1000">
+                          <a:effectLst/>
+                        </a:rPr>
+                        <a:t> </a:t>
+                      </a:r>
+                    </a:p>
+                    <a:p>
+                      <a:pPr marL="38100" algn="l">
+                        <a:lnSpc>
+                          <a:spcPts val="1025"/>
+                        </a:lnSpc>
+                      </a:pPr>
+                      <a:r>
+                        <a:rPr lang="en-IN" sz="1000">
+                          <a:effectLst/>
+                        </a:rPr>
+                        <a:t> </a:t>
+                      </a:r>
+                    </a:p>
+                    <a:p>
+                      <a:pPr marL="38100" algn="l">
+                        <a:lnSpc>
+                          <a:spcPts val="1025"/>
+                        </a:lnSpc>
+                      </a:pPr>
+                      <a:r>
+                        <a:rPr lang="en-IN" sz="1000">
+                          <a:effectLst/>
+                        </a:rPr>
+                        <a:t>customer</a:t>
+                      </a:r>
+                      <a:endParaRPr lang="en-IN" sz="1000">
+                        <a:effectLst/>
+                        <a:latin typeface="Times New Roman" panose="02020603050405020304" pitchFamily="18" charset="0"/>
+                        <a:ea typeface="Times New Roman" panose="02020603050405020304" pitchFamily="18" charset="0"/>
+                      </a:endParaRPr>
+                    </a:p>
+                  </a:txBody>
+                  <a:tcPr marL="0" marR="0" marT="0" marB="0"/>
+                </a:tc>
+                <a:tc>
+                  <a:txBody>
+                    <a:bodyPr/>
+                    <a:lstStyle/>
+                    <a:p>
+                      <a:pPr marL="38100" algn="l">
+                        <a:lnSpc>
+                          <a:spcPts val="1025"/>
+                        </a:lnSpc>
+                      </a:pPr>
+                      <a:r>
+                        <a:rPr lang="en-IN" sz="1000">
+                          <a:effectLst/>
+                        </a:rPr>
+                        <a:t>c_email</a:t>
+                      </a:r>
+                      <a:endParaRPr lang="en-IN" sz="1000">
+                        <a:effectLst/>
+                        <a:latin typeface="Times New Roman" panose="02020603050405020304" pitchFamily="18" charset="0"/>
+                        <a:ea typeface="Times New Roman" panose="02020603050405020304" pitchFamily="18" charset="0"/>
+                      </a:endParaRPr>
+                    </a:p>
+                  </a:txBody>
+                  <a:tcPr marL="0" marR="0" marT="0" marB="0" anchor="b"/>
+                </a:tc>
+                <a:tc>
+                  <a:txBody>
+                    <a:bodyPr/>
+                    <a:lstStyle/>
+                    <a:p>
+                      <a:pPr algn="l">
+                        <a:lnSpc>
+                          <a:spcPts val="1025"/>
+                        </a:lnSpc>
+                      </a:pPr>
+                      <a:r>
+                        <a:rPr lang="en-IN" sz="1000">
+                          <a:effectLst/>
+                        </a:rPr>
+                        <a:t>  varchar(50)</a:t>
+                      </a:r>
+                      <a:endParaRPr lang="en-IN" sz="1000">
+                        <a:effectLst/>
+                        <a:latin typeface="Times New Roman" panose="02020603050405020304" pitchFamily="18" charset="0"/>
+                        <a:ea typeface="Times New Roman" panose="02020603050405020304" pitchFamily="18" charset="0"/>
+                      </a:endParaRPr>
+                    </a:p>
+                  </a:txBody>
+                  <a:tcPr marL="0" marR="0" marT="0" marB="0" anchor="b"/>
+                </a:tc>
+                <a:tc>
+                  <a:txBody>
+                    <a:bodyPr/>
+                    <a:lstStyle/>
+                    <a:p>
+                      <a:pPr algn="l">
+                        <a:lnSpc>
+                          <a:spcPts val="1025"/>
+                        </a:lnSpc>
+                      </a:pPr>
+                      <a:r>
+                        <a:rPr lang="en-IN" sz="1000" dirty="0">
+                          <a:effectLst/>
+                        </a:rPr>
+                        <a:t>       </a:t>
+                      </a:r>
+                    </a:p>
+                    <a:p>
+                      <a:pPr algn="l">
+                        <a:lnSpc>
+                          <a:spcPts val="1025"/>
+                        </a:lnSpc>
+                      </a:pPr>
+                      <a:r>
+                        <a:rPr lang="en-IN" sz="1000" dirty="0">
+                          <a:effectLst/>
+                        </a:rPr>
+                        <a:t> </a:t>
+                      </a:r>
+                    </a:p>
+                    <a:p>
+                      <a:pPr algn="l">
+                        <a:lnSpc>
+                          <a:spcPts val="1025"/>
+                        </a:lnSpc>
+                      </a:pPr>
+                      <a:r>
+                        <a:rPr lang="en-IN" sz="1000" dirty="0">
+                          <a:effectLst/>
+                        </a:rPr>
+                        <a:t> </a:t>
+                      </a:r>
+                    </a:p>
+                    <a:p>
+                      <a:pPr algn="l">
+                        <a:lnSpc>
+                          <a:spcPts val="1025"/>
+                        </a:lnSpc>
+                      </a:pPr>
+                      <a:r>
+                        <a:rPr lang="en-IN" sz="1000" dirty="0">
+                          <a:effectLst/>
+                        </a:rPr>
+                        <a:t> </a:t>
+                      </a:r>
+                    </a:p>
+                    <a:p>
+                      <a:pPr algn="l">
+                        <a:lnSpc>
+                          <a:spcPts val="1025"/>
+                        </a:lnSpc>
+                      </a:pPr>
+                      <a:r>
+                        <a:rPr lang="en-IN" sz="1000" dirty="0">
+                          <a:effectLst/>
+                        </a:rPr>
+                        <a:t>            YES</a:t>
+                      </a:r>
+                      <a:endParaRPr lang="en-IN" sz="1000" dirty="0">
+                        <a:effectLst/>
+                        <a:latin typeface="Times New Roman" panose="02020603050405020304" pitchFamily="18" charset="0"/>
+                        <a:ea typeface="Times New Roman" panose="02020603050405020304" pitchFamily="18" charset="0"/>
+                      </a:endParaRPr>
+                    </a:p>
+                  </a:txBody>
+                  <a:tcPr marL="0" marR="0" marT="0" marB="0"/>
+                </a:tc>
+                <a:tc>
+                  <a:txBody>
+                    <a:bodyPr/>
+                    <a:lstStyle/>
+                    <a:p>
+                      <a:pPr algn="l">
+                        <a:lnSpc>
+                          <a:spcPts val="1025"/>
+                        </a:lnSpc>
+                      </a:pPr>
+                      <a:r>
+                        <a:rPr lang="en-IN" sz="1000">
+                          <a:effectLst/>
+                        </a:rPr>
+                        <a:t>               No</a:t>
+                      </a:r>
+                      <a:endParaRPr lang="en-IN" sz="1000">
+                        <a:effectLst/>
+                        <a:latin typeface="Times New Roman" panose="02020603050405020304" pitchFamily="18" charset="0"/>
+                        <a:ea typeface="Times New Roman" panose="02020603050405020304" pitchFamily="18" charset="0"/>
+                      </a:endParaRPr>
+                    </a:p>
+                  </a:txBody>
+                  <a:tcPr marL="0" marR="0" marT="0" marB="0" anchor="b"/>
+                </a:tc>
+                <a:tc>
+                  <a:txBody>
+                    <a:bodyPr/>
+                    <a:lstStyle/>
+                    <a:p>
+                      <a:pPr algn="l"/>
+                      <a:r>
+                        <a:rPr lang="en-IN" sz="1000">
+                          <a:effectLst/>
+                        </a:rPr>
+                        <a:t> </a:t>
+                      </a:r>
+                      <a:endParaRPr lang="en-IN" sz="1000">
+                        <a:effectLst/>
+                        <a:latin typeface="Times New Roman" panose="02020603050405020304" pitchFamily="18" charset="0"/>
+                        <a:ea typeface="Times New Roman" panose="02020603050405020304" pitchFamily="18" charset="0"/>
+                      </a:endParaRPr>
+                    </a:p>
+                  </a:txBody>
+                  <a:tcPr marL="0" marR="0" marT="0" marB="0" anchor="b"/>
+                </a:tc>
+                <a:tc>
+                  <a:txBody>
+                    <a:bodyPr/>
+                    <a:lstStyle/>
+                    <a:p>
+                      <a:pPr algn="l"/>
+                      <a:r>
+                        <a:rPr lang="en-IN" sz="1000">
+                          <a:effectLst/>
+                        </a:rPr>
+                        <a:t> Customer’s valid email ID</a:t>
+                      </a:r>
+                      <a:endParaRPr lang="en-IN" sz="1000">
+                        <a:effectLst/>
+                        <a:latin typeface="Times New Roman" panose="02020603050405020304" pitchFamily="18" charset="0"/>
+                        <a:ea typeface="Times New Roman" panose="02020603050405020304" pitchFamily="18" charset="0"/>
+                      </a:endParaRPr>
+                    </a:p>
+                  </a:txBody>
+                  <a:tcPr marL="0" marR="0" marT="0" marB="0" anchor="b"/>
+                </a:tc>
+                <a:extLst>
+                  <a:ext uri="{0D108BD9-81ED-4DB2-BD59-A6C34878D82A}">
+                    <a16:rowId xmlns:a16="http://schemas.microsoft.com/office/drawing/2014/main" val="371822940"/>
+                  </a:ext>
+                </a:extLst>
+              </a:tr>
+              <a:tr h="642613">
+                <a:tc>
+                  <a:txBody>
+                    <a:bodyPr/>
+                    <a:lstStyle/>
+                    <a:p>
+                      <a:pPr marL="38100" algn="l">
+                        <a:lnSpc>
+                          <a:spcPts val="1025"/>
+                        </a:lnSpc>
+                      </a:pPr>
+                      <a:r>
+                        <a:rPr lang="en-IN" sz="1000">
+                          <a:effectLst/>
+                        </a:rPr>
+                        <a:t> </a:t>
+                      </a:r>
+                    </a:p>
+                    <a:p>
+                      <a:pPr marL="38100" algn="l">
+                        <a:lnSpc>
+                          <a:spcPts val="1025"/>
+                        </a:lnSpc>
+                      </a:pPr>
+                      <a:r>
+                        <a:rPr lang="en-IN" sz="1000">
+                          <a:effectLst/>
+                        </a:rPr>
+                        <a:t> </a:t>
+                      </a:r>
+                    </a:p>
+                    <a:p>
+                      <a:pPr marL="38100" algn="l">
+                        <a:lnSpc>
+                          <a:spcPts val="1025"/>
+                        </a:lnSpc>
+                      </a:pPr>
+                      <a:r>
+                        <a:rPr lang="en-IN" sz="1000">
+                          <a:effectLst/>
+                        </a:rPr>
+                        <a:t> </a:t>
+                      </a:r>
+                    </a:p>
+                    <a:p>
+                      <a:pPr marL="38100" algn="l">
+                        <a:lnSpc>
+                          <a:spcPts val="1025"/>
+                        </a:lnSpc>
+                      </a:pPr>
+                      <a:r>
+                        <a:rPr lang="en-IN" sz="1000">
+                          <a:effectLst/>
+                        </a:rPr>
+                        <a:t> </a:t>
+                      </a:r>
+                    </a:p>
+                    <a:p>
+                      <a:pPr marL="38100" algn="l">
+                        <a:lnSpc>
+                          <a:spcPts val="1025"/>
+                        </a:lnSpc>
+                      </a:pPr>
+                      <a:r>
+                        <a:rPr lang="en-IN" sz="1000">
+                          <a:effectLst/>
+                        </a:rPr>
+                        <a:t>customer</a:t>
+                      </a:r>
+                      <a:endParaRPr lang="en-IN" sz="1000">
+                        <a:effectLst/>
+                        <a:latin typeface="Times New Roman" panose="02020603050405020304" pitchFamily="18" charset="0"/>
+                        <a:ea typeface="Times New Roman" panose="02020603050405020304" pitchFamily="18" charset="0"/>
+                      </a:endParaRPr>
+                    </a:p>
+                  </a:txBody>
+                  <a:tcPr marL="0" marR="0" marT="0" marB="0"/>
+                </a:tc>
+                <a:tc>
+                  <a:txBody>
+                    <a:bodyPr/>
+                    <a:lstStyle/>
+                    <a:p>
+                      <a:pPr marL="38100" algn="l">
+                        <a:lnSpc>
+                          <a:spcPts val="1025"/>
+                        </a:lnSpc>
+                      </a:pPr>
+                      <a:r>
+                        <a:rPr lang="en-IN" sz="1000">
+                          <a:effectLst/>
+                        </a:rPr>
+                        <a:t>password</a:t>
+                      </a:r>
+                      <a:endParaRPr lang="en-IN" sz="1000">
+                        <a:effectLst/>
+                        <a:latin typeface="Times New Roman" panose="02020603050405020304" pitchFamily="18" charset="0"/>
+                        <a:ea typeface="Times New Roman" panose="02020603050405020304" pitchFamily="18" charset="0"/>
+                      </a:endParaRPr>
+                    </a:p>
+                  </a:txBody>
+                  <a:tcPr marL="0" marR="0" marT="0" marB="0" anchor="b"/>
+                </a:tc>
+                <a:tc>
+                  <a:txBody>
+                    <a:bodyPr/>
+                    <a:lstStyle/>
+                    <a:p>
+                      <a:pPr algn="l">
+                        <a:lnSpc>
+                          <a:spcPts val="1025"/>
+                        </a:lnSpc>
+                      </a:pPr>
+                      <a:r>
+                        <a:rPr lang="en-IN" sz="1000">
+                          <a:effectLst/>
+                        </a:rPr>
+                        <a:t>  varchar(15)</a:t>
+                      </a:r>
+                      <a:endParaRPr lang="en-IN" sz="1000">
+                        <a:effectLst/>
+                        <a:latin typeface="Times New Roman" panose="02020603050405020304" pitchFamily="18" charset="0"/>
+                        <a:ea typeface="Times New Roman" panose="02020603050405020304" pitchFamily="18" charset="0"/>
+                      </a:endParaRPr>
+                    </a:p>
+                  </a:txBody>
+                  <a:tcPr marL="0" marR="0" marT="0" marB="0" anchor="b"/>
+                </a:tc>
+                <a:tc>
+                  <a:txBody>
+                    <a:bodyPr/>
+                    <a:lstStyle/>
+                    <a:p>
+                      <a:pPr algn="l">
+                        <a:lnSpc>
+                          <a:spcPts val="1025"/>
+                        </a:lnSpc>
+                      </a:pPr>
+                      <a:r>
+                        <a:rPr lang="en-IN" sz="1000">
+                          <a:effectLst/>
+                        </a:rPr>
+                        <a:t> </a:t>
+                      </a:r>
+                      <a:endParaRPr lang="en-IN" sz="1000">
+                        <a:effectLst/>
+                        <a:latin typeface="Times New Roman" panose="02020603050405020304" pitchFamily="18" charset="0"/>
+                        <a:ea typeface="Times New Roman" panose="02020603050405020304" pitchFamily="18" charset="0"/>
+                      </a:endParaRPr>
+                    </a:p>
+                  </a:txBody>
+                  <a:tcPr marL="0" marR="0" marT="0" marB="0"/>
+                </a:tc>
+                <a:tc>
+                  <a:txBody>
+                    <a:bodyPr/>
+                    <a:lstStyle/>
+                    <a:p>
+                      <a:pPr algn="l">
+                        <a:lnSpc>
+                          <a:spcPts val="1025"/>
+                        </a:lnSpc>
+                      </a:pPr>
+                      <a:r>
+                        <a:rPr lang="en-IN" sz="1000">
+                          <a:effectLst/>
+                        </a:rPr>
+                        <a:t>               No</a:t>
+                      </a:r>
+                      <a:endParaRPr lang="en-IN" sz="1000">
+                        <a:effectLst/>
+                        <a:latin typeface="Times New Roman" panose="02020603050405020304" pitchFamily="18" charset="0"/>
+                        <a:ea typeface="Times New Roman" panose="02020603050405020304" pitchFamily="18" charset="0"/>
+                      </a:endParaRPr>
+                    </a:p>
+                  </a:txBody>
+                  <a:tcPr marL="0" marR="0" marT="0" marB="0" anchor="b"/>
+                </a:tc>
+                <a:tc>
+                  <a:txBody>
+                    <a:bodyPr/>
+                    <a:lstStyle/>
+                    <a:p>
+                      <a:pPr algn="l"/>
+                      <a:r>
+                        <a:rPr lang="en-IN" sz="1000">
+                          <a:effectLst/>
+                        </a:rPr>
+                        <a:t> </a:t>
+                      </a:r>
+                      <a:endParaRPr lang="en-IN" sz="1000">
+                        <a:effectLst/>
+                        <a:latin typeface="Times New Roman" panose="02020603050405020304" pitchFamily="18" charset="0"/>
+                        <a:ea typeface="Times New Roman" panose="02020603050405020304" pitchFamily="18" charset="0"/>
+                      </a:endParaRPr>
+                    </a:p>
+                  </a:txBody>
+                  <a:tcPr marL="0" marR="0" marT="0" marB="0" anchor="b"/>
+                </a:tc>
+                <a:tc>
+                  <a:txBody>
+                    <a:bodyPr/>
+                    <a:lstStyle/>
+                    <a:p>
+                      <a:pPr algn="l"/>
+                      <a:r>
+                        <a:rPr lang="en-IN" sz="1000" dirty="0">
+                          <a:effectLst/>
+                        </a:rPr>
+                        <a:t> Valid password given by  Customer</a:t>
+                      </a:r>
+                      <a:endParaRPr lang="en-IN" sz="1000" dirty="0">
+                        <a:effectLst/>
+                        <a:latin typeface="Times New Roman" panose="02020603050405020304" pitchFamily="18" charset="0"/>
+                        <a:ea typeface="Times New Roman" panose="02020603050405020304" pitchFamily="18" charset="0"/>
+                      </a:endParaRPr>
+                    </a:p>
+                  </a:txBody>
+                  <a:tcPr marL="0" marR="0" marT="0" marB="0" anchor="b"/>
+                </a:tc>
+                <a:extLst>
+                  <a:ext uri="{0D108BD9-81ED-4DB2-BD59-A6C34878D82A}">
+                    <a16:rowId xmlns:a16="http://schemas.microsoft.com/office/drawing/2014/main" val="1752733381"/>
+                  </a:ext>
+                </a:extLst>
+              </a:tr>
+            </a:tbl>
+          </a:graphicData>
+        </a:graphic>
+      </p:graphicFrame>
+    </p:spTree>
+    <p:extLst>
+      <p:ext uri="{BB962C8B-B14F-4D97-AF65-F5344CB8AC3E}">
+        <p14:creationId xmlns:p14="http://schemas.microsoft.com/office/powerpoint/2010/main" val="1128103011"/>
+      </p:ext>
+    </p:extLst>
+  </p:cSld>
+  <p:clrMapOvr>
+    <a:masterClrMapping/>
+  </p:clrMapOvr>
+</p:sld>
+</file>
+
+<file path=ppt/slides/slide11.xml><?xml version="1.0" encoding="utf-8"?>
+<p:sld xmlns:a="http://schemas.openxmlformats.org/drawingml/2006/main" xmlns:r="http://schemas.openxmlformats.org/officeDocument/2006/relationships" xmlns:p="http://schemas.openxmlformats.org/presentationml/2006/main">
+  <p:cSld>
+    <p:spTree>
+      <p:nvGrpSpPr>
+        <p:cNvPr id="1" name=""/>
+        <p:cNvGrpSpPr/>
+        <p:nvPr/>
+      </p:nvGrpSpPr>
+      <p:grpSpPr>
+        <a:xfrm>
+          <a:off x="0" y="0"/>
+          <a:ext cx="0" cy="0"/>
+          <a:chOff x="0" y="0"/>
+          <a:chExt cx="0" cy="0"/>
+        </a:xfrm>
+      </p:grpSpPr>
+      <p:graphicFrame>
+        <p:nvGraphicFramePr>
+          <p:cNvPr id="2" name="Table 1">
+            <a:extLst>
+              <a:ext uri="{FF2B5EF4-FFF2-40B4-BE49-F238E27FC236}">
+                <a16:creationId xmlns:a16="http://schemas.microsoft.com/office/drawing/2014/main" id="{868DFC83-7121-4435-B018-5E2FC3B702C3}"/>
+              </a:ext>
+            </a:extLst>
+          </p:cNvPr>
+          <p:cNvGraphicFramePr>
+            <a:graphicFrameLocks noGrp="1"/>
+          </p:cNvGraphicFramePr>
+          <p:nvPr>
+            <p:extLst>
+              <p:ext uri="{D42A27DB-BD31-4B8C-83A1-F6EECF244321}">
+                <p14:modId xmlns:p14="http://schemas.microsoft.com/office/powerpoint/2010/main" val="2855852862"/>
+              </p:ext>
+            </p:extLst>
+          </p:nvPr>
+        </p:nvGraphicFramePr>
+        <p:xfrm>
+          <a:off x="774701" y="1422401"/>
+          <a:ext cx="10502898" cy="4635664"/>
+        </p:xfrm>
+        <a:graphic>
+          <a:graphicData uri="http://schemas.openxmlformats.org/drawingml/2006/table">
+            <a:tbl>
+              <a:tblPr firstRow="1" firstCol="1" bandRow="1">
+                <a:tableStyleId>{5C22544A-7EE6-4342-B048-85BDC9FD1C3A}</a:tableStyleId>
+              </a:tblPr>
+              <a:tblGrid>
+                <a:gridCol w="1689099">
+                  <a:extLst>
+                    <a:ext uri="{9D8B030D-6E8A-4147-A177-3AD203B41FA5}">
+                      <a16:colId xmlns:a16="http://schemas.microsoft.com/office/drawing/2014/main" val="1606747069"/>
+                    </a:ext>
+                  </a:extLst>
+                </a:gridCol>
+                <a:gridCol w="1555060">
+                  <a:extLst>
+                    <a:ext uri="{9D8B030D-6E8A-4147-A177-3AD203B41FA5}">
+                      <a16:colId xmlns:a16="http://schemas.microsoft.com/office/drawing/2014/main" val="2163908040"/>
+                    </a:ext>
+                  </a:extLst>
+                </a:gridCol>
+                <a:gridCol w="1395289">
+                  <a:extLst>
+                    <a:ext uri="{9D8B030D-6E8A-4147-A177-3AD203B41FA5}">
+                      <a16:colId xmlns:a16="http://schemas.microsoft.com/office/drawing/2014/main" val="2079023469"/>
+                    </a:ext>
+                  </a:extLst>
+                </a:gridCol>
+                <a:gridCol w="1289429">
+                  <a:extLst>
+                    <a:ext uri="{9D8B030D-6E8A-4147-A177-3AD203B41FA5}">
+                      <a16:colId xmlns:a16="http://schemas.microsoft.com/office/drawing/2014/main" val="1406329715"/>
+                    </a:ext>
+                  </a:extLst>
+                </a:gridCol>
+                <a:gridCol w="1145022">
+                  <a:extLst>
+                    <a:ext uri="{9D8B030D-6E8A-4147-A177-3AD203B41FA5}">
+                      <a16:colId xmlns:a16="http://schemas.microsoft.com/office/drawing/2014/main" val="3262027467"/>
+                    </a:ext>
+                  </a:extLst>
+                </a:gridCol>
+                <a:gridCol w="1104900">
+                  <a:extLst>
+                    <a:ext uri="{9D8B030D-6E8A-4147-A177-3AD203B41FA5}">
+                      <a16:colId xmlns:a16="http://schemas.microsoft.com/office/drawing/2014/main" val="1683070950"/>
+                    </a:ext>
+                  </a:extLst>
+                </a:gridCol>
+                <a:gridCol w="2324099">
+                  <a:extLst>
+                    <a:ext uri="{9D8B030D-6E8A-4147-A177-3AD203B41FA5}">
+                      <a16:colId xmlns:a16="http://schemas.microsoft.com/office/drawing/2014/main" val="3442585436"/>
+                    </a:ext>
+                  </a:extLst>
+                </a:gridCol>
+              </a:tblGrid>
+              <a:tr h="1053141">
+                <a:tc>
+                  <a:txBody>
+                    <a:bodyPr/>
+                    <a:lstStyle/>
+                    <a:p>
+                      <a:pPr marL="12700" algn="ctr"/>
+                      <a:r>
+                        <a:rPr lang="en-IN" sz="1200" dirty="0">
+                          <a:effectLst/>
+                        </a:rPr>
+                        <a:t> </a:t>
+                      </a:r>
+                      <a:endParaRPr lang="en-IN" sz="1100" dirty="0">
+                        <a:effectLst/>
+                      </a:endParaRPr>
+                    </a:p>
+                    <a:p>
+                      <a:pPr marL="12700" algn="ctr"/>
+                      <a:endParaRPr lang="en-IN" sz="1200" dirty="0">
+                        <a:effectLst/>
+                      </a:endParaRPr>
+                    </a:p>
+                    <a:p>
+                      <a:pPr marL="12700" algn="ctr"/>
+                      <a:endParaRPr lang="en-IN" sz="1200" dirty="0">
+                        <a:effectLst/>
+                      </a:endParaRPr>
+                    </a:p>
+                    <a:p>
+                      <a:pPr marL="12700" algn="ctr"/>
+                      <a:endParaRPr lang="en-IN" sz="1200" dirty="0">
+                        <a:effectLst/>
+                      </a:endParaRPr>
+                    </a:p>
+                    <a:p>
+                      <a:pPr marL="12700" algn="ctr"/>
+                      <a:endParaRPr lang="en-IN" sz="1200" dirty="0">
+                        <a:effectLst/>
+                      </a:endParaRPr>
+                    </a:p>
+                    <a:p>
+                      <a:pPr marL="12700" algn="ctr"/>
+                      <a:r>
+                        <a:rPr lang="en-IN" sz="1200" dirty="0">
+                          <a:effectLst/>
+                        </a:rPr>
+                        <a:t>Table</a:t>
+                      </a:r>
+                      <a:endParaRPr lang="en-IN" sz="1100" dirty="0">
+                        <a:effectLst/>
+                        <a:latin typeface="Times New Roman" panose="02020603050405020304" pitchFamily="18" charset="0"/>
+                        <a:ea typeface="Times New Roman" panose="02020603050405020304" pitchFamily="18" charset="0"/>
+                      </a:endParaRPr>
+                    </a:p>
+                  </a:txBody>
+                  <a:tcPr marL="0" marR="0" marT="0" marB="0"/>
+                </a:tc>
+                <a:tc>
+                  <a:txBody>
+                    <a:bodyPr/>
+                    <a:lstStyle/>
+                    <a:p>
+                      <a:pPr marL="12700" algn="ctr"/>
+                      <a:r>
+                        <a:rPr lang="en-IN" sz="1200">
+                          <a:effectLst/>
+                        </a:rPr>
+                        <a:t>Column</a:t>
+                      </a:r>
+                      <a:endParaRPr lang="en-IN" sz="1100">
+                        <a:effectLst/>
+                        <a:latin typeface="Times New Roman" panose="02020603050405020304" pitchFamily="18" charset="0"/>
+                        <a:ea typeface="Times New Roman" panose="02020603050405020304" pitchFamily="18" charset="0"/>
+                      </a:endParaRPr>
+                    </a:p>
+                  </a:txBody>
+                  <a:tcPr marL="0" marR="0" marT="0" marB="0" anchor="b"/>
+                </a:tc>
+                <a:tc>
+                  <a:txBody>
+                    <a:bodyPr/>
+                    <a:lstStyle/>
+                    <a:p>
+                      <a:pPr algn="ctr"/>
+                      <a:r>
+                        <a:rPr lang="en-IN" sz="1200">
+                          <a:effectLst/>
+                        </a:rPr>
+                        <a:t>Data Type</a:t>
+                      </a:r>
+                      <a:endParaRPr lang="en-IN" sz="1100">
+                        <a:effectLst/>
+                        <a:latin typeface="Times New Roman" panose="02020603050405020304" pitchFamily="18" charset="0"/>
+                        <a:ea typeface="Times New Roman" panose="02020603050405020304" pitchFamily="18" charset="0"/>
+                      </a:endParaRPr>
+                    </a:p>
+                  </a:txBody>
+                  <a:tcPr marL="0" marR="0" marT="0" marB="0" anchor="b"/>
+                </a:tc>
+                <a:tc>
+                  <a:txBody>
+                    <a:bodyPr/>
+                    <a:lstStyle/>
+                    <a:p>
+                      <a:pPr algn="ctr"/>
+                      <a:r>
+                        <a:rPr lang="en-IN" sz="1200" dirty="0">
+                          <a:effectLst/>
+                        </a:rPr>
+                        <a:t> </a:t>
+                      </a:r>
+                      <a:endParaRPr lang="en-IN" sz="1100" dirty="0">
+                        <a:effectLst/>
+                      </a:endParaRPr>
+                    </a:p>
+                    <a:p>
+                      <a:pPr algn="ctr"/>
+                      <a:endParaRPr lang="en-IN" sz="1200" dirty="0">
+                        <a:effectLst/>
+                      </a:endParaRPr>
+                    </a:p>
+                    <a:p>
+                      <a:pPr algn="ctr"/>
+                      <a:endParaRPr lang="en-IN" sz="1200" dirty="0">
+                        <a:effectLst/>
+                      </a:endParaRPr>
+                    </a:p>
+                    <a:p>
+                      <a:pPr algn="ctr"/>
+                      <a:endParaRPr lang="en-IN" sz="1200" dirty="0">
+                        <a:effectLst/>
+                      </a:endParaRPr>
+                    </a:p>
+                    <a:p>
+                      <a:pPr algn="ctr"/>
+                      <a:endParaRPr lang="en-IN" sz="1200" dirty="0">
+                        <a:effectLst/>
+                      </a:endParaRPr>
+                    </a:p>
+                    <a:p>
+                      <a:pPr algn="ctr"/>
+                      <a:r>
+                        <a:rPr lang="en-IN" sz="1200" dirty="0">
+                          <a:effectLst/>
+                        </a:rPr>
+                        <a:t>Primary key</a:t>
+                      </a:r>
+                      <a:endParaRPr lang="en-IN" sz="1100" dirty="0">
+                        <a:effectLst/>
+                        <a:latin typeface="Times New Roman" panose="02020603050405020304" pitchFamily="18" charset="0"/>
+                        <a:ea typeface="Times New Roman" panose="02020603050405020304" pitchFamily="18" charset="0"/>
+                      </a:endParaRPr>
+                    </a:p>
+                  </a:txBody>
+                  <a:tcPr marL="0" marR="0" marT="0" marB="0"/>
+                </a:tc>
+                <a:tc>
+                  <a:txBody>
+                    <a:bodyPr/>
+                    <a:lstStyle/>
+                    <a:p>
+                      <a:pPr algn="ctr"/>
+                      <a:r>
+                        <a:rPr lang="en-IN" sz="1200">
+                          <a:effectLst/>
+                        </a:rPr>
+                        <a:t>Nullable</a:t>
+                      </a:r>
+                      <a:endParaRPr lang="en-IN" sz="1100">
+                        <a:effectLst/>
+                        <a:latin typeface="Times New Roman" panose="02020603050405020304" pitchFamily="18" charset="0"/>
+                        <a:ea typeface="Times New Roman" panose="02020603050405020304" pitchFamily="18" charset="0"/>
+                      </a:endParaRPr>
+                    </a:p>
+                  </a:txBody>
+                  <a:tcPr marL="0" marR="0" marT="0" marB="0" anchor="b"/>
+                </a:tc>
+                <a:tc>
+                  <a:txBody>
+                    <a:bodyPr/>
+                    <a:lstStyle/>
+                    <a:p>
+                      <a:pPr algn="ctr"/>
+                      <a:r>
+                        <a:rPr lang="en-IN" sz="1200">
+                          <a:effectLst/>
+                        </a:rPr>
+                        <a:t>Default</a:t>
+                      </a:r>
+                      <a:endParaRPr lang="en-IN" sz="1100">
+                        <a:effectLst/>
+                        <a:latin typeface="Times New Roman" panose="02020603050405020304" pitchFamily="18" charset="0"/>
+                        <a:ea typeface="Times New Roman" panose="02020603050405020304" pitchFamily="18" charset="0"/>
+                      </a:endParaRPr>
+                    </a:p>
+                  </a:txBody>
+                  <a:tcPr marL="0" marR="0" marT="0" marB="0" anchor="b"/>
+                </a:tc>
+                <a:tc>
+                  <a:txBody>
+                    <a:bodyPr/>
+                    <a:lstStyle/>
+                    <a:p>
+                      <a:pPr algn="ctr"/>
+                      <a:r>
+                        <a:rPr lang="en-IN" sz="1200">
+                          <a:effectLst/>
+                        </a:rPr>
+                        <a:t>Comments</a:t>
+                      </a:r>
+                      <a:endParaRPr lang="en-IN" sz="1100">
+                        <a:effectLst/>
+                        <a:latin typeface="Times New Roman" panose="02020603050405020304" pitchFamily="18" charset="0"/>
+                        <a:ea typeface="Times New Roman" panose="02020603050405020304" pitchFamily="18" charset="0"/>
+                      </a:endParaRPr>
+                    </a:p>
+                  </a:txBody>
+                  <a:tcPr marL="0" marR="0" marT="0" marB="0" anchor="b"/>
+                </a:tc>
+                <a:extLst>
+                  <a:ext uri="{0D108BD9-81ED-4DB2-BD59-A6C34878D82A}">
+                    <a16:rowId xmlns:a16="http://schemas.microsoft.com/office/drawing/2014/main" val="815433012"/>
+                  </a:ext>
+                </a:extLst>
+              </a:tr>
+              <a:tr h="688136">
+                <a:tc>
+                  <a:txBody>
+                    <a:bodyPr/>
+                    <a:lstStyle/>
+                    <a:p>
+                      <a:pPr marL="38100">
+                        <a:lnSpc>
+                          <a:spcPts val="990"/>
+                        </a:lnSpc>
+                      </a:pPr>
+                      <a:endParaRPr lang="en-IN" sz="1100" dirty="0">
+                        <a:effectLst/>
+                        <a:latin typeface="Times New Roman" panose="02020603050405020304" pitchFamily="18" charset="0"/>
+                        <a:ea typeface="Times New Roman" panose="02020603050405020304" pitchFamily="18" charset="0"/>
+                      </a:endParaRPr>
+                    </a:p>
+                    <a:p>
+                      <a:pPr marL="38100">
+                        <a:lnSpc>
+                          <a:spcPts val="990"/>
+                        </a:lnSpc>
+                      </a:pPr>
+                      <a:endParaRPr lang="en-IN" sz="1100" dirty="0">
+                        <a:effectLst/>
+                        <a:latin typeface="Times New Roman" panose="02020603050405020304" pitchFamily="18" charset="0"/>
+                        <a:ea typeface="Times New Roman" panose="02020603050405020304" pitchFamily="18" charset="0"/>
+                      </a:endParaRPr>
+                    </a:p>
+                    <a:p>
+                      <a:pPr marL="38100">
+                        <a:lnSpc>
+                          <a:spcPts val="990"/>
+                        </a:lnSpc>
+                      </a:pPr>
+                      <a:endParaRPr lang="en-IN" sz="1100" dirty="0">
+                        <a:effectLst/>
+                        <a:latin typeface="Times New Roman" panose="02020603050405020304" pitchFamily="18" charset="0"/>
+                        <a:ea typeface="Times New Roman" panose="02020603050405020304" pitchFamily="18" charset="0"/>
+                      </a:endParaRPr>
+                    </a:p>
+                    <a:p>
+                      <a:pPr marL="38100">
+                        <a:lnSpc>
+                          <a:spcPts val="990"/>
+                        </a:lnSpc>
+                      </a:pPr>
+                      <a:endParaRPr lang="en-IN" sz="1100" dirty="0">
+                        <a:effectLst/>
+                        <a:latin typeface="Times New Roman" panose="02020603050405020304" pitchFamily="18" charset="0"/>
+                        <a:ea typeface="Times New Roman" panose="02020603050405020304" pitchFamily="18" charset="0"/>
+                      </a:endParaRPr>
+                    </a:p>
+                    <a:p>
+                      <a:pPr marL="38100">
+                        <a:lnSpc>
+                          <a:spcPts val="990"/>
+                        </a:lnSpc>
+                      </a:pPr>
+                      <a:r>
+                        <a:rPr lang="en-IN" sz="1100" dirty="0">
+                          <a:effectLst/>
+                          <a:latin typeface="Times New Roman" panose="02020603050405020304" pitchFamily="18" charset="0"/>
+                          <a:ea typeface="Times New Roman" panose="02020603050405020304" pitchFamily="18" charset="0"/>
+                        </a:rPr>
+                        <a:t>   </a:t>
+                      </a:r>
+                      <a:r>
+                        <a:rPr lang="en-IN" sz="1100" dirty="0">
+                          <a:effectLst/>
+                          <a:latin typeface="+mn-lt"/>
+                          <a:ea typeface="Times New Roman" panose="02020603050405020304" pitchFamily="18" charset="0"/>
+                        </a:rPr>
+                        <a:t>service</a:t>
+                      </a:r>
+                      <a:endParaRPr lang="en-IN" sz="1100" dirty="0">
+                        <a:effectLst/>
+                        <a:latin typeface="Times New Roman" panose="02020603050405020304" pitchFamily="18" charset="0"/>
+                        <a:ea typeface="Times New Roman" panose="02020603050405020304" pitchFamily="18" charset="0"/>
+                      </a:endParaRPr>
+                    </a:p>
+                  </a:txBody>
+                  <a:tcPr marL="0" marR="0" marT="0" marB="0"/>
+                </a:tc>
+                <a:tc>
+                  <a:txBody>
+                    <a:bodyPr/>
+                    <a:lstStyle/>
+                    <a:p>
+                      <a:pPr marL="38100">
+                        <a:lnSpc>
+                          <a:spcPts val="990"/>
+                        </a:lnSpc>
+                      </a:pPr>
+                      <a:r>
+                        <a:rPr lang="en-IN" sz="1100" dirty="0">
+                          <a:effectLst/>
+                        </a:rPr>
+                        <a:t>  </a:t>
+                      </a:r>
+                      <a:r>
+                        <a:rPr lang="en-IN" sz="1100" dirty="0" err="1">
+                          <a:effectLst/>
+                        </a:rPr>
+                        <a:t>s_name</a:t>
+                      </a:r>
+                      <a:endParaRPr lang="en-IN" sz="1100" dirty="0">
+                        <a:effectLst/>
+                        <a:latin typeface="Times New Roman" panose="02020603050405020304" pitchFamily="18" charset="0"/>
+                        <a:ea typeface="Times New Roman" panose="02020603050405020304" pitchFamily="18" charset="0"/>
+                      </a:endParaRPr>
+                    </a:p>
+                  </a:txBody>
+                  <a:tcPr marL="0" marR="0" marT="0" marB="0" anchor="b"/>
+                </a:tc>
+                <a:tc>
+                  <a:txBody>
+                    <a:bodyPr/>
+                    <a:lstStyle/>
+                    <a:p>
+                      <a:pPr>
+                        <a:lnSpc>
+                          <a:spcPts val="990"/>
+                        </a:lnSpc>
+                      </a:pPr>
+                      <a:r>
+                        <a:rPr lang="en-IN" sz="1100" dirty="0">
+                          <a:effectLst/>
+                        </a:rPr>
+                        <a:t>  varchar(50)</a:t>
+                      </a:r>
+                      <a:endParaRPr lang="en-IN" sz="1100" dirty="0">
+                        <a:effectLst/>
+                        <a:latin typeface="Times New Roman" panose="02020603050405020304" pitchFamily="18" charset="0"/>
+                        <a:ea typeface="Times New Roman" panose="02020603050405020304" pitchFamily="18" charset="0"/>
+                      </a:endParaRPr>
+                    </a:p>
+                  </a:txBody>
+                  <a:tcPr marL="0" marR="0" marT="0" marB="0" anchor="b"/>
+                </a:tc>
+                <a:tc>
+                  <a:txBody>
+                    <a:bodyPr/>
+                    <a:lstStyle/>
+                    <a:p>
+                      <a:pPr>
+                        <a:lnSpc>
+                          <a:spcPts val="990"/>
+                        </a:lnSpc>
+                      </a:pPr>
+                      <a:r>
+                        <a:rPr lang="en-IN" sz="1100" dirty="0">
+                          <a:effectLst/>
+                        </a:rPr>
+                        <a:t> </a:t>
+                      </a:r>
+                    </a:p>
+                    <a:p>
+                      <a:pPr>
+                        <a:lnSpc>
+                          <a:spcPts val="990"/>
+                        </a:lnSpc>
+                      </a:pPr>
+                      <a:endParaRPr lang="en-IN" sz="1100" dirty="0">
+                        <a:effectLst/>
+                        <a:latin typeface="Times New Roman" panose="02020603050405020304" pitchFamily="18" charset="0"/>
+                        <a:ea typeface="Times New Roman" panose="02020603050405020304" pitchFamily="18" charset="0"/>
+                      </a:endParaRPr>
+                    </a:p>
+                    <a:p>
+                      <a:pPr>
+                        <a:lnSpc>
+                          <a:spcPts val="990"/>
+                        </a:lnSpc>
+                      </a:pPr>
+                      <a:endParaRPr lang="en-IN" sz="1100" dirty="0">
+                        <a:effectLst/>
+                        <a:latin typeface="Times New Roman" panose="02020603050405020304" pitchFamily="18" charset="0"/>
+                        <a:ea typeface="Times New Roman" panose="02020603050405020304" pitchFamily="18" charset="0"/>
+                      </a:endParaRPr>
+                    </a:p>
+                    <a:p>
+                      <a:pPr>
+                        <a:lnSpc>
+                          <a:spcPts val="990"/>
+                        </a:lnSpc>
+                      </a:pPr>
+                      <a:endParaRPr lang="en-IN" sz="1100" dirty="0">
+                        <a:effectLst/>
+                        <a:latin typeface="Times New Roman" panose="02020603050405020304" pitchFamily="18" charset="0"/>
+                        <a:ea typeface="Times New Roman" panose="02020603050405020304" pitchFamily="18" charset="0"/>
+                      </a:endParaRPr>
+                    </a:p>
+                    <a:p>
+                      <a:pPr>
+                        <a:lnSpc>
+                          <a:spcPts val="990"/>
+                        </a:lnSpc>
+                      </a:pPr>
+                      <a:r>
+                        <a:rPr lang="en-IN" sz="1100" dirty="0">
+                          <a:effectLst/>
+                          <a:latin typeface="Times New Roman" panose="02020603050405020304" pitchFamily="18" charset="0"/>
+                          <a:ea typeface="Times New Roman" panose="02020603050405020304" pitchFamily="18" charset="0"/>
+                        </a:rPr>
+                        <a:t>           </a:t>
+                      </a:r>
+                      <a:r>
+                        <a:rPr lang="en-IN" sz="1100" dirty="0">
+                          <a:effectLst/>
+                          <a:latin typeface="+mn-lt"/>
+                          <a:ea typeface="Times New Roman" panose="02020603050405020304" pitchFamily="18" charset="0"/>
+                        </a:rPr>
+                        <a:t>YES</a:t>
+                      </a:r>
+                      <a:endParaRPr lang="en-IN" sz="1100" dirty="0">
+                        <a:effectLst/>
+                        <a:latin typeface="Times New Roman" panose="02020603050405020304" pitchFamily="18" charset="0"/>
+                        <a:ea typeface="Times New Roman" panose="02020603050405020304" pitchFamily="18" charset="0"/>
+                      </a:endParaRPr>
+                    </a:p>
+                  </a:txBody>
+                  <a:tcPr marL="0" marR="0" marT="0" marB="0"/>
+                </a:tc>
+                <a:tc>
+                  <a:txBody>
+                    <a:bodyPr/>
+                    <a:lstStyle/>
+                    <a:p>
+                      <a:pPr>
+                        <a:lnSpc>
+                          <a:spcPts val="990"/>
+                        </a:lnSpc>
+                      </a:pPr>
+                      <a:r>
+                        <a:rPr lang="en-IN" sz="1100" dirty="0">
+                          <a:effectLst/>
+                        </a:rPr>
+                        <a:t>             No</a:t>
+                      </a:r>
+                      <a:endParaRPr lang="en-IN" sz="1100" dirty="0">
+                        <a:effectLst/>
+                        <a:latin typeface="Times New Roman" panose="02020603050405020304" pitchFamily="18" charset="0"/>
+                        <a:ea typeface="Times New Roman" panose="02020603050405020304" pitchFamily="18" charset="0"/>
+                      </a:endParaRPr>
+                    </a:p>
+                  </a:txBody>
+                  <a:tcPr marL="0" marR="0" marT="0" marB="0" anchor="b"/>
+                </a:tc>
+                <a:tc>
+                  <a:txBody>
+                    <a:bodyPr/>
+                    <a:lstStyle/>
+                    <a:p>
+                      <a:r>
+                        <a:rPr lang="en-IN" sz="1100">
+                          <a:effectLst/>
+                        </a:rPr>
+                        <a:t> </a:t>
+                      </a:r>
+                      <a:endParaRPr lang="en-IN" sz="1100">
+                        <a:effectLst/>
+                        <a:latin typeface="Times New Roman" panose="02020603050405020304" pitchFamily="18" charset="0"/>
+                        <a:ea typeface="Times New Roman" panose="02020603050405020304" pitchFamily="18" charset="0"/>
+                      </a:endParaRPr>
+                    </a:p>
+                  </a:txBody>
+                  <a:tcPr marL="0" marR="0" marT="0" marB="0" anchor="b"/>
+                </a:tc>
+                <a:tc>
+                  <a:txBody>
+                    <a:bodyPr/>
+                    <a:lstStyle/>
+                    <a:p>
+                      <a:r>
+                        <a:rPr lang="en-IN" sz="1100">
+                          <a:effectLst/>
+                        </a:rPr>
+                        <a:t> Service name</a:t>
+                      </a:r>
+                      <a:endParaRPr lang="en-IN" sz="1100">
+                        <a:effectLst/>
+                        <a:latin typeface="Times New Roman" panose="02020603050405020304" pitchFamily="18" charset="0"/>
+                        <a:ea typeface="Times New Roman" panose="02020603050405020304" pitchFamily="18" charset="0"/>
+                      </a:endParaRPr>
+                    </a:p>
+                  </a:txBody>
+                  <a:tcPr marL="0" marR="0" marT="0" marB="0" anchor="b"/>
+                </a:tc>
+                <a:extLst>
+                  <a:ext uri="{0D108BD9-81ED-4DB2-BD59-A6C34878D82A}">
+                    <a16:rowId xmlns:a16="http://schemas.microsoft.com/office/drawing/2014/main" val="4175583262"/>
+                  </a:ext>
+                </a:extLst>
+              </a:tr>
+              <a:tr h="712562">
+                <a:tc>
+                  <a:txBody>
+                    <a:bodyPr/>
+                    <a:lstStyle/>
+                    <a:p>
+                      <a:pPr marL="38100">
+                        <a:lnSpc>
+                          <a:spcPts val="1025"/>
+                        </a:lnSpc>
+                      </a:pPr>
+                      <a:endParaRPr lang="en-IN" sz="1100" dirty="0">
+                        <a:effectLst/>
+                        <a:latin typeface="Times New Roman" panose="02020603050405020304" pitchFamily="18" charset="0"/>
+                        <a:ea typeface="Times New Roman" panose="02020603050405020304" pitchFamily="18" charset="0"/>
+                      </a:endParaRPr>
+                    </a:p>
+                    <a:p>
+                      <a:pPr marL="38100">
+                        <a:lnSpc>
+                          <a:spcPts val="1025"/>
+                        </a:lnSpc>
+                      </a:pPr>
+                      <a:endParaRPr lang="en-IN" sz="1100" dirty="0">
+                        <a:effectLst/>
+                        <a:latin typeface="Times New Roman" panose="02020603050405020304" pitchFamily="18" charset="0"/>
+                        <a:ea typeface="Times New Roman" panose="02020603050405020304" pitchFamily="18" charset="0"/>
+                      </a:endParaRPr>
+                    </a:p>
+                    <a:p>
+                      <a:pPr marL="38100">
+                        <a:lnSpc>
+                          <a:spcPts val="1025"/>
+                        </a:lnSpc>
+                      </a:pPr>
+                      <a:endParaRPr lang="en-IN" sz="1100" dirty="0">
+                        <a:effectLst/>
+                        <a:latin typeface="Times New Roman" panose="02020603050405020304" pitchFamily="18" charset="0"/>
+                        <a:ea typeface="Times New Roman" panose="02020603050405020304" pitchFamily="18" charset="0"/>
+                      </a:endParaRPr>
+                    </a:p>
+                    <a:p>
+                      <a:pPr marL="38100">
+                        <a:lnSpc>
+                          <a:spcPts val="1025"/>
+                        </a:lnSpc>
+                      </a:pPr>
+                      <a:endParaRPr lang="en-IN" sz="1100" dirty="0">
+                        <a:effectLst/>
+                        <a:latin typeface="Times New Roman" panose="02020603050405020304" pitchFamily="18" charset="0"/>
+                        <a:ea typeface="Times New Roman" panose="02020603050405020304" pitchFamily="18" charset="0"/>
+                      </a:endParaRPr>
+                    </a:p>
+                    <a:p>
+                      <a:pPr marL="38100">
+                        <a:lnSpc>
+                          <a:spcPts val="1025"/>
+                        </a:lnSpc>
+                      </a:pPr>
+                      <a:r>
+                        <a:rPr lang="en-IN" sz="1100" dirty="0">
+                          <a:effectLst/>
+                          <a:latin typeface="+mn-lt"/>
+                          <a:ea typeface="Times New Roman" panose="02020603050405020304" pitchFamily="18" charset="0"/>
+                        </a:rPr>
+                        <a:t>  service</a:t>
+                      </a:r>
+                      <a:endParaRPr lang="en-IN" sz="1100" dirty="0">
+                        <a:effectLst/>
+                        <a:latin typeface="Times New Roman" panose="02020603050405020304" pitchFamily="18" charset="0"/>
+                        <a:ea typeface="Times New Roman" panose="02020603050405020304" pitchFamily="18" charset="0"/>
+                      </a:endParaRPr>
+                    </a:p>
+                  </a:txBody>
+                  <a:tcPr marL="0" marR="0" marT="0" marB="0"/>
+                </a:tc>
+                <a:tc>
+                  <a:txBody>
+                    <a:bodyPr/>
+                    <a:lstStyle/>
+                    <a:p>
+                      <a:pPr marL="38100">
+                        <a:lnSpc>
+                          <a:spcPts val="1025"/>
+                        </a:lnSpc>
+                      </a:pPr>
+                      <a:r>
+                        <a:rPr lang="en-IN" sz="1100" dirty="0">
+                          <a:effectLst/>
+                        </a:rPr>
+                        <a:t>  </a:t>
+                      </a:r>
+                      <a:r>
+                        <a:rPr lang="en-IN" sz="1100" dirty="0" err="1">
+                          <a:effectLst/>
+                        </a:rPr>
+                        <a:t>s_price</a:t>
+                      </a:r>
+                      <a:endParaRPr lang="en-IN" sz="1100" dirty="0">
+                        <a:effectLst/>
+                        <a:latin typeface="Times New Roman" panose="02020603050405020304" pitchFamily="18" charset="0"/>
+                        <a:ea typeface="Times New Roman" panose="02020603050405020304" pitchFamily="18" charset="0"/>
+                      </a:endParaRPr>
+                    </a:p>
+                  </a:txBody>
+                  <a:tcPr marL="0" marR="0" marT="0" marB="0" anchor="b"/>
+                </a:tc>
+                <a:tc>
+                  <a:txBody>
+                    <a:bodyPr/>
+                    <a:lstStyle/>
+                    <a:p>
+                      <a:pPr>
+                        <a:lnSpc>
+                          <a:spcPts val="1025"/>
+                        </a:lnSpc>
+                      </a:pPr>
+                      <a:r>
+                        <a:rPr lang="en-IN" sz="1100" dirty="0">
+                          <a:effectLst/>
+                        </a:rPr>
+                        <a:t>  int(10)</a:t>
+                      </a:r>
+                      <a:endParaRPr lang="en-IN" sz="1100" dirty="0">
+                        <a:effectLst/>
+                        <a:latin typeface="Times New Roman" panose="02020603050405020304" pitchFamily="18" charset="0"/>
+                        <a:ea typeface="Times New Roman" panose="02020603050405020304" pitchFamily="18" charset="0"/>
+                      </a:endParaRPr>
+                    </a:p>
+                  </a:txBody>
+                  <a:tcPr marL="0" marR="0" marT="0" marB="0" anchor="b"/>
+                </a:tc>
+                <a:tc>
+                  <a:txBody>
+                    <a:bodyPr/>
+                    <a:lstStyle/>
+                    <a:p>
+                      <a:pPr>
+                        <a:lnSpc>
+                          <a:spcPts val="1025"/>
+                        </a:lnSpc>
+                      </a:pPr>
+                      <a:r>
+                        <a:rPr lang="en-IN" sz="1100">
+                          <a:effectLst/>
+                        </a:rPr>
+                        <a:t> </a:t>
+                      </a:r>
+                      <a:endParaRPr lang="en-IN" sz="1100">
+                        <a:effectLst/>
+                        <a:latin typeface="Times New Roman" panose="02020603050405020304" pitchFamily="18" charset="0"/>
+                        <a:ea typeface="Times New Roman" panose="02020603050405020304" pitchFamily="18" charset="0"/>
+                      </a:endParaRPr>
+                    </a:p>
+                  </a:txBody>
+                  <a:tcPr marL="0" marR="0" marT="0" marB="0"/>
+                </a:tc>
+                <a:tc>
+                  <a:txBody>
+                    <a:bodyPr/>
+                    <a:lstStyle/>
+                    <a:p>
+                      <a:pPr>
+                        <a:lnSpc>
+                          <a:spcPts val="1025"/>
+                        </a:lnSpc>
+                      </a:pPr>
+                      <a:r>
+                        <a:rPr lang="en-IN" sz="1100" dirty="0">
+                          <a:effectLst/>
+                        </a:rPr>
+                        <a:t>            Yes</a:t>
+                      </a:r>
+                      <a:endParaRPr lang="en-IN" sz="1100" dirty="0">
+                        <a:effectLst/>
+                        <a:latin typeface="Times New Roman" panose="02020603050405020304" pitchFamily="18" charset="0"/>
+                        <a:ea typeface="Times New Roman" panose="02020603050405020304" pitchFamily="18" charset="0"/>
+                      </a:endParaRPr>
+                    </a:p>
+                  </a:txBody>
+                  <a:tcPr marL="0" marR="0" marT="0" marB="0" anchor="b"/>
+                </a:tc>
+                <a:tc>
+                  <a:txBody>
+                    <a:bodyPr/>
+                    <a:lstStyle/>
+                    <a:p>
+                      <a:pPr>
+                        <a:lnSpc>
+                          <a:spcPts val="1025"/>
+                        </a:lnSpc>
+                      </a:pPr>
+                      <a:r>
+                        <a:rPr lang="en-IN" sz="1100" dirty="0">
+                          <a:effectLst/>
+                        </a:rPr>
+                        <a:t>  NULL</a:t>
+                      </a:r>
+                      <a:endParaRPr lang="en-IN" sz="1100" dirty="0">
+                        <a:effectLst/>
+                        <a:latin typeface="Times New Roman" panose="02020603050405020304" pitchFamily="18" charset="0"/>
+                        <a:ea typeface="Times New Roman" panose="02020603050405020304" pitchFamily="18" charset="0"/>
+                      </a:endParaRPr>
+                    </a:p>
+                  </a:txBody>
+                  <a:tcPr marL="0" marR="0" marT="0" marB="0" anchor="b"/>
+                </a:tc>
+                <a:tc>
+                  <a:txBody>
+                    <a:bodyPr/>
+                    <a:lstStyle/>
+                    <a:p>
+                      <a:r>
+                        <a:rPr lang="en-IN" sz="1100" dirty="0">
+                          <a:effectLst/>
+                        </a:rPr>
+                        <a:t> Service minimum price</a:t>
+                      </a:r>
+                      <a:endParaRPr lang="en-IN" sz="1100" dirty="0">
+                        <a:effectLst/>
+                        <a:latin typeface="Times New Roman" panose="02020603050405020304" pitchFamily="18" charset="0"/>
+                        <a:ea typeface="Times New Roman" panose="02020603050405020304" pitchFamily="18" charset="0"/>
+                      </a:endParaRPr>
+                    </a:p>
+                  </a:txBody>
+                  <a:tcPr marL="0" marR="0" marT="0" marB="0" anchor="b"/>
+                </a:tc>
+                <a:extLst>
+                  <a:ext uri="{0D108BD9-81ED-4DB2-BD59-A6C34878D82A}">
+                    <a16:rowId xmlns:a16="http://schemas.microsoft.com/office/drawing/2014/main" val="2211820267"/>
+                  </a:ext>
+                </a:extLst>
+              </a:tr>
+              <a:tr h="712562">
+                <a:tc>
+                  <a:txBody>
+                    <a:bodyPr/>
+                    <a:lstStyle/>
+                    <a:p>
+                      <a:pPr marL="38100">
+                        <a:lnSpc>
+                          <a:spcPts val="1025"/>
+                        </a:lnSpc>
+                      </a:pPr>
+                      <a:endParaRPr lang="en-IN" sz="1100" dirty="0">
+                        <a:effectLst/>
+                      </a:endParaRPr>
+                    </a:p>
+                    <a:p>
+                      <a:pPr marL="38100">
+                        <a:lnSpc>
+                          <a:spcPts val="1025"/>
+                        </a:lnSpc>
+                      </a:pPr>
+                      <a:endParaRPr lang="en-IN" sz="1100" dirty="0">
+                        <a:effectLst/>
+                      </a:endParaRPr>
+                    </a:p>
+                    <a:p>
+                      <a:pPr marL="38100">
+                        <a:lnSpc>
+                          <a:spcPts val="1025"/>
+                        </a:lnSpc>
+                      </a:pPr>
+                      <a:endParaRPr lang="en-IN" sz="1100" dirty="0">
+                        <a:effectLst/>
+                      </a:endParaRPr>
+                    </a:p>
+                    <a:p>
+                      <a:pPr marL="38100">
+                        <a:lnSpc>
+                          <a:spcPts val="1025"/>
+                        </a:lnSpc>
+                      </a:pPr>
+                      <a:endParaRPr lang="en-IN" sz="1100" dirty="0">
+                        <a:effectLst/>
+                      </a:endParaRPr>
+                    </a:p>
+                    <a:p>
+                      <a:pPr marL="38100">
+                        <a:lnSpc>
+                          <a:spcPts val="1025"/>
+                        </a:lnSpc>
+                      </a:pPr>
+                      <a:r>
+                        <a:rPr lang="en-IN" sz="1100" dirty="0">
+                          <a:effectLst/>
+                        </a:rPr>
+                        <a:t>  service</a:t>
+                      </a:r>
+                      <a:endParaRPr lang="en-IN" sz="1100" dirty="0">
+                        <a:effectLst/>
+                        <a:latin typeface="Times New Roman" panose="02020603050405020304" pitchFamily="18" charset="0"/>
+                        <a:ea typeface="Times New Roman" panose="02020603050405020304" pitchFamily="18" charset="0"/>
+                      </a:endParaRPr>
+                    </a:p>
+                  </a:txBody>
+                  <a:tcPr marL="0" marR="0" marT="0" marB="0"/>
+                </a:tc>
+                <a:tc>
+                  <a:txBody>
+                    <a:bodyPr/>
+                    <a:lstStyle/>
+                    <a:p>
+                      <a:pPr marL="38100">
+                        <a:lnSpc>
+                          <a:spcPts val="1025"/>
+                        </a:lnSpc>
+                      </a:pPr>
+                      <a:r>
+                        <a:rPr lang="en-IN" sz="1100" dirty="0">
+                          <a:effectLst/>
+                        </a:rPr>
+                        <a:t>  </a:t>
+                      </a:r>
+                      <a:r>
+                        <a:rPr lang="en-IN" sz="1100" dirty="0" err="1">
+                          <a:effectLst/>
+                        </a:rPr>
+                        <a:t>s_desc</a:t>
+                      </a:r>
+                      <a:endParaRPr lang="en-IN" sz="1100" dirty="0">
+                        <a:effectLst/>
+                        <a:latin typeface="Times New Roman" panose="02020603050405020304" pitchFamily="18" charset="0"/>
+                        <a:ea typeface="Times New Roman" panose="02020603050405020304" pitchFamily="18" charset="0"/>
+                      </a:endParaRPr>
+                    </a:p>
+                  </a:txBody>
+                  <a:tcPr marL="0" marR="0" marT="0" marB="0" anchor="b"/>
+                </a:tc>
+                <a:tc>
+                  <a:txBody>
+                    <a:bodyPr/>
+                    <a:lstStyle/>
+                    <a:p>
+                      <a:pPr>
+                        <a:lnSpc>
+                          <a:spcPts val="1025"/>
+                        </a:lnSpc>
+                      </a:pPr>
+                      <a:r>
+                        <a:rPr lang="en-IN" sz="1100" dirty="0">
+                          <a:effectLst/>
+                        </a:rPr>
+                        <a:t>  text</a:t>
+                      </a:r>
+                      <a:endParaRPr lang="en-IN" sz="1100" dirty="0">
+                        <a:effectLst/>
+                        <a:latin typeface="Times New Roman" panose="02020603050405020304" pitchFamily="18" charset="0"/>
+                        <a:ea typeface="Times New Roman" panose="02020603050405020304" pitchFamily="18" charset="0"/>
+                      </a:endParaRPr>
+                    </a:p>
+                  </a:txBody>
+                  <a:tcPr marL="0" marR="0" marT="0" marB="0" anchor="b"/>
+                </a:tc>
+                <a:tc>
+                  <a:txBody>
+                    <a:bodyPr/>
+                    <a:lstStyle/>
+                    <a:p>
+                      <a:pPr>
+                        <a:lnSpc>
+                          <a:spcPts val="1025"/>
+                        </a:lnSpc>
+                      </a:pPr>
+                      <a:r>
+                        <a:rPr lang="en-IN" sz="1100">
+                          <a:effectLst/>
+                        </a:rPr>
+                        <a:t> </a:t>
+                      </a:r>
+                      <a:endParaRPr lang="en-IN" sz="1100">
+                        <a:effectLst/>
+                        <a:latin typeface="Times New Roman" panose="02020603050405020304" pitchFamily="18" charset="0"/>
+                        <a:ea typeface="Times New Roman" panose="02020603050405020304" pitchFamily="18" charset="0"/>
+                      </a:endParaRPr>
+                    </a:p>
+                  </a:txBody>
+                  <a:tcPr marL="0" marR="0" marT="0" marB="0"/>
+                </a:tc>
+                <a:tc>
+                  <a:txBody>
+                    <a:bodyPr/>
+                    <a:lstStyle/>
+                    <a:p>
+                      <a:pPr>
+                        <a:lnSpc>
+                          <a:spcPts val="1025"/>
+                        </a:lnSpc>
+                      </a:pPr>
+                      <a:r>
+                        <a:rPr lang="en-IN" sz="1100" dirty="0">
+                          <a:effectLst/>
+                        </a:rPr>
+                        <a:t>             No</a:t>
+                      </a:r>
+                      <a:endParaRPr lang="en-IN" sz="1100" dirty="0">
+                        <a:effectLst/>
+                        <a:latin typeface="Times New Roman" panose="02020603050405020304" pitchFamily="18" charset="0"/>
+                        <a:ea typeface="Times New Roman" panose="02020603050405020304" pitchFamily="18" charset="0"/>
+                      </a:endParaRPr>
+                    </a:p>
+                  </a:txBody>
+                  <a:tcPr marL="0" marR="0" marT="0" marB="0" anchor="b"/>
+                </a:tc>
+                <a:tc>
+                  <a:txBody>
+                    <a:bodyPr/>
+                    <a:lstStyle/>
+                    <a:p>
+                      <a:r>
+                        <a:rPr lang="en-IN" sz="1100">
+                          <a:effectLst/>
+                        </a:rPr>
+                        <a:t> </a:t>
+                      </a:r>
+                      <a:endParaRPr lang="en-IN" sz="1100">
+                        <a:effectLst/>
+                        <a:latin typeface="Times New Roman" panose="02020603050405020304" pitchFamily="18" charset="0"/>
+                        <a:ea typeface="Times New Roman" panose="02020603050405020304" pitchFamily="18" charset="0"/>
+                      </a:endParaRPr>
+                    </a:p>
+                  </a:txBody>
+                  <a:tcPr marL="0" marR="0" marT="0" marB="0" anchor="b"/>
+                </a:tc>
+                <a:tc>
+                  <a:txBody>
+                    <a:bodyPr/>
+                    <a:lstStyle/>
+                    <a:p>
+                      <a:r>
+                        <a:rPr lang="en-IN" sz="1100" dirty="0">
+                          <a:effectLst/>
+                        </a:rPr>
+                        <a:t> Service description</a:t>
+                      </a:r>
+                      <a:endParaRPr lang="en-IN" sz="1100" dirty="0">
+                        <a:effectLst/>
+                        <a:latin typeface="Times New Roman" panose="02020603050405020304" pitchFamily="18" charset="0"/>
+                        <a:ea typeface="Times New Roman" panose="02020603050405020304" pitchFamily="18" charset="0"/>
+                      </a:endParaRPr>
+                    </a:p>
+                  </a:txBody>
+                  <a:tcPr marL="0" marR="0" marT="0" marB="0" anchor="b"/>
+                </a:tc>
+                <a:extLst>
+                  <a:ext uri="{0D108BD9-81ED-4DB2-BD59-A6C34878D82A}">
+                    <a16:rowId xmlns:a16="http://schemas.microsoft.com/office/drawing/2014/main" val="3199814681"/>
+                  </a:ext>
+                </a:extLst>
+              </a:tr>
+              <a:tr h="712562">
+                <a:tc>
+                  <a:txBody>
+                    <a:bodyPr/>
+                    <a:lstStyle/>
+                    <a:p>
+                      <a:pPr marL="38100">
+                        <a:lnSpc>
+                          <a:spcPts val="1025"/>
+                        </a:lnSpc>
+                      </a:pPr>
+                      <a:endParaRPr lang="en-IN" sz="1100" dirty="0">
+                        <a:effectLst/>
+                      </a:endParaRPr>
+                    </a:p>
+                    <a:p>
+                      <a:pPr marL="38100">
+                        <a:lnSpc>
+                          <a:spcPts val="1025"/>
+                        </a:lnSpc>
+                      </a:pPr>
+                      <a:endParaRPr lang="en-IN" sz="1100" dirty="0">
+                        <a:effectLst/>
+                      </a:endParaRPr>
+                    </a:p>
+                    <a:p>
+                      <a:pPr marL="38100">
+                        <a:lnSpc>
+                          <a:spcPts val="1025"/>
+                        </a:lnSpc>
+                      </a:pPr>
+                      <a:endParaRPr lang="en-IN" sz="1100" dirty="0">
+                        <a:effectLst/>
+                      </a:endParaRPr>
+                    </a:p>
+                    <a:p>
+                      <a:pPr marL="38100">
+                        <a:lnSpc>
+                          <a:spcPts val="1025"/>
+                        </a:lnSpc>
+                      </a:pPr>
+                      <a:endParaRPr lang="en-IN" sz="1100" dirty="0">
+                        <a:effectLst/>
+                      </a:endParaRPr>
+                    </a:p>
+                    <a:p>
+                      <a:pPr marL="38100">
+                        <a:lnSpc>
+                          <a:spcPts val="1025"/>
+                        </a:lnSpc>
+                      </a:pPr>
+                      <a:r>
+                        <a:rPr lang="en-IN" sz="1100" dirty="0">
+                          <a:effectLst/>
+                        </a:rPr>
+                        <a:t>  service</a:t>
+                      </a:r>
+                      <a:endParaRPr lang="en-IN" sz="1100" dirty="0">
+                        <a:effectLst/>
+                        <a:latin typeface="Times New Roman" panose="02020603050405020304" pitchFamily="18" charset="0"/>
+                        <a:ea typeface="Times New Roman" panose="02020603050405020304" pitchFamily="18" charset="0"/>
+                      </a:endParaRPr>
+                    </a:p>
+                  </a:txBody>
+                  <a:tcPr marL="0" marR="0" marT="0" marB="0"/>
+                </a:tc>
+                <a:tc>
+                  <a:txBody>
+                    <a:bodyPr/>
+                    <a:lstStyle/>
+                    <a:p>
+                      <a:pPr marL="38100">
+                        <a:lnSpc>
+                          <a:spcPts val="1025"/>
+                        </a:lnSpc>
+                      </a:pPr>
+                      <a:r>
+                        <a:rPr lang="en-IN" sz="1100" dirty="0">
+                          <a:effectLst/>
+                        </a:rPr>
+                        <a:t>  </a:t>
+                      </a:r>
+                      <a:r>
+                        <a:rPr lang="en-IN" sz="1100" dirty="0" err="1">
+                          <a:effectLst/>
+                        </a:rPr>
+                        <a:t>s_img</a:t>
+                      </a:r>
+                      <a:endParaRPr lang="en-IN" sz="1100" dirty="0">
+                        <a:effectLst/>
+                        <a:latin typeface="Times New Roman" panose="02020603050405020304" pitchFamily="18" charset="0"/>
+                        <a:ea typeface="Times New Roman" panose="02020603050405020304" pitchFamily="18" charset="0"/>
+                      </a:endParaRPr>
+                    </a:p>
+                  </a:txBody>
+                  <a:tcPr marL="0" marR="0" marT="0" marB="0" anchor="b"/>
+                </a:tc>
+                <a:tc>
+                  <a:txBody>
+                    <a:bodyPr/>
+                    <a:lstStyle/>
+                    <a:p>
+                      <a:pPr>
+                        <a:lnSpc>
+                          <a:spcPts val="1025"/>
+                        </a:lnSpc>
+                      </a:pPr>
+                      <a:r>
+                        <a:rPr lang="en-IN" sz="1100" dirty="0">
+                          <a:effectLst/>
+                        </a:rPr>
+                        <a:t>  varchar(255)</a:t>
+                      </a:r>
+                      <a:endParaRPr lang="en-IN" sz="1100" dirty="0">
+                        <a:effectLst/>
+                        <a:latin typeface="Times New Roman" panose="02020603050405020304" pitchFamily="18" charset="0"/>
+                        <a:ea typeface="Times New Roman" panose="02020603050405020304" pitchFamily="18" charset="0"/>
+                      </a:endParaRPr>
+                    </a:p>
+                  </a:txBody>
+                  <a:tcPr marL="0" marR="0" marT="0" marB="0" anchor="b"/>
+                </a:tc>
+                <a:tc>
+                  <a:txBody>
+                    <a:bodyPr/>
+                    <a:lstStyle/>
+                    <a:p>
+                      <a:pPr>
+                        <a:lnSpc>
+                          <a:spcPts val="1025"/>
+                        </a:lnSpc>
+                      </a:pPr>
+                      <a:r>
+                        <a:rPr lang="en-IN" sz="1100">
+                          <a:effectLst/>
+                        </a:rPr>
+                        <a:t> </a:t>
+                      </a:r>
+                      <a:endParaRPr lang="en-IN" sz="1100">
+                        <a:effectLst/>
+                        <a:latin typeface="Times New Roman" panose="02020603050405020304" pitchFamily="18" charset="0"/>
+                        <a:ea typeface="Times New Roman" panose="02020603050405020304" pitchFamily="18" charset="0"/>
+                      </a:endParaRPr>
+                    </a:p>
+                  </a:txBody>
+                  <a:tcPr marL="0" marR="0" marT="0" marB="0"/>
+                </a:tc>
+                <a:tc>
+                  <a:txBody>
+                    <a:bodyPr/>
+                    <a:lstStyle/>
+                    <a:p>
+                      <a:pPr>
+                        <a:lnSpc>
+                          <a:spcPts val="1025"/>
+                        </a:lnSpc>
+                      </a:pPr>
+                      <a:r>
+                        <a:rPr lang="en-IN" sz="1100" dirty="0">
+                          <a:effectLst/>
+                        </a:rPr>
+                        <a:t>             Yes</a:t>
+                      </a:r>
+                      <a:endParaRPr lang="en-IN" sz="1100" dirty="0">
+                        <a:effectLst/>
+                        <a:latin typeface="Times New Roman" panose="02020603050405020304" pitchFamily="18" charset="0"/>
+                        <a:ea typeface="Times New Roman" panose="02020603050405020304" pitchFamily="18" charset="0"/>
+                      </a:endParaRPr>
+                    </a:p>
+                  </a:txBody>
+                  <a:tcPr marL="0" marR="0" marT="0" marB="0" anchor="b"/>
+                </a:tc>
+                <a:tc>
+                  <a:txBody>
+                    <a:bodyPr/>
+                    <a:lstStyle/>
+                    <a:p>
+                      <a:pPr>
+                        <a:lnSpc>
+                          <a:spcPts val="1025"/>
+                        </a:lnSpc>
+                      </a:pPr>
+                      <a:r>
+                        <a:rPr lang="en-IN" sz="1100" dirty="0">
+                          <a:effectLst/>
+                        </a:rPr>
+                        <a:t>  NULL</a:t>
+                      </a:r>
+                      <a:endParaRPr lang="en-IN" sz="1100" dirty="0">
+                        <a:effectLst/>
+                        <a:latin typeface="Times New Roman" panose="02020603050405020304" pitchFamily="18" charset="0"/>
+                        <a:ea typeface="Times New Roman" panose="02020603050405020304" pitchFamily="18" charset="0"/>
+                      </a:endParaRPr>
+                    </a:p>
+                  </a:txBody>
+                  <a:tcPr marL="0" marR="0" marT="0" marB="0" anchor="b"/>
+                </a:tc>
+                <a:tc>
+                  <a:txBody>
+                    <a:bodyPr/>
+                    <a:lstStyle/>
+                    <a:p>
+                      <a:r>
+                        <a:rPr lang="en-IN" sz="1100">
+                          <a:effectLst/>
+                        </a:rPr>
+                        <a:t> Service demo images</a:t>
+                      </a:r>
+                      <a:endParaRPr lang="en-IN" sz="1100">
+                        <a:effectLst/>
+                        <a:latin typeface="Times New Roman" panose="02020603050405020304" pitchFamily="18" charset="0"/>
+                        <a:ea typeface="Times New Roman" panose="02020603050405020304" pitchFamily="18" charset="0"/>
+                      </a:endParaRPr>
+                    </a:p>
+                  </a:txBody>
+                  <a:tcPr marL="0" marR="0" marT="0" marB="0" anchor="b"/>
+                </a:tc>
+                <a:extLst>
+                  <a:ext uri="{0D108BD9-81ED-4DB2-BD59-A6C34878D82A}">
+                    <a16:rowId xmlns:a16="http://schemas.microsoft.com/office/drawing/2014/main" val="162581445"/>
+                  </a:ext>
+                </a:extLst>
+              </a:tr>
+              <a:tr h="712562">
+                <a:tc>
+                  <a:txBody>
+                    <a:bodyPr/>
+                    <a:lstStyle/>
+                    <a:p>
+                      <a:pPr marL="38100">
+                        <a:lnSpc>
+                          <a:spcPts val="1025"/>
+                        </a:lnSpc>
+                      </a:pPr>
+                      <a:r>
+                        <a:rPr lang="en-IN" sz="1100" dirty="0">
+                          <a:effectLst/>
+                        </a:rPr>
+                        <a:t> </a:t>
+                      </a:r>
+                    </a:p>
+                    <a:p>
+                      <a:pPr marL="38100">
+                        <a:lnSpc>
+                          <a:spcPts val="1025"/>
+                        </a:lnSpc>
+                      </a:pPr>
+                      <a:endParaRPr lang="en-IN" sz="1100" dirty="0">
+                        <a:effectLst/>
+                      </a:endParaRPr>
+                    </a:p>
+                    <a:p>
+                      <a:pPr marL="38100">
+                        <a:lnSpc>
+                          <a:spcPts val="1025"/>
+                        </a:lnSpc>
+                      </a:pPr>
+                      <a:endParaRPr lang="en-IN" sz="1100" dirty="0">
+                        <a:effectLst/>
+                      </a:endParaRPr>
+                    </a:p>
+                    <a:p>
+                      <a:pPr marL="38100">
+                        <a:lnSpc>
+                          <a:spcPts val="1025"/>
+                        </a:lnSpc>
+                      </a:pPr>
+                      <a:endParaRPr lang="en-IN" sz="1100" dirty="0">
+                        <a:effectLst/>
+                      </a:endParaRPr>
+                    </a:p>
+                    <a:p>
+                      <a:pPr marL="38100">
+                        <a:lnSpc>
+                          <a:spcPts val="1025"/>
+                        </a:lnSpc>
+                      </a:pPr>
+                      <a:r>
+                        <a:rPr lang="en-IN" sz="1100" dirty="0">
+                          <a:effectLst/>
+                        </a:rPr>
+                        <a:t>  service</a:t>
+                      </a:r>
+                      <a:endParaRPr lang="en-IN" sz="1100" dirty="0">
+                        <a:effectLst/>
+                        <a:latin typeface="Times New Roman" panose="02020603050405020304" pitchFamily="18" charset="0"/>
+                        <a:ea typeface="Times New Roman" panose="02020603050405020304" pitchFamily="18" charset="0"/>
+                      </a:endParaRPr>
+                    </a:p>
+                  </a:txBody>
+                  <a:tcPr marL="0" marR="0" marT="0" marB="0"/>
+                </a:tc>
+                <a:tc>
+                  <a:txBody>
+                    <a:bodyPr/>
+                    <a:lstStyle/>
+                    <a:p>
+                      <a:pPr marL="38100">
+                        <a:lnSpc>
+                          <a:spcPts val="1025"/>
+                        </a:lnSpc>
+                      </a:pPr>
+                      <a:r>
+                        <a:rPr lang="en-IN" sz="1100" dirty="0">
+                          <a:effectLst/>
+                        </a:rPr>
+                        <a:t>  </a:t>
+                      </a:r>
+                      <a:r>
+                        <a:rPr lang="en-IN" sz="1100" dirty="0" err="1">
+                          <a:effectLst/>
+                        </a:rPr>
+                        <a:t>No_sp</a:t>
+                      </a:r>
+                      <a:endParaRPr lang="en-IN" sz="1100" dirty="0">
+                        <a:effectLst/>
+                        <a:latin typeface="Times New Roman" panose="02020603050405020304" pitchFamily="18" charset="0"/>
+                        <a:ea typeface="Times New Roman" panose="02020603050405020304" pitchFamily="18" charset="0"/>
+                      </a:endParaRPr>
+                    </a:p>
+                  </a:txBody>
+                  <a:tcPr marL="0" marR="0" marT="0" marB="0" anchor="b"/>
+                </a:tc>
+                <a:tc>
+                  <a:txBody>
+                    <a:bodyPr/>
+                    <a:lstStyle/>
+                    <a:p>
+                      <a:pPr>
+                        <a:lnSpc>
+                          <a:spcPts val="1025"/>
+                        </a:lnSpc>
+                      </a:pPr>
+                      <a:r>
+                        <a:rPr lang="en-IN" sz="1100" dirty="0">
+                          <a:effectLst/>
+                        </a:rPr>
+                        <a:t>  int(11)</a:t>
+                      </a:r>
+                      <a:endParaRPr lang="en-IN" sz="1100" dirty="0">
+                        <a:effectLst/>
+                        <a:latin typeface="Times New Roman" panose="02020603050405020304" pitchFamily="18" charset="0"/>
+                        <a:ea typeface="Times New Roman" panose="02020603050405020304" pitchFamily="18" charset="0"/>
+                      </a:endParaRPr>
+                    </a:p>
+                  </a:txBody>
+                  <a:tcPr marL="0" marR="0" marT="0" marB="0" anchor="b"/>
+                </a:tc>
+                <a:tc>
+                  <a:txBody>
+                    <a:bodyPr/>
+                    <a:lstStyle/>
+                    <a:p>
+                      <a:pPr>
+                        <a:lnSpc>
+                          <a:spcPts val="1025"/>
+                        </a:lnSpc>
+                      </a:pPr>
+                      <a:r>
+                        <a:rPr lang="en-IN" sz="1100" dirty="0">
+                          <a:effectLst/>
+                        </a:rPr>
+                        <a:t>         </a:t>
+                      </a:r>
+                      <a:endParaRPr lang="en-IN" sz="1100" dirty="0">
+                        <a:effectLst/>
+                        <a:latin typeface="Times New Roman" panose="02020603050405020304" pitchFamily="18" charset="0"/>
+                        <a:ea typeface="Times New Roman" panose="02020603050405020304" pitchFamily="18" charset="0"/>
+                      </a:endParaRPr>
+                    </a:p>
+                  </a:txBody>
+                  <a:tcPr marL="0" marR="0" marT="0" marB="0"/>
+                </a:tc>
+                <a:tc>
+                  <a:txBody>
+                    <a:bodyPr/>
+                    <a:lstStyle/>
+                    <a:p>
+                      <a:pPr>
+                        <a:lnSpc>
+                          <a:spcPts val="1025"/>
+                        </a:lnSpc>
+                      </a:pPr>
+                      <a:r>
+                        <a:rPr lang="en-IN" sz="1100" dirty="0">
+                          <a:effectLst/>
+                        </a:rPr>
+                        <a:t>             No</a:t>
+                      </a:r>
+                      <a:endParaRPr lang="en-IN" sz="1100" dirty="0">
+                        <a:effectLst/>
+                        <a:latin typeface="Times New Roman" panose="02020603050405020304" pitchFamily="18" charset="0"/>
+                        <a:ea typeface="Times New Roman" panose="02020603050405020304" pitchFamily="18" charset="0"/>
+                      </a:endParaRPr>
+                    </a:p>
+                  </a:txBody>
+                  <a:tcPr marL="0" marR="0" marT="0" marB="0" anchor="b"/>
+                </a:tc>
+                <a:tc>
+                  <a:txBody>
+                    <a:bodyPr/>
+                    <a:lstStyle/>
+                    <a:p>
+                      <a:pPr>
+                        <a:lnSpc>
+                          <a:spcPts val="1025"/>
+                        </a:lnSpc>
+                      </a:pPr>
+                      <a:r>
+                        <a:rPr lang="en-IN" sz="1100" dirty="0">
+                          <a:effectLst/>
+                        </a:rPr>
+                        <a:t>  0</a:t>
+                      </a:r>
+                      <a:endParaRPr lang="en-IN" sz="1100" dirty="0">
+                        <a:effectLst/>
+                        <a:latin typeface="Times New Roman" panose="02020603050405020304" pitchFamily="18" charset="0"/>
+                        <a:ea typeface="Times New Roman" panose="02020603050405020304" pitchFamily="18" charset="0"/>
+                      </a:endParaRPr>
+                    </a:p>
+                  </a:txBody>
+                  <a:tcPr marL="0" marR="0" marT="0" marB="0" anchor="b"/>
+                </a:tc>
+                <a:tc>
+                  <a:txBody>
+                    <a:bodyPr/>
+                    <a:lstStyle/>
+                    <a:p>
+                      <a:r>
+                        <a:rPr lang="en-IN" sz="1100" dirty="0">
+                          <a:effectLst/>
+                        </a:rPr>
+                        <a:t> Number of service provider in service </a:t>
+                      </a:r>
+                      <a:endParaRPr lang="en-IN" sz="1100" dirty="0">
+                        <a:effectLst/>
+                        <a:latin typeface="Times New Roman" panose="02020603050405020304" pitchFamily="18" charset="0"/>
+                        <a:ea typeface="Times New Roman" panose="02020603050405020304" pitchFamily="18" charset="0"/>
+                      </a:endParaRPr>
+                    </a:p>
+                  </a:txBody>
+                  <a:tcPr marL="0" marR="0" marT="0" marB="0" anchor="b"/>
+                </a:tc>
+                <a:extLst>
+                  <a:ext uri="{0D108BD9-81ED-4DB2-BD59-A6C34878D82A}">
+                    <a16:rowId xmlns:a16="http://schemas.microsoft.com/office/drawing/2014/main" val="1120416306"/>
+                  </a:ext>
+                </a:extLst>
+              </a:tr>
+            </a:tbl>
+          </a:graphicData>
+        </a:graphic>
+      </p:graphicFrame>
+    </p:spTree>
+    <p:extLst>
+      <p:ext uri="{BB962C8B-B14F-4D97-AF65-F5344CB8AC3E}">
+        <p14:creationId xmlns:p14="http://schemas.microsoft.com/office/powerpoint/2010/main" val="434523087"/>
+      </p:ext>
+    </p:extLst>
+  </p:cSld>
+  <p:clrMapOvr>
+    <a:masterClrMapping/>
+  </p:clrMapOvr>
+</p:sld>
+</file>
+
+<file path=ppt/slides/slide12.xml><?xml version="1.0" encoding="utf-8"?>
+<p:sld xmlns:a="http://schemas.openxmlformats.org/drawingml/2006/main" xmlns:r="http://schemas.openxmlformats.org/officeDocument/2006/relationships" xmlns:p="http://schemas.openxmlformats.org/presentationml/2006/main">
+  <p:cSld>
+    <p:spTree>
+      <p:nvGrpSpPr>
+        <p:cNvPr id="1" name=""/>
+        <p:cNvGrpSpPr/>
+        <p:nvPr/>
+      </p:nvGrpSpPr>
+      <p:grpSpPr>
+        <a:xfrm>
+          <a:off x="0" y="0"/>
+          <a:ext cx="0" cy="0"/>
+          <a:chOff x="0" y="0"/>
+          <a:chExt cx="0" cy="0"/>
+        </a:xfrm>
+      </p:grpSpPr>
+      <p:graphicFrame>
+        <p:nvGraphicFramePr>
+          <p:cNvPr id="2" name="Table 1">
+            <a:extLst>
+              <a:ext uri="{FF2B5EF4-FFF2-40B4-BE49-F238E27FC236}">
+                <a16:creationId xmlns:a16="http://schemas.microsoft.com/office/drawing/2014/main" id="{B93C415B-9543-4516-B5E0-2A5449255B20}"/>
+              </a:ext>
+            </a:extLst>
+          </p:cNvPr>
+          <p:cNvGraphicFramePr>
+            <a:graphicFrameLocks noGrp="1"/>
+          </p:cNvGraphicFramePr>
+          <p:nvPr>
+            <p:extLst>
+              <p:ext uri="{D42A27DB-BD31-4B8C-83A1-F6EECF244321}">
+                <p14:modId xmlns:p14="http://schemas.microsoft.com/office/powerpoint/2010/main" val="3118419454"/>
+              </p:ext>
+            </p:extLst>
+          </p:nvPr>
+        </p:nvGraphicFramePr>
+        <p:xfrm>
+          <a:off x="777240" y="470647"/>
+          <a:ext cx="10744199" cy="5688108"/>
+        </p:xfrm>
+        <a:graphic>
+          <a:graphicData uri="http://schemas.openxmlformats.org/drawingml/2006/table">
+            <a:tbl>
+              <a:tblPr firstRow="1" firstCol="1" bandRow="1">
+                <a:tableStyleId>{5C22544A-7EE6-4342-B048-85BDC9FD1C3A}</a:tableStyleId>
+              </a:tblPr>
+              <a:tblGrid>
+                <a:gridCol w="1760220">
+                  <a:extLst>
+                    <a:ext uri="{9D8B030D-6E8A-4147-A177-3AD203B41FA5}">
+                      <a16:colId xmlns:a16="http://schemas.microsoft.com/office/drawing/2014/main" val="2967959992"/>
+                    </a:ext>
+                  </a:extLst>
+                </a:gridCol>
+                <a:gridCol w="1392627">
+                  <a:extLst>
+                    <a:ext uri="{9D8B030D-6E8A-4147-A177-3AD203B41FA5}">
+                      <a16:colId xmlns:a16="http://schemas.microsoft.com/office/drawing/2014/main" val="1054144634"/>
+                    </a:ext>
+                  </a:extLst>
+                </a:gridCol>
+                <a:gridCol w="1355919">
+                  <a:extLst>
+                    <a:ext uri="{9D8B030D-6E8A-4147-A177-3AD203B41FA5}">
+                      <a16:colId xmlns:a16="http://schemas.microsoft.com/office/drawing/2014/main" val="983084356"/>
+                    </a:ext>
+                  </a:extLst>
+                </a:gridCol>
+                <a:gridCol w="1190727">
+                  <a:extLst>
+                    <a:ext uri="{9D8B030D-6E8A-4147-A177-3AD203B41FA5}">
+                      <a16:colId xmlns:a16="http://schemas.microsoft.com/office/drawing/2014/main" val="930429897"/>
+                    </a:ext>
+                  </a:extLst>
+                </a:gridCol>
+                <a:gridCol w="1227087">
+                  <a:extLst>
+                    <a:ext uri="{9D8B030D-6E8A-4147-A177-3AD203B41FA5}">
+                      <a16:colId xmlns:a16="http://schemas.microsoft.com/office/drawing/2014/main" val="1500470585"/>
+                    </a:ext>
+                  </a:extLst>
+                </a:gridCol>
+                <a:gridCol w="1531620">
+                  <a:extLst>
+                    <a:ext uri="{9D8B030D-6E8A-4147-A177-3AD203B41FA5}">
+                      <a16:colId xmlns:a16="http://schemas.microsoft.com/office/drawing/2014/main" val="712571980"/>
+                    </a:ext>
+                  </a:extLst>
+                </a:gridCol>
+                <a:gridCol w="2285999">
+                  <a:extLst>
+                    <a:ext uri="{9D8B030D-6E8A-4147-A177-3AD203B41FA5}">
+                      <a16:colId xmlns:a16="http://schemas.microsoft.com/office/drawing/2014/main" val="3351851831"/>
+                    </a:ext>
+                  </a:extLst>
+                </a:gridCol>
+              </a:tblGrid>
+              <a:tr h="868903">
+                <a:tc>
+                  <a:txBody>
+                    <a:bodyPr/>
+                    <a:lstStyle/>
+                    <a:p>
+                      <a:pPr marL="12700" algn="ctr"/>
+                      <a:r>
+                        <a:rPr lang="en-IN" sz="1200" dirty="0">
+                          <a:effectLst/>
+                        </a:rPr>
+                        <a:t> </a:t>
+                      </a:r>
+                      <a:endParaRPr lang="en-IN" sz="1100" dirty="0">
+                        <a:effectLst/>
+                      </a:endParaRPr>
+                    </a:p>
+                    <a:p>
+                      <a:pPr marL="12700" algn="ctr"/>
+                      <a:endParaRPr lang="en-IN" sz="1200" dirty="0">
+                        <a:effectLst/>
+                      </a:endParaRPr>
+                    </a:p>
+                    <a:p>
+                      <a:pPr marL="12700" algn="ctr"/>
+                      <a:r>
+                        <a:rPr lang="en-IN" sz="1200" dirty="0">
+                          <a:effectLst/>
+                        </a:rPr>
+                        <a:t> </a:t>
+                      </a:r>
+                      <a:endParaRPr lang="en-IN" sz="1100" dirty="0">
+                        <a:effectLst/>
+                      </a:endParaRPr>
+                    </a:p>
+                    <a:p>
+                      <a:pPr marL="12700" algn="ctr"/>
+                      <a:r>
+                        <a:rPr lang="en-IN" sz="1200" dirty="0">
+                          <a:effectLst/>
+                        </a:rPr>
+                        <a:t>Table</a:t>
+                      </a:r>
+                      <a:endParaRPr lang="en-IN" sz="1100" dirty="0">
+                        <a:effectLst/>
+                        <a:latin typeface="Times New Roman" panose="02020603050405020304" pitchFamily="18" charset="0"/>
+                        <a:ea typeface="Times New Roman" panose="02020603050405020304" pitchFamily="18" charset="0"/>
+                      </a:endParaRPr>
+                    </a:p>
+                  </a:txBody>
+                  <a:tcPr marL="0" marR="0" marT="0" marB="0"/>
+                </a:tc>
+                <a:tc>
+                  <a:txBody>
+                    <a:bodyPr/>
+                    <a:lstStyle/>
+                    <a:p>
+                      <a:pPr marL="12700" algn="ctr"/>
+                      <a:r>
+                        <a:rPr lang="en-IN" sz="1200">
+                          <a:effectLst/>
+                        </a:rPr>
+                        <a:t>Column</a:t>
+                      </a:r>
+                      <a:endParaRPr lang="en-IN" sz="1100">
+                        <a:effectLst/>
+                        <a:latin typeface="Times New Roman" panose="02020603050405020304" pitchFamily="18" charset="0"/>
+                        <a:ea typeface="Times New Roman" panose="02020603050405020304" pitchFamily="18" charset="0"/>
+                      </a:endParaRPr>
+                    </a:p>
+                  </a:txBody>
+                  <a:tcPr marL="0" marR="0" marT="0" marB="0" anchor="b"/>
+                </a:tc>
+                <a:tc>
+                  <a:txBody>
+                    <a:bodyPr/>
+                    <a:lstStyle/>
+                    <a:p>
+                      <a:pPr algn="ctr"/>
+                      <a:r>
+                        <a:rPr lang="en-IN" sz="1200">
+                          <a:effectLst/>
+                        </a:rPr>
+                        <a:t>Data Type</a:t>
+                      </a:r>
+                      <a:endParaRPr lang="en-IN" sz="1100">
+                        <a:effectLst/>
+                        <a:latin typeface="Times New Roman" panose="02020603050405020304" pitchFamily="18" charset="0"/>
+                        <a:ea typeface="Times New Roman" panose="02020603050405020304" pitchFamily="18" charset="0"/>
+                      </a:endParaRPr>
+                    </a:p>
+                  </a:txBody>
+                  <a:tcPr marL="0" marR="0" marT="0" marB="0" anchor="b"/>
+                </a:tc>
+                <a:tc>
+                  <a:txBody>
+                    <a:bodyPr/>
+                    <a:lstStyle/>
+                    <a:p>
+                      <a:pPr algn="ctr"/>
+                      <a:r>
+                        <a:rPr lang="en-IN" sz="1200" dirty="0">
+                          <a:effectLst/>
+                        </a:rPr>
+                        <a:t> </a:t>
+                      </a:r>
+                      <a:endParaRPr lang="en-IN" sz="1100" dirty="0">
+                        <a:effectLst/>
+                      </a:endParaRPr>
+                    </a:p>
+                    <a:p>
+                      <a:pPr algn="ctr"/>
+                      <a:r>
+                        <a:rPr lang="en-IN" sz="1200" dirty="0">
+                          <a:effectLst/>
+                        </a:rPr>
+                        <a:t> </a:t>
+                      </a:r>
+                      <a:endParaRPr lang="en-IN" sz="1100" dirty="0">
+                        <a:effectLst/>
+                      </a:endParaRPr>
+                    </a:p>
+                    <a:p>
+                      <a:pPr algn="ctr"/>
+                      <a:endParaRPr lang="en-IN" sz="1200" dirty="0">
+                        <a:effectLst/>
+                      </a:endParaRPr>
+                    </a:p>
+                    <a:p>
+                      <a:pPr algn="ctr"/>
+                      <a:r>
+                        <a:rPr lang="en-IN" sz="1200" dirty="0">
+                          <a:effectLst/>
+                        </a:rPr>
+                        <a:t>Primary key</a:t>
+                      </a:r>
+                      <a:endParaRPr lang="en-IN" sz="1100" dirty="0">
+                        <a:effectLst/>
+                        <a:latin typeface="Times New Roman" panose="02020603050405020304" pitchFamily="18" charset="0"/>
+                        <a:ea typeface="Times New Roman" panose="02020603050405020304" pitchFamily="18" charset="0"/>
+                      </a:endParaRPr>
+                    </a:p>
+                  </a:txBody>
+                  <a:tcPr marL="0" marR="0" marT="0" marB="0"/>
+                </a:tc>
+                <a:tc>
+                  <a:txBody>
+                    <a:bodyPr/>
+                    <a:lstStyle/>
+                    <a:p>
+                      <a:pPr algn="ctr"/>
+                      <a:r>
+                        <a:rPr lang="en-IN" sz="1200">
+                          <a:effectLst/>
+                        </a:rPr>
+                        <a:t>Nullable</a:t>
+                      </a:r>
+                      <a:endParaRPr lang="en-IN" sz="1100">
+                        <a:effectLst/>
+                        <a:latin typeface="Times New Roman" panose="02020603050405020304" pitchFamily="18" charset="0"/>
+                        <a:ea typeface="Times New Roman" panose="02020603050405020304" pitchFamily="18" charset="0"/>
+                      </a:endParaRPr>
+                    </a:p>
+                  </a:txBody>
+                  <a:tcPr marL="0" marR="0" marT="0" marB="0" anchor="b"/>
+                </a:tc>
+                <a:tc>
+                  <a:txBody>
+                    <a:bodyPr/>
+                    <a:lstStyle/>
+                    <a:p>
+                      <a:pPr algn="ctr"/>
+                      <a:r>
+                        <a:rPr lang="en-IN" sz="1200">
+                          <a:effectLst/>
+                        </a:rPr>
+                        <a:t>Default</a:t>
+                      </a:r>
+                      <a:endParaRPr lang="en-IN" sz="1100">
+                        <a:effectLst/>
+                        <a:latin typeface="Times New Roman" panose="02020603050405020304" pitchFamily="18" charset="0"/>
+                        <a:ea typeface="Times New Roman" panose="02020603050405020304" pitchFamily="18" charset="0"/>
+                      </a:endParaRPr>
+                    </a:p>
+                  </a:txBody>
+                  <a:tcPr marL="0" marR="0" marT="0" marB="0" anchor="b"/>
+                </a:tc>
+                <a:tc>
+                  <a:txBody>
+                    <a:bodyPr/>
+                    <a:lstStyle/>
+                    <a:p>
+                      <a:pPr algn="ctr"/>
+                      <a:r>
+                        <a:rPr lang="en-IN" sz="1200">
+                          <a:effectLst/>
+                        </a:rPr>
+                        <a:t>Comments</a:t>
+                      </a:r>
+                      <a:endParaRPr lang="en-IN" sz="1100">
+                        <a:effectLst/>
+                        <a:latin typeface="Times New Roman" panose="02020603050405020304" pitchFamily="18" charset="0"/>
+                        <a:ea typeface="Times New Roman" panose="02020603050405020304" pitchFamily="18" charset="0"/>
+                      </a:endParaRPr>
+                    </a:p>
+                  </a:txBody>
+                  <a:tcPr marL="0" marR="0" marT="0" marB="0" anchor="b"/>
+                </a:tc>
+                <a:extLst>
+                  <a:ext uri="{0D108BD9-81ED-4DB2-BD59-A6C34878D82A}">
+                    <a16:rowId xmlns:a16="http://schemas.microsoft.com/office/drawing/2014/main" val="387880308"/>
+                  </a:ext>
+                </a:extLst>
+              </a:tr>
+              <a:tr h="424395">
+                <a:tc>
+                  <a:txBody>
+                    <a:bodyPr/>
+                    <a:lstStyle/>
+                    <a:p>
+                      <a:pPr marL="38100">
+                        <a:lnSpc>
+                          <a:spcPts val="990"/>
+                        </a:lnSpc>
+                      </a:pPr>
+                      <a:r>
+                        <a:rPr lang="en-IN" sz="900">
+                          <a:effectLst/>
+                        </a:rPr>
+                        <a:t> </a:t>
+                      </a:r>
+                      <a:endParaRPr lang="en-IN" sz="1100">
+                        <a:effectLst/>
+                      </a:endParaRPr>
+                    </a:p>
+                    <a:p>
+                      <a:pPr marL="38100">
+                        <a:lnSpc>
+                          <a:spcPts val="990"/>
+                        </a:lnSpc>
+                      </a:pPr>
+                      <a:r>
+                        <a:rPr lang="en-IN" sz="900">
+                          <a:effectLst/>
+                        </a:rPr>
+                        <a:t>service_provider</a:t>
+                      </a:r>
+                      <a:endParaRPr lang="en-IN" sz="1100">
+                        <a:effectLst/>
+                        <a:latin typeface="Times New Roman" panose="02020603050405020304" pitchFamily="18" charset="0"/>
+                        <a:ea typeface="Times New Roman" panose="02020603050405020304" pitchFamily="18" charset="0"/>
+                      </a:endParaRPr>
+                    </a:p>
+                  </a:txBody>
+                  <a:tcPr marL="0" marR="0" marT="0" marB="0"/>
+                </a:tc>
+                <a:tc>
+                  <a:txBody>
+                    <a:bodyPr/>
+                    <a:lstStyle/>
+                    <a:p>
+                      <a:pPr marL="38100">
+                        <a:lnSpc>
+                          <a:spcPts val="990"/>
+                        </a:lnSpc>
+                      </a:pPr>
+                      <a:r>
+                        <a:rPr lang="en-IN" sz="900">
+                          <a:effectLst/>
+                        </a:rPr>
+                        <a:t>sp_name</a:t>
+                      </a:r>
+                      <a:endParaRPr lang="en-IN" sz="1100">
+                        <a:effectLst/>
+                        <a:latin typeface="Times New Roman" panose="02020603050405020304" pitchFamily="18" charset="0"/>
+                        <a:ea typeface="Times New Roman" panose="02020603050405020304" pitchFamily="18" charset="0"/>
+                      </a:endParaRPr>
+                    </a:p>
+                  </a:txBody>
+                  <a:tcPr marL="0" marR="0" marT="0" marB="0" anchor="b"/>
+                </a:tc>
+                <a:tc>
+                  <a:txBody>
+                    <a:bodyPr/>
+                    <a:lstStyle/>
+                    <a:p>
+                      <a:pPr>
+                        <a:lnSpc>
+                          <a:spcPts val="990"/>
+                        </a:lnSpc>
+                      </a:pPr>
+                      <a:r>
+                        <a:rPr lang="en-IN" sz="900">
+                          <a:effectLst/>
+                        </a:rPr>
+                        <a:t> text</a:t>
+                      </a:r>
+                      <a:endParaRPr lang="en-IN" sz="1100">
+                        <a:effectLst/>
+                        <a:latin typeface="Times New Roman" panose="02020603050405020304" pitchFamily="18" charset="0"/>
+                        <a:ea typeface="Times New Roman" panose="02020603050405020304" pitchFamily="18" charset="0"/>
+                      </a:endParaRPr>
+                    </a:p>
+                  </a:txBody>
+                  <a:tcPr marL="0" marR="0" marT="0" marB="0" anchor="b"/>
+                </a:tc>
+                <a:tc>
+                  <a:txBody>
+                    <a:bodyPr/>
+                    <a:lstStyle/>
+                    <a:p>
+                      <a:pPr>
+                        <a:lnSpc>
+                          <a:spcPts val="990"/>
+                        </a:lnSpc>
+                      </a:pPr>
+                      <a:r>
+                        <a:rPr lang="en-IN" sz="900">
+                          <a:effectLst/>
+                        </a:rPr>
+                        <a:t> </a:t>
+                      </a:r>
+                      <a:endParaRPr lang="en-IN" sz="1100">
+                        <a:effectLst/>
+                        <a:latin typeface="Times New Roman" panose="02020603050405020304" pitchFamily="18" charset="0"/>
+                        <a:ea typeface="Times New Roman" panose="02020603050405020304" pitchFamily="18" charset="0"/>
+                      </a:endParaRPr>
+                    </a:p>
+                  </a:txBody>
+                  <a:tcPr marL="0" marR="0" marT="0" marB="0"/>
+                </a:tc>
+                <a:tc>
+                  <a:txBody>
+                    <a:bodyPr/>
+                    <a:lstStyle/>
+                    <a:p>
+                      <a:pPr>
+                        <a:lnSpc>
+                          <a:spcPts val="990"/>
+                        </a:lnSpc>
+                      </a:pPr>
+                      <a:r>
+                        <a:rPr lang="en-IN" sz="900">
+                          <a:effectLst/>
+                        </a:rPr>
+                        <a:t>         No</a:t>
+                      </a:r>
+                      <a:endParaRPr lang="en-IN" sz="1100">
+                        <a:effectLst/>
+                        <a:latin typeface="Times New Roman" panose="02020603050405020304" pitchFamily="18" charset="0"/>
+                        <a:ea typeface="Times New Roman" panose="02020603050405020304" pitchFamily="18" charset="0"/>
+                      </a:endParaRPr>
+                    </a:p>
+                  </a:txBody>
+                  <a:tcPr marL="0" marR="0" marT="0" marB="0" anchor="b"/>
+                </a:tc>
+                <a:tc>
+                  <a:txBody>
+                    <a:bodyPr/>
+                    <a:lstStyle/>
+                    <a:p>
+                      <a:r>
+                        <a:rPr lang="en-IN" sz="850">
+                          <a:effectLst/>
+                        </a:rPr>
+                        <a:t> </a:t>
+                      </a:r>
+                      <a:endParaRPr lang="en-IN" sz="1100">
+                        <a:effectLst/>
+                        <a:latin typeface="Times New Roman" panose="02020603050405020304" pitchFamily="18" charset="0"/>
+                        <a:ea typeface="Times New Roman" panose="02020603050405020304" pitchFamily="18" charset="0"/>
+                      </a:endParaRPr>
+                    </a:p>
+                  </a:txBody>
+                  <a:tcPr marL="0" marR="0" marT="0" marB="0" anchor="b"/>
+                </a:tc>
+                <a:tc>
+                  <a:txBody>
+                    <a:bodyPr/>
+                    <a:lstStyle/>
+                    <a:p>
+                      <a:r>
+                        <a:rPr lang="en-IN" sz="850">
+                          <a:effectLst/>
+                        </a:rPr>
+                        <a:t> Name of service provider</a:t>
+                      </a:r>
+                      <a:endParaRPr lang="en-IN" sz="1100">
+                        <a:effectLst/>
+                        <a:latin typeface="Times New Roman" panose="02020603050405020304" pitchFamily="18" charset="0"/>
+                        <a:ea typeface="Times New Roman" panose="02020603050405020304" pitchFamily="18" charset="0"/>
+                      </a:endParaRPr>
+                    </a:p>
+                  </a:txBody>
+                  <a:tcPr marL="0" marR="0" marT="0" marB="0" anchor="b"/>
+                </a:tc>
+                <a:extLst>
+                  <a:ext uri="{0D108BD9-81ED-4DB2-BD59-A6C34878D82A}">
+                    <a16:rowId xmlns:a16="http://schemas.microsoft.com/office/drawing/2014/main" val="2958917209"/>
+                  </a:ext>
+                </a:extLst>
+              </a:tr>
+              <a:tr h="439481">
+                <a:tc>
+                  <a:txBody>
+                    <a:bodyPr/>
+                    <a:lstStyle/>
+                    <a:p>
+                      <a:pPr marL="38100">
+                        <a:lnSpc>
+                          <a:spcPts val="1025"/>
+                        </a:lnSpc>
+                      </a:pPr>
+                      <a:r>
+                        <a:rPr lang="en-IN" sz="900">
+                          <a:effectLst/>
+                        </a:rPr>
+                        <a:t> </a:t>
+                      </a:r>
+                      <a:endParaRPr lang="en-IN" sz="1100">
+                        <a:effectLst/>
+                      </a:endParaRPr>
+                    </a:p>
+                    <a:p>
+                      <a:pPr marL="38100">
+                        <a:lnSpc>
+                          <a:spcPts val="1025"/>
+                        </a:lnSpc>
+                      </a:pPr>
+                      <a:r>
+                        <a:rPr lang="en-IN" sz="900">
+                          <a:effectLst/>
+                        </a:rPr>
+                        <a:t>service_provider</a:t>
+                      </a:r>
+                      <a:endParaRPr lang="en-IN" sz="1100">
+                        <a:effectLst/>
+                        <a:latin typeface="Times New Roman" panose="02020603050405020304" pitchFamily="18" charset="0"/>
+                        <a:ea typeface="Times New Roman" panose="02020603050405020304" pitchFamily="18" charset="0"/>
+                      </a:endParaRPr>
+                    </a:p>
+                  </a:txBody>
+                  <a:tcPr marL="0" marR="0" marT="0" marB="0"/>
+                </a:tc>
+                <a:tc>
+                  <a:txBody>
+                    <a:bodyPr/>
+                    <a:lstStyle/>
+                    <a:p>
+                      <a:pPr marL="38100">
+                        <a:lnSpc>
+                          <a:spcPts val="1025"/>
+                        </a:lnSpc>
+                      </a:pPr>
+                      <a:r>
+                        <a:rPr lang="en-IN" sz="900">
+                          <a:effectLst/>
+                        </a:rPr>
+                        <a:t>sp_add</a:t>
+                      </a:r>
+                      <a:endParaRPr lang="en-IN" sz="1100">
+                        <a:effectLst/>
+                        <a:latin typeface="Times New Roman" panose="02020603050405020304" pitchFamily="18" charset="0"/>
+                        <a:ea typeface="Times New Roman" panose="02020603050405020304" pitchFamily="18" charset="0"/>
+                      </a:endParaRPr>
+                    </a:p>
+                  </a:txBody>
+                  <a:tcPr marL="0" marR="0" marT="0" marB="0" anchor="b"/>
+                </a:tc>
+                <a:tc>
+                  <a:txBody>
+                    <a:bodyPr/>
+                    <a:lstStyle/>
+                    <a:p>
+                      <a:pPr>
+                        <a:lnSpc>
+                          <a:spcPts val="1025"/>
+                        </a:lnSpc>
+                      </a:pPr>
+                      <a:r>
+                        <a:rPr lang="en-IN" sz="900">
+                          <a:effectLst/>
+                        </a:rPr>
+                        <a:t> text</a:t>
+                      </a:r>
+                      <a:endParaRPr lang="en-IN" sz="1100">
+                        <a:effectLst/>
+                        <a:latin typeface="Times New Roman" panose="02020603050405020304" pitchFamily="18" charset="0"/>
+                        <a:ea typeface="Times New Roman" panose="02020603050405020304" pitchFamily="18" charset="0"/>
+                      </a:endParaRPr>
+                    </a:p>
+                  </a:txBody>
+                  <a:tcPr marL="0" marR="0" marT="0" marB="0" anchor="b"/>
+                </a:tc>
+                <a:tc>
+                  <a:txBody>
+                    <a:bodyPr/>
+                    <a:lstStyle/>
+                    <a:p>
+                      <a:pPr>
+                        <a:lnSpc>
+                          <a:spcPts val="1025"/>
+                        </a:lnSpc>
+                      </a:pPr>
+                      <a:r>
+                        <a:rPr lang="en-IN" sz="900">
+                          <a:effectLst/>
+                        </a:rPr>
+                        <a:t> </a:t>
+                      </a:r>
+                      <a:endParaRPr lang="en-IN" sz="1100">
+                        <a:effectLst/>
+                        <a:latin typeface="Times New Roman" panose="02020603050405020304" pitchFamily="18" charset="0"/>
+                        <a:ea typeface="Times New Roman" panose="02020603050405020304" pitchFamily="18" charset="0"/>
+                      </a:endParaRPr>
+                    </a:p>
+                  </a:txBody>
+                  <a:tcPr marL="0" marR="0" marT="0" marB="0"/>
+                </a:tc>
+                <a:tc>
+                  <a:txBody>
+                    <a:bodyPr/>
+                    <a:lstStyle/>
+                    <a:p>
+                      <a:pPr>
+                        <a:lnSpc>
+                          <a:spcPts val="1025"/>
+                        </a:lnSpc>
+                      </a:pPr>
+                      <a:r>
+                        <a:rPr lang="en-IN" sz="900">
+                          <a:effectLst/>
+                        </a:rPr>
+                        <a:t>         No</a:t>
+                      </a:r>
+                      <a:endParaRPr lang="en-IN" sz="1100">
+                        <a:effectLst/>
+                        <a:latin typeface="Times New Roman" panose="02020603050405020304" pitchFamily="18" charset="0"/>
+                        <a:ea typeface="Times New Roman" panose="02020603050405020304" pitchFamily="18" charset="0"/>
+                      </a:endParaRPr>
+                    </a:p>
+                  </a:txBody>
+                  <a:tcPr marL="0" marR="0" marT="0" marB="0" anchor="b"/>
+                </a:tc>
+                <a:tc>
+                  <a:txBody>
+                    <a:bodyPr/>
+                    <a:lstStyle/>
+                    <a:p>
+                      <a:r>
+                        <a:rPr lang="en-IN" sz="850">
+                          <a:effectLst/>
+                        </a:rPr>
+                        <a:t> </a:t>
+                      </a:r>
+                      <a:endParaRPr lang="en-IN" sz="1100">
+                        <a:effectLst/>
+                        <a:latin typeface="Times New Roman" panose="02020603050405020304" pitchFamily="18" charset="0"/>
+                        <a:ea typeface="Times New Roman" panose="02020603050405020304" pitchFamily="18" charset="0"/>
+                      </a:endParaRPr>
+                    </a:p>
+                  </a:txBody>
+                  <a:tcPr marL="0" marR="0" marT="0" marB="0" anchor="b"/>
+                </a:tc>
+                <a:tc>
+                  <a:txBody>
+                    <a:bodyPr/>
+                    <a:lstStyle/>
+                    <a:p>
+                      <a:r>
+                        <a:rPr lang="en-IN" sz="850">
+                          <a:effectLst/>
+                        </a:rPr>
+                        <a:t> Address of service provider</a:t>
+                      </a:r>
+                      <a:endParaRPr lang="en-IN" sz="1100">
+                        <a:effectLst/>
+                        <a:latin typeface="Times New Roman" panose="02020603050405020304" pitchFamily="18" charset="0"/>
+                        <a:ea typeface="Times New Roman" panose="02020603050405020304" pitchFamily="18" charset="0"/>
+                      </a:endParaRPr>
+                    </a:p>
+                  </a:txBody>
+                  <a:tcPr marL="0" marR="0" marT="0" marB="0" anchor="b"/>
+                </a:tc>
+                <a:extLst>
+                  <a:ext uri="{0D108BD9-81ED-4DB2-BD59-A6C34878D82A}">
+                    <a16:rowId xmlns:a16="http://schemas.microsoft.com/office/drawing/2014/main" val="2886920962"/>
+                  </a:ext>
+                </a:extLst>
+              </a:tr>
+              <a:tr h="439481">
+                <a:tc>
+                  <a:txBody>
+                    <a:bodyPr/>
+                    <a:lstStyle/>
+                    <a:p>
+                      <a:pPr marL="38100">
+                        <a:lnSpc>
+                          <a:spcPts val="1025"/>
+                        </a:lnSpc>
+                      </a:pPr>
+                      <a:r>
+                        <a:rPr lang="en-IN" sz="900">
+                          <a:effectLst/>
+                        </a:rPr>
+                        <a:t> </a:t>
+                      </a:r>
+                      <a:endParaRPr lang="en-IN" sz="1100">
+                        <a:effectLst/>
+                      </a:endParaRPr>
+                    </a:p>
+                    <a:p>
+                      <a:pPr marL="38100">
+                        <a:lnSpc>
+                          <a:spcPts val="1025"/>
+                        </a:lnSpc>
+                      </a:pPr>
+                      <a:r>
+                        <a:rPr lang="en-IN" sz="900">
+                          <a:effectLst/>
+                        </a:rPr>
+                        <a:t>service_provider</a:t>
+                      </a:r>
+                      <a:endParaRPr lang="en-IN" sz="1100">
+                        <a:effectLst/>
+                        <a:latin typeface="Times New Roman" panose="02020603050405020304" pitchFamily="18" charset="0"/>
+                        <a:ea typeface="Times New Roman" panose="02020603050405020304" pitchFamily="18" charset="0"/>
+                      </a:endParaRPr>
+                    </a:p>
+                  </a:txBody>
+                  <a:tcPr marL="0" marR="0" marT="0" marB="0"/>
+                </a:tc>
+                <a:tc>
+                  <a:txBody>
+                    <a:bodyPr/>
+                    <a:lstStyle/>
+                    <a:p>
+                      <a:pPr marL="38100">
+                        <a:lnSpc>
+                          <a:spcPts val="1025"/>
+                        </a:lnSpc>
+                      </a:pPr>
+                      <a:r>
+                        <a:rPr lang="en-IN" sz="900">
+                          <a:effectLst/>
+                        </a:rPr>
+                        <a:t>sp_contact</a:t>
+                      </a:r>
+                      <a:endParaRPr lang="en-IN" sz="1100">
+                        <a:effectLst/>
+                        <a:latin typeface="Times New Roman" panose="02020603050405020304" pitchFamily="18" charset="0"/>
+                        <a:ea typeface="Times New Roman" panose="02020603050405020304" pitchFamily="18" charset="0"/>
+                      </a:endParaRPr>
+                    </a:p>
+                  </a:txBody>
+                  <a:tcPr marL="0" marR="0" marT="0" marB="0" anchor="b"/>
+                </a:tc>
+                <a:tc>
+                  <a:txBody>
+                    <a:bodyPr/>
+                    <a:lstStyle/>
+                    <a:p>
+                      <a:pPr>
+                        <a:lnSpc>
+                          <a:spcPts val="1025"/>
+                        </a:lnSpc>
+                      </a:pPr>
+                      <a:r>
+                        <a:rPr lang="en-IN" sz="900">
+                          <a:effectLst/>
+                        </a:rPr>
+                        <a:t> varchar(13)</a:t>
+                      </a:r>
+                      <a:endParaRPr lang="en-IN" sz="1100">
+                        <a:effectLst/>
+                        <a:latin typeface="Times New Roman" panose="02020603050405020304" pitchFamily="18" charset="0"/>
+                        <a:ea typeface="Times New Roman" panose="02020603050405020304" pitchFamily="18" charset="0"/>
+                      </a:endParaRPr>
+                    </a:p>
+                  </a:txBody>
+                  <a:tcPr marL="0" marR="0" marT="0" marB="0" anchor="b"/>
+                </a:tc>
+                <a:tc>
+                  <a:txBody>
+                    <a:bodyPr/>
+                    <a:lstStyle/>
+                    <a:p>
+                      <a:pPr>
+                        <a:lnSpc>
+                          <a:spcPts val="1025"/>
+                        </a:lnSpc>
+                      </a:pPr>
+                      <a:r>
+                        <a:rPr lang="en-IN" sz="900">
+                          <a:effectLst/>
+                        </a:rPr>
+                        <a:t> </a:t>
+                      </a:r>
+                      <a:endParaRPr lang="en-IN" sz="1100">
+                        <a:effectLst/>
+                        <a:latin typeface="Times New Roman" panose="02020603050405020304" pitchFamily="18" charset="0"/>
+                        <a:ea typeface="Times New Roman" panose="02020603050405020304" pitchFamily="18" charset="0"/>
+                      </a:endParaRPr>
+                    </a:p>
+                  </a:txBody>
+                  <a:tcPr marL="0" marR="0" marT="0" marB="0"/>
+                </a:tc>
+                <a:tc>
+                  <a:txBody>
+                    <a:bodyPr/>
+                    <a:lstStyle/>
+                    <a:p>
+                      <a:pPr>
+                        <a:lnSpc>
+                          <a:spcPts val="1025"/>
+                        </a:lnSpc>
+                      </a:pPr>
+                      <a:r>
+                        <a:rPr lang="en-IN" sz="900">
+                          <a:effectLst/>
+                        </a:rPr>
+                        <a:t>         No</a:t>
+                      </a:r>
+                      <a:endParaRPr lang="en-IN" sz="1100">
+                        <a:effectLst/>
+                        <a:latin typeface="Times New Roman" panose="02020603050405020304" pitchFamily="18" charset="0"/>
+                        <a:ea typeface="Times New Roman" panose="02020603050405020304" pitchFamily="18" charset="0"/>
+                      </a:endParaRPr>
+                    </a:p>
+                  </a:txBody>
+                  <a:tcPr marL="0" marR="0" marT="0" marB="0" anchor="b"/>
+                </a:tc>
+                <a:tc>
+                  <a:txBody>
+                    <a:bodyPr/>
+                    <a:lstStyle/>
+                    <a:p>
+                      <a:r>
+                        <a:rPr lang="en-IN" sz="850">
+                          <a:effectLst/>
+                        </a:rPr>
+                        <a:t> </a:t>
+                      </a:r>
+                      <a:endParaRPr lang="en-IN" sz="1100">
+                        <a:effectLst/>
+                        <a:latin typeface="Times New Roman" panose="02020603050405020304" pitchFamily="18" charset="0"/>
+                        <a:ea typeface="Times New Roman" panose="02020603050405020304" pitchFamily="18" charset="0"/>
+                      </a:endParaRPr>
+                    </a:p>
+                  </a:txBody>
+                  <a:tcPr marL="0" marR="0" marT="0" marB="0" anchor="b"/>
+                </a:tc>
+                <a:tc>
+                  <a:txBody>
+                    <a:bodyPr/>
+                    <a:lstStyle/>
+                    <a:p>
+                      <a:r>
+                        <a:rPr lang="en-IN" sz="850">
+                          <a:effectLst/>
+                        </a:rPr>
+                        <a:t> Cantact number of service provider</a:t>
+                      </a:r>
+                      <a:endParaRPr lang="en-IN" sz="1100">
+                        <a:effectLst/>
+                        <a:latin typeface="Times New Roman" panose="02020603050405020304" pitchFamily="18" charset="0"/>
+                        <a:ea typeface="Times New Roman" panose="02020603050405020304" pitchFamily="18" charset="0"/>
+                      </a:endParaRPr>
+                    </a:p>
+                  </a:txBody>
+                  <a:tcPr marL="0" marR="0" marT="0" marB="0" anchor="b"/>
+                </a:tc>
+                <a:extLst>
+                  <a:ext uri="{0D108BD9-81ED-4DB2-BD59-A6C34878D82A}">
+                    <a16:rowId xmlns:a16="http://schemas.microsoft.com/office/drawing/2014/main" val="86030661"/>
+                  </a:ext>
+                </a:extLst>
+              </a:tr>
+              <a:tr h="439481">
+                <a:tc>
+                  <a:txBody>
+                    <a:bodyPr/>
+                    <a:lstStyle/>
+                    <a:p>
+                      <a:pPr marL="38100">
+                        <a:lnSpc>
+                          <a:spcPts val="1025"/>
+                        </a:lnSpc>
+                      </a:pPr>
+                      <a:r>
+                        <a:rPr lang="en-IN" sz="900">
+                          <a:effectLst/>
+                        </a:rPr>
+                        <a:t> </a:t>
+                      </a:r>
+                      <a:endParaRPr lang="en-IN" sz="1100">
+                        <a:effectLst/>
+                      </a:endParaRPr>
+                    </a:p>
+                    <a:p>
+                      <a:pPr marL="38100">
+                        <a:lnSpc>
+                          <a:spcPts val="1025"/>
+                        </a:lnSpc>
+                      </a:pPr>
+                      <a:r>
+                        <a:rPr lang="en-IN" sz="900">
+                          <a:effectLst/>
+                        </a:rPr>
+                        <a:t>service_provider</a:t>
+                      </a:r>
+                      <a:endParaRPr lang="en-IN" sz="1100">
+                        <a:effectLst/>
+                        <a:latin typeface="Times New Roman" panose="02020603050405020304" pitchFamily="18" charset="0"/>
+                        <a:ea typeface="Times New Roman" panose="02020603050405020304" pitchFamily="18" charset="0"/>
+                      </a:endParaRPr>
+                    </a:p>
+                  </a:txBody>
+                  <a:tcPr marL="0" marR="0" marT="0" marB="0"/>
+                </a:tc>
+                <a:tc>
+                  <a:txBody>
+                    <a:bodyPr/>
+                    <a:lstStyle/>
+                    <a:p>
+                      <a:pPr marL="38100">
+                        <a:lnSpc>
+                          <a:spcPts val="1025"/>
+                        </a:lnSpc>
+                      </a:pPr>
+                      <a:r>
+                        <a:rPr lang="en-IN" sz="900">
+                          <a:effectLst/>
+                        </a:rPr>
+                        <a:t>sp_email</a:t>
+                      </a:r>
+                      <a:endParaRPr lang="en-IN" sz="1100">
+                        <a:effectLst/>
+                        <a:latin typeface="Times New Roman" panose="02020603050405020304" pitchFamily="18" charset="0"/>
+                        <a:ea typeface="Times New Roman" panose="02020603050405020304" pitchFamily="18" charset="0"/>
+                      </a:endParaRPr>
+                    </a:p>
+                  </a:txBody>
+                  <a:tcPr marL="0" marR="0" marT="0" marB="0" anchor="b"/>
+                </a:tc>
+                <a:tc>
+                  <a:txBody>
+                    <a:bodyPr/>
+                    <a:lstStyle/>
+                    <a:p>
+                      <a:pPr>
+                        <a:lnSpc>
+                          <a:spcPts val="1025"/>
+                        </a:lnSpc>
+                      </a:pPr>
+                      <a:r>
+                        <a:rPr lang="en-IN" sz="900">
+                          <a:effectLst/>
+                        </a:rPr>
+                        <a:t> varchar(50)</a:t>
+                      </a:r>
+                      <a:endParaRPr lang="en-IN" sz="1100">
+                        <a:effectLst/>
+                        <a:latin typeface="Times New Roman" panose="02020603050405020304" pitchFamily="18" charset="0"/>
+                        <a:ea typeface="Times New Roman" panose="02020603050405020304" pitchFamily="18" charset="0"/>
+                      </a:endParaRPr>
+                    </a:p>
+                  </a:txBody>
+                  <a:tcPr marL="0" marR="0" marT="0" marB="0" anchor="b"/>
+                </a:tc>
+                <a:tc>
+                  <a:txBody>
+                    <a:bodyPr/>
+                    <a:lstStyle/>
+                    <a:p>
+                      <a:pPr>
+                        <a:lnSpc>
+                          <a:spcPts val="1025"/>
+                        </a:lnSpc>
+                      </a:pPr>
+                      <a:r>
+                        <a:rPr lang="en-IN" sz="900">
+                          <a:effectLst/>
+                        </a:rPr>
+                        <a:t>       </a:t>
+                      </a:r>
+                      <a:endParaRPr lang="en-IN" sz="1100">
+                        <a:effectLst/>
+                      </a:endParaRPr>
+                    </a:p>
+                    <a:p>
+                      <a:pPr>
+                        <a:lnSpc>
+                          <a:spcPts val="1025"/>
+                        </a:lnSpc>
+                      </a:pPr>
+                      <a:r>
+                        <a:rPr lang="en-IN" sz="900">
+                          <a:effectLst/>
+                        </a:rPr>
+                        <a:t>       YES</a:t>
+                      </a:r>
+                      <a:endParaRPr lang="en-IN" sz="1100">
+                        <a:effectLst/>
+                        <a:latin typeface="Times New Roman" panose="02020603050405020304" pitchFamily="18" charset="0"/>
+                        <a:ea typeface="Times New Roman" panose="02020603050405020304" pitchFamily="18" charset="0"/>
+                      </a:endParaRPr>
+                    </a:p>
+                  </a:txBody>
+                  <a:tcPr marL="0" marR="0" marT="0" marB="0"/>
+                </a:tc>
+                <a:tc>
+                  <a:txBody>
+                    <a:bodyPr/>
+                    <a:lstStyle/>
+                    <a:p>
+                      <a:pPr>
+                        <a:lnSpc>
+                          <a:spcPts val="1025"/>
+                        </a:lnSpc>
+                      </a:pPr>
+                      <a:r>
+                        <a:rPr lang="en-IN" sz="900">
+                          <a:effectLst/>
+                        </a:rPr>
+                        <a:t>         No</a:t>
+                      </a:r>
+                      <a:endParaRPr lang="en-IN" sz="1100">
+                        <a:effectLst/>
+                        <a:latin typeface="Times New Roman" panose="02020603050405020304" pitchFamily="18" charset="0"/>
+                        <a:ea typeface="Times New Roman" panose="02020603050405020304" pitchFamily="18" charset="0"/>
+                      </a:endParaRPr>
+                    </a:p>
+                  </a:txBody>
+                  <a:tcPr marL="0" marR="0" marT="0" marB="0" anchor="b"/>
+                </a:tc>
+                <a:tc>
+                  <a:txBody>
+                    <a:bodyPr/>
+                    <a:lstStyle/>
+                    <a:p>
+                      <a:r>
+                        <a:rPr lang="en-IN" sz="850">
+                          <a:effectLst/>
+                        </a:rPr>
+                        <a:t> </a:t>
+                      </a:r>
+                      <a:endParaRPr lang="en-IN" sz="1100">
+                        <a:effectLst/>
+                        <a:latin typeface="Times New Roman" panose="02020603050405020304" pitchFamily="18" charset="0"/>
+                        <a:ea typeface="Times New Roman" panose="02020603050405020304" pitchFamily="18" charset="0"/>
+                      </a:endParaRPr>
+                    </a:p>
+                  </a:txBody>
+                  <a:tcPr marL="0" marR="0" marT="0" marB="0" anchor="b"/>
+                </a:tc>
+                <a:tc>
+                  <a:txBody>
+                    <a:bodyPr/>
+                    <a:lstStyle/>
+                    <a:p>
+                      <a:r>
+                        <a:rPr lang="en-IN" sz="850">
+                          <a:effectLst/>
+                        </a:rPr>
+                        <a:t> Valid email ID of a service provider</a:t>
+                      </a:r>
+                      <a:endParaRPr lang="en-IN" sz="1100">
+                        <a:effectLst/>
+                        <a:latin typeface="Times New Roman" panose="02020603050405020304" pitchFamily="18" charset="0"/>
+                        <a:ea typeface="Times New Roman" panose="02020603050405020304" pitchFamily="18" charset="0"/>
+                      </a:endParaRPr>
+                    </a:p>
+                  </a:txBody>
+                  <a:tcPr marL="0" marR="0" marT="0" marB="0" anchor="b"/>
+                </a:tc>
+                <a:extLst>
+                  <a:ext uri="{0D108BD9-81ED-4DB2-BD59-A6C34878D82A}">
+                    <a16:rowId xmlns:a16="http://schemas.microsoft.com/office/drawing/2014/main" val="1031249538"/>
+                  </a:ext>
+                </a:extLst>
+              </a:tr>
+              <a:tr h="439481">
+                <a:tc>
+                  <a:txBody>
+                    <a:bodyPr/>
+                    <a:lstStyle/>
+                    <a:p>
+                      <a:pPr marL="38100">
+                        <a:lnSpc>
+                          <a:spcPts val="1025"/>
+                        </a:lnSpc>
+                      </a:pPr>
+                      <a:r>
+                        <a:rPr lang="en-IN" sz="900">
+                          <a:effectLst/>
+                        </a:rPr>
+                        <a:t> </a:t>
+                      </a:r>
+                      <a:endParaRPr lang="en-IN" sz="1100">
+                        <a:effectLst/>
+                      </a:endParaRPr>
+                    </a:p>
+                    <a:p>
+                      <a:pPr marL="38100">
+                        <a:lnSpc>
+                          <a:spcPts val="1025"/>
+                        </a:lnSpc>
+                      </a:pPr>
+                      <a:r>
+                        <a:rPr lang="en-IN" sz="900">
+                          <a:effectLst/>
+                        </a:rPr>
+                        <a:t>service_provider</a:t>
+                      </a:r>
+                      <a:endParaRPr lang="en-IN" sz="1100">
+                        <a:effectLst/>
+                        <a:latin typeface="Times New Roman" panose="02020603050405020304" pitchFamily="18" charset="0"/>
+                        <a:ea typeface="Times New Roman" panose="02020603050405020304" pitchFamily="18" charset="0"/>
+                      </a:endParaRPr>
+                    </a:p>
+                  </a:txBody>
+                  <a:tcPr marL="0" marR="0" marT="0" marB="0"/>
+                </a:tc>
+                <a:tc>
+                  <a:txBody>
+                    <a:bodyPr/>
+                    <a:lstStyle/>
+                    <a:p>
+                      <a:pPr marL="38100">
+                        <a:lnSpc>
+                          <a:spcPts val="1025"/>
+                        </a:lnSpc>
+                      </a:pPr>
+                      <a:r>
+                        <a:rPr lang="en-IN" sz="900">
+                          <a:effectLst/>
+                        </a:rPr>
+                        <a:t>sp_exp</a:t>
+                      </a:r>
+                      <a:endParaRPr lang="en-IN" sz="1100">
+                        <a:effectLst/>
+                        <a:latin typeface="Times New Roman" panose="02020603050405020304" pitchFamily="18" charset="0"/>
+                        <a:ea typeface="Times New Roman" panose="02020603050405020304" pitchFamily="18" charset="0"/>
+                      </a:endParaRPr>
+                    </a:p>
+                  </a:txBody>
+                  <a:tcPr marL="0" marR="0" marT="0" marB="0" anchor="b"/>
+                </a:tc>
+                <a:tc>
+                  <a:txBody>
+                    <a:bodyPr/>
+                    <a:lstStyle/>
+                    <a:p>
+                      <a:pPr>
+                        <a:lnSpc>
+                          <a:spcPts val="1025"/>
+                        </a:lnSpc>
+                      </a:pPr>
+                      <a:r>
+                        <a:rPr lang="en-IN" sz="900">
+                          <a:effectLst/>
+                        </a:rPr>
+                        <a:t> int(11)</a:t>
+                      </a:r>
+                      <a:endParaRPr lang="en-IN" sz="1100">
+                        <a:effectLst/>
+                        <a:latin typeface="Times New Roman" panose="02020603050405020304" pitchFamily="18" charset="0"/>
+                        <a:ea typeface="Times New Roman" panose="02020603050405020304" pitchFamily="18" charset="0"/>
+                      </a:endParaRPr>
+                    </a:p>
+                  </a:txBody>
+                  <a:tcPr marL="0" marR="0" marT="0" marB="0" anchor="b"/>
+                </a:tc>
+                <a:tc>
+                  <a:txBody>
+                    <a:bodyPr/>
+                    <a:lstStyle/>
+                    <a:p>
+                      <a:pPr>
+                        <a:lnSpc>
+                          <a:spcPts val="1025"/>
+                        </a:lnSpc>
+                      </a:pPr>
+                      <a:r>
+                        <a:rPr lang="en-IN" sz="900">
+                          <a:effectLst/>
+                        </a:rPr>
+                        <a:t> </a:t>
+                      </a:r>
+                      <a:endParaRPr lang="en-IN" sz="1100">
+                        <a:effectLst/>
+                        <a:latin typeface="Times New Roman" panose="02020603050405020304" pitchFamily="18" charset="0"/>
+                        <a:ea typeface="Times New Roman" panose="02020603050405020304" pitchFamily="18" charset="0"/>
+                      </a:endParaRPr>
+                    </a:p>
+                  </a:txBody>
+                  <a:tcPr marL="0" marR="0" marT="0" marB="0"/>
+                </a:tc>
+                <a:tc>
+                  <a:txBody>
+                    <a:bodyPr/>
+                    <a:lstStyle/>
+                    <a:p>
+                      <a:pPr>
+                        <a:lnSpc>
+                          <a:spcPts val="1025"/>
+                        </a:lnSpc>
+                      </a:pPr>
+                      <a:r>
+                        <a:rPr lang="en-IN" sz="900">
+                          <a:effectLst/>
+                        </a:rPr>
+                        <a:t>         No</a:t>
+                      </a:r>
+                      <a:endParaRPr lang="en-IN" sz="1100">
+                        <a:effectLst/>
+                        <a:latin typeface="Times New Roman" panose="02020603050405020304" pitchFamily="18" charset="0"/>
+                        <a:ea typeface="Times New Roman" panose="02020603050405020304" pitchFamily="18" charset="0"/>
+                      </a:endParaRPr>
+                    </a:p>
+                  </a:txBody>
+                  <a:tcPr marL="0" marR="0" marT="0" marB="0" anchor="b"/>
+                </a:tc>
+                <a:tc>
+                  <a:txBody>
+                    <a:bodyPr/>
+                    <a:lstStyle/>
+                    <a:p>
+                      <a:r>
+                        <a:rPr lang="en-IN" sz="850">
+                          <a:effectLst/>
+                        </a:rPr>
+                        <a:t> </a:t>
+                      </a:r>
+                      <a:endParaRPr lang="en-IN" sz="1100">
+                        <a:effectLst/>
+                        <a:latin typeface="Times New Roman" panose="02020603050405020304" pitchFamily="18" charset="0"/>
+                        <a:ea typeface="Times New Roman" panose="02020603050405020304" pitchFamily="18" charset="0"/>
+                      </a:endParaRPr>
+                    </a:p>
+                  </a:txBody>
+                  <a:tcPr marL="0" marR="0" marT="0" marB="0" anchor="b"/>
+                </a:tc>
+                <a:tc>
+                  <a:txBody>
+                    <a:bodyPr/>
+                    <a:lstStyle/>
+                    <a:p>
+                      <a:r>
+                        <a:rPr lang="en-IN" sz="850">
+                          <a:effectLst/>
+                        </a:rPr>
+                        <a:t> Year of experience of a service provider</a:t>
+                      </a:r>
+                      <a:endParaRPr lang="en-IN" sz="1100">
+                        <a:effectLst/>
+                        <a:latin typeface="Times New Roman" panose="02020603050405020304" pitchFamily="18" charset="0"/>
+                        <a:ea typeface="Times New Roman" panose="02020603050405020304" pitchFamily="18" charset="0"/>
+                      </a:endParaRPr>
+                    </a:p>
+                  </a:txBody>
+                  <a:tcPr marL="0" marR="0" marT="0" marB="0" anchor="b"/>
+                </a:tc>
+                <a:extLst>
+                  <a:ext uri="{0D108BD9-81ED-4DB2-BD59-A6C34878D82A}">
+                    <a16:rowId xmlns:a16="http://schemas.microsoft.com/office/drawing/2014/main" val="544950424"/>
+                  </a:ext>
+                </a:extLst>
+              </a:tr>
+              <a:tr h="439481">
+                <a:tc>
+                  <a:txBody>
+                    <a:bodyPr/>
+                    <a:lstStyle/>
+                    <a:p>
+                      <a:pPr marL="38100">
+                        <a:lnSpc>
+                          <a:spcPts val="1025"/>
+                        </a:lnSpc>
+                      </a:pPr>
+                      <a:r>
+                        <a:rPr lang="en-IN" sz="900">
+                          <a:effectLst/>
+                        </a:rPr>
+                        <a:t> </a:t>
+                      </a:r>
+                      <a:endParaRPr lang="en-IN" sz="1100">
+                        <a:effectLst/>
+                      </a:endParaRPr>
+                    </a:p>
+                    <a:p>
+                      <a:pPr marL="38100">
+                        <a:lnSpc>
+                          <a:spcPts val="1025"/>
+                        </a:lnSpc>
+                      </a:pPr>
+                      <a:r>
+                        <a:rPr lang="en-IN" sz="900">
+                          <a:effectLst/>
+                        </a:rPr>
+                        <a:t>service_provider</a:t>
+                      </a:r>
+                      <a:endParaRPr lang="en-IN" sz="1100">
+                        <a:effectLst/>
+                        <a:latin typeface="Times New Roman" panose="02020603050405020304" pitchFamily="18" charset="0"/>
+                        <a:ea typeface="Times New Roman" panose="02020603050405020304" pitchFamily="18" charset="0"/>
+                      </a:endParaRPr>
+                    </a:p>
+                  </a:txBody>
+                  <a:tcPr marL="0" marR="0" marT="0" marB="0"/>
+                </a:tc>
+                <a:tc>
+                  <a:txBody>
+                    <a:bodyPr/>
+                    <a:lstStyle/>
+                    <a:p>
+                      <a:pPr marL="38100">
+                        <a:lnSpc>
+                          <a:spcPts val="1025"/>
+                        </a:lnSpc>
+                      </a:pPr>
+                      <a:r>
+                        <a:rPr lang="en-IN" sz="900">
+                          <a:effectLst/>
+                        </a:rPr>
+                        <a:t>sp_rate</a:t>
+                      </a:r>
+                      <a:endParaRPr lang="en-IN" sz="1100">
+                        <a:effectLst/>
+                        <a:latin typeface="Times New Roman" panose="02020603050405020304" pitchFamily="18" charset="0"/>
+                        <a:ea typeface="Times New Roman" panose="02020603050405020304" pitchFamily="18" charset="0"/>
+                      </a:endParaRPr>
+                    </a:p>
+                  </a:txBody>
+                  <a:tcPr marL="0" marR="0" marT="0" marB="0" anchor="b"/>
+                </a:tc>
+                <a:tc>
+                  <a:txBody>
+                    <a:bodyPr/>
+                    <a:lstStyle/>
+                    <a:p>
+                      <a:pPr>
+                        <a:lnSpc>
+                          <a:spcPts val="1025"/>
+                        </a:lnSpc>
+                      </a:pPr>
+                      <a:r>
+                        <a:rPr lang="en-IN" sz="900">
+                          <a:effectLst/>
+                        </a:rPr>
+                        <a:t> int(11)</a:t>
+                      </a:r>
+                      <a:endParaRPr lang="en-IN" sz="1100">
+                        <a:effectLst/>
+                        <a:latin typeface="Times New Roman" panose="02020603050405020304" pitchFamily="18" charset="0"/>
+                        <a:ea typeface="Times New Roman" panose="02020603050405020304" pitchFamily="18" charset="0"/>
+                      </a:endParaRPr>
+                    </a:p>
+                  </a:txBody>
+                  <a:tcPr marL="0" marR="0" marT="0" marB="0" anchor="b"/>
+                </a:tc>
+                <a:tc>
+                  <a:txBody>
+                    <a:bodyPr/>
+                    <a:lstStyle/>
+                    <a:p>
+                      <a:pPr>
+                        <a:lnSpc>
+                          <a:spcPts val="1025"/>
+                        </a:lnSpc>
+                      </a:pPr>
+                      <a:r>
+                        <a:rPr lang="en-IN" sz="900">
+                          <a:effectLst/>
+                        </a:rPr>
+                        <a:t> </a:t>
+                      </a:r>
+                      <a:endParaRPr lang="en-IN" sz="1100">
+                        <a:effectLst/>
+                        <a:latin typeface="Times New Roman" panose="02020603050405020304" pitchFamily="18" charset="0"/>
+                        <a:ea typeface="Times New Roman" panose="02020603050405020304" pitchFamily="18" charset="0"/>
+                      </a:endParaRPr>
+                    </a:p>
+                  </a:txBody>
+                  <a:tcPr marL="0" marR="0" marT="0" marB="0"/>
+                </a:tc>
+                <a:tc>
+                  <a:txBody>
+                    <a:bodyPr/>
+                    <a:lstStyle/>
+                    <a:p>
+                      <a:pPr>
+                        <a:lnSpc>
+                          <a:spcPts val="1025"/>
+                        </a:lnSpc>
+                      </a:pPr>
+                      <a:r>
+                        <a:rPr lang="en-IN" sz="900">
+                          <a:effectLst/>
+                        </a:rPr>
+                        <a:t>         No</a:t>
+                      </a:r>
+                      <a:endParaRPr lang="en-IN" sz="1100">
+                        <a:effectLst/>
+                        <a:latin typeface="Times New Roman" panose="02020603050405020304" pitchFamily="18" charset="0"/>
+                        <a:ea typeface="Times New Roman" panose="02020603050405020304" pitchFamily="18" charset="0"/>
+                      </a:endParaRPr>
+                    </a:p>
+                  </a:txBody>
+                  <a:tcPr marL="0" marR="0" marT="0" marB="0" anchor="b"/>
+                </a:tc>
+                <a:tc>
+                  <a:txBody>
+                    <a:bodyPr/>
+                    <a:lstStyle/>
+                    <a:p>
+                      <a:r>
+                        <a:rPr lang="en-IN" sz="850">
+                          <a:effectLst/>
+                        </a:rPr>
+                        <a:t> </a:t>
+                      </a:r>
+                      <a:endParaRPr lang="en-IN" sz="1100">
+                        <a:effectLst/>
+                        <a:latin typeface="Times New Roman" panose="02020603050405020304" pitchFamily="18" charset="0"/>
+                        <a:ea typeface="Times New Roman" panose="02020603050405020304" pitchFamily="18" charset="0"/>
+                      </a:endParaRPr>
+                    </a:p>
+                  </a:txBody>
+                  <a:tcPr marL="0" marR="0" marT="0" marB="0" anchor="b"/>
+                </a:tc>
+                <a:tc>
+                  <a:txBody>
+                    <a:bodyPr/>
+                    <a:lstStyle/>
+                    <a:p>
+                      <a:r>
+                        <a:rPr lang="en-IN" sz="850">
+                          <a:effectLst/>
+                        </a:rPr>
+                        <a:t> Rate of a service provider for a service</a:t>
+                      </a:r>
+                      <a:endParaRPr lang="en-IN" sz="1100">
+                        <a:effectLst/>
+                        <a:latin typeface="Times New Roman" panose="02020603050405020304" pitchFamily="18" charset="0"/>
+                        <a:ea typeface="Times New Roman" panose="02020603050405020304" pitchFamily="18" charset="0"/>
+                      </a:endParaRPr>
+                    </a:p>
+                  </a:txBody>
+                  <a:tcPr marL="0" marR="0" marT="0" marB="0" anchor="b"/>
+                </a:tc>
+                <a:extLst>
+                  <a:ext uri="{0D108BD9-81ED-4DB2-BD59-A6C34878D82A}">
+                    <a16:rowId xmlns:a16="http://schemas.microsoft.com/office/drawing/2014/main" val="3897407690"/>
+                  </a:ext>
+                </a:extLst>
+              </a:tr>
+              <a:tr h="439481">
+                <a:tc>
+                  <a:txBody>
+                    <a:bodyPr/>
+                    <a:lstStyle/>
+                    <a:p>
+                      <a:pPr marL="38100">
+                        <a:lnSpc>
+                          <a:spcPts val="1025"/>
+                        </a:lnSpc>
+                      </a:pPr>
+                      <a:r>
+                        <a:rPr lang="en-IN" sz="900">
+                          <a:effectLst/>
+                        </a:rPr>
+                        <a:t> </a:t>
+                      </a:r>
+                      <a:endParaRPr lang="en-IN" sz="1100">
+                        <a:effectLst/>
+                      </a:endParaRPr>
+                    </a:p>
+                    <a:p>
+                      <a:pPr marL="38100">
+                        <a:lnSpc>
+                          <a:spcPts val="1025"/>
+                        </a:lnSpc>
+                      </a:pPr>
+                      <a:r>
+                        <a:rPr lang="en-IN" sz="900">
+                          <a:effectLst/>
+                        </a:rPr>
+                        <a:t>service_provider</a:t>
+                      </a:r>
+                      <a:endParaRPr lang="en-IN" sz="1100">
+                        <a:effectLst/>
+                        <a:latin typeface="Times New Roman" panose="02020603050405020304" pitchFamily="18" charset="0"/>
+                        <a:ea typeface="Times New Roman" panose="02020603050405020304" pitchFamily="18" charset="0"/>
+                      </a:endParaRPr>
+                    </a:p>
+                  </a:txBody>
+                  <a:tcPr marL="0" marR="0" marT="0" marB="0"/>
+                </a:tc>
+                <a:tc>
+                  <a:txBody>
+                    <a:bodyPr/>
+                    <a:lstStyle/>
+                    <a:p>
+                      <a:pPr marL="38100">
+                        <a:lnSpc>
+                          <a:spcPts val="1025"/>
+                        </a:lnSpc>
+                      </a:pPr>
+                      <a:r>
+                        <a:rPr lang="en-IN" sz="900">
+                          <a:effectLst/>
+                        </a:rPr>
+                        <a:t>sp_account_no</a:t>
+                      </a:r>
+                      <a:endParaRPr lang="en-IN" sz="1100">
+                        <a:effectLst/>
+                        <a:latin typeface="Times New Roman" panose="02020603050405020304" pitchFamily="18" charset="0"/>
+                        <a:ea typeface="Times New Roman" panose="02020603050405020304" pitchFamily="18" charset="0"/>
+                      </a:endParaRPr>
+                    </a:p>
+                  </a:txBody>
+                  <a:tcPr marL="0" marR="0" marT="0" marB="0" anchor="b"/>
+                </a:tc>
+                <a:tc>
+                  <a:txBody>
+                    <a:bodyPr/>
+                    <a:lstStyle/>
+                    <a:p>
+                      <a:pPr>
+                        <a:lnSpc>
+                          <a:spcPts val="1025"/>
+                        </a:lnSpc>
+                      </a:pPr>
+                      <a:r>
+                        <a:rPr lang="en-IN" sz="900">
+                          <a:effectLst/>
+                        </a:rPr>
+                        <a:t> varchar(20)</a:t>
+                      </a:r>
+                      <a:endParaRPr lang="en-IN" sz="1100">
+                        <a:effectLst/>
+                        <a:latin typeface="Times New Roman" panose="02020603050405020304" pitchFamily="18" charset="0"/>
+                        <a:ea typeface="Times New Roman" panose="02020603050405020304" pitchFamily="18" charset="0"/>
+                      </a:endParaRPr>
+                    </a:p>
+                  </a:txBody>
+                  <a:tcPr marL="0" marR="0" marT="0" marB="0" anchor="b"/>
+                </a:tc>
+                <a:tc>
+                  <a:txBody>
+                    <a:bodyPr/>
+                    <a:lstStyle/>
+                    <a:p>
+                      <a:pPr>
+                        <a:lnSpc>
+                          <a:spcPts val="1025"/>
+                        </a:lnSpc>
+                      </a:pPr>
+                      <a:r>
+                        <a:rPr lang="en-IN" sz="900">
+                          <a:effectLst/>
+                        </a:rPr>
+                        <a:t> </a:t>
+                      </a:r>
+                      <a:endParaRPr lang="en-IN" sz="1100">
+                        <a:effectLst/>
+                        <a:latin typeface="Times New Roman" panose="02020603050405020304" pitchFamily="18" charset="0"/>
+                        <a:ea typeface="Times New Roman" panose="02020603050405020304" pitchFamily="18" charset="0"/>
+                      </a:endParaRPr>
+                    </a:p>
+                  </a:txBody>
+                  <a:tcPr marL="0" marR="0" marT="0" marB="0"/>
+                </a:tc>
+                <a:tc>
+                  <a:txBody>
+                    <a:bodyPr/>
+                    <a:lstStyle/>
+                    <a:p>
+                      <a:pPr>
+                        <a:lnSpc>
+                          <a:spcPts val="1025"/>
+                        </a:lnSpc>
+                      </a:pPr>
+                      <a:r>
+                        <a:rPr lang="en-IN" sz="900">
+                          <a:effectLst/>
+                        </a:rPr>
+                        <a:t>         No</a:t>
+                      </a:r>
+                      <a:endParaRPr lang="en-IN" sz="1100">
+                        <a:effectLst/>
+                        <a:latin typeface="Times New Roman" panose="02020603050405020304" pitchFamily="18" charset="0"/>
+                        <a:ea typeface="Times New Roman" panose="02020603050405020304" pitchFamily="18" charset="0"/>
+                      </a:endParaRPr>
+                    </a:p>
+                  </a:txBody>
+                  <a:tcPr marL="0" marR="0" marT="0" marB="0" anchor="b"/>
+                </a:tc>
+                <a:tc>
+                  <a:txBody>
+                    <a:bodyPr/>
+                    <a:lstStyle/>
+                    <a:p>
+                      <a:r>
+                        <a:rPr lang="en-IN" sz="850">
+                          <a:effectLst/>
+                        </a:rPr>
+                        <a:t> </a:t>
+                      </a:r>
+                      <a:endParaRPr lang="en-IN" sz="1100">
+                        <a:effectLst/>
+                        <a:latin typeface="Times New Roman" panose="02020603050405020304" pitchFamily="18" charset="0"/>
+                        <a:ea typeface="Times New Roman" panose="02020603050405020304" pitchFamily="18" charset="0"/>
+                      </a:endParaRPr>
+                    </a:p>
+                  </a:txBody>
+                  <a:tcPr marL="0" marR="0" marT="0" marB="0" anchor="b"/>
+                </a:tc>
+                <a:tc>
+                  <a:txBody>
+                    <a:bodyPr/>
+                    <a:lstStyle/>
+                    <a:p>
+                      <a:r>
+                        <a:rPr lang="en-IN" sz="850">
+                          <a:effectLst/>
+                        </a:rPr>
+                        <a:t> Service provider’s bank account number</a:t>
+                      </a:r>
+                      <a:endParaRPr lang="en-IN" sz="1100">
+                        <a:effectLst/>
+                        <a:latin typeface="Times New Roman" panose="02020603050405020304" pitchFamily="18" charset="0"/>
+                        <a:ea typeface="Times New Roman" panose="02020603050405020304" pitchFamily="18" charset="0"/>
+                      </a:endParaRPr>
+                    </a:p>
+                  </a:txBody>
+                  <a:tcPr marL="0" marR="0" marT="0" marB="0" anchor="b"/>
+                </a:tc>
+                <a:extLst>
+                  <a:ext uri="{0D108BD9-81ED-4DB2-BD59-A6C34878D82A}">
+                    <a16:rowId xmlns:a16="http://schemas.microsoft.com/office/drawing/2014/main" val="2241910007"/>
+                  </a:ext>
+                </a:extLst>
+              </a:tr>
+              <a:tr h="439481">
+                <a:tc>
+                  <a:txBody>
+                    <a:bodyPr/>
+                    <a:lstStyle/>
+                    <a:p>
+                      <a:pPr marL="38100">
+                        <a:lnSpc>
+                          <a:spcPts val="1025"/>
+                        </a:lnSpc>
+                      </a:pPr>
+                      <a:r>
+                        <a:rPr lang="en-IN" sz="900">
+                          <a:effectLst/>
+                        </a:rPr>
+                        <a:t> </a:t>
+                      </a:r>
+                      <a:endParaRPr lang="en-IN" sz="1100">
+                        <a:effectLst/>
+                      </a:endParaRPr>
+                    </a:p>
+                    <a:p>
+                      <a:pPr marL="38100">
+                        <a:lnSpc>
+                          <a:spcPts val="1025"/>
+                        </a:lnSpc>
+                      </a:pPr>
+                      <a:r>
+                        <a:rPr lang="en-IN" sz="900">
+                          <a:effectLst/>
+                        </a:rPr>
+                        <a:t>service_provider</a:t>
+                      </a:r>
+                      <a:endParaRPr lang="en-IN" sz="1100">
+                        <a:effectLst/>
+                        <a:latin typeface="Times New Roman" panose="02020603050405020304" pitchFamily="18" charset="0"/>
+                        <a:ea typeface="Times New Roman" panose="02020603050405020304" pitchFamily="18" charset="0"/>
+                      </a:endParaRPr>
+                    </a:p>
+                  </a:txBody>
+                  <a:tcPr marL="0" marR="0" marT="0" marB="0"/>
+                </a:tc>
+                <a:tc>
+                  <a:txBody>
+                    <a:bodyPr/>
+                    <a:lstStyle/>
+                    <a:p>
+                      <a:pPr marL="38100">
+                        <a:lnSpc>
+                          <a:spcPts val="1025"/>
+                        </a:lnSpc>
+                      </a:pPr>
+                      <a:r>
+                        <a:rPr lang="en-IN" sz="900">
+                          <a:effectLst/>
+                        </a:rPr>
+                        <a:t>sp_IFSC_no</a:t>
+                      </a:r>
+                      <a:endParaRPr lang="en-IN" sz="1100">
+                        <a:effectLst/>
+                        <a:latin typeface="Times New Roman" panose="02020603050405020304" pitchFamily="18" charset="0"/>
+                        <a:ea typeface="Times New Roman" panose="02020603050405020304" pitchFamily="18" charset="0"/>
+                      </a:endParaRPr>
+                    </a:p>
+                  </a:txBody>
+                  <a:tcPr marL="0" marR="0" marT="0" marB="0" anchor="b"/>
+                </a:tc>
+                <a:tc>
+                  <a:txBody>
+                    <a:bodyPr/>
+                    <a:lstStyle/>
+                    <a:p>
+                      <a:pPr>
+                        <a:lnSpc>
+                          <a:spcPts val="1025"/>
+                        </a:lnSpc>
+                      </a:pPr>
+                      <a:r>
+                        <a:rPr lang="en-IN" sz="900">
+                          <a:effectLst/>
+                        </a:rPr>
+                        <a:t> varchar(11)</a:t>
+                      </a:r>
+                      <a:endParaRPr lang="en-IN" sz="1100">
+                        <a:effectLst/>
+                        <a:latin typeface="Times New Roman" panose="02020603050405020304" pitchFamily="18" charset="0"/>
+                        <a:ea typeface="Times New Roman" panose="02020603050405020304" pitchFamily="18" charset="0"/>
+                      </a:endParaRPr>
+                    </a:p>
+                  </a:txBody>
+                  <a:tcPr marL="0" marR="0" marT="0" marB="0" anchor="b"/>
+                </a:tc>
+                <a:tc>
+                  <a:txBody>
+                    <a:bodyPr/>
+                    <a:lstStyle/>
+                    <a:p>
+                      <a:pPr>
+                        <a:lnSpc>
+                          <a:spcPts val="1025"/>
+                        </a:lnSpc>
+                      </a:pPr>
+                      <a:r>
+                        <a:rPr lang="en-IN" sz="900">
+                          <a:effectLst/>
+                        </a:rPr>
+                        <a:t> </a:t>
+                      </a:r>
+                      <a:endParaRPr lang="en-IN" sz="1100">
+                        <a:effectLst/>
+                        <a:latin typeface="Times New Roman" panose="02020603050405020304" pitchFamily="18" charset="0"/>
+                        <a:ea typeface="Times New Roman" panose="02020603050405020304" pitchFamily="18" charset="0"/>
+                      </a:endParaRPr>
+                    </a:p>
+                  </a:txBody>
+                  <a:tcPr marL="0" marR="0" marT="0" marB="0"/>
+                </a:tc>
+                <a:tc>
+                  <a:txBody>
+                    <a:bodyPr/>
+                    <a:lstStyle/>
+                    <a:p>
+                      <a:pPr>
+                        <a:lnSpc>
+                          <a:spcPts val="1025"/>
+                        </a:lnSpc>
+                      </a:pPr>
+                      <a:r>
+                        <a:rPr lang="en-IN" sz="900">
+                          <a:effectLst/>
+                        </a:rPr>
+                        <a:t>         No</a:t>
+                      </a:r>
+                      <a:endParaRPr lang="en-IN" sz="1100">
+                        <a:effectLst/>
+                        <a:latin typeface="Times New Roman" panose="02020603050405020304" pitchFamily="18" charset="0"/>
+                        <a:ea typeface="Times New Roman" panose="02020603050405020304" pitchFamily="18" charset="0"/>
+                      </a:endParaRPr>
+                    </a:p>
+                  </a:txBody>
+                  <a:tcPr marL="0" marR="0" marT="0" marB="0" anchor="b"/>
+                </a:tc>
+                <a:tc>
+                  <a:txBody>
+                    <a:bodyPr/>
+                    <a:lstStyle/>
+                    <a:p>
+                      <a:r>
+                        <a:rPr lang="en-IN" sz="850">
+                          <a:effectLst/>
+                        </a:rPr>
+                        <a:t> </a:t>
+                      </a:r>
+                      <a:endParaRPr lang="en-IN" sz="1100">
+                        <a:effectLst/>
+                        <a:latin typeface="Times New Roman" panose="02020603050405020304" pitchFamily="18" charset="0"/>
+                        <a:ea typeface="Times New Roman" panose="02020603050405020304" pitchFamily="18" charset="0"/>
+                      </a:endParaRPr>
+                    </a:p>
+                  </a:txBody>
+                  <a:tcPr marL="0" marR="0" marT="0" marB="0" anchor="b"/>
+                </a:tc>
+                <a:tc>
+                  <a:txBody>
+                    <a:bodyPr/>
+                    <a:lstStyle/>
+                    <a:p>
+                      <a:r>
+                        <a:rPr lang="en-IN" sz="850">
+                          <a:effectLst/>
+                        </a:rPr>
+                        <a:t>Service provider’s bank account’s IFSCnumber</a:t>
+                      </a:r>
+                      <a:endParaRPr lang="en-IN" sz="1100">
+                        <a:effectLst/>
+                        <a:latin typeface="Times New Roman" panose="02020603050405020304" pitchFamily="18" charset="0"/>
+                        <a:ea typeface="Times New Roman" panose="02020603050405020304" pitchFamily="18" charset="0"/>
+                      </a:endParaRPr>
+                    </a:p>
+                  </a:txBody>
+                  <a:tcPr marL="0" marR="0" marT="0" marB="0" anchor="b"/>
+                </a:tc>
+                <a:extLst>
+                  <a:ext uri="{0D108BD9-81ED-4DB2-BD59-A6C34878D82A}">
+                    <a16:rowId xmlns:a16="http://schemas.microsoft.com/office/drawing/2014/main" val="2502179922"/>
+                  </a:ext>
+                </a:extLst>
+              </a:tr>
+              <a:tr h="439481">
+                <a:tc>
+                  <a:txBody>
+                    <a:bodyPr/>
+                    <a:lstStyle/>
+                    <a:p>
+                      <a:pPr marL="38100">
+                        <a:lnSpc>
+                          <a:spcPts val="1025"/>
+                        </a:lnSpc>
+                      </a:pPr>
+                      <a:r>
+                        <a:rPr lang="en-IN" sz="900">
+                          <a:effectLst/>
+                        </a:rPr>
+                        <a:t> </a:t>
+                      </a:r>
+                      <a:endParaRPr lang="en-IN" sz="1100">
+                        <a:effectLst/>
+                      </a:endParaRPr>
+                    </a:p>
+                    <a:p>
+                      <a:pPr marL="38100">
+                        <a:lnSpc>
+                          <a:spcPts val="1025"/>
+                        </a:lnSpc>
+                      </a:pPr>
+                      <a:r>
+                        <a:rPr lang="en-IN" sz="900">
+                          <a:effectLst/>
+                        </a:rPr>
+                        <a:t>service_provider</a:t>
+                      </a:r>
+                      <a:endParaRPr lang="en-IN" sz="1100">
+                        <a:effectLst/>
+                        <a:latin typeface="Times New Roman" panose="02020603050405020304" pitchFamily="18" charset="0"/>
+                        <a:ea typeface="Times New Roman" panose="02020603050405020304" pitchFamily="18" charset="0"/>
+                      </a:endParaRPr>
+                    </a:p>
+                  </a:txBody>
+                  <a:tcPr marL="0" marR="0" marT="0" marB="0"/>
+                </a:tc>
+                <a:tc>
+                  <a:txBody>
+                    <a:bodyPr/>
+                    <a:lstStyle/>
+                    <a:p>
+                      <a:pPr marL="38100">
+                        <a:lnSpc>
+                          <a:spcPts val="1025"/>
+                        </a:lnSpc>
+                      </a:pPr>
+                      <a:r>
+                        <a:rPr lang="en-IN" sz="900">
+                          <a:effectLst/>
+                        </a:rPr>
+                        <a:t>sp_city</a:t>
+                      </a:r>
+                      <a:endParaRPr lang="en-IN" sz="1100">
+                        <a:effectLst/>
+                        <a:latin typeface="Times New Roman" panose="02020603050405020304" pitchFamily="18" charset="0"/>
+                        <a:ea typeface="Times New Roman" panose="02020603050405020304" pitchFamily="18" charset="0"/>
+                      </a:endParaRPr>
+                    </a:p>
+                  </a:txBody>
+                  <a:tcPr marL="0" marR="0" marT="0" marB="0" anchor="b"/>
+                </a:tc>
+                <a:tc>
+                  <a:txBody>
+                    <a:bodyPr/>
+                    <a:lstStyle/>
+                    <a:p>
+                      <a:pPr>
+                        <a:lnSpc>
+                          <a:spcPts val="1025"/>
+                        </a:lnSpc>
+                      </a:pPr>
+                      <a:r>
+                        <a:rPr lang="en-IN" sz="900">
+                          <a:effectLst/>
+                        </a:rPr>
+                        <a:t> text</a:t>
+                      </a:r>
+                      <a:endParaRPr lang="en-IN" sz="1100">
+                        <a:effectLst/>
+                        <a:latin typeface="Times New Roman" panose="02020603050405020304" pitchFamily="18" charset="0"/>
+                        <a:ea typeface="Times New Roman" panose="02020603050405020304" pitchFamily="18" charset="0"/>
+                      </a:endParaRPr>
+                    </a:p>
+                  </a:txBody>
+                  <a:tcPr marL="0" marR="0" marT="0" marB="0" anchor="b"/>
+                </a:tc>
+                <a:tc>
+                  <a:txBody>
+                    <a:bodyPr/>
+                    <a:lstStyle/>
+                    <a:p>
+                      <a:pPr>
+                        <a:lnSpc>
+                          <a:spcPts val="1025"/>
+                        </a:lnSpc>
+                      </a:pPr>
+                      <a:r>
+                        <a:rPr lang="en-IN" sz="900">
+                          <a:effectLst/>
+                        </a:rPr>
+                        <a:t> </a:t>
+                      </a:r>
+                      <a:endParaRPr lang="en-IN" sz="1100">
+                        <a:effectLst/>
+                        <a:latin typeface="Times New Roman" panose="02020603050405020304" pitchFamily="18" charset="0"/>
+                        <a:ea typeface="Times New Roman" panose="02020603050405020304" pitchFamily="18" charset="0"/>
+                      </a:endParaRPr>
+                    </a:p>
+                  </a:txBody>
+                  <a:tcPr marL="0" marR="0" marT="0" marB="0"/>
+                </a:tc>
+                <a:tc>
+                  <a:txBody>
+                    <a:bodyPr/>
+                    <a:lstStyle/>
+                    <a:p>
+                      <a:pPr>
+                        <a:lnSpc>
+                          <a:spcPts val="1025"/>
+                        </a:lnSpc>
+                      </a:pPr>
+                      <a:r>
+                        <a:rPr lang="en-IN" sz="900">
+                          <a:effectLst/>
+                        </a:rPr>
+                        <a:t>         No</a:t>
+                      </a:r>
+                      <a:endParaRPr lang="en-IN" sz="1100">
+                        <a:effectLst/>
+                        <a:latin typeface="Times New Roman" panose="02020603050405020304" pitchFamily="18" charset="0"/>
+                        <a:ea typeface="Times New Roman" panose="02020603050405020304" pitchFamily="18" charset="0"/>
+                      </a:endParaRPr>
+                    </a:p>
+                  </a:txBody>
+                  <a:tcPr marL="0" marR="0" marT="0" marB="0" anchor="b"/>
+                </a:tc>
+                <a:tc>
+                  <a:txBody>
+                    <a:bodyPr/>
+                    <a:lstStyle/>
+                    <a:p>
+                      <a:r>
+                        <a:rPr lang="en-IN" sz="850">
+                          <a:effectLst/>
+                        </a:rPr>
+                        <a:t> </a:t>
+                      </a:r>
+                      <a:endParaRPr lang="en-IN" sz="1100">
+                        <a:effectLst/>
+                        <a:latin typeface="Times New Roman" panose="02020603050405020304" pitchFamily="18" charset="0"/>
+                        <a:ea typeface="Times New Roman" panose="02020603050405020304" pitchFamily="18" charset="0"/>
+                      </a:endParaRPr>
+                    </a:p>
+                  </a:txBody>
+                  <a:tcPr marL="0" marR="0" marT="0" marB="0" anchor="b"/>
+                </a:tc>
+                <a:tc>
+                  <a:txBody>
+                    <a:bodyPr/>
+                    <a:lstStyle/>
+                    <a:p>
+                      <a:r>
+                        <a:rPr lang="en-IN" sz="850">
+                          <a:effectLst/>
+                        </a:rPr>
+                        <a:t>Service provider’s service city</a:t>
+                      </a:r>
+                      <a:endParaRPr lang="en-IN" sz="1100">
+                        <a:effectLst/>
+                        <a:latin typeface="Times New Roman" panose="02020603050405020304" pitchFamily="18" charset="0"/>
+                        <a:ea typeface="Times New Roman" panose="02020603050405020304" pitchFamily="18" charset="0"/>
+                      </a:endParaRPr>
+                    </a:p>
+                  </a:txBody>
+                  <a:tcPr marL="0" marR="0" marT="0" marB="0" anchor="b"/>
+                </a:tc>
+                <a:extLst>
+                  <a:ext uri="{0D108BD9-81ED-4DB2-BD59-A6C34878D82A}">
+                    <a16:rowId xmlns:a16="http://schemas.microsoft.com/office/drawing/2014/main" val="452852382"/>
+                  </a:ext>
+                </a:extLst>
+              </a:tr>
+              <a:tr h="439481">
+                <a:tc>
+                  <a:txBody>
+                    <a:bodyPr/>
+                    <a:lstStyle/>
+                    <a:p>
+                      <a:pPr marL="38100">
+                        <a:lnSpc>
+                          <a:spcPts val="1025"/>
+                        </a:lnSpc>
+                      </a:pPr>
+                      <a:r>
+                        <a:rPr lang="en-IN" sz="900">
+                          <a:effectLst/>
+                        </a:rPr>
+                        <a:t> </a:t>
+                      </a:r>
+                      <a:endParaRPr lang="en-IN" sz="1100">
+                        <a:effectLst/>
+                      </a:endParaRPr>
+                    </a:p>
+                    <a:p>
+                      <a:pPr marL="38100">
+                        <a:lnSpc>
+                          <a:spcPts val="1025"/>
+                        </a:lnSpc>
+                      </a:pPr>
+                      <a:r>
+                        <a:rPr lang="en-IN" sz="900">
+                          <a:effectLst/>
+                        </a:rPr>
+                        <a:t>service_provider</a:t>
+                      </a:r>
+                      <a:endParaRPr lang="en-IN" sz="1100">
+                        <a:effectLst/>
+                        <a:latin typeface="Times New Roman" panose="02020603050405020304" pitchFamily="18" charset="0"/>
+                        <a:ea typeface="Times New Roman" panose="02020603050405020304" pitchFamily="18" charset="0"/>
+                      </a:endParaRPr>
+                    </a:p>
+                  </a:txBody>
+                  <a:tcPr marL="0" marR="0" marT="0" marB="0"/>
+                </a:tc>
+                <a:tc>
+                  <a:txBody>
+                    <a:bodyPr/>
+                    <a:lstStyle/>
+                    <a:p>
+                      <a:pPr marL="38100">
+                        <a:lnSpc>
+                          <a:spcPts val="1025"/>
+                        </a:lnSpc>
+                      </a:pPr>
+                      <a:r>
+                        <a:rPr lang="en-IN" sz="900">
+                          <a:effectLst/>
+                        </a:rPr>
+                        <a:t>s_name</a:t>
+                      </a:r>
+                      <a:endParaRPr lang="en-IN" sz="1100">
+                        <a:effectLst/>
+                        <a:latin typeface="Times New Roman" panose="02020603050405020304" pitchFamily="18" charset="0"/>
+                        <a:ea typeface="Times New Roman" panose="02020603050405020304" pitchFamily="18" charset="0"/>
+                      </a:endParaRPr>
+                    </a:p>
+                  </a:txBody>
+                  <a:tcPr marL="0" marR="0" marT="0" marB="0" anchor="b"/>
+                </a:tc>
+                <a:tc>
+                  <a:txBody>
+                    <a:bodyPr/>
+                    <a:lstStyle/>
+                    <a:p>
+                      <a:pPr>
+                        <a:lnSpc>
+                          <a:spcPts val="1025"/>
+                        </a:lnSpc>
+                      </a:pPr>
+                      <a:r>
+                        <a:rPr lang="en-IN" sz="900">
+                          <a:effectLst/>
+                        </a:rPr>
+                        <a:t> varchar(50)</a:t>
+                      </a:r>
+                      <a:endParaRPr lang="en-IN" sz="1100">
+                        <a:effectLst/>
+                        <a:latin typeface="Times New Roman" panose="02020603050405020304" pitchFamily="18" charset="0"/>
+                        <a:ea typeface="Times New Roman" panose="02020603050405020304" pitchFamily="18" charset="0"/>
+                      </a:endParaRPr>
+                    </a:p>
+                  </a:txBody>
+                  <a:tcPr marL="0" marR="0" marT="0" marB="0" anchor="b"/>
+                </a:tc>
+                <a:tc>
+                  <a:txBody>
+                    <a:bodyPr/>
+                    <a:lstStyle/>
+                    <a:p>
+                      <a:pPr>
+                        <a:lnSpc>
+                          <a:spcPts val="1025"/>
+                        </a:lnSpc>
+                      </a:pPr>
+                      <a:r>
+                        <a:rPr lang="en-IN" sz="900">
+                          <a:effectLst/>
+                        </a:rPr>
+                        <a:t> </a:t>
+                      </a:r>
+                      <a:endParaRPr lang="en-IN" sz="1100">
+                        <a:effectLst/>
+                        <a:latin typeface="Times New Roman" panose="02020603050405020304" pitchFamily="18" charset="0"/>
+                        <a:ea typeface="Times New Roman" panose="02020603050405020304" pitchFamily="18" charset="0"/>
+                      </a:endParaRPr>
+                    </a:p>
+                  </a:txBody>
+                  <a:tcPr marL="0" marR="0" marT="0" marB="0"/>
+                </a:tc>
+                <a:tc>
+                  <a:txBody>
+                    <a:bodyPr/>
+                    <a:lstStyle/>
+                    <a:p>
+                      <a:pPr>
+                        <a:lnSpc>
+                          <a:spcPts val="1025"/>
+                        </a:lnSpc>
+                      </a:pPr>
+                      <a:r>
+                        <a:rPr lang="en-IN" sz="900">
+                          <a:effectLst/>
+                        </a:rPr>
+                        <a:t>         No</a:t>
+                      </a:r>
+                      <a:endParaRPr lang="en-IN" sz="1100">
+                        <a:effectLst/>
+                        <a:latin typeface="Times New Roman" panose="02020603050405020304" pitchFamily="18" charset="0"/>
+                        <a:ea typeface="Times New Roman" panose="02020603050405020304" pitchFamily="18" charset="0"/>
+                      </a:endParaRPr>
+                    </a:p>
+                  </a:txBody>
+                  <a:tcPr marL="0" marR="0" marT="0" marB="0" anchor="b"/>
+                </a:tc>
+                <a:tc>
+                  <a:txBody>
+                    <a:bodyPr/>
+                    <a:lstStyle/>
+                    <a:p>
+                      <a:r>
+                        <a:rPr lang="en-IN" sz="850">
+                          <a:effectLst/>
+                        </a:rPr>
+                        <a:t> </a:t>
+                      </a:r>
+                      <a:endParaRPr lang="en-IN" sz="1100">
+                        <a:effectLst/>
+                        <a:latin typeface="Times New Roman" panose="02020603050405020304" pitchFamily="18" charset="0"/>
+                        <a:ea typeface="Times New Roman" panose="02020603050405020304" pitchFamily="18" charset="0"/>
+                      </a:endParaRPr>
+                    </a:p>
+                  </a:txBody>
+                  <a:tcPr marL="0" marR="0" marT="0" marB="0" anchor="b"/>
+                </a:tc>
+                <a:tc>
+                  <a:txBody>
+                    <a:bodyPr/>
+                    <a:lstStyle/>
+                    <a:p>
+                      <a:r>
+                        <a:rPr lang="en-IN" sz="850">
+                          <a:effectLst/>
+                        </a:rPr>
+                        <a:t> Service name</a:t>
+                      </a:r>
+                      <a:endParaRPr lang="en-IN" sz="1100">
+                        <a:effectLst/>
+                        <a:latin typeface="Times New Roman" panose="02020603050405020304" pitchFamily="18" charset="0"/>
+                        <a:ea typeface="Times New Roman" panose="02020603050405020304" pitchFamily="18" charset="0"/>
+                      </a:endParaRPr>
+                    </a:p>
+                  </a:txBody>
+                  <a:tcPr marL="0" marR="0" marT="0" marB="0" anchor="b"/>
+                </a:tc>
+                <a:extLst>
+                  <a:ext uri="{0D108BD9-81ED-4DB2-BD59-A6C34878D82A}">
+                    <a16:rowId xmlns:a16="http://schemas.microsoft.com/office/drawing/2014/main" val="3938783206"/>
+                  </a:ext>
+                </a:extLst>
+              </a:tr>
+              <a:tr h="439481">
+                <a:tc>
+                  <a:txBody>
+                    <a:bodyPr/>
+                    <a:lstStyle/>
+                    <a:p>
+                      <a:pPr marL="38100">
+                        <a:lnSpc>
+                          <a:spcPts val="1025"/>
+                        </a:lnSpc>
+                      </a:pPr>
+                      <a:r>
+                        <a:rPr lang="en-IN" sz="900">
+                          <a:effectLst/>
+                        </a:rPr>
+                        <a:t> </a:t>
+                      </a:r>
+                      <a:endParaRPr lang="en-IN" sz="1100">
+                        <a:effectLst/>
+                      </a:endParaRPr>
+                    </a:p>
+                    <a:p>
+                      <a:pPr marL="38100">
+                        <a:lnSpc>
+                          <a:spcPts val="1025"/>
+                        </a:lnSpc>
+                      </a:pPr>
+                      <a:r>
+                        <a:rPr lang="en-IN" sz="900">
+                          <a:effectLst/>
+                        </a:rPr>
+                        <a:t>service_provider</a:t>
+                      </a:r>
+                      <a:endParaRPr lang="en-IN" sz="1100">
+                        <a:effectLst/>
+                        <a:latin typeface="Times New Roman" panose="02020603050405020304" pitchFamily="18" charset="0"/>
+                        <a:ea typeface="Times New Roman" panose="02020603050405020304" pitchFamily="18" charset="0"/>
+                      </a:endParaRPr>
+                    </a:p>
+                  </a:txBody>
+                  <a:tcPr marL="0" marR="0" marT="0" marB="0"/>
+                </a:tc>
+                <a:tc>
+                  <a:txBody>
+                    <a:bodyPr/>
+                    <a:lstStyle/>
+                    <a:p>
+                      <a:pPr marL="38100">
+                        <a:lnSpc>
+                          <a:spcPts val="1025"/>
+                        </a:lnSpc>
+                      </a:pPr>
+                      <a:r>
+                        <a:rPr lang="en-IN" sz="900">
+                          <a:effectLst/>
+                        </a:rPr>
+                        <a:t>password</a:t>
+                      </a:r>
+                      <a:endParaRPr lang="en-IN" sz="1100">
+                        <a:effectLst/>
+                        <a:latin typeface="Times New Roman" panose="02020603050405020304" pitchFamily="18" charset="0"/>
+                        <a:ea typeface="Times New Roman" panose="02020603050405020304" pitchFamily="18" charset="0"/>
+                      </a:endParaRPr>
+                    </a:p>
+                  </a:txBody>
+                  <a:tcPr marL="0" marR="0" marT="0" marB="0" anchor="b"/>
+                </a:tc>
+                <a:tc>
+                  <a:txBody>
+                    <a:bodyPr/>
+                    <a:lstStyle/>
+                    <a:p>
+                      <a:pPr>
+                        <a:lnSpc>
+                          <a:spcPts val="1025"/>
+                        </a:lnSpc>
+                      </a:pPr>
+                      <a:r>
+                        <a:rPr lang="en-IN" sz="900">
+                          <a:effectLst/>
+                        </a:rPr>
+                        <a:t> varchar(255)</a:t>
+                      </a:r>
+                      <a:endParaRPr lang="en-IN" sz="1100">
+                        <a:effectLst/>
+                        <a:latin typeface="Times New Roman" panose="02020603050405020304" pitchFamily="18" charset="0"/>
+                        <a:ea typeface="Times New Roman" panose="02020603050405020304" pitchFamily="18" charset="0"/>
+                      </a:endParaRPr>
+                    </a:p>
+                  </a:txBody>
+                  <a:tcPr marL="0" marR="0" marT="0" marB="0" anchor="b"/>
+                </a:tc>
+                <a:tc>
+                  <a:txBody>
+                    <a:bodyPr/>
+                    <a:lstStyle/>
+                    <a:p>
+                      <a:pPr>
+                        <a:lnSpc>
+                          <a:spcPts val="1025"/>
+                        </a:lnSpc>
+                      </a:pPr>
+                      <a:r>
+                        <a:rPr lang="en-IN" sz="900">
+                          <a:effectLst/>
+                        </a:rPr>
+                        <a:t> </a:t>
+                      </a:r>
+                      <a:endParaRPr lang="en-IN" sz="1100">
+                        <a:effectLst/>
+                        <a:latin typeface="Times New Roman" panose="02020603050405020304" pitchFamily="18" charset="0"/>
+                        <a:ea typeface="Times New Roman" panose="02020603050405020304" pitchFamily="18" charset="0"/>
+                      </a:endParaRPr>
+                    </a:p>
+                  </a:txBody>
+                  <a:tcPr marL="0" marR="0" marT="0" marB="0"/>
+                </a:tc>
+                <a:tc>
+                  <a:txBody>
+                    <a:bodyPr/>
+                    <a:lstStyle/>
+                    <a:p>
+                      <a:pPr>
+                        <a:lnSpc>
+                          <a:spcPts val="1025"/>
+                        </a:lnSpc>
+                      </a:pPr>
+                      <a:r>
+                        <a:rPr lang="en-IN" sz="900">
+                          <a:effectLst/>
+                        </a:rPr>
+                        <a:t>         No</a:t>
+                      </a:r>
+                      <a:endParaRPr lang="en-IN" sz="1100">
+                        <a:effectLst/>
+                        <a:latin typeface="Times New Roman" panose="02020603050405020304" pitchFamily="18" charset="0"/>
+                        <a:ea typeface="Times New Roman" panose="02020603050405020304" pitchFamily="18" charset="0"/>
+                      </a:endParaRPr>
+                    </a:p>
+                  </a:txBody>
+                  <a:tcPr marL="0" marR="0" marT="0" marB="0" anchor="b"/>
+                </a:tc>
+                <a:tc>
+                  <a:txBody>
+                    <a:bodyPr/>
+                    <a:lstStyle/>
+                    <a:p>
+                      <a:r>
+                        <a:rPr lang="en-IN" sz="850">
+                          <a:effectLst/>
+                        </a:rPr>
+                        <a:t> </a:t>
+                      </a:r>
+                      <a:endParaRPr lang="en-IN" sz="1100">
+                        <a:effectLst/>
+                        <a:latin typeface="Times New Roman" panose="02020603050405020304" pitchFamily="18" charset="0"/>
+                        <a:ea typeface="Times New Roman" panose="02020603050405020304" pitchFamily="18" charset="0"/>
+                      </a:endParaRPr>
+                    </a:p>
+                  </a:txBody>
+                  <a:tcPr marL="0" marR="0" marT="0" marB="0" anchor="b"/>
+                </a:tc>
+                <a:tc>
+                  <a:txBody>
+                    <a:bodyPr/>
+                    <a:lstStyle/>
+                    <a:p>
+                      <a:r>
+                        <a:rPr lang="en-IN" sz="850" dirty="0">
+                          <a:effectLst/>
+                        </a:rPr>
+                        <a:t> Valid password given by service provider</a:t>
+                      </a:r>
+                      <a:endParaRPr lang="en-IN" sz="1100" dirty="0">
+                        <a:effectLst/>
+                        <a:latin typeface="Times New Roman" panose="02020603050405020304" pitchFamily="18" charset="0"/>
+                        <a:ea typeface="Times New Roman" panose="02020603050405020304" pitchFamily="18" charset="0"/>
+                      </a:endParaRPr>
+                    </a:p>
+                  </a:txBody>
+                  <a:tcPr marL="0" marR="0" marT="0" marB="0" anchor="b"/>
+                </a:tc>
+                <a:extLst>
+                  <a:ext uri="{0D108BD9-81ED-4DB2-BD59-A6C34878D82A}">
+                    <a16:rowId xmlns:a16="http://schemas.microsoft.com/office/drawing/2014/main" val="4227925537"/>
+                  </a:ext>
+                </a:extLst>
+              </a:tr>
+            </a:tbl>
+          </a:graphicData>
+        </a:graphic>
+      </p:graphicFrame>
+    </p:spTree>
+    <p:extLst>
+      <p:ext uri="{BB962C8B-B14F-4D97-AF65-F5344CB8AC3E}">
+        <p14:creationId xmlns:p14="http://schemas.microsoft.com/office/powerpoint/2010/main" val="4157353981"/>
+      </p:ext>
+    </p:extLst>
+  </p:cSld>
+  <p:clrMapOvr>
+    <a:masterClrMapping/>
+  </p:clrMapOvr>
+</p:sld>
+</file>
+
+<file path=ppt/slides/slide13.xml><?xml version="1.0" encoding="utf-8"?>
+<p:sld xmlns:a="http://schemas.openxmlformats.org/drawingml/2006/main" xmlns:r="http://schemas.openxmlformats.org/officeDocument/2006/relationships" xmlns:p="http://schemas.openxmlformats.org/presentationml/2006/main">
+  <p:cSld>
+    <p:spTree>
+      <p:nvGrpSpPr>
+        <p:cNvPr id="1" name=""/>
+        <p:cNvGrpSpPr/>
+        <p:nvPr/>
+      </p:nvGrpSpPr>
+      <p:grpSpPr>
+        <a:xfrm>
+          <a:off x="0" y="0"/>
+          <a:ext cx="0" cy="0"/>
+          <a:chOff x="0" y="0"/>
+          <a:chExt cx="0" cy="0"/>
+        </a:xfrm>
+      </p:grpSpPr>
+      <p:graphicFrame>
+        <p:nvGraphicFramePr>
+          <p:cNvPr id="2" name="Table 1">
+            <a:extLst>
+              <a:ext uri="{FF2B5EF4-FFF2-40B4-BE49-F238E27FC236}">
+                <a16:creationId xmlns:a16="http://schemas.microsoft.com/office/drawing/2014/main" id="{095F6329-DAD2-4336-BD3F-2C5022C4290E}"/>
+              </a:ext>
+            </a:extLst>
+          </p:cNvPr>
+          <p:cNvGraphicFramePr>
+            <a:graphicFrameLocks noGrp="1"/>
+          </p:cNvGraphicFramePr>
+          <p:nvPr>
+            <p:extLst>
+              <p:ext uri="{D42A27DB-BD31-4B8C-83A1-F6EECF244321}">
+                <p14:modId xmlns:p14="http://schemas.microsoft.com/office/powerpoint/2010/main" val="1325692567"/>
+              </p:ext>
+            </p:extLst>
+          </p:nvPr>
+        </p:nvGraphicFramePr>
+        <p:xfrm>
+          <a:off x="822960" y="411480"/>
+          <a:ext cx="10538461" cy="5417624"/>
+        </p:xfrm>
+        <a:graphic>
+          <a:graphicData uri="http://schemas.openxmlformats.org/drawingml/2006/table">
+            <a:tbl>
+              <a:tblPr firstRow="1" firstCol="1" bandRow="1">
+                <a:tableStyleId>{5C22544A-7EE6-4342-B048-85BDC9FD1C3A}</a:tableStyleId>
+              </a:tblPr>
+              <a:tblGrid>
+                <a:gridCol w="1783080">
+                  <a:extLst>
+                    <a:ext uri="{9D8B030D-6E8A-4147-A177-3AD203B41FA5}">
+                      <a16:colId xmlns:a16="http://schemas.microsoft.com/office/drawing/2014/main" val="823308053"/>
+                    </a:ext>
+                  </a:extLst>
+                </a:gridCol>
+                <a:gridCol w="1531620">
+                  <a:extLst>
+                    <a:ext uri="{9D8B030D-6E8A-4147-A177-3AD203B41FA5}">
+                      <a16:colId xmlns:a16="http://schemas.microsoft.com/office/drawing/2014/main" val="3369253589"/>
+                    </a:ext>
+                  </a:extLst>
+                </a:gridCol>
+                <a:gridCol w="1348740">
+                  <a:extLst>
+                    <a:ext uri="{9D8B030D-6E8A-4147-A177-3AD203B41FA5}">
+                      <a16:colId xmlns:a16="http://schemas.microsoft.com/office/drawing/2014/main" val="1432337178"/>
+                    </a:ext>
+                  </a:extLst>
+                </a:gridCol>
+                <a:gridCol w="1257300">
+                  <a:extLst>
+                    <a:ext uri="{9D8B030D-6E8A-4147-A177-3AD203B41FA5}">
+                      <a16:colId xmlns:a16="http://schemas.microsoft.com/office/drawing/2014/main" val="1667775156"/>
+                    </a:ext>
+                  </a:extLst>
+                </a:gridCol>
+                <a:gridCol w="1188720">
+                  <a:extLst>
+                    <a:ext uri="{9D8B030D-6E8A-4147-A177-3AD203B41FA5}">
+                      <a16:colId xmlns:a16="http://schemas.microsoft.com/office/drawing/2014/main" val="1800287868"/>
+                    </a:ext>
+                  </a:extLst>
+                </a:gridCol>
+                <a:gridCol w="1051560">
+                  <a:extLst>
+                    <a:ext uri="{9D8B030D-6E8A-4147-A177-3AD203B41FA5}">
+                      <a16:colId xmlns:a16="http://schemas.microsoft.com/office/drawing/2014/main" val="3898441923"/>
+                    </a:ext>
+                  </a:extLst>
+                </a:gridCol>
+                <a:gridCol w="2377441">
+                  <a:extLst>
+                    <a:ext uri="{9D8B030D-6E8A-4147-A177-3AD203B41FA5}">
+                      <a16:colId xmlns:a16="http://schemas.microsoft.com/office/drawing/2014/main" val="3040436499"/>
+                    </a:ext>
+                  </a:extLst>
+                </a:gridCol>
+              </a:tblGrid>
+              <a:tr h="500102">
+                <a:tc>
+                  <a:txBody>
+                    <a:bodyPr/>
+                    <a:lstStyle/>
+                    <a:p>
+                      <a:pPr algn="l"/>
+                      <a:r>
+                        <a:rPr lang="en-IN" sz="1200" dirty="0">
+                          <a:effectLst/>
+                        </a:rPr>
+                        <a:t> </a:t>
+                      </a:r>
+                      <a:endParaRPr lang="en-IN" sz="1100" dirty="0">
+                        <a:effectLst/>
+                      </a:endParaRPr>
+                    </a:p>
+                    <a:p>
+                      <a:pPr algn="l"/>
+                      <a:r>
+                        <a:rPr lang="en-IN" sz="1200" dirty="0">
+                          <a:effectLst/>
+                        </a:rPr>
+                        <a:t> </a:t>
+                      </a:r>
+                      <a:endParaRPr lang="en-IN" sz="1100" dirty="0">
+                        <a:effectLst/>
+                      </a:endParaRPr>
+                    </a:p>
+                    <a:p>
+                      <a:pPr algn="l"/>
+                      <a:r>
+                        <a:rPr lang="en-IN" sz="1200" dirty="0">
+                          <a:effectLst/>
+                        </a:rPr>
+                        <a:t> </a:t>
+                      </a:r>
+                      <a:endParaRPr lang="en-IN" sz="1100" dirty="0">
+                        <a:effectLst/>
+                      </a:endParaRPr>
+                    </a:p>
+                    <a:p>
+                      <a:pPr algn="l"/>
+                      <a:r>
+                        <a:rPr lang="en-IN" sz="1200" dirty="0">
+                          <a:effectLst/>
+                        </a:rPr>
+                        <a:t> </a:t>
+                      </a:r>
+                      <a:endParaRPr lang="en-IN" sz="1100" dirty="0">
+                        <a:effectLst/>
+                      </a:endParaRPr>
+                    </a:p>
+                    <a:p>
+                      <a:pPr algn="l"/>
+                      <a:r>
+                        <a:rPr lang="en-IN" sz="1200" dirty="0">
+                          <a:effectLst/>
+                        </a:rPr>
+                        <a:t>      </a:t>
+                      </a:r>
+                    </a:p>
+                    <a:p>
+                      <a:pPr algn="l"/>
+                      <a:endParaRPr lang="en-IN" sz="1200" dirty="0">
+                        <a:effectLst/>
+                      </a:endParaRPr>
+                    </a:p>
+                    <a:p>
+                      <a:pPr algn="l"/>
+                      <a:r>
+                        <a:rPr lang="en-IN" sz="1200" dirty="0">
+                          <a:effectLst/>
+                        </a:rPr>
+                        <a:t>    </a:t>
+                      </a:r>
+                    </a:p>
+                    <a:p>
+                      <a:pPr algn="l"/>
+                      <a:r>
+                        <a:rPr lang="en-IN" sz="1200" dirty="0">
+                          <a:effectLst/>
+                        </a:rPr>
+                        <a:t>         Table</a:t>
+                      </a:r>
+                      <a:endParaRPr lang="en-IN" sz="1100" dirty="0">
+                        <a:effectLst/>
+                        <a:latin typeface="Times New Roman" panose="02020603050405020304" pitchFamily="18" charset="0"/>
+                        <a:ea typeface="Times New Roman" panose="02020603050405020304" pitchFamily="18" charset="0"/>
+                      </a:endParaRPr>
+                    </a:p>
+                  </a:txBody>
+                  <a:tcPr marL="0" marR="0" marT="0" marB="0"/>
+                </a:tc>
+                <a:tc>
+                  <a:txBody>
+                    <a:bodyPr/>
+                    <a:lstStyle/>
+                    <a:p>
+                      <a:pPr marL="12700" algn="ctr"/>
+                      <a:r>
+                        <a:rPr lang="en-IN" sz="1200">
+                          <a:effectLst/>
+                        </a:rPr>
+                        <a:t>Column</a:t>
+                      </a:r>
+                      <a:endParaRPr lang="en-IN" sz="1100">
+                        <a:effectLst/>
+                        <a:latin typeface="Times New Roman" panose="02020603050405020304" pitchFamily="18" charset="0"/>
+                        <a:ea typeface="Times New Roman" panose="02020603050405020304" pitchFamily="18" charset="0"/>
+                      </a:endParaRPr>
+                    </a:p>
+                  </a:txBody>
+                  <a:tcPr marL="0" marR="0" marT="0" marB="0" anchor="b"/>
+                </a:tc>
+                <a:tc>
+                  <a:txBody>
+                    <a:bodyPr/>
+                    <a:lstStyle/>
+                    <a:p>
+                      <a:pPr algn="ctr"/>
+                      <a:r>
+                        <a:rPr lang="en-IN" sz="1200">
+                          <a:effectLst/>
+                        </a:rPr>
+                        <a:t>Data Type</a:t>
+                      </a:r>
+                      <a:endParaRPr lang="en-IN" sz="1100">
+                        <a:effectLst/>
+                        <a:latin typeface="Times New Roman" panose="02020603050405020304" pitchFamily="18" charset="0"/>
+                        <a:ea typeface="Times New Roman" panose="02020603050405020304" pitchFamily="18" charset="0"/>
+                      </a:endParaRPr>
+                    </a:p>
+                  </a:txBody>
+                  <a:tcPr marL="0" marR="0" marT="0" marB="0" anchor="b"/>
+                </a:tc>
+                <a:tc>
+                  <a:txBody>
+                    <a:bodyPr/>
+                    <a:lstStyle/>
+                    <a:p>
+                      <a:pPr algn="l"/>
+                      <a:r>
+                        <a:rPr lang="en-IN" sz="1200" dirty="0">
+                          <a:effectLst/>
+                        </a:rPr>
+                        <a:t> </a:t>
+                      </a:r>
+                      <a:endParaRPr lang="en-IN" sz="1100" dirty="0">
+                        <a:effectLst/>
+                      </a:endParaRPr>
+                    </a:p>
+                    <a:p>
+                      <a:pPr algn="l"/>
+                      <a:r>
+                        <a:rPr lang="en-IN" sz="1200" dirty="0">
+                          <a:effectLst/>
+                        </a:rPr>
+                        <a:t> </a:t>
+                      </a:r>
+                      <a:endParaRPr lang="en-IN" sz="1100" dirty="0">
+                        <a:effectLst/>
+                      </a:endParaRPr>
+                    </a:p>
+                    <a:p>
+                      <a:pPr algn="l"/>
+                      <a:r>
+                        <a:rPr lang="en-IN" sz="1200" dirty="0">
+                          <a:effectLst/>
+                        </a:rPr>
+                        <a:t> </a:t>
+                      </a:r>
+                      <a:endParaRPr lang="en-IN" sz="1100" dirty="0">
+                        <a:effectLst/>
+                      </a:endParaRPr>
+                    </a:p>
+                    <a:p>
+                      <a:pPr algn="l"/>
+                      <a:r>
+                        <a:rPr lang="en-IN" sz="1200" dirty="0">
+                          <a:effectLst/>
+                        </a:rPr>
+                        <a:t> </a:t>
+                      </a:r>
+                      <a:endParaRPr lang="en-IN" sz="1100" dirty="0">
+                        <a:effectLst/>
+                      </a:endParaRPr>
+                    </a:p>
+                    <a:p>
+                      <a:pPr algn="l"/>
+                      <a:r>
+                        <a:rPr lang="en-IN" sz="1200" dirty="0">
+                          <a:effectLst/>
+                        </a:rPr>
+                        <a:t>    </a:t>
+                      </a:r>
+                    </a:p>
+                    <a:p>
+                      <a:pPr algn="l"/>
+                      <a:endParaRPr lang="en-IN" sz="1200" dirty="0">
+                        <a:effectLst/>
+                      </a:endParaRPr>
+                    </a:p>
+                    <a:p>
+                      <a:pPr algn="l"/>
+                      <a:r>
+                        <a:rPr lang="en-IN" sz="1200" dirty="0">
+                          <a:effectLst/>
+                        </a:rPr>
+                        <a:t>     </a:t>
+                      </a:r>
+                    </a:p>
+                    <a:p>
+                      <a:pPr algn="l"/>
+                      <a:r>
+                        <a:rPr lang="en-IN" sz="1200" dirty="0">
+                          <a:effectLst/>
+                        </a:rPr>
+                        <a:t>    Primary Key</a:t>
+                      </a:r>
+                      <a:endParaRPr lang="en-IN" sz="1100" dirty="0">
+                        <a:effectLst/>
+                        <a:latin typeface="Times New Roman" panose="02020603050405020304" pitchFamily="18" charset="0"/>
+                        <a:ea typeface="Times New Roman" panose="02020603050405020304" pitchFamily="18" charset="0"/>
+                      </a:endParaRPr>
+                    </a:p>
+                  </a:txBody>
+                  <a:tcPr marL="0" marR="0" marT="0" marB="0"/>
+                </a:tc>
+                <a:tc>
+                  <a:txBody>
+                    <a:bodyPr/>
+                    <a:lstStyle/>
+                    <a:p>
+                      <a:pPr algn="ctr"/>
+                      <a:r>
+                        <a:rPr lang="en-IN" sz="1200">
+                          <a:effectLst/>
+                        </a:rPr>
+                        <a:t>Nullable</a:t>
+                      </a:r>
+                      <a:endParaRPr lang="en-IN" sz="1100">
+                        <a:effectLst/>
+                        <a:latin typeface="Times New Roman" panose="02020603050405020304" pitchFamily="18" charset="0"/>
+                        <a:ea typeface="Times New Roman" panose="02020603050405020304" pitchFamily="18" charset="0"/>
+                      </a:endParaRPr>
+                    </a:p>
+                  </a:txBody>
+                  <a:tcPr marL="0" marR="0" marT="0" marB="0" anchor="b"/>
+                </a:tc>
+                <a:tc>
+                  <a:txBody>
+                    <a:bodyPr/>
+                    <a:lstStyle/>
+                    <a:p>
+                      <a:pPr algn="ctr"/>
+                      <a:r>
+                        <a:rPr lang="en-IN" sz="1200">
+                          <a:effectLst/>
+                        </a:rPr>
+                        <a:t>Default</a:t>
+                      </a:r>
+                      <a:endParaRPr lang="en-IN" sz="1100">
+                        <a:effectLst/>
+                        <a:latin typeface="Times New Roman" panose="02020603050405020304" pitchFamily="18" charset="0"/>
+                        <a:ea typeface="Times New Roman" panose="02020603050405020304" pitchFamily="18" charset="0"/>
+                      </a:endParaRPr>
+                    </a:p>
+                  </a:txBody>
+                  <a:tcPr marL="0" marR="0" marT="0" marB="0" anchor="b"/>
+                </a:tc>
+                <a:tc>
+                  <a:txBody>
+                    <a:bodyPr/>
+                    <a:lstStyle/>
+                    <a:p>
+                      <a:pPr algn="ctr"/>
+                      <a:r>
+                        <a:rPr lang="en-IN" sz="1200">
+                          <a:effectLst/>
+                        </a:rPr>
+                        <a:t>Comments</a:t>
+                      </a:r>
+                      <a:endParaRPr lang="en-IN" sz="1100">
+                        <a:effectLst/>
+                        <a:latin typeface="Times New Roman" panose="02020603050405020304" pitchFamily="18" charset="0"/>
+                        <a:ea typeface="Times New Roman" panose="02020603050405020304" pitchFamily="18" charset="0"/>
+                      </a:endParaRPr>
+                    </a:p>
+                  </a:txBody>
+                  <a:tcPr marL="0" marR="0" marT="0" marB="0" anchor="b"/>
+                </a:tc>
+                <a:extLst>
+                  <a:ext uri="{0D108BD9-81ED-4DB2-BD59-A6C34878D82A}">
+                    <a16:rowId xmlns:a16="http://schemas.microsoft.com/office/drawing/2014/main" val="715965492"/>
+                  </a:ext>
+                </a:extLst>
+              </a:tr>
+              <a:tr h="474511">
+                <a:tc>
+                  <a:txBody>
+                    <a:bodyPr/>
+                    <a:lstStyle/>
+                    <a:p>
+                      <a:pPr marL="38100" algn="l">
+                        <a:lnSpc>
+                          <a:spcPts val="990"/>
+                        </a:lnSpc>
+                      </a:pPr>
+                      <a:r>
+                        <a:rPr lang="en-IN" sz="1100">
+                          <a:effectLst/>
+                        </a:rPr>
+                        <a:t> </a:t>
+                      </a:r>
+                    </a:p>
+                    <a:p>
+                      <a:pPr marL="38100" algn="l">
+                        <a:lnSpc>
+                          <a:spcPts val="990"/>
+                        </a:lnSpc>
+                      </a:pPr>
+                      <a:r>
+                        <a:rPr lang="en-IN" sz="1100">
+                          <a:effectLst/>
+                        </a:rPr>
+                        <a:t>orderdetails</a:t>
+                      </a:r>
+                      <a:endParaRPr lang="en-IN" sz="1100">
+                        <a:effectLst/>
+                        <a:latin typeface="Times New Roman" panose="02020603050405020304" pitchFamily="18" charset="0"/>
+                        <a:ea typeface="Times New Roman" panose="02020603050405020304" pitchFamily="18" charset="0"/>
+                      </a:endParaRPr>
+                    </a:p>
+                  </a:txBody>
+                  <a:tcPr marL="0" marR="0" marT="0" marB="0"/>
+                </a:tc>
+                <a:tc>
+                  <a:txBody>
+                    <a:bodyPr/>
+                    <a:lstStyle/>
+                    <a:p>
+                      <a:pPr marL="38100" algn="l">
+                        <a:lnSpc>
+                          <a:spcPts val="990"/>
+                        </a:lnSpc>
+                      </a:pPr>
+                      <a:r>
+                        <a:rPr lang="en-IN" sz="1100">
+                          <a:effectLst/>
+                        </a:rPr>
+                        <a:t>order_id</a:t>
+                      </a:r>
+                      <a:endParaRPr lang="en-IN" sz="1100">
+                        <a:effectLst/>
+                        <a:latin typeface="Times New Roman" panose="02020603050405020304" pitchFamily="18" charset="0"/>
+                        <a:ea typeface="Times New Roman" panose="02020603050405020304" pitchFamily="18" charset="0"/>
+                      </a:endParaRPr>
+                    </a:p>
+                  </a:txBody>
+                  <a:tcPr marL="0" marR="0" marT="0" marB="0" anchor="b"/>
+                </a:tc>
+                <a:tc>
+                  <a:txBody>
+                    <a:bodyPr/>
+                    <a:lstStyle/>
+                    <a:p>
+                      <a:pPr algn="l">
+                        <a:lnSpc>
+                          <a:spcPts val="990"/>
+                        </a:lnSpc>
+                      </a:pPr>
+                      <a:r>
+                        <a:rPr lang="en-IN" sz="1100">
+                          <a:effectLst/>
+                        </a:rPr>
+                        <a:t> int(10)</a:t>
+                      </a:r>
+                      <a:endParaRPr lang="en-IN" sz="1100">
+                        <a:effectLst/>
+                        <a:latin typeface="Times New Roman" panose="02020603050405020304" pitchFamily="18" charset="0"/>
+                        <a:ea typeface="Times New Roman" panose="02020603050405020304" pitchFamily="18" charset="0"/>
+                      </a:endParaRPr>
+                    </a:p>
+                  </a:txBody>
+                  <a:tcPr marL="0" marR="0" marT="0" marB="0" anchor="b"/>
+                </a:tc>
+                <a:tc>
+                  <a:txBody>
+                    <a:bodyPr/>
+                    <a:lstStyle/>
+                    <a:p>
+                      <a:pPr algn="l">
+                        <a:lnSpc>
+                          <a:spcPts val="990"/>
+                        </a:lnSpc>
+                      </a:pPr>
+                      <a:r>
+                        <a:rPr lang="en-IN" sz="1100">
+                          <a:effectLst/>
+                        </a:rPr>
+                        <a:t>          </a:t>
+                      </a:r>
+                    </a:p>
+                    <a:p>
+                      <a:pPr algn="l">
+                        <a:lnSpc>
+                          <a:spcPts val="990"/>
+                        </a:lnSpc>
+                      </a:pPr>
+                      <a:r>
+                        <a:rPr lang="en-IN" sz="1100">
+                          <a:effectLst/>
+                        </a:rPr>
+                        <a:t>      YES</a:t>
+                      </a:r>
+                      <a:endParaRPr lang="en-IN" sz="1100">
+                        <a:effectLst/>
+                        <a:latin typeface="Times New Roman" panose="02020603050405020304" pitchFamily="18" charset="0"/>
+                        <a:ea typeface="Times New Roman" panose="02020603050405020304" pitchFamily="18" charset="0"/>
+                      </a:endParaRPr>
+                    </a:p>
+                  </a:txBody>
+                  <a:tcPr marL="0" marR="0" marT="0" marB="0"/>
+                </a:tc>
+                <a:tc>
+                  <a:txBody>
+                    <a:bodyPr/>
+                    <a:lstStyle/>
+                    <a:p>
+                      <a:pPr algn="l">
+                        <a:lnSpc>
+                          <a:spcPts val="990"/>
+                        </a:lnSpc>
+                      </a:pPr>
+                      <a:r>
+                        <a:rPr lang="en-IN" sz="1100">
+                          <a:effectLst/>
+                        </a:rPr>
+                        <a:t>         No</a:t>
+                      </a:r>
+                      <a:endParaRPr lang="en-IN" sz="1100">
+                        <a:effectLst/>
+                        <a:latin typeface="Times New Roman" panose="02020603050405020304" pitchFamily="18" charset="0"/>
+                        <a:ea typeface="Times New Roman" panose="02020603050405020304" pitchFamily="18" charset="0"/>
+                      </a:endParaRPr>
+                    </a:p>
+                  </a:txBody>
+                  <a:tcPr marL="0" marR="0" marT="0" marB="0" anchor="b"/>
+                </a:tc>
+                <a:tc>
+                  <a:txBody>
+                    <a:bodyPr/>
+                    <a:lstStyle/>
+                    <a:p>
+                      <a:pPr algn="l"/>
+                      <a:r>
+                        <a:rPr lang="en-IN" sz="1100">
+                          <a:effectLst/>
+                        </a:rPr>
+                        <a:t> </a:t>
+                      </a:r>
+                      <a:endParaRPr lang="en-IN" sz="1100">
+                        <a:effectLst/>
+                        <a:latin typeface="Times New Roman" panose="02020603050405020304" pitchFamily="18" charset="0"/>
+                        <a:ea typeface="Times New Roman" panose="02020603050405020304" pitchFamily="18" charset="0"/>
+                      </a:endParaRPr>
+                    </a:p>
+                  </a:txBody>
+                  <a:tcPr marL="0" marR="0" marT="0" marB="0" anchor="b"/>
+                </a:tc>
+                <a:tc>
+                  <a:txBody>
+                    <a:bodyPr/>
+                    <a:lstStyle/>
+                    <a:p>
+                      <a:pPr algn="l"/>
+                      <a:r>
+                        <a:rPr lang="en-IN" sz="1100">
+                          <a:effectLst/>
+                        </a:rPr>
+                        <a:t> Unique id for a particular order</a:t>
+                      </a:r>
+                      <a:endParaRPr lang="en-IN" sz="1100">
+                        <a:effectLst/>
+                        <a:latin typeface="Times New Roman" panose="02020603050405020304" pitchFamily="18" charset="0"/>
+                        <a:ea typeface="Times New Roman" panose="02020603050405020304" pitchFamily="18" charset="0"/>
+                      </a:endParaRPr>
+                    </a:p>
+                  </a:txBody>
+                  <a:tcPr marL="0" marR="0" marT="0" marB="0" anchor="b"/>
+                </a:tc>
+                <a:extLst>
+                  <a:ext uri="{0D108BD9-81ED-4DB2-BD59-A6C34878D82A}">
+                    <a16:rowId xmlns:a16="http://schemas.microsoft.com/office/drawing/2014/main" val="1507548517"/>
+                  </a:ext>
+                </a:extLst>
+              </a:tr>
+              <a:tr h="491907">
+                <a:tc>
+                  <a:txBody>
+                    <a:bodyPr/>
+                    <a:lstStyle/>
+                    <a:p>
+                      <a:pPr algn="l">
+                        <a:lnSpc>
+                          <a:spcPts val="1025"/>
+                        </a:lnSpc>
+                      </a:pPr>
+                      <a:r>
+                        <a:rPr lang="en-IN" sz="1100">
+                          <a:effectLst/>
+                        </a:rPr>
+                        <a:t> </a:t>
+                      </a:r>
+                    </a:p>
+                    <a:p>
+                      <a:pPr algn="l">
+                        <a:lnSpc>
+                          <a:spcPts val="1025"/>
+                        </a:lnSpc>
+                      </a:pPr>
+                      <a:r>
+                        <a:rPr lang="en-IN" sz="1100">
+                          <a:effectLst/>
+                        </a:rPr>
+                        <a:t> orderdetails</a:t>
+                      </a:r>
+                      <a:endParaRPr lang="en-IN" sz="1100">
+                        <a:effectLst/>
+                        <a:latin typeface="Times New Roman" panose="02020603050405020304" pitchFamily="18" charset="0"/>
+                        <a:ea typeface="Times New Roman" panose="02020603050405020304" pitchFamily="18" charset="0"/>
+                      </a:endParaRPr>
+                    </a:p>
+                  </a:txBody>
+                  <a:tcPr marL="0" marR="0" marT="0" marB="0"/>
+                </a:tc>
+                <a:tc>
+                  <a:txBody>
+                    <a:bodyPr/>
+                    <a:lstStyle/>
+                    <a:p>
+                      <a:pPr marL="38100" algn="l">
+                        <a:lnSpc>
+                          <a:spcPts val="1025"/>
+                        </a:lnSpc>
+                      </a:pPr>
+                      <a:r>
+                        <a:rPr lang="en-IN" sz="1100">
+                          <a:effectLst/>
+                        </a:rPr>
+                        <a:t>order_name</a:t>
+                      </a:r>
+                      <a:endParaRPr lang="en-IN" sz="1100">
+                        <a:effectLst/>
+                        <a:latin typeface="Times New Roman" panose="02020603050405020304" pitchFamily="18" charset="0"/>
+                        <a:ea typeface="Times New Roman" panose="02020603050405020304" pitchFamily="18" charset="0"/>
+                      </a:endParaRPr>
+                    </a:p>
+                  </a:txBody>
+                  <a:tcPr marL="0" marR="0" marT="0" marB="0" anchor="b"/>
+                </a:tc>
+                <a:tc>
+                  <a:txBody>
+                    <a:bodyPr/>
+                    <a:lstStyle/>
+                    <a:p>
+                      <a:pPr algn="l">
+                        <a:lnSpc>
+                          <a:spcPts val="1025"/>
+                        </a:lnSpc>
+                      </a:pPr>
+                      <a:r>
+                        <a:rPr lang="en-IN" sz="1100">
+                          <a:effectLst/>
+                        </a:rPr>
+                        <a:t> varchar(50)</a:t>
+                      </a:r>
+                      <a:endParaRPr lang="en-IN" sz="1100">
+                        <a:effectLst/>
+                        <a:latin typeface="Times New Roman" panose="02020603050405020304" pitchFamily="18" charset="0"/>
+                        <a:ea typeface="Times New Roman" panose="02020603050405020304" pitchFamily="18" charset="0"/>
+                      </a:endParaRPr>
+                    </a:p>
+                  </a:txBody>
+                  <a:tcPr marL="0" marR="0" marT="0" marB="0" anchor="b"/>
+                </a:tc>
+                <a:tc>
+                  <a:txBody>
+                    <a:bodyPr/>
+                    <a:lstStyle/>
+                    <a:p>
+                      <a:pPr algn="l">
+                        <a:lnSpc>
+                          <a:spcPts val="1025"/>
+                        </a:lnSpc>
+                      </a:pPr>
+                      <a:r>
+                        <a:rPr lang="en-IN" sz="1100">
+                          <a:effectLst/>
+                        </a:rPr>
+                        <a:t> </a:t>
+                      </a:r>
+                      <a:endParaRPr lang="en-IN" sz="1100">
+                        <a:effectLst/>
+                        <a:latin typeface="Times New Roman" panose="02020603050405020304" pitchFamily="18" charset="0"/>
+                        <a:ea typeface="Times New Roman" panose="02020603050405020304" pitchFamily="18" charset="0"/>
+                      </a:endParaRPr>
+                    </a:p>
+                  </a:txBody>
+                  <a:tcPr marL="0" marR="0" marT="0" marB="0"/>
+                </a:tc>
+                <a:tc>
+                  <a:txBody>
+                    <a:bodyPr/>
+                    <a:lstStyle/>
+                    <a:p>
+                      <a:pPr algn="l">
+                        <a:lnSpc>
+                          <a:spcPts val="1025"/>
+                        </a:lnSpc>
+                      </a:pPr>
+                      <a:r>
+                        <a:rPr lang="en-IN" sz="1100">
+                          <a:effectLst/>
+                        </a:rPr>
+                        <a:t>         No</a:t>
+                      </a:r>
+                      <a:endParaRPr lang="en-IN" sz="1100">
+                        <a:effectLst/>
+                        <a:latin typeface="Times New Roman" panose="02020603050405020304" pitchFamily="18" charset="0"/>
+                        <a:ea typeface="Times New Roman" panose="02020603050405020304" pitchFamily="18" charset="0"/>
+                      </a:endParaRPr>
+                    </a:p>
+                  </a:txBody>
+                  <a:tcPr marL="0" marR="0" marT="0" marB="0" anchor="b"/>
+                </a:tc>
+                <a:tc>
+                  <a:txBody>
+                    <a:bodyPr/>
+                    <a:lstStyle/>
+                    <a:p>
+                      <a:pPr algn="l"/>
+                      <a:r>
+                        <a:rPr lang="en-IN" sz="1100">
+                          <a:effectLst/>
+                        </a:rPr>
+                        <a:t> </a:t>
+                      </a:r>
+                      <a:endParaRPr lang="en-IN" sz="1100">
+                        <a:effectLst/>
+                        <a:latin typeface="Times New Roman" panose="02020603050405020304" pitchFamily="18" charset="0"/>
+                        <a:ea typeface="Times New Roman" panose="02020603050405020304" pitchFamily="18" charset="0"/>
+                      </a:endParaRPr>
+                    </a:p>
+                  </a:txBody>
+                  <a:tcPr marL="0" marR="0" marT="0" marB="0" anchor="b"/>
+                </a:tc>
+                <a:tc>
+                  <a:txBody>
+                    <a:bodyPr/>
+                    <a:lstStyle/>
+                    <a:p>
+                      <a:pPr algn="l"/>
+                      <a:r>
+                        <a:rPr lang="en-IN" sz="1100">
+                          <a:effectLst/>
+                        </a:rPr>
+                        <a:t> Order service name</a:t>
+                      </a:r>
+                      <a:endParaRPr lang="en-IN" sz="1100">
+                        <a:effectLst/>
+                        <a:latin typeface="Times New Roman" panose="02020603050405020304" pitchFamily="18" charset="0"/>
+                        <a:ea typeface="Times New Roman" panose="02020603050405020304" pitchFamily="18" charset="0"/>
+                      </a:endParaRPr>
+                    </a:p>
+                  </a:txBody>
+                  <a:tcPr marL="0" marR="0" marT="0" marB="0" anchor="b"/>
+                </a:tc>
+                <a:extLst>
+                  <a:ext uri="{0D108BD9-81ED-4DB2-BD59-A6C34878D82A}">
+                    <a16:rowId xmlns:a16="http://schemas.microsoft.com/office/drawing/2014/main" val="2971417626"/>
+                  </a:ext>
+                </a:extLst>
+              </a:tr>
+              <a:tr h="510269">
+                <a:tc>
+                  <a:txBody>
+                    <a:bodyPr/>
+                    <a:lstStyle/>
+                    <a:p>
+                      <a:pPr marL="38100" algn="l">
+                        <a:lnSpc>
+                          <a:spcPts val="1025"/>
+                        </a:lnSpc>
+                      </a:pPr>
+                      <a:r>
+                        <a:rPr lang="en-IN" sz="1100">
+                          <a:effectLst/>
+                        </a:rPr>
+                        <a:t> </a:t>
+                      </a:r>
+                    </a:p>
+                    <a:p>
+                      <a:pPr algn="l">
+                        <a:lnSpc>
+                          <a:spcPts val="1025"/>
+                        </a:lnSpc>
+                      </a:pPr>
+                      <a:r>
+                        <a:rPr lang="en-IN" sz="1100">
+                          <a:effectLst/>
+                        </a:rPr>
+                        <a:t> orderdetails</a:t>
+                      </a:r>
+                      <a:endParaRPr lang="en-IN" sz="1100">
+                        <a:effectLst/>
+                        <a:latin typeface="Times New Roman" panose="02020603050405020304" pitchFamily="18" charset="0"/>
+                        <a:ea typeface="Times New Roman" panose="02020603050405020304" pitchFamily="18" charset="0"/>
+                      </a:endParaRPr>
+                    </a:p>
+                  </a:txBody>
+                  <a:tcPr marL="0" marR="0" marT="0" marB="0"/>
+                </a:tc>
+                <a:tc>
+                  <a:txBody>
+                    <a:bodyPr/>
+                    <a:lstStyle/>
+                    <a:p>
+                      <a:pPr marL="38100" algn="l">
+                        <a:lnSpc>
+                          <a:spcPts val="1025"/>
+                        </a:lnSpc>
+                      </a:pPr>
+                      <a:r>
+                        <a:rPr lang="en-IN" sz="1100">
+                          <a:effectLst/>
+                        </a:rPr>
+                        <a:t>c_email</a:t>
+                      </a:r>
+                      <a:endParaRPr lang="en-IN" sz="1100">
+                        <a:effectLst/>
+                        <a:latin typeface="Times New Roman" panose="02020603050405020304" pitchFamily="18" charset="0"/>
+                        <a:ea typeface="Times New Roman" panose="02020603050405020304" pitchFamily="18" charset="0"/>
+                      </a:endParaRPr>
+                    </a:p>
+                  </a:txBody>
+                  <a:tcPr marL="0" marR="0" marT="0" marB="0" anchor="b"/>
+                </a:tc>
+                <a:tc>
+                  <a:txBody>
+                    <a:bodyPr/>
+                    <a:lstStyle/>
+                    <a:p>
+                      <a:pPr algn="l">
+                        <a:lnSpc>
+                          <a:spcPts val="1025"/>
+                        </a:lnSpc>
+                      </a:pPr>
+                      <a:r>
+                        <a:rPr lang="en-IN" sz="1100">
+                          <a:effectLst/>
+                        </a:rPr>
+                        <a:t> varchar(50)</a:t>
+                      </a:r>
+                      <a:endParaRPr lang="en-IN" sz="1100">
+                        <a:effectLst/>
+                        <a:latin typeface="Times New Roman" panose="02020603050405020304" pitchFamily="18" charset="0"/>
+                        <a:ea typeface="Times New Roman" panose="02020603050405020304" pitchFamily="18" charset="0"/>
+                      </a:endParaRPr>
+                    </a:p>
+                  </a:txBody>
+                  <a:tcPr marL="0" marR="0" marT="0" marB="0" anchor="b"/>
+                </a:tc>
+                <a:tc>
+                  <a:txBody>
+                    <a:bodyPr/>
+                    <a:lstStyle/>
+                    <a:p>
+                      <a:pPr algn="l">
+                        <a:lnSpc>
+                          <a:spcPts val="1025"/>
+                        </a:lnSpc>
+                      </a:pPr>
+                      <a:r>
+                        <a:rPr lang="en-IN" sz="1100">
+                          <a:effectLst/>
+                        </a:rPr>
+                        <a:t> </a:t>
+                      </a:r>
+                      <a:endParaRPr lang="en-IN" sz="1100">
+                        <a:effectLst/>
+                        <a:latin typeface="Times New Roman" panose="02020603050405020304" pitchFamily="18" charset="0"/>
+                        <a:ea typeface="Times New Roman" panose="02020603050405020304" pitchFamily="18" charset="0"/>
+                      </a:endParaRPr>
+                    </a:p>
+                  </a:txBody>
+                  <a:tcPr marL="0" marR="0" marT="0" marB="0"/>
+                </a:tc>
+                <a:tc>
+                  <a:txBody>
+                    <a:bodyPr/>
+                    <a:lstStyle/>
+                    <a:p>
+                      <a:pPr algn="l">
+                        <a:lnSpc>
+                          <a:spcPts val="1025"/>
+                        </a:lnSpc>
+                      </a:pPr>
+                      <a:r>
+                        <a:rPr lang="en-IN" sz="1100">
+                          <a:effectLst/>
+                        </a:rPr>
+                        <a:t>         No</a:t>
+                      </a:r>
+                      <a:endParaRPr lang="en-IN" sz="1100">
+                        <a:effectLst/>
+                        <a:latin typeface="Times New Roman" panose="02020603050405020304" pitchFamily="18" charset="0"/>
+                        <a:ea typeface="Times New Roman" panose="02020603050405020304" pitchFamily="18" charset="0"/>
+                      </a:endParaRPr>
+                    </a:p>
+                  </a:txBody>
+                  <a:tcPr marL="0" marR="0" marT="0" marB="0" anchor="b"/>
+                </a:tc>
+                <a:tc>
+                  <a:txBody>
+                    <a:bodyPr/>
+                    <a:lstStyle/>
+                    <a:p>
+                      <a:pPr algn="l">
+                        <a:lnSpc>
+                          <a:spcPts val="1025"/>
+                        </a:lnSpc>
+                      </a:pPr>
+                      <a:r>
+                        <a:rPr lang="en-IN" sz="1100">
+                          <a:effectLst/>
+                        </a:rPr>
+                        <a:t>  0</a:t>
+                      </a:r>
+                      <a:endParaRPr lang="en-IN" sz="1100">
+                        <a:effectLst/>
+                        <a:latin typeface="Times New Roman" panose="02020603050405020304" pitchFamily="18" charset="0"/>
+                        <a:ea typeface="Times New Roman" panose="02020603050405020304" pitchFamily="18" charset="0"/>
+                      </a:endParaRPr>
+                    </a:p>
+                  </a:txBody>
+                  <a:tcPr marL="0" marR="0" marT="0" marB="0" anchor="b"/>
+                </a:tc>
+                <a:tc>
+                  <a:txBody>
+                    <a:bodyPr/>
+                    <a:lstStyle/>
+                    <a:p>
+                      <a:pPr algn="l"/>
+                      <a:r>
+                        <a:rPr lang="en-IN" sz="1100">
+                          <a:effectLst/>
+                        </a:rPr>
+                        <a:t> Customer’s  email Id for a particular order</a:t>
+                      </a:r>
+                      <a:endParaRPr lang="en-IN" sz="1100">
+                        <a:effectLst/>
+                        <a:latin typeface="Times New Roman" panose="02020603050405020304" pitchFamily="18" charset="0"/>
+                        <a:ea typeface="Times New Roman" panose="02020603050405020304" pitchFamily="18" charset="0"/>
+                      </a:endParaRPr>
+                    </a:p>
+                  </a:txBody>
+                  <a:tcPr marL="0" marR="0" marT="0" marB="0" anchor="b"/>
+                </a:tc>
+                <a:extLst>
+                  <a:ext uri="{0D108BD9-81ED-4DB2-BD59-A6C34878D82A}">
+                    <a16:rowId xmlns:a16="http://schemas.microsoft.com/office/drawing/2014/main" val="4068319505"/>
+                  </a:ext>
+                </a:extLst>
+              </a:tr>
+              <a:tr h="510269">
+                <a:tc>
+                  <a:txBody>
+                    <a:bodyPr/>
+                    <a:lstStyle/>
+                    <a:p>
+                      <a:pPr marL="38100" algn="l">
+                        <a:lnSpc>
+                          <a:spcPts val="1025"/>
+                        </a:lnSpc>
+                      </a:pPr>
+                      <a:r>
+                        <a:rPr lang="en-IN" sz="1100">
+                          <a:effectLst/>
+                        </a:rPr>
+                        <a:t> </a:t>
+                      </a:r>
+                    </a:p>
+                    <a:p>
+                      <a:pPr marL="38100" algn="l">
+                        <a:lnSpc>
+                          <a:spcPts val="1025"/>
+                        </a:lnSpc>
+                      </a:pPr>
+                      <a:r>
+                        <a:rPr lang="en-IN" sz="1100">
+                          <a:effectLst/>
+                        </a:rPr>
+                        <a:t>orderdetails</a:t>
+                      </a:r>
+                      <a:endParaRPr lang="en-IN" sz="1100">
+                        <a:effectLst/>
+                        <a:latin typeface="Times New Roman" panose="02020603050405020304" pitchFamily="18" charset="0"/>
+                        <a:ea typeface="Times New Roman" panose="02020603050405020304" pitchFamily="18" charset="0"/>
+                      </a:endParaRPr>
+                    </a:p>
+                  </a:txBody>
+                  <a:tcPr marL="0" marR="0" marT="0" marB="0"/>
+                </a:tc>
+                <a:tc>
+                  <a:txBody>
+                    <a:bodyPr/>
+                    <a:lstStyle/>
+                    <a:p>
+                      <a:pPr marL="38100" algn="l">
+                        <a:lnSpc>
+                          <a:spcPts val="1025"/>
+                        </a:lnSpc>
+                      </a:pPr>
+                      <a:r>
+                        <a:rPr lang="en-IN" sz="1100">
+                          <a:effectLst/>
+                        </a:rPr>
+                        <a:t>sp_email</a:t>
+                      </a:r>
+                      <a:endParaRPr lang="en-IN" sz="1100">
+                        <a:effectLst/>
+                        <a:latin typeface="Times New Roman" panose="02020603050405020304" pitchFamily="18" charset="0"/>
+                        <a:ea typeface="Times New Roman" panose="02020603050405020304" pitchFamily="18" charset="0"/>
+                      </a:endParaRPr>
+                    </a:p>
+                  </a:txBody>
+                  <a:tcPr marL="0" marR="0" marT="0" marB="0" anchor="b"/>
+                </a:tc>
+                <a:tc>
+                  <a:txBody>
+                    <a:bodyPr/>
+                    <a:lstStyle/>
+                    <a:p>
+                      <a:pPr algn="l">
+                        <a:lnSpc>
+                          <a:spcPts val="1025"/>
+                        </a:lnSpc>
+                      </a:pPr>
+                      <a:r>
+                        <a:rPr lang="en-IN" sz="1100">
+                          <a:effectLst/>
+                        </a:rPr>
+                        <a:t> varchar(50)</a:t>
+                      </a:r>
+                      <a:endParaRPr lang="en-IN" sz="1100">
+                        <a:effectLst/>
+                        <a:latin typeface="Times New Roman" panose="02020603050405020304" pitchFamily="18" charset="0"/>
+                        <a:ea typeface="Times New Roman" panose="02020603050405020304" pitchFamily="18" charset="0"/>
+                      </a:endParaRPr>
+                    </a:p>
+                  </a:txBody>
+                  <a:tcPr marL="0" marR="0" marT="0" marB="0" anchor="b"/>
+                </a:tc>
+                <a:tc>
+                  <a:txBody>
+                    <a:bodyPr/>
+                    <a:lstStyle/>
+                    <a:p>
+                      <a:pPr algn="l">
+                        <a:lnSpc>
+                          <a:spcPts val="1025"/>
+                        </a:lnSpc>
+                      </a:pPr>
+                      <a:r>
+                        <a:rPr lang="en-IN" sz="1100">
+                          <a:effectLst/>
+                        </a:rPr>
+                        <a:t> </a:t>
+                      </a:r>
+                      <a:endParaRPr lang="en-IN" sz="1100">
+                        <a:effectLst/>
+                        <a:latin typeface="Times New Roman" panose="02020603050405020304" pitchFamily="18" charset="0"/>
+                        <a:ea typeface="Times New Roman" panose="02020603050405020304" pitchFamily="18" charset="0"/>
+                      </a:endParaRPr>
+                    </a:p>
+                  </a:txBody>
+                  <a:tcPr marL="0" marR="0" marT="0" marB="0"/>
+                </a:tc>
+                <a:tc>
+                  <a:txBody>
+                    <a:bodyPr/>
+                    <a:lstStyle/>
+                    <a:p>
+                      <a:pPr algn="l">
+                        <a:lnSpc>
+                          <a:spcPts val="1025"/>
+                        </a:lnSpc>
+                      </a:pPr>
+                      <a:r>
+                        <a:rPr lang="en-IN" sz="1100">
+                          <a:effectLst/>
+                        </a:rPr>
+                        <a:t>         No</a:t>
+                      </a:r>
+                      <a:endParaRPr lang="en-IN" sz="1100">
+                        <a:effectLst/>
+                        <a:latin typeface="Times New Roman" panose="02020603050405020304" pitchFamily="18" charset="0"/>
+                        <a:ea typeface="Times New Roman" panose="02020603050405020304" pitchFamily="18" charset="0"/>
+                      </a:endParaRPr>
+                    </a:p>
+                  </a:txBody>
+                  <a:tcPr marL="0" marR="0" marT="0" marB="0" anchor="b"/>
+                </a:tc>
+                <a:tc>
+                  <a:txBody>
+                    <a:bodyPr/>
+                    <a:lstStyle/>
+                    <a:p>
+                      <a:pPr algn="l"/>
+                      <a:r>
+                        <a:rPr lang="en-IN" sz="1100">
+                          <a:effectLst/>
+                        </a:rPr>
+                        <a:t> </a:t>
+                      </a:r>
+                      <a:endParaRPr lang="en-IN" sz="1100">
+                        <a:effectLst/>
+                        <a:latin typeface="Times New Roman" panose="02020603050405020304" pitchFamily="18" charset="0"/>
+                        <a:ea typeface="Times New Roman" panose="02020603050405020304" pitchFamily="18" charset="0"/>
+                      </a:endParaRPr>
+                    </a:p>
+                  </a:txBody>
+                  <a:tcPr marL="0" marR="0" marT="0" marB="0" anchor="b"/>
+                </a:tc>
+                <a:tc>
+                  <a:txBody>
+                    <a:bodyPr/>
+                    <a:lstStyle/>
+                    <a:p>
+                      <a:pPr algn="l"/>
+                      <a:r>
+                        <a:rPr lang="en-IN" sz="1100">
+                          <a:effectLst/>
+                        </a:rPr>
+                        <a:t> Service provider’s email Id for a particular order</a:t>
+                      </a:r>
+                      <a:endParaRPr lang="en-IN" sz="1100">
+                        <a:effectLst/>
+                        <a:latin typeface="Times New Roman" panose="02020603050405020304" pitchFamily="18" charset="0"/>
+                        <a:ea typeface="Times New Roman" panose="02020603050405020304" pitchFamily="18" charset="0"/>
+                      </a:endParaRPr>
+                    </a:p>
+                  </a:txBody>
+                  <a:tcPr marL="0" marR="0" marT="0" marB="0" anchor="b"/>
+                </a:tc>
+                <a:extLst>
+                  <a:ext uri="{0D108BD9-81ED-4DB2-BD59-A6C34878D82A}">
+                    <a16:rowId xmlns:a16="http://schemas.microsoft.com/office/drawing/2014/main" val="3363273460"/>
+                  </a:ext>
+                </a:extLst>
+              </a:tr>
+              <a:tr h="491907">
+                <a:tc>
+                  <a:txBody>
+                    <a:bodyPr/>
+                    <a:lstStyle/>
+                    <a:p>
+                      <a:pPr marL="38100" algn="l">
+                        <a:lnSpc>
+                          <a:spcPts val="1025"/>
+                        </a:lnSpc>
+                      </a:pPr>
+                      <a:r>
+                        <a:rPr lang="en-IN" sz="1100">
+                          <a:effectLst/>
+                        </a:rPr>
+                        <a:t> </a:t>
+                      </a:r>
+                    </a:p>
+                    <a:p>
+                      <a:pPr marL="38100" algn="l">
+                        <a:lnSpc>
+                          <a:spcPts val="1025"/>
+                        </a:lnSpc>
+                      </a:pPr>
+                      <a:r>
+                        <a:rPr lang="en-IN" sz="1100">
+                          <a:effectLst/>
+                        </a:rPr>
+                        <a:t>orderdetails</a:t>
+                      </a:r>
+                      <a:endParaRPr lang="en-IN" sz="1100">
+                        <a:effectLst/>
+                        <a:latin typeface="Times New Roman" panose="02020603050405020304" pitchFamily="18" charset="0"/>
+                        <a:ea typeface="Times New Roman" panose="02020603050405020304" pitchFamily="18" charset="0"/>
+                      </a:endParaRPr>
+                    </a:p>
+                  </a:txBody>
+                  <a:tcPr marL="0" marR="0" marT="0" marB="0"/>
+                </a:tc>
+                <a:tc>
+                  <a:txBody>
+                    <a:bodyPr/>
+                    <a:lstStyle/>
+                    <a:p>
+                      <a:pPr marL="38100" algn="l">
+                        <a:lnSpc>
+                          <a:spcPts val="1025"/>
+                        </a:lnSpc>
+                      </a:pPr>
+                      <a:r>
+                        <a:rPr lang="en-IN" sz="1100">
+                          <a:effectLst/>
+                        </a:rPr>
+                        <a:t>order_add</a:t>
+                      </a:r>
+                      <a:endParaRPr lang="en-IN" sz="1100">
+                        <a:effectLst/>
+                        <a:latin typeface="Times New Roman" panose="02020603050405020304" pitchFamily="18" charset="0"/>
+                        <a:ea typeface="Times New Roman" panose="02020603050405020304" pitchFamily="18" charset="0"/>
+                      </a:endParaRPr>
+                    </a:p>
+                  </a:txBody>
+                  <a:tcPr marL="0" marR="0" marT="0" marB="0" anchor="b"/>
+                </a:tc>
+                <a:tc>
+                  <a:txBody>
+                    <a:bodyPr/>
+                    <a:lstStyle/>
+                    <a:p>
+                      <a:pPr algn="l">
+                        <a:lnSpc>
+                          <a:spcPts val="1025"/>
+                        </a:lnSpc>
+                      </a:pPr>
+                      <a:r>
+                        <a:rPr lang="en-IN" sz="1100">
+                          <a:effectLst/>
+                        </a:rPr>
+                        <a:t> varchar(255)</a:t>
+                      </a:r>
+                      <a:endParaRPr lang="en-IN" sz="1100">
+                        <a:effectLst/>
+                        <a:latin typeface="Times New Roman" panose="02020603050405020304" pitchFamily="18" charset="0"/>
+                        <a:ea typeface="Times New Roman" panose="02020603050405020304" pitchFamily="18" charset="0"/>
+                      </a:endParaRPr>
+                    </a:p>
+                  </a:txBody>
+                  <a:tcPr marL="0" marR="0" marT="0" marB="0" anchor="b"/>
+                </a:tc>
+                <a:tc>
+                  <a:txBody>
+                    <a:bodyPr/>
+                    <a:lstStyle/>
+                    <a:p>
+                      <a:pPr algn="l">
+                        <a:lnSpc>
+                          <a:spcPts val="1025"/>
+                        </a:lnSpc>
+                      </a:pPr>
+                      <a:r>
+                        <a:rPr lang="en-IN" sz="1100">
+                          <a:effectLst/>
+                        </a:rPr>
+                        <a:t> </a:t>
+                      </a:r>
+                      <a:endParaRPr lang="en-IN" sz="1100">
+                        <a:effectLst/>
+                        <a:latin typeface="Times New Roman" panose="02020603050405020304" pitchFamily="18" charset="0"/>
+                        <a:ea typeface="Times New Roman" panose="02020603050405020304" pitchFamily="18" charset="0"/>
+                      </a:endParaRPr>
+                    </a:p>
+                  </a:txBody>
+                  <a:tcPr marL="0" marR="0" marT="0" marB="0"/>
+                </a:tc>
+                <a:tc>
+                  <a:txBody>
+                    <a:bodyPr/>
+                    <a:lstStyle/>
+                    <a:p>
+                      <a:pPr algn="l">
+                        <a:lnSpc>
+                          <a:spcPts val="1025"/>
+                        </a:lnSpc>
+                      </a:pPr>
+                      <a:r>
+                        <a:rPr lang="en-IN" sz="1100">
+                          <a:effectLst/>
+                        </a:rPr>
+                        <a:t>        No</a:t>
+                      </a:r>
+                      <a:endParaRPr lang="en-IN" sz="1100">
+                        <a:effectLst/>
+                        <a:latin typeface="Times New Roman" panose="02020603050405020304" pitchFamily="18" charset="0"/>
+                        <a:ea typeface="Times New Roman" panose="02020603050405020304" pitchFamily="18" charset="0"/>
+                      </a:endParaRPr>
+                    </a:p>
+                  </a:txBody>
+                  <a:tcPr marL="0" marR="0" marT="0" marB="0" anchor="b"/>
+                </a:tc>
+                <a:tc>
+                  <a:txBody>
+                    <a:bodyPr/>
+                    <a:lstStyle/>
+                    <a:p>
+                      <a:pPr algn="l"/>
+                      <a:r>
+                        <a:rPr lang="en-IN" sz="1100">
+                          <a:effectLst/>
+                        </a:rPr>
+                        <a:t> </a:t>
+                      </a:r>
+                      <a:endParaRPr lang="en-IN" sz="1100">
+                        <a:effectLst/>
+                        <a:latin typeface="Times New Roman" panose="02020603050405020304" pitchFamily="18" charset="0"/>
+                        <a:ea typeface="Times New Roman" panose="02020603050405020304" pitchFamily="18" charset="0"/>
+                      </a:endParaRPr>
+                    </a:p>
+                  </a:txBody>
+                  <a:tcPr marL="0" marR="0" marT="0" marB="0" anchor="b"/>
+                </a:tc>
+                <a:tc>
+                  <a:txBody>
+                    <a:bodyPr/>
+                    <a:lstStyle/>
+                    <a:p>
+                      <a:pPr algn="l"/>
+                      <a:r>
+                        <a:rPr lang="en-IN" sz="1100">
+                          <a:effectLst/>
+                        </a:rPr>
+                        <a:t>Order serve address</a:t>
+                      </a:r>
+                      <a:endParaRPr lang="en-IN" sz="1100">
+                        <a:effectLst/>
+                        <a:latin typeface="Times New Roman" panose="02020603050405020304" pitchFamily="18" charset="0"/>
+                        <a:ea typeface="Times New Roman" panose="02020603050405020304" pitchFamily="18" charset="0"/>
+                      </a:endParaRPr>
+                    </a:p>
+                  </a:txBody>
+                  <a:tcPr marL="0" marR="0" marT="0" marB="0" anchor="b"/>
+                </a:tc>
+                <a:extLst>
+                  <a:ext uri="{0D108BD9-81ED-4DB2-BD59-A6C34878D82A}">
+                    <a16:rowId xmlns:a16="http://schemas.microsoft.com/office/drawing/2014/main" val="394631066"/>
+                  </a:ext>
+                </a:extLst>
+              </a:tr>
+              <a:tr h="491907">
+                <a:tc>
+                  <a:txBody>
+                    <a:bodyPr/>
+                    <a:lstStyle/>
+                    <a:p>
+                      <a:pPr marL="38100" algn="l">
+                        <a:lnSpc>
+                          <a:spcPts val="1025"/>
+                        </a:lnSpc>
+                      </a:pPr>
+                      <a:r>
+                        <a:rPr lang="en-IN" sz="1100">
+                          <a:effectLst/>
+                        </a:rPr>
+                        <a:t> </a:t>
+                      </a:r>
+                    </a:p>
+                    <a:p>
+                      <a:pPr marL="38100" algn="l">
+                        <a:lnSpc>
+                          <a:spcPts val="1025"/>
+                        </a:lnSpc>
+                      </a:pPr>
+                      <a:r>
+                        <a:rPr lang="en-IN" sz="1100">
+                          <a:effectLst/>
+                        </a:rPr>
+                        <a:t>orderdetails</a:t>
+                      </a:r>
+                      <a:endParaRPr lang="en-IN" sz="1100">
+                        <a:effectLst/>
+                        <a:latin typeface="Times New Roman" panose="02020603050405020304" pitchFamily="18" charset="0"/>
+                        <a:ea typeface="Times New Roman" panose="02020603050405020304" pitchFamily="18" charset="0"/>
+                      </a:endParaRPr>
+                    </a:p>
+                  </a:txBody>
+                  <a:tcPr marL="0" marR="0" marT="0" marB="0"/>
+                </a:tc>
+                <a:tc>
+                  <a:txBody>
+                    <a:bodyPr/>
+                    <a:lstStyle/>
+                    <a:p>
+                      <a:pPr marL="38100" algn="l">
+                        <a:lnSpc>
+                          <a:spcPts val="1025"/>
+                        </a:lnSpc>
+                      </a:pPr>
+                      <a:r>
+                        <a:rPr lang="en-IN" sz="1100">
+                          <a:effectLst/>
+                        </a:rPr>
+                        <a:t>order_price</a:t>
+                      </a:r>
+                      <a:endParaRPr lang="en-IN" sz="1100">
+                        <a:effectLst/>
+                        <a:latin typeface="Times New Roman" panose="02020603050405020304" pitchFamily="18" charset="0"/>
+                        <a:ea typeface="Times New Roman" panose="02020603050405020304" pitchFamily="18" charset="0"/>
+                      </a:endParaRPr>
+                    </a:p>
+                  </a:txBody>
+                  <a:tcPr marL="0" marR="0" marT="0" marB="0" anchor="b"/>
+                </a:tc>
+                <a:tc>
+                  <a:txBody>
+                    <a:bodyPr/>
+                    <a:lstStyle/>
+                    <a:p>
+                      <a:pPr algn="l">
+                        <a:lnSpc>
+                          <a:spcPts val="1025"/>
+                        </a:lnSpc>
+                      </a:pPr>
+                      <a:r>
+                        <a:rPr lang="en-IN" sz="1100">
+                          <a:effectLst/>
+                        </a:rPr>
+                        <a:t> double</a:t>
+                      </a:r>
+                      <a:endParaRPr lang="en-IN" sz="1100">
+                        <a:effectLst/>
+                        <a:latin typeface="Times New Roman" panose="02020603050405020304" pitchFamily="18" charset="0"/>
+                        <a:ea typeface="Times New Roman" panose="02020603050405020304" pitchFamily="18" charset="0"/>
+                      </a:endParaRPr>
+                    </a:p>
+                  </a:txBody>
+                  <a:tcPr marL="0" marR="0" marT="0" marB="0" anchor="b"/>
+                </a:tc>
+                <a:tc>
+                  <a:txBody>
+                    <a:bodyPr/>
+                    <a:lstStyle/>
+                    <a:p>
+                      <a:pPr algn="l">
+                        <a:lnSpc>
+                          <a:spcPts val="1025"/>
+                        </a:lnSpc>
+                      </a:pPr>
+                      <a:r>
+                        <a:rPr lang="en-IN" sz="1100">
+                          <a:effectLst/>
+                        </a:rPr>
+                        <a:t> </a:t>
+                      </a:r>
+                      <a:endParaRPr lang="en-IN" sz="1100">
+                        <a:effectLst/>
+                        <a:latin typeface="Times New Roman" panose="02020603050405020304" pitchFamily="18" charset="0"/>
+                        <a:ea typeface="Times New Roman" panose="02020603050405020304" pitchFamily="18" charset="0"/>
+                      </a:endParaRPr>
+                    </a:p>
+                  </a:txBody>
+                  <a:tcPr marL="0" marR="0" marT="0" marB="0"/>
+                </a:tc>
+                <a:tc>
+                  <a:txBody>
+                    <a:bodyPr/>
+                    <a:lstStyle/>
+                    <a:p>
+                      <a:pPr algn="l">
+                        <a:lnSpc>
+                          <a:spcPts val="1025"/>
+                        </a:lnSpc>
+                      </a:pPr>
+                      <a:r>
+                        <a:rPr lang="en-IN" sz="1100">
+                          <a:effectLst/>
+                        </a:rPr>
+                        <a:t>        No</a:t>
+                      </a:r>
+                      <a:endParaRPr lang="en-IN" sz="1100">
+                        <a:effectLst/>
+                        <a:latin typeface="Times New Roman" panose="02020603050405020304" pitchFamily="18" charset="0"/>
+                        <a:ea typeface="Times New Roman" panose="02020603050405020304" pitchFamily="18" charset="0"/>
+                      </a:endParaRPr>
+                    </a:p>
+                  </a:txBody>
+                  <a:tcPr marL="0" marR="0" marT="0" marB="0" anchor="b"/>
+                </a:tc>
+                <a:tc>
+                  <a:txBody>
+                    <a:bodyPr/>
+                    <a:lstStyle/>
+                    <a:p>
+                      <a:pPr algn="l">
+                        <a:lnSpc>
+                          <a:spcPts val="1025"/>
+                        </a:lnSpc>
+                      </a:pPr>
+                      <a:r>
+                        <a:rPr lang="en-IN" sz="1100">
+                          <a:effectLst/>
+                        </a:rPr>
+                        <a:t> 0</a:t>
+                      </a:r>
+                      <a:endParaRPr lang="en-IN" sz="1100">
+                        <a:effectLst/>
+                        <a:latin typeface="Times New Roman" panose="02020603050405020304" pitchFamily="18" charset="0"/>
+                        <a:ea typeface="Times New Roman" panose="02020603050405020304" pitchFamily="18" charset="0"/>
+                      </a:endParaRPr>
+                    </a:p>
+                  </a:txBody>
+                  <a:tcPr marL="0" marR="0" marT="0" marB="0" anchor="b"/>
+                </a:tc>
+                <a:tc>
+                  <a:txBody>
+                    <a:bodyPr/>
+                    <a:lstStyle/>
+                    <a:p>
+                      <a:pPr algn="l"/>
+                      <a:r>
+                        <a:rPr lang="en-IN" sz="1100">
+                          <a:effectLst/>
+                        </a:rPr>
+                        <a:t> Price  for a particular order</a:t>
+                      </a:r>
+                      <a:endParaRPr lang="en-IN" sz="1100">
+                        <a:effectLst/>
+                        <a:latin typeface="Times New Roman" panose="02020603050405020304" pitchFamily="18" charset="0"/>
+                        <a:ea typeface="Times New Roman" panose="02020603050405020304" pitchFamily="18" charset="0"/>
+                      </a:endParaRPr>
+                    </a:p>
+                  </a:txBody>
+                  <a:tcPr marL="0" marR="0" marT="0" marB="0" anchor="b"/>
+                </a:tc>
+                <a:extLst>
+                  <a:ext uri="{0D108BD9-81ED-4DB2-BD59-A6C34878D82A}">
+                    <a16:rowId xmlns:a16="http://schemas.microsoft.com/office/drawing/2014/main" val="630391256"/>
+                  </a:ext>
+                </a:extLst>
+              </a:tr>
+              <a:tr h="491907">
+                <a:tc>
+                  <a:txBody>
+                    <a:bodyPr/>
+                    <a:lstStyle/>
+                    <a:p>
+                      <a:pPr marL="38100" algn="l">
+                        <a:lnSpc>
+                          <a:spcPts val="1025"/>
+                        </a:lnSpc>
+                      </a:pPr>
+                      <a:r>
+                        <a:rPr lang="en-IN" sz="1100">
+                          <a:effectLst/>
+                        </a:rPr>
+                        <a:t> </a:t>
+                      </a:r>
+                    </a:p>
+                    <a:p>
+                      <a:pPr marL="38100" algn="l">
+                        <a:lnSpc>
+                          <a:spcPts val="1025"/>
+                        </a:lnSpc>
+                      </a:pPr>
+                      <a:r>
+                        <a:rPr lang="en-IN" sz="1100">
+                          <a:effectLst/>
+                        </a:rPr>
+                        <a:t>orderdetails</a:t>
+                      </a:r>
+                      <a:endParaRPr lang="en-IN" sz="1100">
+                        <a:effectLst/>
+                        <a:latin typeface="Times New Roman" panose="02020603050405020304" pitchFamily="18" charset="0"/>
+                        <a:ea typeface="Times New Roman" panose="02020603050405020304" pitchFamily="18" charset="0"/>
+                      </a:endParaRPr>
+                    </a:p>
+                  </a:txBody>
+                  <a:tcPr marL="0" marR="0" marT="0" marB="0"/>
+                </a:tc>
+                <a:tc>
+                  <a:txBody>
+                    <a:bodyPr/>
+                    <a:lstStyle/>
+                    <a:p>
+                      <a:pPr marL="38100" algn="l">
+                        <a:lnSpc>
+                          <a:spcPts val="1025"/>
+                        </a:lnSpc>
+                      </a:pPr>
+                      <a:r>
+                        <a:rPr lang="en-IN" sz="1100">
+                          <a:effectLst/>
+                        </a:rPr>
+                        <a:t>order_status</a:t>
+                      </a:r>
+                      <a:endParaRPr lang="en-IN" sz="1100">
+                        <a:effectLst/>
+                        <a:latin typeface="Times New Roman" panose="02020603050405020304" pitchFamily="18" charset="0"/>
+                        <a:ea typeface="Times New Roman" panose="02020603050405020304" pitchFamily="18" charset="0"/>
+                      </a:endParaRPr>
+                    </a:p>
+                  </a:txBody>
+                  <a:tcPr marL="0" marR="0" marT="0" marB="0" anchor="b"/>
+                </a:tc>
+                <a:tc>
+                  <a:txBody>
+                    <a:bodyPr/>
+                    <a:lstStyle/>
+                    <a:p>
+                      <a:pPr algn="l">
+                        <a:lnSpc>
+                          <a:spcPts val="1025"/>
+                        </a:lnSpc>
+                      </a:pPr>
+                      <a:r>
+                        <a:rPr lang="en-IN" sz="1100">
+                          <a:effectLst/>
+                        </a:rPr>
+                        <a:t> varchar(45)</a:t>
+                      </a:r>
+                      <a:endParaRPr lang="en-IN" sz="1100">
+                        <a:effectLst/>
+                        <a:latin typeface="Times New Roman" panose="02020603050405020304" pitchFamily="18" charset="0"/>
+                        <a:ea typeface="Times New Roman" panose="02020603050405020304" pitchFamily="18" charset="0"/>
+                      </a:endParaRPr>
+                    </a:p>
+                  </a:txBody>
+                  <a:tcPr marL="0" marR="0" marT="0" marB="0" anchor="b"/>
+                </a:tc>
+                <a:tc>
+                  <a:txBody>
+                    <a:bodyPr/>
+                    <a:lstStyle/>
+                    <a:p>
+                      <a:pPr algn="l">
+                        <a:lnSpc>
+                          <a:spcPts val="1025"/>
+                        </a:lnSpc>
+                      </a:pPr>
+                      <a:r>
+                        <a:rPr lang="en-IN" sz="1100">
+                          <a:effectLst/>
+                        </a:rPr>
+                        <a:t> </a:t>
+                      </a:r>
+                      <a:endParaRPr lang="en-IN" sz="1100">
+                        <a:effectLst/>
+                        <a:latin typeface="Times New Roman" panose="02020603050405020304" pitchFamily="18" charset="0"/>
+                        <a:ea typeface="Times New Roman" panose="02020603050405020304" pitchFamily="18" charset="0"/>
+                      </a:endParaRPr>
+                    </a:p>
+                  </a:txBody>
+                  <a:tcPr marL="0" marR="0" marT="0" marB="0"/>
+                </a:tc>
+                <a:tc>
+                  <a:txBody>
+                    <a:bodyPr/>
+                    <a:lstStyle/>
+                    <a:p>
+                      <a:pPr algn="l">
+                        <a:lnSpc>
+                          <a:spcPts val="1025"/>
+                        </a:lnSpc>
+                      </a:pPr>
+                      <a:r>
+                        <a:rPr lang="en-IN" sz="1100">
+                          <a:effectLst/>
+                        </a:rPr>
+                        <a:t>        No</a:t>
+                      </a:r>
+                      <a:endParaRPr lang="en-IN" sz="1100">
+                        <a:effectLst/>
+                        <a:latin typeface="Times New Roman" panose="02020603050405020304" pitchFamily="18" charset="0"/>
+                        <a:ea typeface="Times New Roman" panose="02020603050405020304" pitchFamily="18" charset="0"/>
+                      </a:endParaRPr>
+                    </a:p>
+                  </a:txBody>
+                  <a:tcPr marL="0" marR="0" marT="0" marB="0" anchor="b"/>
+                </a:tc>
+                <a:tc>
+                  <a:txBody>
+                    <a:bodyPr/>
+                    <a:lstStyle/>
+                    <a:p>
+                      <a:pPr algn="l"/>
+                      <a:r>
+                        <a:rPr lang="en-IN" sz="1100">
+                          <a:effectLst/>
+                        </a:rPr>
+                        <a:t> </a:t>
+                      </a:r>
+                      <a:endParaRPr lang="en-IN" sz="1100">
+                        <a:effectLst/>
+                        <a:latin typeface="Times New Roman" panose="02020603050405020304" pitchFamily="18" charset="0"/>
+                        <a:ea typeface="Times New Roman" panose="02020603050405020304" pitchFamily="18" charset="0"/>
+                      </a:endParaRPr>
+                    </a:p>
+                  </a:txBody>
+                  <a:tcPr marL="0" marR="0" marT="0" marB="0" anchor="b"/>
+                </a:tc>
+                <a:tc>
+                  <a:txBody>
+                    <a:bodyPr/>
+                    <a:lstStyle/>
+                    <a:p>
+                      <a:pPr algn="l"/>
+                      <a:r>
+                        <a:rPr lang="en-IN" sz="1100">
+                          <a:effectLst/>
+                        </a:rPr>
+                        <a:t> Order status for a particular order</a:t>
+                      </a:r>
+                      <a:endParaRPr lang="en-IN" sz="1100">
+                        <a:effectLst/>
+                        <a:latin typeface="Times New Roman" panose="02020603050405020304" pitchFamily="18" charset="0"/>
+                        <a:ea typeface="Times New Roman" panose="02020603050405020304" pitchFamily="18" charset="0"/>
+                      </a:endParaRPr>
+                    </a:p>
+                  </a:txBody>
+                  <a:tcPr marL="0" marR="0" marT="0" marB="0" anchor="b"/>
+                </a:tc>
+                <a:extLst>
+                  <a:ext uri="{0D108BD9-81ED-4DB2-BD59-A6C34878D82A}">
+                    <a16:rowId xmlns:a16="http://schemas.microsoft.com/office/drawing/2014/main" val="2063665113"/>
+                  </a:ext>
+                </a:extLst>
+              </a:tr>
+              <a:tr h="491907">
+                <a:tc>
+                  <a:txBody>
+                    <a:bodyPr/>
+                    <a:lstStyle/>
+                    <a:p>
+                      <a:pPr marL="38100" algn="l">
+                        <a:lnSpc>
+                          <a:spcPts val="1025"/>
+                        </a:lnSpc>
+                      </a:pPr>
+                      <a:r>
+                        <a:rPr lang="en-IN" sz="1100">
+                          <a:effectLst/>
+                        </a:rPr>
+                        <a:t> </a:t>
+                      </a:r>
+                    </a:p>
+                    <a:p>
+                      <a:pPr marL="38100" algn="l">
+                        <a:lnSpc>
+                          <a:spcPts val="1025"/>
+                        </a:lnSpc>
+                      </a:pPr>
+                      <a:r>
+                        <a:rPr lang="en-IN" sz="1100">
+                          <a:effectLst/>
+                        </a:rPr>
+                        <a:t>orderdetails</a:t>
+                      </a:r>
+                      <a:endParaRPr lang="en-IN" sz="1100">
+                        <a:effectLst/>
+                        <a:latin typeface="Times New Roman" panose="02020603050405020304" pitchFamily="18" charset="0"/>
+                        <a:ea typeface="Times New Roman" panose="02020603050405020304" pitchFamily="18" charset="0"/>
+                      </a:endParaRPr>
+                    </a:p>
+                  </a:txBody>
+                  <a:tcPr marL="0" marR="0" marT="0" marB="0"/>
+                </a:tc>
+                <a:tc>
+                  <a:txBody>
+                    <a:bodyPr/>
+                    <a:lstStyle/>
+                    <a:p>
+                      <a:pPr marL="38100" algn="l">
+                        <a:lnSpc>
+                          <a:spcPts val="1025"/>
+                        </a:lnSpc>
+                      </a:pPr>
+                      <a:r>
+                        <a:rPr lang="en-IN" sz="1100">
+                          <a:effectLst/>
+                        </a:rPr>
+                        <a:t>order_date</a:t>
+                      </a:r>
+                      <a:endParaRPr lang="en-IN" sz="1100">
+                        <a:effectLst/>
+                        <a:latin typeface="Times New Roman" panose="02020603050405020304" pitchFamily="18" charset="0"/>
+                        <a:ea typeface="Times New Roman" panose="02020603050405020304" pitchFamily="18" charset="0"/>
+                      </a:endParaRPr>
+                    </a:p>
+                  </a:txBody>
+                  <a:tcPr marL="0" marR="0" marT="0" marB="0" anchor="b"/>
+                </a:tc>
+                <a:tc>
+                  <a:txBody>
+                    <a:bodyPr/>
+                    <a:lstStyle/>
+                    <a:p>
+                      <a:pPr algn="l">
+                        <a:lnSpc>
+                          <a:spcPts val="1025"/>
+                        </a:lnSpc>
+                      </a:pPr>
+                      <a:r>
+                        <a:rPr lang="en-IN" sz="1100">
+                          <a:effectLst/>
+                        </a:rPr>
+                        <a:t> date</a:t>
+                      </a:r>
+                      <a:endParaRPr lang="en-IN" sz="1100">
+                        <a:effectLst/>
+                        <a:latin typeface="Times New Roman" panose="02020603050405020304" pitchFamily="18" charset="0"/>
+                        <a:ea typeface="Times New Roman" panose="02020603050405020304" pitchFamily="18" charset="0"/>
+                      </a:endParaRPr>
+                    </a:p>
+                  </a:txBody>
+                  <a:tcPr marL="0" marR="0" marT="0" marB="0" anchor="b"/>
+                </a:tc>
+                <a:tc>
+                  <a:txBody>
+                    <a:bodyPr/>
+                    <a:lstStyle/>
+                    <a:p>
+                      <a:pPr algn="l">
+                        <a:lnSpc>
+                          <a:spcPts val="1025"/>
+                        </a:lnSpc>
+                      </a:pPr>
+                      <a:r>
+                        <a:rPr lang="en-IN" sz="1100">
+                          <a:effectLst/>
+                        </a:rPr>
+                        <a:t> </a:t>
+                      </a:r>
+                      <a:endParaRPr lang="en-IN" sz="1100">
+                        <a:effectLst/>
+                        <a:latin typeface="Times New Roman" panose="02020603050405020304" pitchFamily="18" charset="0"/>
+                        <a:ea typeface="Times New Roman" panose="02020603050405020304" pitchFamily="18" charset="0"/>
+                      </a:endParaRPr>
+                    </a:p>
+                  </a:txBody>
+                  <a:tcPr marL="0" marR="0" marT="0" marB="0"/>
+                </a:tc>
+                <a:tc>
+                  <a:txBody>
+                    <a:bodyPr/>
+                    <a:lstStyle/>
+                    <a:p>
+                      <a:pPr algn="l">
+                        <a:lnSpc>
+                          <a:spcPts val="1025"/>
+                        </a:lnSpc>
+                      </a:pPr>
+                      <a:r>
+                        <a:rPr lang="en-IN" sz="1100">
+                          <a:effectLst/>
+                        </a:rPr>
+                        <a:t>        No</a:t>
+                      </a:r>
+                      <a:endParaRPr lang="en-IN" sz="1100">
+                        <a:effectLst/>
+                        <a:latin typeface="Times New Roman" panose="02020603050405020304" pitchFamily="18" charset="0"/>
+                        <a:ea typeface="Times New Roman" panose="02020603050405020304" pitchFamily="18" charset="0"/>
+                      </a:endParaRPr>
+                    </a:p>
+                  </a:txBody>
+                  <a:tcPr marL="0" marR="0" marT="0" marB="0" anchor="b"/>
+                </a:tc>
+                <a:tc>
+                  <a:txBody>
+                    <a:bodyPr/>
+                    <a:lstStyle/>
+                    <a:p>
+                      <a:pPr algn="l">
+                        <a:lnSpc>
+                          <a:spcPts val="1025"/>
+                        </a:lnSpc>
+                      </a:pPr>
+                      <a:r>
+                        <a:rPr lang="en-IN" sz="1100">
+                          <a:effectLst/>
+                        </a:rPr>
+                        <a:t> 0000-00-00</a:t>
+                      </a:r>
+                      <a:endParaRPr lang="en-IN" sz="1100">
+                        <a:effectLst/>
+                        <a:latin typeface="Times New Roman" panose="02020603050405020304" pitchFamily="18" charset="0"/>
+                        <a:ea typeface="Times New Roman" panose="02020603050405020304" pitchFamily="18" charset="0"/>
+                      </a:endParaRPr>
+                    </a:p>
+                  </a:txBody>
+                  <a:tcPr marL="0" marR="0" marT="0" marB="0" anchor="b"/>
+                </a:tc>
+                <a:tc>
+                  <a:txBody>
+                    <a:bodyPr/>
+                    <a:lstStyle/>
+                    <a:p>
+                      <a:pPr algn="l"/>
+                      <a:r>
+                        <a:rPr lang="en-IN" sz="1100" dirty="0">
+                          <a:effectLst/>
+                        </a:rPr>
+                        <a:t> Order delivery date for a particular order</a:t>
+                      </a:r>
+                      <a:endParaRPr lang="en-IN" sz="1100" dirty="0">
+                        <a:effectLst/>
+                        <a:latin typeface="Times New Roman" panose="02020603050405020304" pitchFamily="18" charset="0"/>
+                        <a:ea typeface="Times New Roman" panose="02020603050405020304" pitchFamily="18" charset="0"/>
+                      </a:endParaRPr>
+                    </a:p>
+                  </a:txBody>
+                  <a:tcPr marL="0" marR="0" marT="0" marB="0" anchor="b"/>
+                </a:tc>
+                <a:extLst>
+                  <a:ext uri="{0D108BD9-81ED-4DB2-BD59-A6C34878D82A}">
+                    <a16:rowId xmlns:a16="http://schemas.microsoft.com/office/drawing/2014/main" val="1729437550"/>
+                  </a:ext>
+                </a:extLst>
+              </a:tr>
+            </a:tbl>
+          </a:graphicData>
+        </a:graphic>
+      </p:graphicFrame>
+    </p:spTree>
+    <p:extLst>
+      <p:ext uri="{BB962C8B-B14F-4D97-AF65-F5344CB8AC3E}">
+        <p14:creationId xmlns:p14="http://schemas.microsoft.com/office/powerpoint/2010/main" val="2350045614"/>
+      </p:ext>
+    </p:extLst>
+  </p:cSld>
+  <p:clrMapOvr>
+    <a:masterClrMapping/>
+  </p:clrMapOvr>
+</p:sld>
+</file>
+
+<file path=ppt/slides/slide14.xml><?xml version="1.0" encoding="utf-8"?>
+<p:sld xmlns:a="http://schemas.openxmlformats.org/drawingml/2006/main" xmlns:r="http://schemas.openxmlformats.org/officeDocument/2006/relationships" xmlns:p="http://schemas.openxmlformats.org/presentationml/2006/main">
+  <p:cSld>
+    <p:spTree>
+      <p:nvGrpSpPr>
+        <p:cNvPr id="1" name=""/>
+        <p:cNvGrpSpPr/>
+        <p:nvPr/>
+      </p:nvGrpSpPr>
+      <p:grpSpPr>
+        <a:xfrm>
+          <a:off x="0" y="0"/>
+          <a:ext cx="0" cy="0"/>
+          <a:chOff x="0" y="0"/>
+          <a:chExt cx="0" cy="0"/>
+        </a:xfrm>
+      </p:grpSpPr>
+      <p:sp>
+        <p:nvSpPr>
           <p:cNvPr id="3" name="TextBox 2">
             <a:extLst>
               <a:ext uri="{FF2B5EF4-FFF2-40B4-BE49-F238E27FC236}">
@@ -4285,7 +12014,7 @@
 </p:sld>
 </file>
 
-<file path=ppt/slides/slide11.xml><?xml version="1.0" encoding="utf-8"?>
+<file path=ppt/slides/slide15.xml><?xml version="1.0" encoding="utf-8"?>
 <p:sld xmlns:a="http://schemas.openxmlformats.org/drawingml/2006/main" xmlns:r="http://schemas.openxmlformats.org/officeDocument/2006/relationships" xmlns:p="http://schemas.openxmlformats.org/presentationml/2006/main">
   <p:cSld>
     <p:spTree>
@@ -4379,7 +12108,7 @@
 </p:sld>
 </file>
 
-<file path=ppt/slides/slide12.xml><?xml version="1.0" encoding="utf-8"?>
+<file path=ppt/slides/slide16.xml><?xml version="1.0" encoding="utf-8"?>
 <p:sld xmlns:a="http://schemas.openxmlformats.org/drawingml/2006/main" xmlns:r="http://schemas.openxmlformats.org/officeDocument/2006/relationships" xmlns:p="http://schemas.openxmlformats.org/presentationml/2006/main">
   <p:cSld>
     <p:spTree>
@@ -4679,7 +12408,7 @@
 </p:sld>
 </file>
 
-<file path=ppt/slides/slide13.xml><?xml version="1.0" encoding="utf-8"?>
+<file path=ppt/slides/slide17.xml><?xml version="1.0" encoding="utf-8"?>
 <p:sld xmlns:a="http://schemas.openxmlformats.org/drawingml/2006/main" xmlns:r="http://schemas.openxmlformats.org/officeDocument/2006/relationships" xmlns:p="http://schemas.openxmlformats.org/presentationml/2006/main">
   <p:cSld>
     <p:spTree>
@@ -15079,14 +22808,14 @@
           <p:nvPr>
             <p:extLst>
               <p:ext uri="{D42A27DB-BD31-4B8C-83A1-F6EECF244321}">
-                <p14:modId xmlns:p14="http://schemas.microsoft.com/office/powerpoint/2010/main" val="288409478"/>
+                <p14:modId xmlns:p14="http://schemas.microsoft.com/office/powerpoint/2010/main" val="1019387421"/>
               </p:ext>
             </p:extLst>
           </p:nvPr>
         </p:nvGraphicFramePr>
         <p:xfrm>
-          <a:off x="3897313" y="719138"/>
-          <a:ext cx="4397375" cy="5418137"/>
+          <a:off x="4300602" y="679731"/>
+          <a:ext cx="4333357" cy="5339258"/>
         </p:xfrm>
         <a:graphic>
           <a:graphicData uri="http://schemas.openxmlformats.org/presentationml/2006/ole">
@@ -15113,8 +22842,8 @@
                     </p:blipFill>
                     <p:spPr>
                       <a:xfrm>
-                        <a:off x="3897313" y="719138"/>
-                        <a:ext cx="4397375" cy="5418137"/>
+                        <a:off x="4300602" y="679731"/>
+                        <a:ext cx="4333357" cy="5339258"/>
                       </a:xfrm>
                       <a:prstGeom prst="rect">
                         <a:avLst/>
@@ -15443,6 +23172,1515 @@
           <a:chExt cx="0" cy="0"/>
         </a:xfrm>
       </p:grpSpPr>
+      <p:graphicFrame>
+        <p:nvGraphicFramePr>
+          <p:cNvPr id="3" name="Table 2">
+            <a:extLst>
+              <a:ext uri="{FF2B5EF4-FFF2-40B4-BE49-F238E27FC236}">
+                <a16:creationId xmlns:a16="http://schemas.microsoft.com/office/drawing/2014/main" id="{02F8BE0D-13F7-45D3-9FD9-F36CA3B7D57B}"/>
+              </a:ext>
+            </a:extLst>
+          </p:cNvPr>
+          <p:cNvGraphicFramePr>
+            <a:graphicFrameLocks noGrp="1"/>
+          </p:cNvGraphicFramePr>
+          <p:nvPr/>
+        </p:nvGraphicFramePr>
+        <p:xfrm>
+          <a:off x="1075089" y="2235485"/>
+          <a:ext cx="10041822" cy="3532824"/>
+        </p:xfrm>
+        <a:graphic>
+          <a:graphicData uri="http://schemas.openxmlformats.org/drawingml/2006/table">
+            <a:tbl>
+              <a:tblPr firstRow="1" firstCol="1" bandRow="1">
+                <a:tableStyleId>{5C22544A-7EE6-4342-B048-85BDC9FD1C3A}</a:tableStyleId>
+              </a:tblPr>
+              <a:tblGrid>
+                <a:gridCol w="1497965">
+                  <a:extLst>
+                    <a:ext uri="{9D8B030D-6E8A-4147-A177-3AD203B41FA5}">
+                      <a16:colId xmlns:a16="http://schemas.microsoft.com/office/drawing/2014/main" val="4112144699"/>
+                    </a:ext>
+                  </a:extLst>
+                </a:gridCol>
+                <a:gridCol w="1497965">
+                  <a:extLst>
+                    <a:ext uri="{9D8B030D-6E8A-4147-A177-3AD203B41FA5}">
+                      <a16:colId xmlns:a16="http://schemas.microsoft.com/office/drawing/2014/main" val="2138160813"/>
+                    </a:ext>
+                  </a:extLst>
+                </a:gridCol>
+                <a:gridCol w="1288415">
+                  <a:extLst>
+                    <a:ext uri="{9D8B030D-6E8A-4147-A177-3AD203B41FA5}">
+                      <a16:colId xmlns:a16="http://schemas.microsoft.com/office/drawing/2014/main" val="3459070170"/>
+                    </a:ext>
+                  </a:extLst>
+                </a:gridCol>
+                <a:gridCol w="1181100">
+                  <a:extLst>
+                    <a:ext uri="{9D8B030D-6E8A-4147-A177-3AD203B41FA5}">
+                      <a16:colId xmlns:a16="http://schemas.microsoft.com/office/drawing/2014/main" val="1088830792"/>
+                    </a:ext>
+                  </a:extLst>
+                </a:gridCol>
+                <a:gridCol w="26602">
+                  <a:extLst>
+                    <a:ext uri="{9D8B030D-6E8A-4147-A177-3AD203B41FA5}">
+                      <a16:colId xmlns:a16="http://schemas.microsoft.com/office/drawing/2014/main" val="3946584133"/>
+                    </a:ext>
+                  </a:extLst>
+                </a:gridCol>
+                <a:gridCol w="1125855">
+                  <a:extLst>
+                    <a:ext uri="{9D8B030D-6E8A-4147-A177-3AD203B41FA5}">
+                      <a16:colId xmlns:a16="http://schemas.microsoft.com/office/drawing/2014/main" val="859388420"/>
+                    </a:ext>
+                  </a:extLst>
+                </a:gridCol>
+                <a:gridCol w="1026795">
+                  <a:extLst>
+                    <a:ext uri="{9D8B030D-6E8A-4147-A177-3AD203B41FA5}">
+                      <a16:colId xmlns:a16="http://schemas.microsoft.com/office/drawing/2014/main" val="1493024401"/>
+                    </a:ext>
+                  </a:extLst>
+                </a:gridCol>
+                <a:gridCol w="2397125">
+                  <a:extLst>
+                    <a:ext uri="{9D8B030D-6E8A-4147-A177-3AD203B41FA5}">
+                      <a16:colId xmlns:a16="http://schemas.microsoft.com/office/drawing/2014/main" val="3759706564"/>
+                    </a:ext>
+                  </a:extLst>
+                </a:gridCol>
+              </a:tblGrid>
+              <a:tr h="0">
+                <a:tc>
+                  <a:txBody>
+                    <a:bodyPr/>
+                    <a:lstStyle/>
+                    <a:p>
+                      <a:pPr marL="12700">
+                        <a:lnSpc>
+                          <a:spcPct val="107000"/>
+                        </a:lnSpc>
+                        <a:spcAft>
+                          <a:spcPts val="800"/>
+                        </a:spcAft>
+                      </a:pPr>
+                      <a:r>
+                        <a:rPr lang="en-IN" sz="1200">
+                          <a:effectLst/>
+                        </a:rPr>
+                        <a:t> </a:t>
+                      </a:r>
+                      <a:endParaRPr lang="en-IN" sz="1100">
+                        <a:effectLst/>
+                      </a:endParaRPr>
+                    </a:p>
+                    <a:p>
+                      <a:pPr marL="12700" algn="ctr">
+                        <a:lnSpc>
+                          <a:spcPct val="107000"/>
+                        </a:lnSpc>
+                        <a:spcAft>
+                          <a:spcPts val="800"/>
+                        </a:spcAft>
+                      </a:pPr>
+                      <a:r>
+                        <a:rPr lang="en-IN" sz="1200">
+                          <a:effectLst/>
+                        </a:rPr>
+                        <a:t> </a:t>
+                      </a:r>
+                      <a:endParaRPr lang="en-IN" sz="1100">
+                        <a:effectLst/>
+                      </a:endParaRPr>
+                    </a:p>
+                    <a:p>
+                      <a:pPr marL="12700" algn="ctr">
+                        <a:lnSpc>
+                          <a:spcPct val="107000"/>
+                        </a:lnSpc>
+                        <a:spcAft>
+                          <a:spcPts val="800"/>
+                        </a:spcAft>
+                      </a:pPr>
+                      <a:r>
+                        <a:rPr lang="en-IN" sz="1200">
+                          <a:effectLst/>
+                        </a:rPr>
+                        <a:t> </a:t>
+                      </a:r>
+                      <a:endParaRPr lang="en-IN" sz="1100">
+                        <a:effectLst/>
+                      </a:endParaRPr>
+                    </a:p>
+                    <a:p>
+                      <a:pPr marL="12700" algn="ctr">
+                        <a:lnSpc>
+                          <a:spcPct val="107000"/>
+                        </a:lnSpc>
+                        <a:spcAft>
+                          <a:spcPts val="800"/>
+                        </a:spcAft>
+                      </a:pPr>
+                      <a:r>
+                        <a:rPr lang="en-IN" sz="1200">
+                          <a:effectLst/>
+                        </a:rPr>
+                        <a:t>Table</a:t>
+                      </a:r>
+                      <a:endParaRPr lang="en-IN" sz="1100">
+                        <a:effectLst/>
+                        <a:latin typeface="Calibri" panose="020F0502020204030204" pitchFamily="34" charset="0"/>
+                        <a:ea typeface="Calibri" panose="020F0502020204030204" pitchFamily="34" charset="0"/>
+                        <a:cs typeface="Times New Roman" panose="02020603050405020304" pitchFamily="18" charset="0"/>
+                      </a:endParaRPr>
+                    </a:p>
+                  </a:txBody>
+                  <a:tcPr marL="0" marR="0" marT="0" marB="0"/>
+                </a:tc>
+                <a:tc>
+                  <a:txBody>
+                    <a:bodyPr/>
+                    <a:lstStyle/>
+                    <a:p>
+                      <a:pPr>
+                        <a:lnSpc>
+                          <a:spcPct val="107000"/>
+                        </a:lnSpc>
+                        <a:spcAft>
+                          <a:spcPts val="800"/>
+                        </a:spcAft>
+                      </a:pPr>
+                      <a:r>
+                        <a:rPr lang="en-IN" sz="1200">
+                          <a:effectLst/>
+                        </a:rPr>
+                        <a:t>       Column</a:t>
+                      </a:r>
+                      <a:endParaRPr lang="en-IN" sz="1100">
+                        <a:effectLst/>
+                        <a:latin typeface="Calibri" panose="020F0502020204030204" pitchFamily="34" charset="0"/>
+                        <a:ea typeface="Calibri" panose="020F0502020204030204" pitchFamily="34" charset="0"/>
+                        <a:cs typeface="Times New Roman" panose="02020603050405020304" pitchFamily="18" charset="0"/>
+                      </a:endParaRPr>
+                    </a:p>
+                  </a:txBody>
+                  <a:tcPr marL="0" marR="0" marT="0" marB="0" anchor="b"/>
+                </a:tc>
+                <a:tc>
+                  <a:txBody>
+                    <a:bodyPr/>
+                    <a:lstStyle/>
+                    <a:p>
+                      <a:pPr algn="ctr">
+                        <a:lnSpc>
+                          <a:spcPct val="107000"/>
+                        </a:lnSpc>
+                        <a:spcAft>
+                          <a:spcPts val="800"/>
+                        </a:spcAft>
+                      </a:pPr>
+                      <a:r>
+                        <a:rPr lang="en-IN" sz="1200">
+                          <a:effectLst/>
+                        </a:rPr>
+                        <a:t>Data Type</a:t>
+                      </a:r>
+                      <a:endParaRPr lang="en-IN" sz="1100">
+                        <a:effectLst/>
+                        <a:latin typeface="Calibri" panose="020F0502020204030204" pitchFamily="34" charset="0"/>
+                        <a:ea typeface="Calibri" panose="020F0502020204030204" pitchFamily="34" charset="0"/>
+                        <a:cs typeface="Times New Roman" panose="02020603050405020304" pitchFamily="18" charset="0"/>
+                      </a:endParaRPr>
+                    </a:p>
+                  </a:txBody>
+                  <a:tcPr marL="0" marR="0" marT="0" marB="0" anchor="b"/>
+                </a:tc>
+                <a:tc>
+                  <a:txBody>
+                    <a:bodyPr/>
+                    <a:lstStyle/>
+                    <a:p>
+                      <a:pPr algn="ctr">
+                        <a:lnSpc>
+                          <a:spcPct val="107000"/>
+                        </a:lnSpc>
+                        <a:spcAft>
+                          <a:spcPts val="800"/>
+                        </a:spcAft>
+                      </a:pPr>
+                      <a:r>
+                        <a:rPr lang="en-IN" sz="1200">
+                          <a:effectLst/>
+                        </a:rPr>
+                        <a:t> </a:t>
+                      </a:r>
+                      <a:endParaRPr lang="en-IN" sz="1100">
+                        <a:effectLst/>
+                      </a:endParaRPr>
+                    </a:p>
+                    <a:p>
+                      <a:pPr algn="ctr">
+                        <a:lnSpc>
+                          <a:spcPct val="107000"/>
+                        </a:lnSpc>
+                        <a:spcAft>
+                          <a:spcPts val="800"/>
+                        </a:spcAft>
+                      </a:pPr>
+                      <a:r>
+                        <a:rPr lang="en-IN" sz="1200">
+                          <a:effectLst/>
+                        </a:rPr>
+                        <a:t> </a:t>
+                      </a:r>
+                      <a:endParaRPr lang="en-IN" sz="1100">
+                        <a:effectLst/>
+                      </a:endParaRPr>
+                    </a:p>
+                    <a:p>
+                      <a:pPr algn="ctr">
+                        <a:lnSpc>
+                          <a:spcPct val="107000"/>
+                        </a:lnSpc>
+                        <a:spcAft>
+                          <a:spcPts val="800"/>
+                        </a:spcAft>
+                      </a:pPr>
+                      <a:r>
+                        <a:rPr lang="en-IN" sz="1200">
+                          <a:effectLst/>
+                        </a:rPr>
+                        <a:t> </a:t>
+                      </a:r>
+                      <a:endParaRPr lang="en-IN" sz="1100">
+                        <a:effectLst/>
+                      </a:endParaRPr>
+                    </a:p>
+                    <a:p>
+                      <a:pPr algn="ctr">
+                        <a:lnSpc>
+                          <a:spcPct val="107000"/>
+                        </a:lnSpc>
+                        <a:spcAft>
+                          <a:spcPts val="800"/>
+                        </a:spcAft>
+                      </a:pPr>
+                      <a:r>
+                        <a:rPr lang="en-IN" sz="1200">
+                          <a:effectLst/>
+                        </a:rPr>
+                        <a:t>Primary key</a:t>
+                      </a:r>
+                      <a:endParaRPr lang="en-IN" sz="1100">
+                        <a:effectLst/>
+                        <a:latin typeface="Calibri" panose="020F0502020204030204" pitchFamily="34" charset="0"/>
+                        <a:ea typeface="Calibri" panose="020F0502020204030204" pitchFamily="34" charset="0"/>
+                        <a:cs typeface="Times New Roman" panose="02020603050405020304" pitchFamily="18" charset="0"/>
+                      </a:endParaRPr>
+                    </a:p>
+                  </a:txBody>
+                  <a:tcPr marL="0" marR="0" marT="0" marB="0"/>
+                </a:tc>
+                <a:tc>
+                  <a:txBody>
+                    <a:bodyPr/>
+                    <a:lstStyle/>
+                    <a:p>
+                      <a:pPr>
+                        <a:lnSpc>
+                          <a:spcPct val="107000"/>
+                        </a:lnSpc>
+                        <a:spcAft>
+                          <a:spcPts val="800"/>
+                        </a:spcAft>
+                      </a:pPr>
+                      <a:r>
+                        <a:rPr lang="en-IN" sz="1200">
+                          <a:effectLst/>
+                        </a:rPr>
+                        <a:t> </a:t>
+                      </a:r>
+                      <a:endParaRPr lang="en-IN" sz="1100">
+                        <a:effectLst/>
+                      </a:endParaRPr>
+                    </a:p>
+                    <a:p>
+                      <a:pPr>
+                        <a:lnSpc>
+                          <a:spcPct val="107000"/>
+                        </a:lnSpc>
+                        <a:spcAft>
+                          <a:spcPts val="800"/>
+                        </a:spcAft>
+                      </a:pPr>
+                      <a:r>
+                        <a:rPr lang="en-IN" sz="1200">
+                          <a:effectLst/>
+                        </a:rPr>
+                        <a:t> </a:t>
+                      </a:r>
+                      <a:endParaRPr lang="en-IN" sz="1100">
+                        <a:effectLst/>
+                        <a:latin typeface="Calibri" panose="020F0502020204030204" pitchFamily="34" charset="0"/>
+                        <a:ea typeface="Calibri" panose="020F0502020204030204" pitchFamily="34" charset="0"/>
+                        <a:cs typeface="Times New Roman" panose="02020603050405020304" pitchFamily="18" charset="0"/>
+                      </a:endParaRPr>
+                    </a:p>
+                  </a:txBody>
+                  <a:tcPr marL="0" marR="0" marT="0" marB="0"/>
+                </a:tc>
+                <a:tc>
+                  <a:txBody>
+                    <a:bodyPr/>
+                    <a:lstStyle/>
+                    <a:p>
+                      <a:pPr algn="ctr">
+                        <a:lnSpc>
+                          <a:spcPct val="107000"/>
+                        </a:lnSpc>
+                        <a:spcAft>
+                          <a:spcPts val="800"/>
+                        </a:spcAft>
+                      </a:pPr>
+                      <a:r>
+                        <a:rPr lang="en-IN" sz="1200">
+                          <a:effectLst/>
+                        </a:rPr>
+                        <a:t>Nullable</a:t>
+                      </a:r>
+                      <a:endParaRPr lang="en-IN" sz="1100">
+                        <a:effectLst/>
+                        <a:latin typeface="Calibri" panose="020F0502020204030204" pitchFamily="34" charset="0"/>
+                        <a:ea typeface="Calibri" panose="020F0502020204030204" pitchFamily="34" charset="0"/>
+                        <a:cs typeface="Times New Roman" panose="02020603050405020304" pitchFamily="18" charset="0"/>
+                      </a:endParaRPr>
+                    </a:p>
+                  </a:txBody>
+                  <a:tcPr marL="0" marR="0" marT="0" marB="0" anchor="b"/>
+                </a:tc>
+                <a:tc>
+                  <a:txBody>
+                    <a:bodyPr/>
+                    <a:lstStyle/>
+                    <a:p>
+                      <a:pPr algn="ctr">
+                        <a:lnSpc>
+                          <a:spcPct val="107000"/>
+                        </a:lnSpc>
+                        <a:spcAft>
+                          <a:spcPts val="800"/>
+                        </a:spcAft>
+                      </a:pPr>
+                      <a:r>
+                        <a:rPr lang="en-IN" sz="1200">
+                          <a:effectLst/>
+                        </a:rPr>
+                        <a:t>Default</a:t>
+                      </a:r>
+                      <a:endParaRPr lang="en-IN" sz="1100">
+                        <a:effectLst/>
+                        <a:latin typeface="Calibri" panose="020F0502020204030204" pitchFamily="34" charset="0"/>
+                        <a:ea typeface="Calibri" panose="020F0502020204030204" pitchFamily="34" charset="0"/>
+                        <a:cs typeface="Times New Roman" panose="02020603050405020304" pitchFamily="18" charset="0"/>
+                      </a:endParaRPr>
+                    </a:p>
+                  </a:txBody>
+                  <a:tcPr marL="0" marR="0" marT="0" marB="0" anchor="b"/>
+                </a:tc>
+                <a:tc>
+                  <a:txBody>
+                    <a:bodyPr/>
+                    <a:lstStyle/>
+                    <a:p>
+                      <a:pPr algn="ctr">
+                        <a:lnSpc>
+                          <a:spcPct val="107000"/>
+                        </a:lnSpc>
+                        <a:spcAft>
+                          <a:spcPts val="800"/>
+                        </a:spcAft>
+                      </a:pPr>
+                      <a:r>
+                        <a:rPr lang="en-IN" sz="1200">
+                          <a:effectLst/>
+                        </a:rPr>
+                        <a:t>Comments</a:t>
+                      </a:r>
+                      <a:endParaRPr lang="en-IN" sz="1100">
+                        <a:effectLst/>
+                        <a:latin typeface="Calibri" panose="020F0502020204030204" pitchFamily="34" charset="0"/>
+                        <a:ea typeface="Calibri" panose="020F0502020204030204" pitchFamily="34" charset="0"/>
+                        <a:cs typeface="Times New Roman" panose="02020603050405020304" pitchFamily="18" charset="0"/>
+                      </a:endParaRPr>
+                    </a:p>
+                  </a:txBody>
+                  <a:tcPr marL="0" marR="0" marT="0" marB="0" anchor="b"/>
+                </a:tc>
+                <a:extLst>
+                  <a:ext uri="{0D108BD9-81ED-4DB2-BD59-A6C34878D82A}">
+                    <a16:rowId xmlns:a16="http://schemas.microsoft.com/office/drawing/2014/main" val="1129236114"/>
+                  </a:ext>
+                </a:extLst>
+              </a:tr>
+              <a:tr h="470535">
+                <a:tc>
+                  <a:txBody>
+                    <a:bodyPr/>
+                    <a:lstStyle/>
+                    <a:p>
+                      <a:pPr marL="38100">
+                        <a:lnSpc>
+                          <a:spcPts val="990"/>
+                        </a:lnSpc>
+                        <a:spcAft>
+                          <a:spcPts val="800"/>
+                        </a:spcAft>
+                      </a:pPr>
+                      <a:r>
+                        <a:rPr lang="en-IN" sz="1100" dirty="0">
+                          <a:effectLst/>
+                        </a:rPr>
+                        <a:t> </a:t>
+                      </a:r>
+                    </a:p>
+                    <a:p>
+                      <a:pPr marL="38100">
+                        <a:lnSpc>
+                          <a:spcPts val="990"/>
+                        </a:lnSpc>
+                        <a:spcAft>
+                          <a:spcPts val="800"/>
+                        </a:spcAft>
+                      </a:pPr>
+                      <a:r>
+                        <a:rPr lang="en-IN" sz="1100" dirty="0">
+                          <a:effectLst/>
+                        </a:rPr>
+                        <a:t> </a:t>
+                      </a:r>
+                    </a:p>
+                    <a:p>
+                      <a:pPr marL="38100">
+                        <a:lnSpc>
+                          <a:spcPts val="990"/>
+                        </a:lnSpc>
+                        <a:spcAft>
+                          <a:spcPts val="800"/>
+                        </a:spcAft>
+                      </a:pPr>
+                      <a:r>
+                        <a:rPr lang="en-IN" sz="1100" dirty="0">
+                          <a:effectLst/>
+                        </a:rPr>
+                        <a:t> </a:t>
+                      </a:r>
+                    </a:p>
+                    <a:p>
+                      <a:pPr marL="38100">
+                        <a:lnSpc>
+                          <a:spcPts val="990"/>
+                        </a:lnSpc>
+                        <a:spcAft>
+                          <a:spcPts val="800"/>
+                        </a:spcAft>
+                      </a:pPr>
+                      <a:r>
+                        <a:rPr lang="en-IN" sz="1100" dirty="0">
+                          <a:effectLst/>
+                        </a:rPr>
+                        <a:t>admin</a:t>
+                      </a:r>
+                      <a:endParaRPr lang="en-IN" sz="1100" dirty="0">
+                        <a:effectLst/>
+                        <a:latin typeface="Calibri" panose="020F0502020204030204" pitchFamily="34" charset="0"/>
+                        <a:ea typeface="Calibri" panose="020F0502020204030204" pitchFamily="34" charset="0"/>
+                        <a:cs typeface="Times New Roman" panose="02020603050405020304" pitchFamily="18" charset="0"/>
+                      </a:endParaRPr>
+                    </a:p>
+                  </a:txBody>
+                  <a:tcPr marL="0" marR="0" marT="0" marB="0"/>
+                </a:tc>
+                <a:tc>
+                  <a:txBody>
+                    <a:bodyPr/>
+                    <a:lstStyle/>
+                    <a:p>
+                      <a:pPr>
+                        <a:lnSpc>
+                          <a:spcPts val="990"/>
+                        </a:lnSpc>
+                        <a:spcAft>
+                          <a:spcPts val="800"/>
+                        </a:spcAft>
+                      </a:pPr>
+                      <a:r>
+                        <a:rPr lang="en-IN" sz="1100">
+                          <a:effectLst/>
+                        </a:rPr>
+                        <a:t>    admin_id</a:t>
+                      </a:r>
+                      <a:endParaRPr lang="en-IN" sz="1100">
+                        <a:effectLst/>
+                        <a:latin typeface="Calibri" panose="020F0502020204030204" pitchFamily="34" charset="0"/>
+                        <a:ea typeface="Calibri" panose="020F0502020204030204" pitchFamily="34" charset="0"/>
+                        <a:cs typeface="Times New Roman" panose="02020603050405020304" pitchFamily="18" charset="0"/>
+                      </a:endParaRPr>
+                    </a:p>
+                  </a:txBody>
+                  <a:tcPr marL="0" marR="0" marT="0" marB="0" anchor="b"/>
+                </a:tc>
+                <a:tc>
+                  <a:txBody>
+                    <a:bodyPr/>
+                    <a:lstStyle/>
+                    <a:p>
+                      <a:pPr>
+                        <a:lnSpc>
+                          <a:spcPts val="990"/>
+                        </a:lnSpc>
+                        <a:spcAft>
+                          <a:spcPts val="800"/>
+                        </a:spcAft>
+                      </a:pPr>
+                      <a:r>
+                        <a:rPr lang="en-IN" sz="1100">
+                          <a:effectLst/>
+                        </a:rPr>
+                        <a:t>  int(10)</a:t>
+                      </a:r>
+                      <a:endParaRPr lang="en-IN" sz="1100">
+                        <a:effectLst/>
+                        <a:latin typeface="Calibri" panose="020F0502020204030204" pitchFamily="34" charset="0"/>
+                        <a:ea typeface="Calibri" panose="020F0502020204030204" pitchFamily="34" charset="0"/>
+                        <a:cs typeface="Times New Roman" panose="02020603050405020304" pitchFamily="18" charset="0"/>
+                      </a:endParaRPr>
+                    </a:p>
+                  </a:txBody>
+                  <a:tcPr marL="0" marR="0" marT="0" marB="0" anchor="b"/>
+                </a:tc>
+                <a:tc>
+                  <a:txBody>
+                    <a:bodyPr/>
+                    <a:lstStyle/>
+                    <a:p>
+                      <a:pPr>
+                        <a:lnSpc>
+                          <a:spcPts val="990"/>
+                        </a:lnSpc>
+                        <a:spcAft>
+                          <a:spcPts val="800"/>
+                        </a:spcAft>
+                      </a:pPr>
+                      <a:r>
+                        <a:rPr lang="en-IN" sz="1100">
+                          <a:effectLst/>
+                        </a:rPr>
+                        <a:t>        </a:t>
+                      </a:r>
+                    </a:p>
+                    <a:p>
+                      <a:pPr>
+                        <a:lnSpc>
+                          <a:spcPts val="990"/>
+                        </a:lnSpc>
+                        <a:spcAft>
+                          <a:spcPts val="800"/>
+                        </a:spcAft>
+                      </a:pPr>
+                      <a:r>
+                        <a:rPr lang="en-IN" sz="1100">
+                          <a:effectLst/>
+                        </a:rPr>
+                        <a:t> </a:t>
+                      </a:r>
+                    </a:p>
+                    <a:p>
+                      <a:pPr>
+                        <a:lnSpc>
+                          <a:spcPts val="990"/>
+                        </a:lnSpc>
+                        <a:spcAft>
+                          <a:spcPts val="800"/>
+                        </a:spcAft>
+                      </a:pPr>
+                      <a:r>
+                        <a:rPr lang="en-IN" sz="1100">
+                          <a:effectLst/>
+                        </a:rPr>
+                        <a:t> </a:t>
+                      </a:r>
+                    </a:p>
+                    <a:p>
+                      <a:pPr>
+                        <a:lnSpc>
+                          <a:spcPts val="990"/>
+                        </a:lnSpc>
+                        <a:spcAft>
+                          <a:spcPts val="800"/>
+                        </a:spcAft>
+                      </a:pPr>
+                      <a:r>
+                        <a:rPr lang="en-IN" sz="1100">
+                          <a:effectLst/>
+                        </a:rPr>
+                        <a:t>     YES</a:t>
+                      </a:r>
+                      <a:endParaRPr lang="en-IN" sz="1100">
+                        <a:effectLst/>
+                        <a:latin typeface="Calibri" panose="020F0502020204030204" pitchFamily="34" charset="0"/>
+                        <a:ea typeface="Calibri" panose="020F0502020204030204" pitchFamily="34" charset="0"/>
+                        <a:cs typeface="Times New Roman" panose="02020603050405020304" pitchFamily="18" charset="0"/>
+                      </a:endParaRPr>
+                    </a:p>
+                  </a:txBody>
+                  <a:tcPr marL="0" marR="0" marT="0" marB="0"/>
+                </a:tc>
+                <a:tc>
+                  <a:txBody>
+                    <a:bodyPr/>
+                    <a:lstStyle/>
+                    <a:p>
+                      <a:pPr>
+                        <a:lnSpc>
+                          <a:spcPts val="990"/>
+                        </a:lnSpc>
+                        <a:spcAft>
+                          <a:spcPts val="800"/>
+                        </a:spcAft>
+                      </a:pPr>
+                      <a:r>
+                        <a:rPr lang="en-IN" sz="1100">
+                          <a:effectLst/>
+                        </a:rPr>
+                        <a:t> </a:t>
+                      </a:r>
+                      <a:endParaRPr lang="en-IN" sz="1100">
+                        <a:effectLst/>
+                        <a:latin typeface="Calibri" panose="020F0502020204030204" pitchFamily="34" charset="0"/>
+                        <a:ea typeface="Calibri" panose="020F0502020204030204" pitchFamily="34" charset="0"/>
+                        <a:cs typeface="Times New Roman" panose="02020603050405020304" pitchFamily="18" charset="0"/>
+                      </a:endParaRPr>
+                    </a:p>
+                  </a:txBody>
+                  <a:tcPr marL="0" marR="0" marT="0" marB="0"/>
+                </a:tc>
+                <a:tc>
+                  <a:txBody>
+                    <a:bodyPr/>
+                    <a:lstStyle/>
+                    <a:p>
+                      <a:pPr algn="ctr">
+                        <a:lnSpc>
+                          <a:spcPts val="990"/>
+                        </a:lnSpc>
+                        <a:spcAft>
+                          <a:spcPts val="800"/>
+                        </a:spcAft>
+                      </a:pPr>
+                      <a:r>
+                        <a:rPr lang="en-IN" sz="1100">
+                          <a:effectLst/>
+                        </a:rPr>
+                        <a:t>No</a:t>
+                      </a:r>
+                      <a:endParaRPr lang="en-IN" sz="1100">
+                        <a:effectLst/>
+                        <a:latin typeface="Calibri" panose="020F0502020204030204" pitchFamily="34" charset="0"/>
+                        <a:ea typeface="Calibri" panose="020F0502020204030204" pitchFamily="34" charset="0"/>
+                        <a:cs typeface="Times New Roman" panose="02020603050405020304" pitchFamily="18" charset="0"/>
+                      </a:endParaRPr>
+                    </a:p>
+                  </a:txBody>
+                  <a:tcPr marL="0" marR="0" marT="0" marB="0" anchor="b"/>
+                </a:tc>
+                <a:tc>
+                  <a:txBody>
+                    <a:bodyPr/>
+                    <a:lstStyle/>
+                    <a:p>
+                      <a:pPr>
+                        <a:lnSpc>
+                          <a:spcPct val="107000"/>
+                        </a:lnSpc>
+                        <a:spcAft>
+                          <a:spcPts val="800"/>
+                        </a:spcAft>
+                      </a:pPr>
+                      <a:r>
+                        <a:rPr lang="en-IN" sz="1100">
+                          <a:effectLst/>
+                        </a:rPr>
+                        <a:t> </a:t>
+                      </a:r>
+                      <a:endParaRPr lang="en-IN" sz="1100">
+                        <a:effectLst/>
+                        <a:latin typeface="Calibri" panose="020F0502020204030204" pitchFamily="34" charset="0"/>
+                        <a:ea typeface="Calibri" panose="020F0502020204030204" pitchFamily="34" charset="0"/>
+                        <a:cs typeface="Times New Roman" panose="02020603050405020304" pitchFamily="18" charset="0"/>
+                      </a:endParaRPr>
+                    </a:p>
+                  </a:txBody>
+                  <a:tcPr marL="0" marR="0" marT="0" marB="0" anchor="b"/>
+                </a:tc>
+                <a:tc>
+                  <a:txBody>
+                    <a:bodyPr/>
+                    <a:lstStyle/>
+                    <a:p>
+                      <a:pPr>
+                        <a:lnSpc>
+                          <a:spcPct val="107000"/>
+                        </a:lnSpc>
+                        <a:spcAft>
+                          <a:spcPts val="800"/>
+                        </a:spcAft>
+                      </a:pPr>
+                      <a:r>
+                        <a:rPr lang="en-IN" sz="1100">
+                          <a:effectLst/>
+                        </a:rPr>
+                        <a:t>  Admin’s valid email ID</a:t>
+                      </a:r>
+                      <a:endParaRPr lang="en-IN" sz="1100">
+                        <a:effectLst/>
+                        <a:latin typeface="Calibri" panose="020F0502020204030204" pitchFamily="34" charset="0"/>
+                        <a:ea typeface="Calibri" panose="020F0502020204030204" pitchFamily="34" charset="0"/>
+                        <a:cs typeface="Times New Roman" panose="02020603050405020304" pitchFamily="18" charset="0"/>
+                      </a:endParaRPr>
+                    </a:p>
+                  </a:txBody>
+                  <a:tcPr marL="0" marR="0" marT="0" marB="0" anchor="b"/>
+                </a:tc>
+                <a:extLst>
+                  <a:ext uri="{0D108BD9-81ED-4DB2-BD59-A6C34878D82A}">
+                    <a16:rowId xmlns:a16="http://schemas.microsoft.com/office/drawing/2014/main" val="1941977235"/>
+                  </a:ext>
+                </a:extLst>
+              </a:tr>
+              <a:tr h="487045">
+                <a:tc>
+                  <a:txBody>
+                    <a:bodyPr/>
+                    <a:lstStyle/>
+                    <a:p>
+                      <a:pPr marL="38100">
+                        <a:lnSpc>
+                          <a:spcPts val="1025"/>
+                        </a:lnSpc>
+                        <a:spcAft>
+                          <a:spcPts val="800"/>
+                        </a:spcAft>
+                      </a:pPr>
+                      <a:r>
+                        <a:rPr lang="en-IN" sz="1100">
+                          <a:effectLst/>
+                        </a:rPr>
+                        <a:t> </a:t>
+                      </a:r>
+                    </a:p>
+                    <a:p>
+                      <a:pPr marL="38100">
+                        <a:lnSpc>
+                          <a:spcPts val="1025"/>
+                        </a:lnSpc>
+                        <a:spcAft>
+                          <a:spcPts val="800"/>
+                        </a:spcAft>
+                      </a:pPr>
+                      <a:r>
+                        <a:rPr lang="en-IN" sz="1100">
+                          <a:effectLst/>
+                        </a:rPr>
+                        <a:t> </a:t>
+                      </a:r>
+                    </a:p>
+                    <a:p>
+                      <a:pPr marL="38100">
+                        <a:lnSpc>
+                          <a:spcPts val="1025"/>
+                        </a:lnSpc>
+                        <a:spcAft>
+                          <a:spcPts val="800"/>
+                        </a:spcAft>
+                      </a:pPr>
+                      <a:r>
+                        <a:rPr lang="en-IN" sz="1100">
+                          <a:effectLst/>
+                        </a:rPr>
+                        <a:t> </a:t>
+                      </a:r>
+                    </a:p>
+                    <a:p>
+                      <a:pPr marL="38100">
+                        <a:lnSpc>
+                          <a:spcPts val="1025"/>
+                        </a:lnSpc>
+                        <a:spcAft>
+                          <a:spcPts val="800"/>
+                        </a:spcAft>
+                      </a:pPr>
+                      <a:r>
+                        <a:rPr lang="en-IN" sz="1100">
+                          <a:effectLst/>
+                        </a:rPr>
+                        <a:t>admin</a:t>
+                      </a:r>
+                      <a:endParaRPr lang="en-IN" sz="1100">
+                        <a:effectLst/>
+                        <a:latin typeface="Calibri" panose="020F0502020204030204" pitchFamily="34" charset="0"/>
+                        <a:ea typeface="Calibri" panose="020F0502020204030204" pitchFamily="34" charset="0"/>
+                        <a:cs typeface="Times New Roman" panose="02020603050405020304" pitchFamily="18" charset="0"/>
+                      </a:endParaRPr>
+                    </a:p>
+                  </a:txBody>
+                  <a:tcPr marL="0" marR="0" marT="0" marB="0"/>
+                </a:tc>
+                <a:tc>
+                  <a:txBody>
+                    <a:bodyPr/>
+                    <a:lstStyle/>
+                    <a:p>
+                      <a:pPr marL="38100">
+                        <a:lnSpc>
+                          <a:spcPts val="1025"/>
+                        </a:lnSpc>
+                        <a:spcAft>
+                          <a:spcPts val="800"/>
+                        </a:spcAft>
+                      </a:pPr>
+                      <a:r>
+                        <a:rPr lang="en-IN" sz="1100" dirty="0">
+                          <a:effectLst/>
+                        </a:rPr>
+                        <a:t>  </a:t>
+                      </a:r>
+                      <a:r>
+                        <a:rPr lang="en-IN" sz="1100" dirty="0" err="1">
+                          <a:effectLst/>
+                        </a:rPr>
+                        <a:t>admin_username</a:t>
+                      </a:r>
+                      <a:endParaRPr lang="en-IN" sz="1100" dirty="0">
+                        <a:effectLst/>
+                        <a:latin typeface="Calibri" panose="020F0502020204030204" pitchFamily="34" charset="0"/>
+                        <a:ea typeface="Calibri" panose="020F0502020204030204" pitchFamily="34" charset="0"/>
+                        <a:cs typeface="Times New Roman" panose="02020603050405020304" pitchFamily="18" charset="0"/>
+                      </a:endParaRPr>
+                    </a:p>
+                  </a:txBody>
+                  <a:tcPr marL="0" marR="0" marT="0" marB="0" anchor="b"/>
+                </a:tc>
+                <a:tc>
+                  <a:txBody>
+                    <a:bodyPr/>
+                    <a:lstStyle/>
+                    <a:p>
+                      <a:pPr>
+                        <a:lnSpc>
+                          <a:spcPts val="1025"/>
+                        </a:lnSpc>
+                        <a:spcAft>
+                          <a:spcPts val="800"/>
+                        </a:spcAft>
+                      </a:pPr>
+                      <a:r>
+                        <a:rPr lang="en-IN" sz="1100">
+                          <a:effectLst/>
+                        </a:rPr>
+                        <a:t> varchar(500)</a:t>
+                      </a:r>
+                      <a:endParaRPr lang="en-IN" sz="1100">
+                        <a:effectLst/>
+                        <a:latin typeface="Calibri" panose="020F0502020204030204" pitchFamily="34" charset="0"/>
+                        <a:ea typeface="Calibri" panose="020F0502020204030204" pitchFamily="34" charset="0"/>
+                        <a:cs typeface="Times New Roman" panose="02020603050405020304" pitchFamily="18" charset="0"/>
+                      </a:endParaRPr>
+                    </a:p>
+                  </a:txBody>
+                  <a:tcPr marL="0" marR="0" marT="0" marB="0" anchor="b"/>
+                </a:tc>
+                <a:tc>
+                  <a:txBody>
+                    <a:bodyPr/>
+                    <a:lstStyle/>
+                    <a:p>
+                      <a:pPr>
+                        <a:lnSpc>
+                          <a:spcPts val="1025"/>
+                        </a:lnSpc>
+                        <a:spcAft>
+                          <a:spcPts val="800"/>
+                        </a:spcAft>
+                      </a:pPr>
+                      <a:r>
+                        <a:rPr lang="en-IN" sz="1100">
+                          <a:effectLst/>
+                        </a:rPr>
+                        <a:t> </a:t>
+                      </a:r>
+                      <a:endParaRPr lang="en-IN" sz="1100">
+                        <a:effectLst/>
+                        <a:latin typeface="Calibri" panose="020F0502020204030204" pitchFamily="34" charset="0"/>
+                        <a:ea typeface="Calibri" panose="020F0502020204030204" pitchFamily="34" charset="0"/>
+                        <a:cs typeface="Times New Roman" panose="02020603050405020304" pitchFamily="18" charset="0"/>
+                      </a:endParaRPr>
+                    </a:p>
+                  </a:txBody>
+                  <a:tcPr marL="0" marR="0" marT="0" marB="0"/>
+                </a:tc>
+                <a:tc>
+                  <a:txBody>
+                    <a:bodyPr/>
+                    <a:lstStyle/>
+                    <a:p>
+                      <a:pPr>
+                        <a:lnSpc>
+                          <a:spcPts val="1025"/>
+                        </a:lnSpc>
+                        <a:spcAft>
+                          <a:spcPts val="800"/>
+                        </a:spcAft>
+                      </a:pPr>
+                      <a:r>
+                        <a:rPr lang="en-IN" sz="1100">
+                          <a:effectLst/>
+                        </a:rPr>
+                        <a:t> </a:t>
+                      </a:r>
+                      <a:endParaRPr lang="en-IN" sz="1100">
+                        <a:effectLst/>
+                        <a:latin typeface="Calibri" panose="020F0502020204030204" pitchFamily="34" charset="0"/>
+                        <a:ea typeface="Calibri" panose="020F0502020204030204" pitchFamily="34" charset="0"/>
+                        <a:cs typeface="Times New Roman" panose="02020603050405020304" pitchFamily="18" charset="0"/>
+                      </a:endParaRPr>
+                    </a:p>
+                  </a:txBody>
+                  <a:tcPr marL="0" marR="0" marT="0" marB="0"/>
+                </a:tc>
+                <a:tc>
+                  <a:txBody>
+                    <a:bodyPr/>
+                    <a:lstStyle/>
+                    <a:p>
+                      <a:pPr algn="ctr">
+                        <a:lnSpc>
+                          <a:spcPts val="1025"/>
+                        </a:lnSpc>
+                        <a:spcAft>
+                          <a:spcPts val="800"/>
+                        </a:spcAft>
+                      </a:pPr>
+                      <a:r>
+                        <a:rPr lang="en-IN" sz="1100">
+                          <a:effectLst/>
+                        </a:rPr>
+                        <a:t>No</a:t>
+                      </a:r>
+                      <a:endParaRPr lang="en-IN" sz="1100">
+                        <a:effectLst/>
+                        <a:latin typeface="Calibri" panose="020F0502020204030204" pitchFamily="34" charset="0"/>
+                        <a:ea typeface="Calibri" panose="020F0502020204030204" pitchFamily="34" charset="0"/>
+                        <a:cs typeface="Times New Roman" panose="02020603050405020304" pitchFamily="18" charset="0"/>
+                      </a:endParaRPr>
+                    </a:p>
+                  </a:txBody>
+                  <a:tcPr marL="0" marR="0" marT="0" marB="0" anchor="b"/>
+                </a:tc>
+                <a:tc>
+                  <a:txBody>
+                    <a:bodyPr/>
+                    <a:lstStyle/>
+                    <a:p>
+                      <a:pPr>
+                        <a:lnSpc>
+                          <a:spcPct val="107000"/>
+                        </a:lnSpc>
+                        <a:spcAft>
+                          <a:spcPts val="800"/>
+                        </a:spcAft>
+                      </a:pPr>
+                      <a:r>
+                        <a:rPr lang="en-IN" sz="1100">
+                          <a:effectLst/>
+                        </a:rPr>
+                        <a:t> </a:t>
+                      </a:r>
+                      <a:endParaRPr lang="en-IN" sz="1100">
+                        <a:effectLst/>
+                        <a:latin typeface="Calibri" panose="020F0502020204030204" pitchFamily="34" charset="0"/>
+                        <a:ea typeface="Calibri" panose="020F0502020204030204" pitchFamily="34" charset="0"/>
+                        <a:cs typeface="Times New Roman" panose="02020603050405020304" pitchFamily="18" charset="0"/>
+                      </a:endParaRPr>
+                    </a:p>
+                  </a:txBody>
+                  <a:tcPr marL="0" marR="0" marT="0" marB="0" anchor="b"/>
+                </a:tc>
+                <a:tc>
+                  <a:txBody>
+                    <a:bodyPr/>
+                    <a:lstStyle/>
+                    <a:p>
+                      <a:pPr>
+                        <a:lnSpc>
+                          <a:spcPct val="107000"/>
+                        </a:lnSpc>
+                        <a:spcAft>
+                          <a:spcPts val="800"/>
+                        </a:spcAft>
+                      </a:pPr>
+                      <a:r>
+                        <a:rPr lang="en-IN" sz="1100">
+                          <a:effectLst/>
+                        </a:rPr>
+                        <a:t> Admin’s user_name</a:t>
+                      </a:r>
+                      <a:endParaRPr lang="en-IN" sz="1100">
+                        <a:effectLst/>
+                        <a:latin typeface="Calibri" panose="020F0502020204030204" pitchFamily="34" charset="0"/>
+                        <a:ea typeface="Calibri" panose="020F0502020204030204" pitchFamily="34" charset="0"/>
+                        <a:cs typeface="Times New Roman" panose="02020603050405020304" pitchFamily="18" charset="0"/>
+                      </a:endParaRPr>
+                    </a:p>
+                  </a:txBody>
+                  <a:tcPr marL="0" marR="0" marT="0" marB="0" anchor="b"/>
+                </a:tc>
+                <a:extLst>
+                  <a:ext uri="{0D108BD9-81ED-4DB2-BD59-A6C34878D82A}">
+                    <a16:rowId xmlns:a16="http://schemas.microsoft.com/office/drawing/2014/main" val="206443553"/>
+                  </a:ext>
+                </a:extLst>
+              </a:tr>
+              <a:tr h="487045">
+                <a:tc>
+                  <a:txBody>
+                    <a:bodyPr/>
+                    <a:lstStyle/>
+                    <a:p>
+                      <a:pPr marL="38100">
+                        <a:lnSpc>
+                          <a:spcPts val="1025"/>
+                        </a:lnSpc>
+                        <a:spcAft>
+                          <a:spcPts val="800"/>
+                        </a:spcAft>
+                      </a:pPr>
+                      <a:r>
+                        <a:rPr lang="en-IN" sz="1100">
+                          <a:effectLst/>
+                        </a:rPr>
+                        <a:t> </a:t>
+                      </a:r>
+                    </a:p>
+                    <a:p>
+                      <a:pPr marL="38100">
+                        <a:lnSpc>
+                          <a:spcPts val="1025"/>
+                        </a:lnSpc>
+                        <a:spcAft>
+                          <a:spcPts val="800"/>
+                        </a:spcAft>
+                      </a:pPr>
+                      <a:r>
+                        <a:rPr lang="en-IN" sz="1100">
+                          <a:effectLst/>
+                        </a:rPr>
+                        <a:t> </a:t>
+                      </a:r>
+                    </a:p>
+                    <a:p>
+                      <a:pPr marL="38100">
+                        <a:lnSpc>
+                          <a:spcPts val="1025"/>
+                        </a:lnSpc>
+                        <a:spcAft>
+                          <a:spcPts val="800"/>
+                        </a:spcAft>
+                      </a:pPr>
+                      <a:r>
+                        <a:rPr lang="en-IN" sz="1100">
+                          <a:effectLst/>
+                        </a:rPr>
+                        <a:t> </a:t>
+                      </a:r>
+                    </a:p>
+                    <a:p>
+                      <a:pPr marL="38100">
+                        <a:lnSpc>
+                          <a:spcPts val="1025"/>
+                        </a:lnSpc>
+                        <a:spcAft>
+                          <a:spcPts val="800"/>
+                        </a:spcAft>
+                      </a:pPr>
+                      <a:r>
+                        <a:rPr lang="en-IN" sz="1100">
+                          <a:effectLst/>
+                        </a:rPr>
+                        <a:t>admin</a:t>
+                      </a:r>
+                      <a:endParaRPr lang="en-IN" sz="1100">
+                        <a:effectLst/>
+                        <a:latin typeface="Calibri" panose="020F0502020204030204" pitchFamily="34" charset="0"/>
+                        <a:ea typeface="Calibri" panose="020F0502020204030204" pitchFamily="34" charset="0"/>
+                        <a:cs typeface="Times New Roman" panose="02020603050405020304" pitchFamily="18" charset="0"/>
+                      </a:endParaRPr>
+                    </a:p>
+                  </a:txBody>
+                  <a:tcPr marL="0" marR="0" marT="0" marB="0"/>
+                </a:tc>
+                <a:tc>
+                  <a:txBody>
+                    <a:bodyPr/>
+                    <a:lstStyle/>
+                    <a:p>
+                      <a:pPr marL="38100">
+                        <a:lnSpc>
+                          <a:spcPts val="1025"/>
+                        </a:lnSpc>
+                        <a:spcAft>
+                          <a:spcPts val="800"/>
+                        </a:spcAft>
+                      </a:pPr>
+                      <a:r>
+                        <a:rPr lang="en-IN" sz="1100">
+                          <a:effectLst/>
+                        </a:rPr>
+                        <a:t> admin_password</a:t>
+                      </a:r>
+                      <a:endParaRPr lang="en-IN" sz="1100">
+                        <a:effectLst/>
+                        <a:latin typeface="Calibri" panose="020F0502020204030204" pitchFamily="34" charset="0"/>
+                        <a:ea typeface="Calibri" panose="020F0502020204030204" pitchFamily="34" charset="0"/>
+                        <a:cs typeface="Times New Roman" panose="02020603050405020304" pitchFamily="18" charset="0"/>
+                      </a:endParaRPr>
+                    </a:p>
+                  </a:txBody>
+                  <a:tcPr marL="0" marR="0" marT="0" marB="0" anchor="b"/>
+                </a:tc>
+                <a:tc>
+                  <a:txBody>
+                    <a:bodyPr/>
+                    <a:lstStyle/>
+                    <a:p>
+                      <a:pPr>
+                        <a:lnSpc>
+                          <a:spcPts val="1025"/>
+                        </a:lnSpc>
+                        <a:spcAft>
+                          <a:spcPts val="800"/>
+                        </a:spcAft>
+                      </a:pPr>
+                      <a:r>
+                        <a:rPr lang="en-IN" sz="1100">
+                          <a:effectLst/>
+                        </a:rPr>
+                        <a:t> varchar(500)</a:t>
+                      </a:r>
+                      <a:endParaRPr lang="en-IN" sz="1100">
+                        <a:effectLst/>
+                        <a:latin typeface="Calibri" panose="020F0502020204030204" pitchFamily="34" charset="0"/>
+                        <a:ea typeface="Calibri" panose="020F0502020204030204" pitchFamily="34" charset="0"/>
+                        <a:cs typeface="Times New Roman" panose="02020603050405020304" pitchFamily="18" charset="0"/>
+                      </a:endParaRPr>
+                    </a:p>
+                  </a:txBody>
+                  <a:tcPr marL="0" marR="0" marT="0" marB="0" anchor="b"/>
+                </a:tc>
+                <a:tc>
+                  <a:txBody>
+                    <a:bodyPr/>
+                    <a:lstStyle/>
+                    <a:p>
+                      <a:pPr>
+                        <a:lnSpc>
+                          <a:spcPts val="1025"/>
+                        </a:lnSpc>
+                        <a:spcAft>
+                          <a:spcPts val="800"/>
+                        </a:spcAft>
+                      </a:pPr>
+                      <a:r>
+                        <a:rPr lang="en-IN" sz="1100">
+                          <a:effectLst/>
+                        </a:rPr>
+                        <a:t> </a:t>
+                      </a:r>
+                      <a:endParaRPr lang="en-IN" sz="1100">
+                        <a:effectLst/>
+                        <a:latin typeface="Calibri" panose="020F0502020204030204" pitchFamily="34" charset="0"/>
+                        <a:ea typeface="Calibri" panose="020F0502020204030204" pitchFamily="34" charset="0"/>
+                        <a:cs typeface="Times New Roman" panose="02020603050405020304" pitchFamily="18" charset="0"/>
+                      </a:endParaRPr>
+                    </a:p>
+                  </a:txBody>
+                  <a:tcPr marL="0" marR="0" marT="0" marB="0"/>
+                </a:tc>
+                <a:tc>
+                  <a:txBody>
+                    <a:bodyPr/>
+                    <a:lstStyle/>
+                    <a:p>
+                      <a:pPr>
+                        <a:lnSpc>
+                          <a:spcPts val="1025"/>
+                        </a:lnSpc>
+                        <a:spcAft>
+                          <a:spcPts val="800"/>
+                        </a:spcAft>
+                      </a:pPr>
+                      <a:r>
+                        <a:rPr lang="en-IN" sz="1100">
+                          <a:effectLst/>
+                        </a:rPr>
+                        <a:t> </a:t>
+                      </a:r>
+                      <a:endParaRPr lang="en-IN" sz="1100">
+                        <a:effectLst/>
+                        <a:latin typeface="Calibri" panose="020F0502020204030204" pitchFamily="34" charset="0"/>
+                        <a:ea typeface="Calibri" panose="020F0502020204030204" pitchFamily="34" charset="0"/>
+                        <a:cs typeface="Times New Roman" panose="02020603050405020304" pitchFamily="18" charset="0"/>
+                      </a:endParaRPr>
+                    </a:p>
+                  </a:txBody>
+                  <a:tcPr marL="0" marR="0" marT="0" marB="0"/>
+                </a:tc>
+                <a:tc>
+                  <a:txBody>
+                    <a:bodyPr/>
+                    <a:lstStyle/>
+                    <a:p>
+                      <a:pPr algn="ctr">
+                        <a:lnSpc>
+                          <a:spcPts val="1025"/>
+                        </a:lnSpc>
+                        <a:spcAft>
+                          <a:spcPts val="800"/>
+                        </a:spcAft>
+                      </a:pPr>
+                      <a:r>
+                        <a:rPr lang="en-IN" sz="1100">
+                          <a:effectLst/>
+                        </a:rPr>
+                        <a:t>No</a:t>
+                      </a:r>
+                      <a:endParaRPr lang="en-IN" sz="1100">
+                        <a:effectLst/>
+                        <a:latin typeface="Calibri" panose="020F0502020204030204" pitchFamily="34" charset="0"/>
+                        <a:ea typeface="Calibri" panose="020F0502020204030204" pitchFamily="34" charset="0"/>
+                        <a:cs typeface="Times New Roman" panose="02020603050405020304" pitchFamily="18" charset="0"/>
+                      </a:endParaRPr>
+                    </a:p>
+                  </a:txBody>
+                  <a:tcPr marL="0" marR="0" marT="0" marB="0" anchor="b"/>
+                </a:tc>
+                <a:tc>
+                  <a:txBody>
+                    <a:bodyPr/>
+                    <a:lstStyle/>
+                    <a:p>
+                      <a:pPr>
+                        <a:lnSpc>
+                          <a:spcPct val="107000"/>
+                        </a:lnSpc>
+                        <a:spcAft>
+                          <a:spcPts val="800"/>
+                        </a:spcAft>
+                      </a:pPr>
+                      <a:r>
+                        <a:rPr lang="en-IN" sz="1100">
+                          <a:effectLst/>
+                        </a:rPr>
+                        <a:t> </a:t>
+                      </a:r>
+                      <a:endParaRPr lang="en-IN" sz="1100">
+                        <a:effectLst/>
+                        <a:latin typeface="Calibri" panose="020F0502020204030204" pitchFamily="34" charset="0"/>
+                        <a:ea typeface="Calibri" panose="020F0502020204030204" pitchFamily="34" charset="0"/>
+                        <a:cs typeface="Times New Roman" panose="02020603050405020304" pitchFamily="18" charset="0"/>
+                      </a:endParaRPr>
+                    </a:p>
+                  </a:txBody>
+                  <a:tcPr marL="0" marR="0" marT="0" marB="0" anchor="b"/>
+                </a:tc>
+                <a:tc>
+                  <a:txBody>
+                    <a:bodyPr/>
+                    <a:lstStyle/>
+                    <a:p>
+                      <a:pPr>
+                        <a:lnSpc>
+                          <a:spcPct val="107000"/>
+                        </a:lnSpc>
+                        <a:spcAft>
+                          <a:spcPts val="800"/>
+                        </a:spcAft>
+                      </a:pPr>
+                      <a:r>
+                        <a:rPr lang="en-IN" sz="1100" dirty="0">
+                          <a:effectLst/>
+                        </a:rPr>
+                        <a:t> A valid password given by Admin</a:t>
+                      </a:r>
+                      <a:endParaRPr lang="en-IN" sz="1100" dirty="0">
+                        <a:effectLst/>
+                        <a:latin typeface="Calibri" panose="020F0502020204030204" pitchFamily="34" charset="0"/>
+                        <a:ea typeface="Calibri" panose="020F0502020204030204" pitchFamily="34" charset="0"/>
+                        <a:cs typeface="Times New Roman" panose="02020603050405020304" pitchFamily="18" charset="0"/>
+                      </a:endParaRPr>
+                    </a:p>
+                  </a:txBody>
+                  <a:tcPr marL="0" marR="0" marT="0" marB="0" anchor="b"/>
+                </a:tc>
+                <a:extLst>
+                  <a:ext uri="{0D108BD9-81ED-4DB2-BD59-A6C34878D82A}">
+                    <a16:rowId xmlns:a16="http://schemas.microsoft.com/office/drawing/2014/main" val="2862263442"/>
+                  </a:ext>
+                </a:extLst>
+              </a:tr>
+            </a:tbl>
+          </a:graphicData>
+        </a:graphic>
+      </p:graphicFrame>
+      <p:sp>
+        <p:nvSpPr>
+          <p:cNvPr id="5" name="Rectangle 1">
+            <a:extLst>
+              <a:ext uri="{FF2B5EF4-FFF2-40B4-BE49-F238E27FC236}">
+                <a16:creationId xmlns:a16="http://schemas.microsoft.com/office/drawing/2014/main" id="{3A351DEA-3904-4A06-BCA6-917C26AC44F0}"/>
+              </a:ext>
+            </a:extLst>
+          </p:cNvPr>
+          <p:cNvSpPr>
+            <a:spLocks noChangeArrowheads="1"/>
+          </p:cNvSpPr>
+          <p:nvPr/>
+        </p:nvSpPr>
+        <p:spPr bwMode="auto">
+          <a:xfrm>
+            <a:off x="3238500" y="300107"/>
+            <a:ext cx="12520670" cy="707886"/>
+          </a:xfrm>
+          <a:prstGeom prst="rect">
+            <a:avLst/>
+          </a:prstGeom>
+          <a:noFill/>
+          <a:ln>
+            <a:noFill/>
+          </a:ln>
+          <a:effectLst/>
+          <a:extLst>
+            <a:ext uri="{909E8E84-426E-40DD-AFC4-6F175D3DCCD1}">
+              <a14:hiddenFill xmlns:a14="http://schemas.microsoft.com/office/drawing/2010/main">
+                <a:solidFill>
+                  <a:schemeClr val="accent1"/>
+                </a:solidFill>
+              </a14:hiddenFill>
+            </a:ext>
+            <a:ext uri="{91240B29-F687-4F45-9708-019B960494DF}">
+              <a14:hiddenLine xmlns:a14="http://schemas.microsoft.com/office/drawing/2010/main" w="9525">
+                <a:solidFill>
+                  <a:schemeClr val="tx1"/>
+                </a:solidFill>
+                <a:miter lim="800000"/>
+                <a:headEnd/>
+                <a:tailEnd/>
+              </a14:hiddenLine>
+            </a:ext>
+            <a:ext uri="{AF507438-7753-43E0-B8FC-AC1667EBCBE1}">
+              <a14:hiddenEffects xmlns:a14="http://schemas.microsoft.com/office/drawing/2010/main">
+                <a:effectLst>
+                  <a:outerShdw dist="35921" dir="2700000" algn="ctr" rotWithShape="0">
+                    <a:schemeClr val="bg2"/>
+                  </a:outerShdw>
+                </a:effectLst>
+              </a14:hiddenEffects>
+            </a:ext>
+          </a:extLst>
+        </p:spPr>
+        <p:txBody>
+          <a:bodyPr vert="horz" wrap="square" lIns="355488" tIns="45720" rIns="361836" bIns="45720" numCol="1" anchor="ctr" anchorCtr="0" compatLnSpc="1">
+            <a:prstTxWarp prst="textNoShape">
+              <a:avLst/>
+            </a:prstTxWarp>
+            <a:spAutoFit/>
+          </a:bodyPr>
+          <a:lstStyle/>
+          <a:p>
+            <a:pPr marL="0" marR="0" lvl="0" indent="0" algn="l" defTabSz="914400" rtl="0" eaLnBrk="0" fontAlgn="base" latinLnBrk="0" hangingPunct="0">
+              <a:lnSpc>
+                <a:spcPct val="100000"/>
+              </a:lnSpc>
+              <a:spcBef>
+                <a:spcPct val="0"/>
+              </a:spcBef>
+              <a:spcAft>
+                <a:spcPct val="0"/>
+              </a:spcAft>
+              <a:buClrTx/>
+              <a:buSzTx/>
+              <a:buFontTx/>
+              <a:buNone/>
+              <a:tabLst/>
+            </a:pPr>
+            <a:br>
+              <a:rPr kumimoji="0" lang="en-US" altLang="en-US" sz="1100" b="0" i="0" u="none" strike="noStrike" cap="none" normalizeH="0" baseline="0">
+                <a:ln>
+                  <a:noFill/>
+                </a:ln>
+                <a:solidFill>
+                  <a:schemeClr val="tx1"/>
+                </a:solidFill>
+                <a:effectLst/>
+                <a:latin typeface="Arial" panose="020B0604020202020204" pitchFamily="34" charset="0"/>
+                <a:ea typeface="Calibri" panose="020F0502020204030204" pitchFamily="34" charset="0"/>
+                <a:cs typeface="Times New Roman" panose="02020603050405020304" pitchFamily="18" charset="0"/>
+              </a:rPr>
+            </a:br>
+            <a:endParaRPr kumimoji="0" lang="en-US" altLang="en-US" sz="1100" b="0" i="0" u="none" strike="noStrike" cap="none" normalizeH="0" baseline="0">
+              <a:ln>
+                <a:noFill/>
+              </a:ln>
+              <a:solidFill>
+                <a:schemeClr val="tx1"/>
+              </a:solidFill>
+              <a:effectLst/>
+              <a:latin typeface="Arial" panose="020B0604020202020204" pitchFamily="34" charset="0"/>
+            </a:endParaRPr>
+          </a:p>
+          <a:p>
+            <a:pPr marL="0" marR="0" lvl="0" indent="0" algn="l" defTabSz="914400" rtl="0" eaLnBrk="0" fontAlgn="base" latinLnBrk="0" hangingPunct="0">
+              <a:lnSpc>
+                <a:spcPct val="100000"/>
+              </a:lnSpc>
+              <a:spcBef>
+                <a:spcPct val="0"/>
+              </a:spcBef>
+              <a:spcAft>
+                <a:spcPct val="0"/>
+              </a:spcAft>
+              <a:buClrTx/>
+              <a:buSzTx/>
+              <a:buFontTx/>
+              <a:buNone/>
+              <a:tabLst/>
+            </a:pPr>
+            <a:endParaRPr kumimoji="0" lang="en-US" altLang="en-US" sz="1800" b="0" i="0" u="none" strike="noStrike" cap="none" normalizeH="0" baseline="0">
+              <a:ln>
+                <a:noFill/>
+              </a:ln>
+              <a:solidFill>
+                <a:schemeClr val="tx1"/>
+              </a:solidFill>
+              <a:effectLst/>
+              <a:latin typeface="Arial" panose="020B0604020202020204" pitchFamily="34" charset="0"/>
+            </a:endParaRPr>
+          </a:p>
+        </p:txBody>
+      </p:sp>
     </p:spTree>
     <p:extLst>
       <p:ext uri="{BB962C8B-B14F-4D97-AF65-F5344CB8AC3E}">

--- a/Design Doc/Design document.pptx
+++ b/Design Doc/Design document.pptx
@@ -4102,6 +4102,14 @@
             </a:endParaRPr>
           </a:p>
           <a:p>
+            <a:r>
+              <a:rPr lang="en-IN" sz="1000" dirty="0">
+                <a:effectLst/>
+                <a:latin typeface="Arial" panose="020B0604020202020204" pitchFamily="34" charset="0"/>
+                <a:ea typeface="Calibri" panose="020F0502020204030204" pitchFamily="34" charset="0"/>
+              </a:rPr>
+              <a:t/>
+            </a:r>
             <a:br>
               <a:rPr lang="en-IN" sz="1000" dirty="0">
                 <a:effectLst/>
@@ -12060,12 +12068,12 @@
           <a:graphicData uri="http://schemas.openxmlformats.org/presentationml/2006/ole">
             <mc:AlternateContent xmlns:mc="http://schemas.openxmlformats.org/markup-compatibility/2006">
               <mc:Choice xmlns:v="urn:schemas-microsoft-com:vml" Requires="v">
-                <p:oleObj name="Presentation" r:id="rId2" imgW="6095936" imgH="3429229" progId="PowerPoint.Show.12">
+                <p:oleObj spid="_x0000_s3075" name="Presentation" r:id="rId3" imgW="6095936" imgH="3429229" progId="PowerPoint.Show.12">
                   <p:embed/>
                 </p:oleObj>
               </mc:Choice>
               <mc:Fallback>
-                <p:oleObj name="Presentation" r:id="rId2" imgW="6095936" imgH="3429229" progId="PowerPoint.Show.12">
+                <p:oleObj name="Presentation" r:id="rId3" imgW="6095936" imgH="3429229" progId="PowerPoint.Show.12">
                   <p:embed/>
                   <p:pic>
                     <p:nvPicPr>
@@ -12074,7 +12082,7 @@
                       <p:nvPr/>
                     </p:nvPicPr>
                     <p:blipFill>
-                      <a:blip r:embed="rId3"/>
+                      <a:blip r:embed="rId4"/>
                       <a:stretch>
                         <a:fillRect/>
                       </a:stretch>
@@ -18146,6 +18154,10 @@
             </a:lvl1pPr>
           </a:lstStyle>
           <a:p>
+            <a:r>
+              <a:rPr lang="en-US"/>
+              <a:t/>
+            </a:r>
             <a:br>
               <a:rPr lang="en-US"/>
             </a:br>
@@ -22491,6 +22503,13 @@
   <p:clrMapOvr>
     <a:masterClrMapping/>
   </p:clrMapOvr>
+  <p:timing>
+    <p:tnLst>
+      <p:par>
+        <p:cTn id="1" dur="indefinite" restart="never" nodeType="tmRoot"/>
+      </p:par>
+    </p:tnLst>
+  </p:timing>
 </p:sld>
 </file>
 
@@ -22511,6 +22530,30 @@
           <a:chExt cx="0" cy="0"/>
         </a:xfrm>
       </p:grpSpPr>
+      <p:pic>
+        <p:nvPicPr>
+          <p:cNvPr id="3" name="Picture 2"/>
+          <p:cNvPicPr>
+            <a:picLocks noChangeAspect="1"/>
+          </p:cNvPicPr>
+          <p:nvPr/>
+        </p:nvPicPr>
+        <p:blipFill>
+          <a:blip r:embed="rId2"/>
+          <a:stretch>
+            <a:fillRect/>
+          </a:stretch>
+        </p:blipFill>
+        <p:spPr>
+          <a:xfrm>
+            <a:off x="0" y="190500"/>
+            <a:ext cx="12192000" cy="6096000"/>
+          </a:xfrm>
+          <a:prstGeom prst="rect">
+            <a:avLst/>
+          </a:prstGeom>
+        </p:spPr>
+      </p:pic>
     </p:spTree>
     <p:extLst>
       <p:ext uri="{BB962C8B-B14F-4D97-AF65-F5344CB8AC3E}">
@@ -22521,6 +22564,13 @@
   <p:clrMapOvr>
     <a:masterClrMapping/>
   </p:clrMapOvr>
+  <p:timing>
+    <p:tnLst>
+      <p:par>
+        <p:cTn id="1" dur="indefinite" restart="never" nodeType="tmRoot"/>
+      </p:par>
+    </p:tnLst>
+  </p:timing>
 </p:sld>
 </file>
 
@@ -22773,6 +22823,13 @@
   <p:clrMapOvr>
     <a:masterClrMapping/>
   </p:clrMapOvr>
+  <p:timing>
+    <p:tnLst>
+      <p:par>
+        <p:cTn id="1" dur="indefinite" restart="never" nodeType="tmRoot"/>
+      </p:par>
+    </p:tnLst>
+  </p:timing>
 </p:sld>
 </file>
 
@@ -22821,12 +22878,12 @@
           <a:graphicData uri="http://schemas.openxmlformats.org/presentationml/2006/ole">
             <mc:AlternateContent xmlns:mc="http://schemas.openxmlformats.org/markup-compatibility/2006">
               <mc:Choice xmlns:v="urn:schemas-microsoft-com:vml" Requires="v">
-                <p:oleObj name="Document" r:id="rId2" imgW="7768802" imgH="9572064" progId="Word.Document.12">
+                <p:oleObj spid="_x0000_s1027" name="Document" r:id="rId3" imgW="7768802" imgH="9572064" progId="Word.Document.12">
                   <p:embed/>
                 </p:oleObj>
               </mc:Choice>
               <mc:Fallback>
-                <p:oleObj name="Document" r:id="rId2" imgW="7768802" imgH="9572064" progId="Word.Document.12">
+                <p:oleObj name="Document" r:id="rId3" imgW="7768802" imgH="9572064" progId="Word.Document.12">
                   <p:embed/>
                   <p:pic>
                     <p:nvPicPr>
@@ -22835,7 +22892,7 @@
                       <p:nvPr/>
                     </p:nvPicPr>
                     <p:blipFill>
-                      <a:blip r:embed="rId3"/>
+                      <a:blip r:embed="rId4"/>
                       <a:stretch>
                         <a:fillRect/>
                       </a:stretch>
@@ -22914,12 +22971,12 @@
           <a:graphicData uri="http://schemas.openxmlformats.org/presentationml/2006/ole">
             <mc:AlternateContent xmlns:mc="http://schemas.openxmlformats.org/markup-compatibility/2006">
               <mc:Choice xmlns:v="urn:schemas-microsoft-com:vml" Requires="v">
-                <p:oleObj name="Document" r:id="rId2" imgW="7768802" imgH="10853699" progId="Word.Document.12">
+                <p:oleObj spid="_x0000_s2051" name="Document" r:id="rId3" imgW="7768802" imgH="10853699" progId="Word.Document.12">
                   <p:embed/>
                 </p:oleObj>
               </mc:Choice>
               <mc:Fallback>
-                <p:oleObj name="Document" r:id="rId2" imgW="7768802" imgH="10853699" progId="Word.Document.12">
+                <p:oleObj name="Document" r:id="rId3" imgW="7768802" imgH="10853699" progId="Word.Document.12">
                   <p:embed/>
                   <p:pic>
                     <p:nvPicPr>
@@ -22928,7 +22985,7 @@
                       <p:nvPr/>
                     </p:nvPicPr>
                     <p:blipFill>
-                      <a:blip r:embed="rId3"/>
+                      <a:blip r:embed="rId4"/>
                       <a:stretch>
                         <a:fillRect/>
                       </a:stretch>
@@ -24626,6 +24683,21 @@
               <a:buNone/>
               <a:tabLst/>
             </a:pPr>
+            <a:r>
+              <a:rPr kumimoji="0" lang="en-US" altLang="en-US" sz="1100" b="0" i="0" u="none" strike="noStrike" cap="none" normalizeH="0" baseline="0">
+                <a:ln>
+                  <a:noFill/>
+                </a:ln>
+                <a:solidFill>
+                  <a:schemeClr val="tx1"/>
+                </a:solidFill>
+                <a:effectLst/>
+                <a:latin typeface="Arial" panose="020B0604020202020204" pitchFamily="34" charset="0"/>
+                <a:ea typeface="Calibri" panose="020F0502020204030204" pitchFamily="34" charset="0"/>
+                <a:cs typeface="Times New Roman" panose="02020603050405020304" pitchFamily="18" charset="0"/>
+              </a:rPr>
+              <a:t/>
+            </a:r>
             <a:br>
               <a:rPr kumimoji="0" lang="en-US" altLang="en-US" sz="1100" b="0" i="0" u="none" strike="noStrike" cap="none" normalizeH="0" baseline="0">
                 <a:ln>
